--- a/Trainings/Deck.pptx
+++ b/Trainings/Deck.pptx
@@ -6,8 +6,19 @@
   </p:sldMasterIdLst>
   <p:sldIdLst>
     <p:sldId id="256" r:id="rId2"/>
-    <p:sldId id="257" r:id="rId3"/>
-    <p:sldId id="258" r:id="rId4"/>
+    <p:sldId id="273" r:id="rId3"/>
+    <p:sldId id="257" r:id="rId4"/>
+    <p:sldId id="258" r:id="rId5"/>
+    <p:sldId id="272" r:id="rId6"/>
+    <p:sldId id="259" r:id="rId7"/>
+    <p:sldId id="260" r:id="rId8"/>
+    <p:sldId id="261" r:id="rId9"/>
+    <p:sldId id="262" r:id="rId10"/>
+    <p:sldId id="263" r:id="rId11"/>
+    <p:sldId id="264" r:id="rId12"/>
+    <p:sldId id="265" r:id="rId13"/>
+    <p:sldId id="270" r:id="rId14"/>
+    <p:sldId id="271" r:id="rId15"/>
   </p:sldIdLst>
   <p:sldSz cx="12192000" cy="6858000"/>
   <p:notesSz cx="6858000" cy="9144000"/>
@@ -106,6 +117,11 @@
       </a:defRPr>
     </a:lvl9pPr>
   </p:defaultTextStyle>
+  <p:extLst>
+    <p:ext uri="{EFAFB233-063F-42B5-8137-9DF3F51BA10A}">
+      <p15:sldGuideLst xmlns:p15="http://schemas.microsoft.com/office/powerpoint/2012/main"/>
+    </p:ext>
+  </p:extLst>
 </p:presentation>
 </file>
 
@@ -445,7 +461,7 @@
             <a:fld id="{5923F103-BC34-4FE4-A40E-EDDEECFDA5D0}" type="datetimeFigureOut">
               <a:rPr lang="en-US" dirty="0"/>
               <a:pPr/>
-              <a:t>5/19/2019</a:t>
+              <a:t>5/20/2019</a:t>
             </a:fld>
             <a:endParaRPr lang="en-US" dirty="0"/>
           </a:p>
@@ -1533,7 +1549,7 @@
           <a:p>
             <a:fld id="{923A1CC3-2375-41D4-9E03-427CAF2A4C1A}" type="datetimeFigureOut">
               <a:rPr lang="en-US" dirty="0"/>
-              <a:t>5/19/2019</a:t>
+              <a:t>5/20/2019</a:t>
             </a:fld>
             <a:endParaRPr lang="en-US" dirty="0"/>
           </a:p>
@@ -2513,7 +2529,7 @@
           <a:p>
             <a:fld id="{AFF16868-8199-4C2C-A5B1-63AEE139F88E}" type="datetimeFigureOut">
               <a:rPr lang="en-US" dirty="0"/>
-              <a:t>5/19/2019</a:t>
+              <a:t>5/20/2019</a:t>
             </a:fld>
             <a:endParaRPr lang="en-US" dirty="0"/>
           </a:p>
@@ -3647,7 +3663,7 @@
           <a:p>
             <a:fld id="{AAD9FF7F-6988-44CC-821B-644E70CD2F73}" type="datetimeFigureOut">
               <a:rPr lang="en-US" dirty="0"/>
-              <a:t>5/19/2019</a:t>
+              <a:t>5/20/2019</a:t>
             </a:fld>
             <a:endParaRPr lang="en-US" dirty="0"/>
           </a:p>
@@ -4680,7 +4696,7 @@
           <a:p>
             <a:fld id="{5C12C299-16B2-4475-990D-751901EACC14}" type="datetimeFigureOut">
               <a:rPr lang="en-US" dirty="0"/>
-              <a:t>5/19/2019</a:t>
+              <a:t>5/20/2019</a:t>
             </a:fld>
             <a:endParaRPr lang="en-US" dirty="0"/>
           </a:p>
@@ -5340,7 +5356,7 @@
           <a:p>
             <a:fld id="{9FE86839-B9D8-4651-8783-F325ECE74E65}" type="datetimeFigureOut">
               <a:rPr lang="en-US" dirty="0"/>
-              <a:t>5/19/2019</a:t>
+              <a:t>5/20/2019</a:t>
             </a:fld>
             <a:endParaRPr lang="en-US" dirty="0"/>
           </a:p>
@@ -6201,7 +6217,7 @@
           <a:p>
             <a:fld id="{FD484F64-32F6-45C5-931F-ADC1662401D0}" type="datetimeFigureOut">
               <a:rPr lang="en-US" dirty="0"/>
-              <a:t>5/19/2019</a:t>
+              <a:t>5/20/2019</a:t>
             </a:fld>
             <a:endParaRPr lang="en-US" dirty="0"/>
           </a:p>
@@ -6391,7 +6407,7 @@
           <a:p>
             <a:fld id="{53086D93-FCAC-47E0-A2EE-787E62CA814C}" type="datetimeFigureOut">
               <a:rPr lang="en-US" dirty="0"/>
-              <a:t>5/19/2019</a:t>
+              <a:t>5/20/2019</a:t>
             </a:fld>
             <a:endParaRPr lang="en-US" dirty="0"/>
           </a:p>
@@ -7363,7 +7379,7 @@
           <a:p>
             <a:fld id="{CDA879A6-0FD0-4734-A311-86BFCA472E6E}" type="datetimeFigureOut">
               <a:rPr lang="en-US" dirty="0"/>
-              <a:t>5/19/2019</a:t>
+              <a:t>5/20/2019</a:t>
             </a:fld>
             <a:endParaRPr lang="en-US" dirty="0"/>
           </a:p>
@@ -7574,7 +7590,7 @@
           <a:p>
             <a:fld id="{19C9CA7B-DFD4-44B5-8C60-D14B8CD1FB59}" type="datetimeFigureOut">
               <a:rPr lang="en-US" dirty="0"/>
-              <a:t>5/19/2019</a:t>
+              <a:t>5/20/2019</a:t>
             </a:fld>
             <a:endParaRPr lang="en-US" dirty="0"/>
           </a:p>
@@ -8608,7 +8624,7 @@
           <a:p>
             <a:fld id="{F34E6425-0181-43F2-84FC-787E803FD2F8}" type="datetimeFigureOut">
               <a:rPr lang="en-US" dirty="0"/>
-              <a:t>5/19/2019</a:t>
+              <a:t>5/20/2019</a:t>
             </a:fld>
             <a:endParaRPr lang="en-US" dirty="0"/>
           </a:p>
@@ -8880,7 +8896,7 @@
           <a:p>
             <a:fld id="{3BDB8791-F1B0-41E7-B7FD-A781E65C4266}" type="datetimeFigureOut">
               <a:rPr lang="en-US" dirty="0"/>
-              <a:t>5/19/2019</a:t>
+              <a:t>5/20/2019</a:t>
             </a:fld>
             <a:endParaRPr lang="en-US" dirty="0"/>
           </a:p>
@@ -9290,7 +9306,7 @@
           <a:p>
             <a:fld id="{5FDD63B2-E120-4ED8-B27B-C685F510A5FE}" type="datetimeFigureOut">
               <a:rPr lang="en-US" dirty="0"/>
-              <a:t>5/19/2019</a:t>
+              <a:t>5/20/2019</a:t>
             </a:fld>
             <a:endParaRPr lang="en-US" dirty="0"/>
           </a:p>
@@ -9417,7 +9433,7 @@
           <a:p>
             <a:fld id="{7AA18ACC-A947-437B-A130-35BD54FDF1E9}" type="datetimeFigureOut">
               <a:rPr lang="en-US" dirty="0"/>
-              <a:t>5/19/2019</a:t>
+              <a:t>5/20/2019</a:t>
             </a:fld>
             <a:endParaRPr lang="en-US" dirty="0"/>
           </a:p>
@@ -9512,7 +9528,7 @@
           <a:p>
             <a:fld id="{7C8D7E02-BCB8-4D50-A234-369438C08659}" type="datetimeFigureOut">
               <a:rPr lang="en-US" dirty="0"/>
-              <a:t>5/19/2019</a:t>
+              <a:t>5/20/2019</a:t>
             </a:fld>
             <a:endParaRPr lang="en-US" dirty="0"/>
           </a:p>
@@ -10593,7 +10609,7 @@
           <a:p>
             <a:fld id="{76E86A4C-8E40-4F87-A4F0-01A0687C5742}" type="datetimeFigureOut">
               <a:rPr lang="en-US" dirty="0"/>
-              <a:t>5/19/2019</a:t>
+              <a:t>5/20/2019</a:t>
             </a:fld>
             <a:endParaRPr lang="en-US" dirty="0"/>
           </a:p>
@@ -11701,7 +11717,7 @@
           <a:p>
             <a:fld id="{35E72C73-2D91-4E12-BA25-F0AA0C03599B}" type="datetimeFigureOut">
               <a:rPr lang="en-US" dirty="0"/>
-              <a:t>5/19/2019</a:t>
+              <a:t>5/20/2019</a:t>
             </a:fld>
             <a:endParaRPr lang="en-US" dirty="0"/>
           </a:p>
@@ -12698,7 +12714,7 @@
           <a:p>
             <a:fld id="{2BE451C3-0FF4-47C4-B829-773ADF60F88C}" type="datetimeFigureOut">
               <a:rPr lang="en-US" dirty="0"/>
-              <a:t>5/19/2019</a:t>
+              <a:t>5/20/2019</a:t>
             </a:fld>
             <a:endParaRPr lang="en-US" dirty="0"/>
           </a:p>
@@ -13444,7 +13460,1449 @@
 </p:sld>
 </file>
 
+<file path=ppt/slides/slide10.xml><?xml version="1.0" encoding="utf-8"?>
+<p:sld xmlns:a="http://schemas.openxmlformats.org/drawingml/2006/main" xmlns:r="http://schemas.openxmlformats.org/officeDocument/2006/relationships" xmlns:p="http://schemas.openxmlformats.org/presentationml/2006/main">
+  <p:cSld>
+    <p:spTree>
+      <p:nvGrpSpPr>
+        <p:cNvPr id="1" name=""/>
+        <p:cNvGrpSpPr/>
+        <p:nvPr/>
+      </p:nvGrpSpPr>
+      <p:grpSpPr>
+        <a:xfrm>
+          <a:off x="0" y="0"/>
+          <a:ext cx="0" cy="0"/>
+          <a:chOff x="0" y="0"/>
+          <a:chExt cx="0" cy="0"/>
+        </a:xfrm>
+      </p:grpSpPr>
+      <p:sp>
+        <p:nvSpPr>
+          <p:cNvPr id="2" name="Title 1"/>
+          <p:cNvSpPr>
+            <a:spLocks noGrp="1"/>
+          </p:cNvSpPr>
+          <p:nvPr>
+            <p:ph type="title"/>
+          </p:nvPr>
+        </p:nvSpPr>
+        <p:spPr>
+          <a:xfrm>
+            <a:off x="1154954" y="973668"/>
+            <a:ext cx="8761413" cy="559568"/>
+          </a:xfrm>
+        </p:spPr>
+        <p:txBody>
+          <a:bodyPr/>
+          <a:lstStyle/>
+          <a:p>
+            <a:r>
+              <a:rPr lang="en-US" dirty="0" smtClean="0"/>
+              <a:t>05</a:t>
+            </a:r>
+            <a:endParaRPr lang="en-US" dirty="0"/>
+          </a:p>
+        </p:txBody>
+      </p:sp>
+      <p:pic>
+        <p:nvPicPr>
+          <p:cNvPr id="4" name="Picture 3"/>
+          <p:cNvPicPr>
+            <a:picLocks noChangeAspect="1"/>
+          </p:cNvPicPr>
+          <p:nvPr/>
+        </p:nvPicPr>
+        <p:blipFill>
+          <a:blip r:embed="rId2">
+            <a:extLst>
+              <a:ext uri="{28A0092B-C50C-407E-A947-70E740481C1C}">
+                <a14:useLocalDpi xmlns:a14="http://schemas.microsoft.com/office/drawing/2010/main" val="0"/>
+              </a:ext>
+            </a:extLst>
+          </a:blip>
+          <a:stretch>
+            <a:fillRect/>
+          </a:stretch>
+        </p:blipFill>
+        <p:spPr>
+          <a:xfrm>
+            <a:off x="11093450" y="5749925"/>
+            <a:ext cx="1098550" cy="1098550"/>
+          </a:xfrm>
+          <a:prstGeom prst="rect">
+            <a:avLst/>
+          </a:prstGeom>
+        </p:spPr>
+      </p:pic>
+      <p:sp>
+        <p:nvSpPr>
+          <p:cNvPr id="5" name="Content Placeholder 8"/>
+          <p:cNvSpPr txBox="1">
+            <a:spLocks/>
+          </p:cNvSpPr>
+          <p:nvPr/>
+        </p:nvSpPr>
+        <p:spPr>
+          <a:xfrm>
+            <a:off x="979463" y="2364508"/>
+            <a:ext cx="8825659" cy="384175"/>
+          </a:xfrm>
+          <a:prstGeom prst="rect">
+            <a:avLst/>
+          </a:prstGeom>
+        </p:spPr>
+        <p:txBody>
+          <a:bodyPr vert="horz" lIns="91440" tIns="45720" rIns="91440" bIns="45720" rtlCol="0">
+            <a:normAutofit fontScale="92500" lnSpcReduction="20000"/>
+          </a:bodyPr>
+          <a:lstStyle>
+            <a:lvl1pPr marL="342900" indent="-342900" algn="l" defTabSz="457200" rtl="0" eaLnBrk="1" latinLnBrk="0" hangingPunct="1">
+              <a:spcBef>
+                <a:spcPts val="1000"/>
+              </a:spcBef>
+              <a:spcAft>
+                <a:spcPts val="0"/>
+              </a:spcAft>
+              <a:buClr>
+                <a:schemeClr val="accent1"/>
+              </a:buClr>
+              <a:buSzPct val="80000"/>
+              <a:buFont typeface="Wingdings 3" charset="2"/>
+              <a:buChar char=""/>
+              <a:defRPr sz="1800" b="0" i="0" kern="1200">
+                <a:solidFill>
+                  <a:schemeClr val="tx1">
+                    <a:lumMod val="75000"/>
+                    <a:lumOff val="25000"/>
+                  </a:schemeClr>
+                </a:solidFill>
+                <a:latin typeface="+mn-lt"/>
+                <a:ea typeface="+mn-ea"/>
+                <a:cs typeface="+mn-cs"/>
+              </a:defRPr>
+            </a:lvl1pPr>
+            <a:lvl2pPr marL="742950" indent="-285750" algn="l" defTabSz="457200" rtl="0" eaLnBrk="1" latinLnBrk="0" hangingPunct="1">
+              <a:spcBef>
+                <a:spcPts val="1000"/>
+              </a:spcBef>
+              <a:spcAft>
+                <a:spcPts val="0"/>
+              </a:spcAft>
+              <a:buClr>
+                <a:schemeClr val="accent1"/>
+              </a:buClr>
+              <a:buSzPct val="80000"/>
+              <a:buFont typeface="Wingdings 3" charset="2"/>
+              <a:buChar char=""/>
+              <a:defRPr sz="1600" b="0" i="0" kern="1200">
+                <a:solidFill>
+                  <a:schemeClr val="tx1">
+                    <a:lumMod val="75000"/>
+                    <a:lumOff val="25000"/>
+                  </a:schemeClr>
+                </a:solidFill>
+                <a:latin typeface="+mn-lt"/>
+                <a:ea typeface="+mn-ea"/>
+                <a:cs typeface="+mn-cs"/>
+              </a:defRPr>
+            </a:lvl2pPr>
+            <a:lvl3pPr marL="1143000" indent="-228600" algn="l" defTabSz="457200" rtl="0" eaLnBrk="1" latinLnBrk="0" hangingPunct="1">
+              <a:spcBef>
+                <a:spcPts val="1000"/>
+              </a:spcBef>
+              <a:spcAft>
+                <a:spcPts val="0"/>
+              </a:spcAft>
+              <a:buClr>
+                <a:schemeClr val="accent1"/>
+              </a:buClr>
+              <a:buSzPct val="80000"/>
+              <a:buFont typeface="Wingdings 3" charset="2"/>
+              <a:buChar char=""/>
+              <a:defRPr sz="1400" b="0" i="0" kern="1200">
+                <a:solidFill>
+                  <a:schemeClr val="tx1">
+                    <a:lumMod val="75000"/>
+                    <a:lumOff val="25000"/>
+                  </a:schemeClr>
+                </a:solidFill>
+                <a:latin typeface="+mn-lt"/>
+                <a:ea typeface="+mn-ea"/>
+                <a:cs typeface="+mn-cs"/>
+              </a:defRPr>
+            </a:lvl3pPr>
+            <a:lvl4pPr marL="1600200" indent="-228600" algn="l" defTabSz="457200" rtl="0" eaLnBrk="1" latinLnBrk="0" hangingPunct="1">
+              <a:spcBef>
+                <a:spcPts val="1000"/>
+              </a:spcBef>
+              <a:spcAft>
+                <a:spcPts val="0"/>
+              </a:spcAft>
+              <a:buClr>
+                <a:schemeClr val="accent1"/>
+              </a:buClr>
+              <a:buSzPct val="80000"/>
+              <a:buFont typeface="Wingdings 3" charset="2"/>
+              <a:buChar char=""/>
+              <a:defRPr sz="1200" b="0" i="0" kern="1200">
+                <a:solidFill>
+                  <a:schemeClr val="tx1">
+                    <a:lumMod val="75000"/>
+                    <a:lumOff val="25000"/>
+                  </a:schemeClr>
+                </a:solidFill>
+                <a:latin typeface="+mn-lt"/>
+                <a:ea typeface="+mn-ea"/>
+                <a:cs typeface="+mn-cs"/>
+              </a:defRPr>
+            </a:lvl4pPr>
+            <a:lvl5pPr marL="2057400" indent="-228600" algn="l" defTabSz="457200" rtl="0" eaLnBrk="1" latinLnBrk="0" hangingPunct="1">
+              <a:spcBef>
+                <a:spcPts val="1000"/>
+              </a:spcBef>
+              <a:spcAft>
+                <a:spcPts val="0"/>
+              </a:spcAft>
+              <a:buClr>
+                <a:schemeClr val="accent1"/>
+              </a:buClr>
+              <a:buSzPct val="80000"/>
+              <a:buFont typeface="Wingdings 3" charset="2"/>
+              <a:buChar char=""/>
+              <a:defRPr sz="1200" b="0" i="0" kern="1200">
+                <a:solidFill>
+                  <a:schemeClr val="tx1">
+                    <a:lumMod val="75000"/>
+                    <a:lumOff val="25000"/>
+                  </a:schemeClr>
+                </a:solidFill>
+                <a:latin typeface="+mn-lt"/>
+                <a:ea typeface="+mn-ea"/>
+                <a:cs typeface="+mn-cs"/>
+              </a:defRPr>
+            </a:lvl5pPr>
+            <a:lvl6pPr marL="2514600" indent="-228600" algn="l" defTabSz="457200" rtl="0" eaLnBrk="1" latinLnBrk="0" hangingPunct="1">
+              <a:spcBef>
+                <a:spcPts val="1000"/>
+              </a:spcBef>
+              <a:spcAft>
+                <a:spcPts val="0"/>
+              </a:spcAft>
+              <a:buClr>
+                <a:schemeClr val="accent1"/>
+              </a:buClr>
+              <a:buSzPct val="80000"/>
+              <a:buFont typeface="Wingdings 3" charset="2"/>
+              <a:buChar char=""/>
+              <a:defRPr sz="1200" b="0" i="0" kern="1200">
+                <a:solidFill>
+                  <a:schemeClr val="tx1">
+                    <a:lumMod val="75000"/>
+                    <a:lumOff val="25000"/>
+                  </a:schemeClr>
+                </a:solidFill>
+                <a:latin typeface="+mn-lt"/>
+                <a:ea typeface="+mn-ea"/>
+                <a:cs typeface="+mn-cs"/>
+              </a:defRPr>
+            </a:lvl6pPr>
+            <a:lvl7pPr marL="2971800" indent="-228600" algn="l" defTabSz="457200" rtl="0" eaLnBrk="1" latinLnBrk="0" hangingPunct="1">
+              <a:spcBef>
+                <a:spcPts val="1000"/>
+              </a:spcBef>
+              <a:spcAft>
+                <a:spcPts val="0"/>
+              </a:spcAft>
+              <a:buClr>
+                <a:schemeClr val="accent1"/>
+              </a:buClr>
+              <a:buSzPct val="80000"/>
+              <a:buFont typeface="Wingdings 3" charset="2"/>
+              <a:buChar char=""/>
+              <a:defRPr sz="1200" b="0" i="0" kern="1200">
+                <a:solidFill>
+                  <a:schemeClr val="tx1">
+                    <a:lumMod val="75000"/>
+                    <a:lumOff val="25000"/>
+                  </a:schemeClr>
+                </a:solidFill>
+                <a:latin typeface="+mn-lt"/>
+                <a:ea typeface="+mn-ea"/>
+                <a:cs typeface="+mn-cs"/>
+              </a:defRPr>
+            </a:lvl7pPr>
+            <a:lvl8pPr marL="3429000" indent="-228600" algn="l" defTabSz="457200" rtl="0" eaLnBrk="1" latinLnBrk="0" hangingPunct="1">
+              <a:spcBef>
+                <a:spcPts val="1000"/>
+              </a:spcBef>
+              <a:spcAft>
+                <a:spcPts val="0"/>
+              </a:spcAft>
+              <a:buClr>
+                <a:schemeClr val="accent1"/>
+              </a:buClr>
+              <a:buSzPct val="80000"/>
+              <a:buFont typeface="Wingdings 3" charset="2"/>
+              <a:buChar char=""/>
+              <a:defRPr sz="1200" b="0" i="0" kern="1200">
+                <a:solidFill>
+                  <a:schemeClr val="tx1">
+                    <a:lumMod val="75000"/>
+                    <a:lumOff val="25000"/>
+                  </a:schemeClr>
+                </a:solidFill>
+                <a:latin typeface="+mn-lt"/>
+                <a:ea typeface="+mn-ea"/>
+                <a:cs typeface="+mn-cs"/>
+              </a:defRPr>
+            </a:lvl8pPr>
+            <a:lvl9pPr marL="3886200" indent="-228600" algn="l" defTabSz="457200" rtl="0" eaLnBrk="1" latinLnBrk="0" hangingPunct="1">
+              <a:spcBef>
+                <a:spcPts val="1000"/>
+              </a:spcBef>
+              <a:spcAft>
+                <a:spcPts val="0"/>
+              </a:spcAft>
+              <a:buClr>
+                <a:schemeClr val="accent1"/>
+              </a:buClr>
+              <a:buSzPct val="80000"/>
+              <a:buFont typeface="Wingdings 3" charset="2"/>
+              <a:buChar char=""/>
+              <a:defRPr sz="1200" b="0" i="0" kern="1200">
+                <a:solidFill>
+                  <a:schemeClr val="tx1">
+                    <a:lumMod val="75000"/>
+                    <a:lumOff val="25000"/>
+                  </a:schemeClr>
+                </a:solidFill>
+                <a:latin typeface="+mn-lt"/>
+                <a:ea typeface="+mn-ea"/>
+                <a:cs typeface="+mn-cs"/>
+              </a:defRPr>
+            </a:lvl9pPr>
+          </a:lstStyle>
+          <a:p>
+            <a:pPr marL="0" indent="0" algn="ctr">
+              <a:buFont typeface="Wingdings 3" charset="2"/>
+              <a:buNone/>
+            </a:pPr>
+            <a:r>
+              <a:rPr lang="en-US" sz="2400" b="1" i="1" dirty="0" smtClean="0"/>
+              <a:t>Develop a Website</a:t>
+            </a:r>
+          </a:p>
+        </p:txBody>
+      </p:sp>
+    </p:spTree>
+    <p:extLst>
+      <p:ext uri="{BB962C8B-B14F-4D97-AF65-F5344CB8AC3E}">
+        <p14:creationId xmlns:p14="http://schemas.microsoft.com/office/powerpoint/2010/main" val="289660463"/>
+      </p:ext>
+    </p:extLst>
+  </p:cSld>
+  <p:clrMapOvr>
+    <a:masterClrMapping/>
+  </p:clrMapOvr>
+  <p:timing>
+    <p:tnLst>
+      <p:par>
+        <p:cTn id="1" dur="indefinite" restart="never" nodeType="tmRoot"/>
+      </p:par>
+    </p:tnLst>
+  </p:timing>
+</p:sld>
+</file>
+
+<file path=ppt/slides/slide11.xml><?xml version="1.0" encoding="utf-8"?>
+<p:sld xmlns:a="http://schemas.openxmlformats.org/drawingml/2006/main" xmlns:r="http://schemas.openxmlformats.org/officeDocument/2006/relationships" xmlns:p="http://schemas.openxmlformats.org/presentationml/2006/main">
+  <p:cSld>
+    <p:spTree>
+      <p:nvGrpSpPr>
+        <p:cNvPr id="1" name=""/>
+        <p:cNvGrpSpPr/>
+        <p:nvPr/>
+      </p:nvGrpSpPr>
+      <p:grpSpPr>
+        <a:xfrm>
+          <a:off x="0" y="0"/>
+          <a:ext cx="0" cy="0"/>
+          <a:chOff x="0" y="0"/>
+          <a:chExt cx="0" cy="0"/>
+        </a:xfrm>
+      </p:grpSpPr>
+      <p:sp>
+        <p:nvSpPr>
+          <p:cNvPr id="2" name="Title 1"/>
+          <p:cNvSpPr>
+            <a:spLocks noGrp="1"/>
+          </p:cNvSpPr>
+          <p:nvPr>
+            <p:ph type="title"/>
+          </p:nvPr>
+        </p:nvSpPr>
+        <p:spPr>
+          <a:xfrm>
+            <a:off x="1154954" y="973668"/>
+            <a:ext cx="8761413" cy="559568"/>
+          </a:xfrm>
+        </p:spPr>
+        <p:txBody>
+          <a:bodyPr/>
+          <a:lstStyle/>
+          <a:p>
+            <a:r>
+              <a:rPr lang="en-US" dirty="0" smtClean="0"/>
+              <a:t>06</a:t>
+            </a:r>
+            <a:endParaRPr lang="en-US" dirty="0"/>
+          </a:p>
+        </p:txBody>
+      </p:sp>
+      <p:pic>
+        <p:nvPicPr>
+          <p:cNvPr id="4" name="Picture 3"/>
+          <p:cNvPicPr>
+            <a:picLocks noChangeAspect="1"/>
+          </p:cNvPicPr>
+          <p:nvPr/>
+        </p:nvPicPr>
+        <p:blipFill>
+          <a:blip r:embed="rId2">
+            <a:extLst>
+              <a:ext uri="{28A0092B-C50C-407E-A947-70E740481C1C}">
+                <a14:useLocalDpi xmlns:a14="http://schemas.microsoft.com/office/drawing/2010/main" val="0"/>
+              </a:ext>
+            </a:extLst>
+          </a:blip>
+          <a:stretch>
+            <a:fillRect/>
+          </a:stretch>
+        </p:blipFill>
+        <p:spPr>
+          <a:xfrm>
+            <a:off x="11093450" y="5759450"/>
+            <a:ext cx="1098550" cy="1098550"/>
+          </a:xfrm>
+          <a:prstGeom prst="rect">
+            <a:avLst/>
+          </a:prstGeom>
+        </p:spPr>
+      </p:pic>
+      <p:sp>
+        <p:nvSpPr>
+          <p:cNvPr id="5" name="Content Placeholder 8"/>
+          <p:cNvSpPr txBox="1">
+            <a:spLocks/>
+          </p:cNvSpPr>
+          <p:nvPr/>
+        </p:nvSpPr>
+        <p:spPr>
+          <a:xfrm>
+            <a:off x="979463" y="2364508"/>
+            <a:ext cx="8825659" cy="384175"/>
+          </a:xfrm>
+          <a:prstGeom prst="rect">
+            <a:avLst/>
+          </a:prstGeom>
+        </p:spPr>
+        <p:txBody>
+          <a:bodyPr vert="horz" lIns="91440" tIns="45720" rIns="91440" bIns="45720" rtlCol="0">
+            <a:normAutofit fontScale="92500" lnSpcReduction="20000"/>
+          </a:bodyPr>
+          <a:lstStyle>
+            <a:lvl1pPr marL="342900" indent="-342900" algn="l" defTabSz="457200" rtl="0" eaLnBrk="1" latinLnBrk="0" hangingPunct="1">
+              <a:spcBef>
+                <a:spcPts val="1000"/>
+              </a:spcBef>
+              <a:spcAft>
+                <a:spcPts val="0"/>
+              </a:spcAft>
+              <a:buClr>
+                <a:schemeClr val="accent1"/>
+              </a:buClr>
+              <a:buSzPct val="80000"/>
+              <a:buFont typeface="Wingdings 3" charset="2"/>
+              <a:buChar char=""/>
+              <a:defRPr sz="1800" b="0" i="0" kern="1200">
+                <a:solidFill>
+                  <a:schemeClr val="tx1">
+                    <a:lumMod val="75000"/>
+                    <a:lumOff val="25000"/>
+                  </a:schemeClr>
+                </a:solidFill>
+                <a:latin typeface="+mn-lt"/>
+                <a:ea typeface="+mn-ea"/>
+                <a:cs typeface="+mn-cs"/>
+              </a:defRPr>
+            </a:lvl1pPr>
+            <a:lvl2pPr marL="742950" indent="-285750" algn="l" defTabSz="457200" rtl="0" eaLnBrk="1" latinLnBrk="0" hangingPunct="1">
+              <a:spcBef>
+                <a:spcPts val="1000"/>
+              </a:spcBef>
+              <a:spcAft>
+                <a:spcPts val="0"/>
+              </a:spcAft>
+              <a:buClr>
+                <a:schemeClr val="accent1"/>
+              </a:buClr>
+              <a:buSzPct val="80000"/>
+              <a:buFont typeface="Wingdings 3" charset="2"/>
+              <a:buChar char=""/>
+              <a:defRPr sz="1600" b="0" i="0" kern="1200">
+                <a:solidFill>
+                  <a:schemeClr val="tx1">
+                    <a:lumMod val="75000"/>
+                    <a:lumOff val="25000"/>
+                  </a:schemeClr>
+                </a:solidFill>
+                <a:latin typeface="+mn-lt"/>
+                <a:ea typeface="+mn-ea"/>
+                <a:cs typeface="+mn-cs"/>
+              </a:defRPr>
+            </a:lvl2pPr>
+            <a:lvl3pPr marL="1143000" indent="-228600" algn="l" defTabSz="457200" rtl="0" eaLnBrk="1" latinLnBrk="0" hangingPunct="1">
+              <a:spcBef>
+                <a:spcPts val="1000"/>
+              </a:spcBef>
+              <a:spcAft>
+                <a:spcPts val="0"/>
+              </a:spcAft>
+              <a:buClr>
+                <a:schemeClr val="accent1"/>
+              </a:buClr>
+              <a:buSzPct val="80000"/>
+              <a:buFont typeface="Wingdings 3" charset="2"/>
+              <a:buChar char=""/>
+              <a:defRPr sz="1400" b="0" i="0" kern="1200">
+                <a:solidFill>
+                  <a:schemeClr val="tx1">
+                    <a:lumMod val="75000"/>
+                    <a:lumOff val="25000"/>
+                  </a:schemeClr>
+                </a:solidFill>
+                <a:latin typeface="+mn-lt"/>
+                <a:ea typeface="+mn-ea"/>
+                <a:cs typeface="+mn-cs"/>
+              </a:defRPr>
+            </a:lvl3pPr>
+            <a:lvl4pPr marL="1600200" indent="-228600" algn="l" defTabSz="457200" rtl="0" eaLnBrk="1" latinLnBrk="0" hangingPunct="1">
+              <a:spcBef>
+                <a:spcPts val="1000"/>
+              </a:spcBef>
+              <a:spcAft>
+                <a:spcPts val="0"/>
+              </a:spcAft>
+              <a:buClr>
+                <a:schemeClr val="accent1"/>
+              </a:buClr>
+              <a:buSzPct val="80000"/>
+              <a:buFont typeface="Wingdings 3" charset="2"/>
+              <a:buChar char=""/>
+              <a:defRPr sz="1200" b="0" i="0" kern="1200">
+                <a:solidFill>
+                  <a:schemeClr val="tx1">
+                    <a:lumMod val="75000"/>
+                    <a:lumOff val="25000"/>
+                  </a:schemeClr>
+                </a:solidFill>
+                <a:latin typeface="+mn-lt"/>
+                <a:ea typeface="+mn-ea"/>
+                <a:cs typeface="+mn-cs"/>
+              </a:defRPr>
+            </a:lvl4pPr>
+            <a:lvl5pPr marL="2057400" indent="-228600" algn="l" defTabSz="457200" rtl="0" eaLnBrk="1" latinLnBrk="0" hangingPunct="1">
+              <a:spcBef>
+                <a:spcPts val="1000"/>
+              </a:spcBef>
+              <a:spcAft>
+                <a:spcPts val="0"/>
+              </a:spcAft>
+              <a:buClr>
+                <a:schemeClr val="accent1"/>
+              </a:buClr>
+              <a:buSzPct val="80000"/>
+              <a:buFont typeface="Wingdings 3" charset="2"/>
+              <a:buChar char=""/>
+              <a:defRPr sz="1200" b="0" i="0" kern="1200">
+                <a:solidFill>
+                  <a:schemeClr val="tx1">
+                    <a:lumMod val="75000"/>
+                    <a:lumOff val="25000"/>
+                  </a:schemeClr>
+                </a:solidFill>
+                <a:latin typeface="+mn-lt"/>
+                <a:ea typeface="+mn-ea"/>
+                <a:cs typeface="+mn-cs"/>
+              </a:defRPr>
+            </a:lvl5pPr>
+            <a:lvl6pPr marL="2514600" indent="-228600" algn="l" defTabSz="457200" rtl="0" eaLnBrk="1" latinLnBrk="0" hangingPunct="1">
+              <a:spcBef>
+                <a:spcPts val="1000"/>
+              </a:spcBef>
+              <a:spcAft>
+                <a:spcPts val="0"/>
+              </a:spcAft>
+              <a:buClr>
+                <a:schemeClr val="accent1"/>
+              </a:buClr>
+              <a:buSzPct val="80000"/>
+              <a:buFont typeface="Wingdings 3" charset="2"/>
+              <a:buChar char=""/>
+              <a:defRPr sz="1200" b="0" i="0" kern="1200">
+                <a:solidFill>
+                  <a:schemeClr val="tx1">
+                    <a:lumMod val="75000"/>
+                    <a:lumOff val="25000"/>
+                  </a:schemeClr>
+                </a:solidFill>
+                <a:latin typeface="+mn-lt"/>
+                <a:ea typeface="+mn-ea"/>
+                <a:cs typeface="+mn-cs"/>
+              </a:defRPr>
+            </a:lvl6pPr>
+            <a:lvl7pPr marL="2971800" indent="-228600" algn="l" defTabSz="457200" rtl="0" eaLnBrk="1" latinLnBrk="0" hangingPunct="1">
+              <a:spcBef>
+                <a:spcPts val="1000"/>
+              </a:spcBef>
+              <a:spcAft>
+                <a:spcPts val="0"/>
+              </a:spcAft>
+              <a:buClr>
+                <a:schemeClr val="accent1"/>
+              </a:buClr>
+              <a:buSzPct val="80000"/>
+              <a:buFont typeface="Wingdings 3" charset="2"/>
+              <a:buChar char=""/>
+              <a:defRPr sz="1200" b="0" i="0" kern="1200">
+                <a:solidFill>
+                  <a:schemeClr val="tx1">
+                    <a:lumMod val="75000"/>
+                    <a:lumOff val="25000"/>
+                  </a:schemeClr>
+                </a:solidFill>
+                <a:latin typeface="+mn-lt"/>
+                <a:ea typeface="+mn-ea"/>
+                <a:cs typeface="+mn-cs"/>
+              </a:defRPr>
+            </a:lvl7pPr>
+            <a:lvl8pPr marL="3429000" indent="-228600" algn="l" defTabSz="457200" rtl="0" eaLnBrk="1" latinLnBrk="0" hangingPunct="1">
+              <a:spcBef>
+                <a:spcPts val="1000"/>
+              </a:spcBef>
+              <a:spcAft>
+                <a:spcPts val="0"/>
+              </a:spcAft>
+              <a:buClr>
+                <a:schemeClr val="accent1"/>
+              </a:buClr>
+              <a:buSzPct val="80000"/>
+              <a:buFont typeface="Wingdings 3" charset="2"/>
+              <a:buChar char=""/>
+              <a:defRPr sz="1200" b="0" i="0" kern="1200">
+                <a:solidFill>
+                  <a:schemeClr val="tx1">
+                    <a:lumMod val="75000"/>
+                    <a:lumOff val="25000"/>
+                  </a:schemeClr>
+                </a:solidFill>
+                <a:latin typeface="+mn-lt"/>
+                <a:ea typeface="+mn-ea"/>
+                <a:cs typeface="+mn-cs"/>
+              </a:defRPr>
+            </a:lvl8pPr>
+            <a:lvl9pPr marL="3886200" indent="-228600" algn="l" defTabSz="457200" rtl="0" eaLnBrk="1" latinLnBrk="0" hangingPunct="1">
+              <a:spcBef>
+                <a:spcPts val="1000"/>
+              </a:spcBef>
+              <a:spcAft>
+                <a:spcPts val="0"/>
+              </a:spcAft>
+              <a:buClr>
+                <a:schemeClr val="accent1"/>
+              </a:buClr>
+              <a:buSzPct val="80000"/>
+              <a:buFont typeface="Wingdings 3" charset="2"/>
+              <a:buChar char=""/>
+              <a:defRPr sz="1200" b="0" i="0" kern="1200">
+                <a:solidFill>
+                  <a:schemeClr val="tx1">
+                    <a:lumMod val="75000"/>
+                    <a:lumOff val="25000"/>
+                  </a:schemeClr>
+                </a:solidFill>
+                <a:latin typeface="+mn-lt"/>
+                <a:ea typeface="+mn-ea"/>
+                <a:cs typeface="+mn-cs"/>
+              </a:defRPr>
+            </a:lvl9pPr>
+          </a:lstStyle>
+          <a:p>
+            <a:pPr marL="0" indent="0" algn="ctr">
+              <a:buFont typeface="Wingdings 3" charset="2"/>
+              <a:buNone/>
+            </a:pPr>
+            <a:r>
+              <a:rPr lang="en-US" sz="2400" b="1" i="1" dirty="0" smtClean="0"/>
+              <a:t>Set up R Clubs in campuses</a:t>
+            </a:r>
+          </a:p>
+        </p:txBody>
+      </p:sp>
+    </p:spTree>
+    <p:extLst>
+      <p:ext uri="{BB962C8B-B14F-4D97-AF65-F5344CB8AC3E}">
+        <p14:creationId xmlns:p14="http://schemas.microsoft.com/office/powerpoint/2010/main" val="2017268886"/>
+      </p:ext>
+    </p:extLst>
+  </p:cSld>
+  <p:clrMapOvr>
+    <a:masterClrMapping/>
+  </p:clrMapOvr>
+  <p:timing>
+    <p:tnLst>
+      <p:par>
+        <p:cTn id="1" dur="indefinite" restart="never" nodeType="tmRoot"/>
+      </p:par>
+    </p:tnLst>
+  </p:timing>
+</p:sld>
+</file>
+
+<file path=ppt/slides/slide12.xml><?xml version="1.0" encoding="utf-8"?>
+<p:sld xmlns:a="http://schemas.openxmlformats.org/drawingml/2006/main" xmlns:r="http://schemas.openxmlformats.org/officeDocument/2006/relationships" xmlns:p="http://schemas.openxmlformats.org/presentationml/2006/main">
+  <p:cSld>
+    <p:spTree>
+      <p:nvGrpSpPr>
+        <p:cNvPr id="1" name=""/>
+        <p:cNvGrpSpPr/>
+        <p:nvPr/>
+      </p:nvGrpSpPr>
+      <p:grpSpPr>
+        <a:xfrm>
+          <a:off x="0" y="0"/>
+          <a:ext cx="0" cy="0"/>
+          <a:chOff x="0" y="0"/>
+          <a:chExt cx="0" cy="0"/>
+        </a:xfrm>
+      </p:grpSpPr>
+      <p:sp>
+        <p:nvSpPr>
+          <p:cNvPr id="2" name="Title 1"/>
+          <p:cNvSpPr>
+            <a:spLocks noGrp="1"/>
+          </p:cNvSpPr>
+          <p:nvPr>
+            <p:ph type="title"/>
+          </p:nvPr>
+        </p:nvSpPr>
+        <p:spPr>
+          <a:xfrm>
+            <a:off x="858982" y="868218"/>
+            <a:ext cx="8715640" cy="969818"/>
+          </a:xfrm>
+        </p:spPr>
+        <p:txBody>
+          <a:bodyPr/>
+          <a:lstStyle/>
+          <a:p>
+            <a:r>
+              <a:rPr lang="en-US" dirty="0" smtClean="0"/>
+              <a:t>07: </a:t>
+            </a:r>
+            <a:r>
+              <a:rPr lang="en-US" b="1" i="1" dirty="0" err="1"/>
+              <a:t>AfricaR</a:t>
+            </a:r>
+            <a:r>
+              <a:rPr lang="en-US" b="1" i="1" dirty="0"/>
+              <a:t> Monetary Fund</a:t>
+            </a:r>
+            <a:br>
+              <a:rPr lang="en-US" b="1" i="1" dirty="0"/>
+            </a:br>
+            <a:endParaRPr lang="en-US" dirty="0"/>
+          </a:p>
+        </p:txBody>
+      </p:sp>
+      <p:pic>
+        <p:nvPicPr>
+          <p:cNvPr id="4" name="Picture 3"/>
+          <p:cNvPicPr>
+            <a:picLocks noChangeAspect="1"/>
+          </p:cNvPicPr>
+          <p:nvPr/>
+        </p:nvPicPr>
+        <p:blipFill>
+          <a:blip r:embed="rId2">
+            <a:extLst>
+              <a:ext uri="{28A0092B-C50C-407E-A947-70E740481C1C}">
+                <a14:useLocalDpi xmlns:a14="http://schemas.microsoft.com/office/drawing/2010/main" val="0"/>
+              </a:ext>
+            </a:extLst>
+          </a:blip>
+          <a:stretch>
+            <a:fillRect/>
+          </a:stretch>
+        </p:blipFill>
+        <p:spPr>
+          <a:xfrm>
+            <a:off x="11093450" y="5759450"/>
+            <a:ext cx="1098550" cy="1098550"/>
+          </a:xfrm>
+          <a:prstGeom prst="rect">
+            <a:avLst/>
+          </a:prstGeom>
+        </p:spPr>
+      </p:pic>
+      <p:sp>
+        <p:nvSpPr>
+          <p:cNvPr id="5" name="Content Placeholder 8"/>
+          <p:cNvSpPr txBox="1">
+            <a:spLocks/>
+          </p:cNvSpPr>
+          <p:nvPr/>
+        </p:nvSpPr>
+        <p:spPr>
+          <a:xfrm>
+            <a:off x="979463" y="2364508"/>
+            <a:ext cx="8825659" cy="384175"/>
+          </a:xfrm>
+          <a:prstGeom prst="rect">
+            <a:avLst/>
+          </a:prstGeom>
+        </p:spPr>
+        <p:txBody>
+          <a:bodyPr vert="horz" lIns="91440" tIns="45720" rIns="91440" bIns="45720" rtlCol="0">
+            <a:noAutofit/>
+          </a:bodyPr>
+          <a:lstStyle>
+            <a:lvl1pPr marL="342900" indent="-342900" algn="l" defTabSz="457200" rtl="0" eaLnBrk="1" latinLnBrk="0" hangingPunct="1">
+              <a:spcBef>
+                <a:spcPts val="1000"/>
+              </a:spcBef>
+              <a:spcAft>
+                <a:spcPts val="0"/>
+              </a:spcAft>
+              <a:buClr>
+                <a:schemeClr val="accent1"/>
+              </a:buClr>
+              <a:buSzPct val="80000"/>
+              <a:buFont typeface="Wingdings 3" charset="2"/>
+              <a:buChar char=""/>
+              <a:defRPr sz="1800" b="0" i="0" kern="1200">
+                <a:solidFill>
+                  <a:schemeClr val="tx1">
+                    <a:lumMod val="75000"/>
+                    <a:lumOff val="25000"/>
+                  </a:schemeClr>
+                </a:solidFill>
+                <a:latin typeface="+mn-lt"/>
+                <a:ea typeface="+mn-ea"/>
+                <a:cs typeface="+mn-cs"/>
+              </a:defRPr>
+            </a:lvl1pPr>
+            <a:lvl2pPr marL="742950" indent="-285750" algn="l" defTabSz="457200" rtl="0" eaLnBrk="1" latinLnBrk="0" hangingPunct="1">
+              <a:spcBef>
+                <a:spcPts val="1000"/>
+              </a:spcBef>
+              <a:spcAft>
+                <a:spcPts val="0"/>
+              </a:spcAft>
+              <a:buClr>
+                <a:schemeClr val="accent1"/>
+              </a:buClr>
+              <a:buSzPct val="80000"/>
+              <a:buFont typeface="Wingdings 3" charset="2"/>
+              <a:buChar char=""/>
+              <a:defRPr sz="1600" b="0" i="0" kern="1200">
+                <a:solidFill>
+                  <a:schemeClr val="tx1">
+                    <a:lumMod val="75000"/>
+                    <a:lumOff val="25000"/>
+                  </a:schemeClr>
+                </a:solidFill>
+                <a:latin typeface="+mn-lt"/>
+                <a:ea typeface="+mn-ea"/>
+                <a:cs typeface="+mn-cs"/>
+              </a:defRPr>
+            </a:lvl2pPr>
+            <a:lvl3pPr marL="1143000" indent="-228600" algn="l" defTabSz="457200" rtl="0" eaLnBrk="1" latinLnBrk="0" hangingPunct="1">
+              <a:spcBef>
+                <a:spcPts val="1000"/>
+              </a:spcBef>
+              <a:spcAft>
+                <a:spcPts val="0"/>
+              </a:spcAft>
+              <a:buClr>
+                <a:schemeClr val="accent1"/>
+              </a:buClr>
+              <a:buSzPct val="80000"/>
+              <a:buFont typeface="Wingdings 3" charset="2"/>
+              <a:buChar char=""/>
+              <a:defRPr sz="1400" b="0" i="0" kern="1200">
+                <a:solidFill>
+                  <a:schemeClr val="tx1">
+                    <a:lumMod val="75000"/>
+                    <a:lumOff val="25000"/>
+                  </a:schemeClr>
+                </a:solidFill>
+                <a:latin typeface="+mn-lt"/>
+                <a:ea typeface="+mn-ea"/>
+                <a:cs typeface="+mn-cs"/>
+              </a:defRPr>
+            </a:lvl3pPr>
+            <a:lvl4pPr marL="1600200" indent="-228600" algn="l" defTabSz="457200" rtl="0" eaLnBrk="1" latinLnBrk="0" hangingPunct="1">
+              <a:spcBef>
+                <a:spcPts val="1000"/>
+              </a:spcBef>
+              <a:spcAft>
+                <a:spcPts val="0"/>
+              </a:spcAft>
+              <a:buClr>
+                <a:schemeClr val="accent1"/>
+              </a:buClr>
+              <a:buSzPct val="80000"/>
+              <a:buFont typeface="Wingdings 3" charset="2"/>
+              <a:buChar char=""/>
+              <a:defRPr sz="1200" b="0" i="0" kern="1200">
+                <a:solidFill>
+                  <a:schemeClr val="tx1">
+                    <a:lumMod val="75000"/>
+                    <a:lumOff val="25000"/>
+                  </a:schemeClr>
+                </a:solidFill>
+                <a:latin typeface="+mn-lt"/>
+                <a:ea typeface="+mn-ea"/>
+                <a:cs typeface="+mn-cs"/>
+              </a:defRPr>
+            </a:lvl4pPr>
+            <a:lvl5pPr marL="2057400" indent="-228600" algn="l" defTabSz="457200" rtl="0" eaLnBrk="1" latinLnBrk="0" hangingPunct="1">
+              <a:spcBef>
+                <a:spcPts val="1000"/>
+              </a:spcBef>
+              <a:spcAft>
+                <a:spcPts val="0"/>
+              </a:spcAft>
+              <a:buClr>
+                <a:schemeClr val="accent1"/>
+              </a:buClr>
+              <a:buSzPct val="80000"/>
+              <a:buFont typeface="Wingdings 3" charset="2"/>
+              <a:buChar char=""/>
+              <a:defRPr sz="1200" b="0" i="0" kern="1200">
+                <a:solidFill>
+                  <a:schemeClr val="tx1">
+                    <a:lumMod val="75000"/>
+                    <a:lumOff val="25000"/>
+                  </a:schemeClr>
+                </a:solidFill>
+                <a:latin typeface="+mn-lt"/>
+                <a:ea typeface="+mn-ea"/>
+                <a:cs typeface="+mn-cs"/>
+              </a:defRPr>
+            </a:lvl5pPr>
+            <a:lvl6pPr marL="2514600" indent="-228600" algn="l" defTabSz="457200" rtl="0" eaLnBrk="1" latinLnBrk="0" hangingPunct="1">
+              <a:spcBef>
+                <a:spcPts val="1000"/>
+              </a:spcBef>
+              <a:spcAft>
+                <a:spcPts val="0"/>
+              </a:spcAft>
+              <a:buClr>
+                <a:schemeClr val="accent1"/>
+              </a:buClr>
+              <a:buSzPct val="80000"/>
+              <a:buFont typeface="Wingdings 3" charset="2"/>
+              <a:buChar char=""/>
+              <a:defRPr sz="1200" b="0" i="0" kern="1200">
+                <a:solidFill>
+                  <a:schemeClr val="tx1">
+                    <a:lumMod val="75000"/>
+                    <a:lumOff val="25000"/>
+                  </a:schemeClr>
+                </a:solidFill>
+                <a:latin typeface="+mn-lt"/>
+                <a:ea typeface="+mn-ea"/>
+                <a:cs typeface="+mn-cs"/>
+              </a:defRPr>
+            </a:lvl6pPr>
+            <a:lvl7pPr marL="2971800" indent="-228600" algn="l" defTabSz="457200" rtl="0" eaLnBrk="1" latinLnBrk="0" hangingPunct="1">
+              <a:spcBef>
+                <a:spcPts val="1000"/>
+              </a:spcBef>
+              <a:spcAft>
+                <a:spcPts val="0"/>
+              </a:spcAft>
+              <a:buClr>
+                <a:schemeClr val="accent1"/>
+              </a:buClr>
+              <a:buSzPct val="80000"/>
+              <a:buFont typeface="Wingdings 3" charset="2"/>
+              <a:buChar char=""/>
+              <a:defRPr sz="1200" b="0" i="0" kern="1200">
+                <a:solidFill>
+                  <a:schemeClr val="tx1">
+                    <a:lumMod val="75000"/>
+                    <a:lumOff val="25000"/>
+                  </a:schemeClr>
+                </a:solidFill>
+                <a:latin typeface="+mn-lt"/>
+                <a:ea typeface="+mn-ea"/>
+                <a:cs typeface="+mn-cs"/>
+              </a:defRPr>
+            </a:lvl7pPr>
+            <a:lvl8pPr marL="3429000" indent="-228600" algn="l" defTabSz="457200" rtl="0" eaLnBrk="1" latinLnBrk="0" hangingPunct="1">
+              <a:spcBef>
+                <a:spcPts val="1000"/>
+              </a:spcBef>
+              <a:spcAft>
+                <a:spcPts val="0"/>
+              </a:spcAft>
+              <a:buClr>
+                <a:schemeClr val="accent1"/>
+              </a:buClr>
+              <a:buSzPct val="80000"/>
+              <a:buFont typeface="Wingdings 3" charset="2"/>
+              <a:buChar char=""/>
+              <a:defRPr sz="1200" b="0" i="0" kern="1200">
+                <a:solidFill>
+                  <a:schemeClr val="tx1">
+                    <a:lumMod val="75000"/>
+                    <a:lumOff val="25000"/>
+                  </a:schemeClr>
+                </a:solidFill>
+                <a:latin typeface="+mn-lt"/>
+                <a:ea typeface="+mn-ea"/>
+                <a:cs typeface="+mn-cs"/>
+              </a:defRPr>
+            </a:lvl8pPr>
+            <a:lvl9pPr marL="3886200" indent="-228600" algn="l" defTabSz="457200" rtl="0" eaLnBrk="1" latinLnBrk="0" hangingPunct="1">
+              <a:spcBef>
+                <a:spcPts val="1000"/>
+              </a:spcBef>
+              <a:spcAft>
+                <a:spcPts val="0"/>
+              </a:spcAft>
+              <a:buClr>
+                <a:schemeClr val="accent1"/>
+              </a:buClr>
+              <a:buSzPct val="80000"/>
+              <a:buFont typeface="Wingdings 3" charset="2"/>
+              <a:buChar char=""/>
+              <a:defRPr sz="1200" b="0" i="0" kern="1200">
+                <a:solidFill>
+                  <a:schemeClr val="tx1">
+                    <a:lumMod val="75000"/>
+                    <a:lumOff val="25000"/>
+                  </a:schemeClr>
+                </a:solidFill>
+                <a:latin typeface="+mn-lt"/>
+                <a:ea typeface="+mn-ea"/>
+                <a:cs typeface="+mn-cs"/>
+              </a:defRPr>
+            </a:lvl9pPr>
+          </a:lstStyle>
+          <a:p>
+            <a:pPr marL="0" indent="0" algn="ctr">
+              <a:buFont typeface="Wingdings 3" charset="2"/>
+              <a:buNone/>
+            </a:pPr>
+            <a:endParaRPr lang="en-US" sz="2800" b="1" i="1" dirty="0" smtClean="0"/>
+          </a:p>
+        </p:txBody>
+      </p:sp>
+      <p:pic>
+        <p:nvPicPr>
+          <p:cNvPr id="7" name="Picture 6"/>
+          <p:cNvPicPr>
+            <a:picLocks noChangeAspect="1"/>
+          </p:cNvPicPr>
+          <p:nvPr/>
+        </p:nvPicPr>
+        <p:blipFill>
+          <a:blip r:embed="rId3">
+            <a:extLst>
+              <a:ext uri="{28A0092B-C50C-407E-A947-70E740481C1C}">
+                <a14:useLocalDpi xmlns:a14="http://schemas.microsoft.com/office/drawing/2010/main" val="0"/>
+              </a:ext>
+            </a:extLst>
+          </a:blip>
+          <a:stretch>
+            <a:fillRect/>
+          </a:stretch>
+        </p:blipFill>
+        <p:spPr>
+          <a:xfrm>
+            <a:off x="166255" y="2925329"/>
+            <a:ext cx="6671220" cy="3752561"/>
+          </a:xfrm>
+          <a:prstGeom prst="rect">
+            <a:avLst/>
+          </a:prstGeom>
+        </p:spPr>
+      </p:pic>
+    </p:spTree>
+    <p:extLst>
+      <p:ext uri="{BB962C8B-B14F-4D97-AF65-F5344CB8AC3E}">
+        <p14:creationId xmlns:p14="http://schemas.microsoft.com/office/powerpoint/2010/main" val="3878737737"/>
+      </p:ext>
+    </p:extLst>
+  </p:cSld>
+  <p:clrMapOvr>
+    <a:masterClrMapping/>
+  </p:clrMapOvr>
+  <p:timing>
+    <p:tnLst>
+      <p:par>
+        <p:cTn id="1" dur="indefinite" restart="never" nodeType="tmRoot"/>
+      </p:par>
+    </p:tnLst>
+  </p:timing>
+</p:sld>
+</file>
+
+<file path=ppt/slides/slide13.xml><?xml version="1.0" encoding="utf-8"?>
+<p:sld xmlns:a="http://schemas.openxmlformats.org/drawingml/2006/main" xmlns:r="http://schemas.openxmlformats.org/officeDocument/2006/relationships" xmlns:p="http://schemas.openxmlformats.org/presentationml/2006/main">
+  <p:cSld>
+    <p:spTree>
+      <p:nvGrpSpPr>
+        <p:cNvPr id="1" name=""/>
+        <p:cNvGrpSpPr/>
+        <p:nvPr/>
+      </p:nvGrpSpPr>
+      <p:grpSpPr>
+        <a:xfrm>
+          <a:off x="0" y="0"/>
+          <a:ext cx="0" cy="0"/>
+          <a:chOff x="0" y="0"/>
+          <a:chExt cx="0" cy="0"/>
+        </a:xfrm>
+      </p:grpSpPr>
+      <p:sp>
+        <p:nvSpPr>
+          <p:cNvPr id="2" name="Title 1"/>
+          <p:cNvSpPr>
+            <a:spLocks noGrp="1"/>
+          </p:cNvSpPr>
+          <p:nvPr>
+            <p:ph type="title"/>
+          </p:nvPr>
+        </p:nvSpPr>
+        <p:spPr>
+          <a:xfrm>
+            <a:off x="1154954" y="973668"/>
+            <a:ext cx="8761413" cy="559568"/>
+          </a:xfrm>
+        </p:spPr>
+        <p:txBody>
+          <a:bodyPr/>
+          <a:lstStyle/>
+          <a:p>
+            <a:r>
+              <a:rPr lang="en-US" dirty="0" smtClean="0"/>
+              <a:t>What have we done so far?</a:t>
+            </a:r>
+            <a:endParaRPr lang="en-US" dirty="0"/>
+          </a:p>
+        </p:txBody>
+      </p:sp>
+      <p:sp>
+        <p:nvSpPr>
+          <p:cNvPr id="3" name="Content Placeholder 2"/>
+          <p:cNvSpPr>
+            <a:spLocks noGrp="1"/>
+          </p:cNvSpPr>
+          <p:nvPr>
+            <p:ph idx="1"/>
+          </p:nvPr>
+        </p:nvSpPr>
+        <p:spPr>
+          <a:xfrm>
+            <a:off x="766618" y="2262909"/>
+            <a:ext cx="10538691" cy="4036291"/>
+          </a:xfrm>
+        </p:spPr>
+        <p:txBody>
+          <a:bodyPr/>
+          <a:lstStyle/>
+          <a:p>
+            <a:pPr marL="914400" lvl="2" indent="0">
+              <a:buNone/>
+            </a:pPr>
+            <a:endParaRPr lang="en-US" dirty="0" smtClean="0"/>
+          </a:p>
+          <a:p>
+            <a:endParaRPr lang="en-US" dirty="0"/>
+          </a:p>
+        </p:txBody>
+      </p:sp>
+      <p:pic>
+        <p:nvPicPr>
+          <p:cNvPr id="4" name="Picture 3"/>
+          <p:cNvPicPr>
+            <a:picLocks noChangeAspect="1"/>
+          </p:cNvPicPr>
+          <p:nvPr/>
+        </p:nvPicPr>
+        <p:blipFill>
+          <a:blip r:embed="rId2">
+            <a:extLst>
+              <a:ext uri="{28A0092B-C50C-407E-A947-70E740481C1C}">
+                <a14:useLocalDpi xmlns:a14="http://schemas.microsoft.com/office/drawing/2010/main" val="0"/>
+              </a:ext>
+            </a:extLst>
+          </a:blip>
+          <a:stretch>
+            <a:fillRect/>
+          </a:stretch>
+        </p:blipFill>
+        <p:spPr>
+          <a:xfrm>
+            <a:off x="11093450" y="5759450"/>
+            <a:ext cx="1098550" cy="1098550"/>
+          </a:xfrm>
+          <a:prstGeom prst="rect">
+            <a:avLst/>
+          </a:prstGeom>
+        </p:spPr>
+      </p:pic>
+    </p:spTree>
+    <p:extLst>
+      <p:ext uri="{BB962C8B-B14F-4D97-AF65-F5344CB8AC3E}">
+        <p14:creationId xmlns:p14="http://schemas.microsoft.com/office/powerpoint/2010/main" val="2071669597"/>
+      </p:ext>
+    </p:extLst>
+  </p:cSld>
+  <p:clrMapOvr>
+    <a:masterClrMapping/>
+  </p:clrMapOvr>
+  <p:timing>
+    <p:tnLst>
+      <p:par>
+        <p:cTn id="1" dur="indefinite" restart="never" nodeType="tmRoot"/>
+      </p:par>
+    </p:tnLst>
+  </p:timing>
+</p:sld>
+</file>
+
+<file path=ppt/slides/slide14.xml><?xml version="1.0" encoding="utf-8"?>
+<p:sld xmlns:a="http://schemas.openxmlformats.org/drawingml/2006/main" xmlns:r="http://schemas.openxmlformats.org/officeDocument/2006/relationships" xmlns:p="http://schemas.openxmlformats.org/presentationml/2006/main">
+  <p:cSld>
+    <p:spTree>
+      <p:nvGrpSpPr>
+        <p:cNvPr id="1" name=""/>
+        <p:cNvGrpSpPr/>
+        <p:nvPr/>
+      </p:nvGrpSpPr>
+      <p:grpSpPr>
+        <a:xfrm>
+          <a:off x="0" y="0"/>
+          <a:ext cx="0" cy="0"/>
+          <a:chOff x="0" y="0"/>
+          <a:chExt cx="0" cy="0"/>
+        </a:xfrm>
+      </p:grpSpPr>
+      <p:sp>
+        <p:nvSpPr>
+          <p:cNvPr id="2" name="Title 1"/>
+          <p:cNvSpPr>
+            <a:spLocks noGrp="1"/>
+          </p:cNvSpPr>
+          <p:nvPr>
+            <p:ph type="title"/>
+          </p:nvPr>
+        </p:nvSpPr>
+        <p:spPr>
+          <a:xfrm>
+            <a:off x="1154954" y="973668"/>
+            <a:ext cx="8761413" cy="559568"/>
+          </a:xfrm>
+        </p:spPr>
+        <p:txBody>
+          <a:bodyPr/>
+          <a:lstStyle/>
+          <a:p>
+            <a:r>
+              <a:rPr lang="en-US" dirty="0" smtClean="0"/>
+              <a:t>Quick Wins</a:t>
+            </a:r>
+            <a:endParaRPr lang="en-US" dirty="0"/>
+          </a:p>
+        </p:txBody>
+      </p:sp>
+      <p:sp>
+        <p:nvSpPr>
+          <p:cNvPr id="3" name="Content Placeholder 2"/>
+          <p:cNvSpPr>
+            <a:spLocks noGrp="1"/>
+          </p:cNvSpPr>
+          <p:nvPr>
+            <p:ph idx="1"/>
+          </p:nvPr>
+        </p:nvSpPr>
+        <p:spPr>
+          <a:xfrm>
+            <a:off x="766618" y="2262909"/>
+            <a:ext cx="10538691" cy="4036291"/>
+          </a:xfrm>
+        </p:spPr>
+        <p:txBody>
+          <a:bodyPr/>
+          <a:lstStyle/>
+          <a:p>
+            <a:pPr marL="914400" lvl="2" indent="0">
+              <a:buNone/>
+            </a:pPr>
+            <a:endParaRPr lang="en-US" dirty="0" smtClean="0"/>
+          </a:p>
+          <a:p>
+            <a:endParaRPr lang="en-US" dirty="0"/>
+          </a:p>
+        </p:txBody>
+      </p:sp>
+      <p:pic>
+        <p:nvPicPr>
+          <p:cNvPr id="4" name="Picture 3"/>
+          <p:cNvPicPr>
+            <a:picLocks noChangeAspect="1"/>
+          </p:cNvPicPr>
+          <p:nvPr/>
+        </p:nvPicPr>
+        <p:blipFill>
+          <a:blip r:embed="rId2">
+            <a:extLst>
+              <a:ext uri="{28A0092B-C50C-407E-A947-70E740481C1C}">
+                <a14:useLocalDpi xmlns:a14="http://schemas.microsoft.com/office/drawing/2010/main" val="0"/>
+              </a:ext>
+            </a:extLst>
+          </a:blip>
+          <a:stretch>
+            <a:fillRect/>
+          </a:stretch>
+        </p:blipFill>
+        <p:spPr>
+          <a:xfrm>
+            <a:off x="11111923" y="5759450"/>
+            <a:ext cx="1098550" cy="1098550"/>
+          </a:xfrm>
+          <a:prstGeom prst="rect">
+            <a:avLst/>
+          </a:prstGeom>
+        </p:spPr>
+      </p:pic>
+    </p:spTree>
+    <p:extLst>
+      <p:ext uri="{BB962C8B-B14F-4D97-AF65-F5344CB8AC3E}">
+        <p14:creationId xmlns:p14="http://schemas.microsoft.com/office/powerpoint/2010/main" val="849261351"/>
+      </p:ext>
+    </p:extLst>
+  </p:cSld>
+  <p:clrMapOvr>
+    <a:masterClrMapping/>
+  </p:clrMapOvr>
+  <p:timing>
+    <p:tnLst>
+      <p:par>
+        <p:cTn id="1" dur="indefinite" restart="never" nodeType="tmRoot"/>
+      </p:par>
+    </p:tnLst>
+  </p:timing>
+</p:sld>
+</file>
+
 <file path=ppt/slides/slide2.xml><?xml version="1.0" encoding="utf-8"?>
+<p:sld xmlns:a="http://schemas.openxmlformats.org/drawingml/2006/main" xmlns:r="http://schemas.openxmlformats.org/officeDocument/2006/relationships" xmlns:p="http://schemas.openxmlformats.org/presentationml/2006/main">
+  <p:cSld>
+    <p:spTree>
+      <p:nvGrpSpPr>
+        <p:cNvPr id="1" name=""/>
+        <p:cNvGrpSpPr/>
+        <p:nvPr/>
+      </p:nvGrpSpPr>
+      <p:grpSpPr>
+        <a:xfrm>
+          <a:off x="0" y="0"/>
+          <a:ext cx="0" cy="0"/>
+          <a:chOff x="0" y="0"/>
+          <a:chExt cx="0" cy="0"/>
+        </a:xfrm>
+      </p:grpSpPr>
+      <p:sp>
+        <p:nvSpPr>
+          <p:cNvPr id="2" name="Title 1"/>
+          <p:cNvSpPr>
+            <a:spLocks noGrp="1"/>
+          </p:cNvSpPr>
+          <p:nvPr>
+            <p:ph type="title"/>
+          </p:nvPr>
+        </p:nvSpPr>
+        <p:spPr>
+          <a:xfrm>
+            <a:off x="1154954" y="2370667"/>
+            <a:ext cx="9965628" cy="1822514"/>
+          </a:xfrm>
+        </p:spPr>
+        <p:txBody>
+          <a:bodyPr/>
+          <a:lstStyle/>
+          <a:p>
+            <a:pPr algn="ctr"/>
+            <a:r>
+              <a:rPr lang="en-US" b="1" dirty="0" smtClean="0"/>
+              <a:t>Who are we?</a:t>
+            </a:r>
+            <a:endParaRPr lang="en-US" b="1" dirty="0"/>
+          </a:p>
+        </p:txBody>
+      </p:sp>
+      <p:pic>
+        <p:nvPicPr>
+          <p:cNvPr id="3" name="Picture 2"/>
+          <p:cNvPicPr>
+            <a:picLocks noChangeAspect="1"/>
+          </p:cNvPicPr>
+          <p:nvPr/>
+        </p:nvPicPr>
+        <p:blipFill>
+          <a:blip r:embed="rId2">
+            <a:extLst>
+              <a:ext uri="{28A0092B-C50C-407E-A947-70E740481C1C}">
+                <a14:useLocalDpi xmlns:a14="http://schemas.microsoft.com/office/drawing/2010/main" val="0"/>
+              </a:ext>
+            </a:extLst>
+          </a:blip>
+          <a:stretch>
+            <a:fillRect/>
+          </a:stretch>
+        </p:blipFill>
+        <p:spPr>
+          <a:xfrm>
+            <a:off x="11093450" y="5759450"/>
+            <a:ext cx="1098550" cy="1098550"/>
+          </a:xfrm>
+          <a:prstGeom prst="rect">
+            <a:avLst/>
+          </a:prstGeom>
+        </p:spPr>
+      </p:pic>
+    </p:spTree>
+    <p:extLst>
+      <p:ext uri="{BB962C8B-B14F-4D97-AF65-F5344CB8AC3E}">
+        <p14:creationId xmlns:p14="http://schemas.microsoft.com/office/powerpoint/2010/main" val="3571042197"/>
+      </p:ext>
+    </p:extLst>
+  </p:cSld>
+  <p:clrMapOvr>
+    <a:masterClrMapping/>
+  </p:clrMapOvr>
+</p:sld>
+</file>
+
+<file path=ppt/slides/slide3.xml><?xml version="1.0" encoding="utf-8"?>
 <p:sld xmlns:a="http://schemas.openxmlformats.org/drawingml/2006/main" xmlns:r="http://schemas.openxmlformats.org/officeDocument/2006/relationships" xmlns:p="http://schemas.openxmlformats.org/presentationml/2006/main">
   <p:cSld>
     <p:spTree>
@@ -13499,8 +14957,8 @@
         </p:nvSpPr>
         <p:spPr>
           <a:xfrm>
-            <a:off x="7222067" y="1464733"/>
-            <a:ext cx="3767666" cy="923330"/>
+            <a:off x="6483927" y="474132"/>
+            <a:ext cx="5375563" cy="4955203"/>
           </a:xfrm>
           <a:prstGeom prst="rect">
             <a:avLst/>
@@ -13514,11 +14972,120 @@
           <a:lstStyle/>
           <a:p>
             <a:r>
+              <a:rPr lang="en-US" sz="2800" b="1" dirty="0" smtClean="0"/>
+              <a:t>Mission</a:t>
+            </a:r>
+            <a:r>
+              <a:rPr lang="en-US" sz="2800" b="1" dirty="0" smtClean="0"/>
+              <a:t>:</a:t>
+            </a:r>
+          </a:p>
+          <a:p>
+            <a:endParaRPr lang="en-US" dirty="0"/>
+          </a:p>
+          <a:p>
+            <a:pPr marL="285750" indent="-285750" algn="just">
+              <a:buFont typeface="Arial" panose="020B0604020202020204" pitchFamily="34" charset="0"/>
+              <a:buChar char="•"/>
+            </a:pPr>
+            <a:r>
               <a:rPr lang="en-US" dirty="0" smtClean="0"/>
-              <a:t>Mission:</a:t>
-            </a:r>
-          </a:p>
-          <a:p>
+              <a:t>To achieve </a:t>
+            </a:r>
+            <a:r>
+              <a:rPr lang="en-US" dirty="0"/>
+              <a:t>improved </a:t>
+            </a:r>
+            <a:r>
+              <a:rPr lang="en-US" dirty="0" smtClean="0"/>
+              <a:t>representation and empower </a:t>
+            </a:r>
+            <a:r>
+              <a:rPr lang="en-US" dirty="0"/>
+              <a:t>the African population of all </a:t>
+            </a:r>
+            <a:r>
+              <a:rPr lang="en-US" dirty="0" smtClean="0"/>
+              <a:t>genders, </a:t>
+            </a:r>
+            <a:r>
+              <a:rPr lang="en-US" dirty="0"/>
+              <a:t>who are underrepresented in the global </a:t>
+            </a:r>
+            <a:r>
+              <a:rPr lang="en-US" dirty="0" smtClean="0"/>
+              <a:t>R community.</a:t>
+            </a:r>
+          </a:p>
+          <a:p>
+            <a:pPr marL="285750" indent="-285750" algn="just">
+              <a:buFont typeface="Arial" panose="020B0604020202020204" pitchFamily="34" charset="0"/>
+              <a:buChar char="•"/>
+            </a:pPr>
+            <a:endParaRPr lang="en-US" dirty="0" smtClean="0"/>
+          </a:p>
+          <a:p>
+            <a:pPr marL="285750" indent="-285750" algn="just">
+              <a:buFont typeface="Arial" panose="020B0604020202020204" pitchFamily="34" charset="0"/>
+              <a:buChar char="•"/>
+            </a:pPr>
+            <a:r>
+              <a:rPr lang="en-US" dirty="0" smtClean="0"/>
+              <a:t>Support </a:t>
+            </a:r>
+            <a:r>
+              <a:rPr lang="en-US" dirty="0"/>
+              <a:t>already existing R Users across Africa, and R </a:t>
+            </a:r>
+            <a:r>
+              <a:rPr lang="en-US" dirty="0" smtClean="0"/>
+              <a:t>enthusiasts </a:t>
+            </a:r>
+            <a:r>
+              <a:rPr lang="en-US" dirty="0"/>
+              <a:t>to embrace the full potential of R programming</a:t>
+            </a:r>
+          </a:p>
+          <a:p>
+            <a:pPr marL="285750" indent="-285750" algn="just">
+              <a:buFont typeface="Arial" panose="020B0604020202020204" pitchFamily="34" charset="0"/>
+              <a:buChar char="•"/>
+            </a:pPr>
+            <a:endParaRPr lang="en-US" dirty="0" smtClean="0"/>
+          </a:p>
+          <a:p>
+            <a:pPr marL="285750" indent="-285750" algn="just">
+              <a:buFont typeface="Arial" panose="020B0604020202020204" pitchFamily="34" charset="0"/>
+              <a:buChar char="•"/>
+            </a:pPr>
+            <a:r>
+              <a:rPr lang="en-US" dirty="0"/>
+              <a:t>T</a:t>
+            </a:r>
+            <a:r>
+              <a:rPr lang="en-US" dirty="0" smtClean="0"/>
+              <a:t>hrough </a:t>
+            </a:r>
+            <a:r>
+              <a:rPr lang="en-US" dirty="0"/>
+              <a:t>fostering a </a:t>
+            </a:r>
+            <a:r>
+              <a:rPr lang="en-US" dirty="0" smtClean="0"/>
+              <a:t>collaborative continental </a:t>
+            </a:r>
+            <a:r>
+              <a:rPr lang="en-US" dirty="0"/>
+              <a:t>network of R gurus, mentors, learners, developers and leaders, to help </a:t>
+            </a:r>
+            <a:r>
+              <a:rPr lang="en-US" dirty="0" smtClean="0"/>
+              <a:t>facilitate individual </a:t>
+            </a:r>
+            <a:r>
+              <a:rPr lang="en-US" dirty="0"/>
+              <a:t>and collective progress worldwide.</a:t>
+            </a:r>
             <a:endParaRPr lang="en-US" dirty="0"/>
           </a:p>
           <a:p>
@@ -13546,7 +15113,7 @@
 </p:sld>
 </file>
 
-<file path=ppt/slides/slide3.xml><?xml version="1.0" encoding="utf-8"?>
+<file path=ppt/slides/slide4.xml><?xml version="1.0" encoding="utf-8"?>
 <p:sld xmlns:a="http://schemas.openxmlformats.org/drawingml/2006/main" xmlns:r="http://schemas.openxmlformats.org/officeDocument/2006/relationships" xmlns:p="http://schemas.openxmlformats.org/presentationml/2006/main">
   <p:cSld>
     <p:spTree>
@@ -13578,7 +15145,19 @@
           <a:bodyPr/>
           <a:lstStyle/>
           <a:p>
-            <a:endParaRPr lang="en-US"/>
+            <a:r>
+              <a:rPr lang="en-US" dirty="0" smtClean="0"/>
+              <a:t>Why </a:t>
+            </a:r>
+            <a:r>
+              <a:rPr lang="en-US" dirty="0" err="1" smtClean="0"/>
+              <a:t>AfricaR</a:t>
+            </a:r>
+            <a:r>
+              <a:rPr lang="en-US" dirty="0"/>
+              <a:t>?</a:t>
+            </a:r>
+            <a:endParaRPr lang="en-US" dirty="0"/>
           </a:p>
         </p:txBody>
       </p:sp>
@@ -13592,30 +15171,604 @@
             <p:ph idx="1"/>
           </p:nvPr>
         </p:nvSpPr>
-        <p:spPr/>
+        <p:spPr>
+          <a:xfrm>
+            <a:off x="766618" y="2262909"/>
+            <a:ext cx="10538691" cy="4036291"/>
+          </a:xfrm>
+        </p:spPr>
         <p:txBody>
           <a:bodyPr/>
           <a:lstStyle/>
           <a:p>
             <a:r>
+              <a:rPr lang="en-US" dirty="0" smtClean="0"/>
+              <a:t>Many R Users in Africa, who did not know of the larger global #</a:t>
+            </a:r>
+            <a:r>
               <a:rPr lang="en-US" dirty="0" err="1" smtClean="0"/>
-              <a:t>Cgccycfc</a:t>
+              <a:t>rstats</a:t>
             </a:r>
             <a:r>
               <a:rPr lang="en-US" dirty="0" smtClean="0"/>
-              <a:t> v </a:t>
-            </a:r>
+              <a:t> community.</a:t>
+            </a:r>
+          </a:p>
+          <a:p>
+            <a:r>
+              <a:rPr lang="en-US" dirty="0" smtClean="0"/>
+              <a:t>Lack of awareness about R Conferences that we can apply for, and attend, through diversity scholarships.</a:t>
+            </a:r>
+          </a:p>
+          <a:p>
+            <a:r>
+              <a:rPr lang="en-US" dirty="0" smtClean="0"/>
+              <a:t>People learning R, but are not aware of where to apply the skills they learn.</a:t>
+            </a:r>
+          </a:p>
+          <a:p>
+            <a:r>
+              <a:rPr lang="en-US" dirty="0" smtClean="0"/>
+              <a:t>Education system is lacking. Some campuses teach R, but the curriculum is not exhaustive.</a:t>
+            </a:r>
+          </a:p>
+          <a:p>
+            <a:r>
+              <a:rPr lang="en-US" dirty="0" smtClean="0"/>
+              <a:t>“Battle” between R and Python:</a:t>
+            </a:r>
+          </a:p>
+          <a:p>
+            <a:pPr lvl="1"/>
+            <a:r>
+              <a:rPr lang="en-US" dirty="0" smtClean="0"/>
+              <a:t>Employers JDs prioritize Python over R</a:t>
+            </a:r>
+          </a:p>
+          <a:p>
+            <a:pPr lvl="1"/>
+            <a:r>
+              <a:rPr lang="en-US" dirty="0" smtClean="0"/>
+              <a:t>Python community stronger than R community. Conferences such as</a:t>
+            </a:r>
+          </a:p>
+          <a:p>
+            <a:pPr lvl="2"/>
             <a:r>
               <a:rPr lang="en-US" dirty="0" err="1" smtClean="0"/>
-              <a:t>cgcyghvgv</a:t>
-            </a:r>
+              <a:t>Pycon</a:t>
+            </a:r>
+            <a:endParaRPr lang="en-US" dirty="0" smtClean="0"/>
+          </a:p>
+          <a:p>
+            <a:pPr lvl="2"/>
+            <a:r>
+              <a:rPr lang="en-US" dirty="0" err="1" smtClean="0"/>
+              <a:t>IndabaX</a:t>
+            </a:r>
+            <a:endParaRPr lang="en-US" dirty="0" smtClean="0"/>
+          </a:p>
+          <a:p>
+            <a:pPr marL="914400" lvl="2" indent="0">
+              <a:buNone/>
+            </a:pPr>
+            <a:endParaRPr lang="en-US" dirty="0" smtClean="0"/>
+          </a:p>
+          <a:p>
+            <a:endParaRPr lang="en-US" dirty="0"/>
+          </a:p>
+        </p:txBody>
+      </p:sp>
+      <p:pic>
+        <p:nvPicPr>
+          <p:cNvPr id="4" name="Picture 3"/>
+          <p:cNvPicPr>
+            <a:picLocks noChangeAspect="1"/>
+          </p:cNvPicPr>
+          <p:nvPr/>
+        </p:nvPicPr>
+        <p:blipFill>
+          <a:blip r:embed="rId2">
+            <a:extLst>
+              <a:ext uri="{28A0092B-C50C-407E-A947-70E740481C1C}">
+                <a14:useLocalDpi xmlns:a14="http://schemas.microsoft.com/office/drawing/2010/main" val="0"/>
+              </a:ext>
+            </a:extLst>
+          </a:blip>
+          <a:stretch>
+            <a:fillRect/>
+          </a:stretch>
+        </p:blipFill>
+        <p:spPr>
+          <a:xfrm>
+            <a:off x="11093450" y="5749925"/>
+            <a:ext cx="1098550" cy="1098550"/>
+          </a:xfrm>
+          <a:prstGeom prst="rect">
+            <a:avLst/>
+          </a:prstGeom>
+        </p:spPr>
+      </p:pic>
+    </p:spTree>
+    <p:extLst>
+      <p:ext uri="{BB962C8B-B14F-4D97-AF65-F5344CB8AC3E}">
+        <p14:creationId xmlns:p14="http://schemas.microsoft.com/office/powerpoint/2010/main" val="1292670139"/>
+      </p:ext>
+    </p:extLst>
+  </p:cSld>
+  <p:clrMapOvr>
+    <a:masterClrMapping/>
+  </p:clrMapOvr>
+  <p:timing>
+    <p:tnLst>
+      <p:par>
+        <p:cTn id="1" dur="indefinite" restart="never" nodeType="tmRoot"/>
+      </p:par>
+    </p:tnLst>
+  </p:timing>
+</p:sld>
+</file>
+
+<file path=ppt/slides/slide5.xml><?xml version="1.0" encoding="utf-8"?>
+<p:sld xmlns:a="http://schemas.openxmlformats.org/drawingml/2006/main" xmlns:r="http://schemas.openxmlformats.org/officeDocument/2006/relationships" xmlns:p="http://schemas.openxmlformats.org/presentationml/2006/main">
+  <p:cSld>
+    <p:spTree>
+      <p:nvGrpSpPr>
+        <p:cNvPr id="1" name=""/>
+        <p:cNvGrpSpPr/>
+        <p:nvPr/>
+      </p:nvGrpSpPr>
+      <p:grpSpPr>
+        <a:xfrm>
+          <a:off x="0" y="0"/>
+          <a:ext cx="0" cy="0"/>
+          <a:chOff x="0" y="0"/>
+          <a:chExt cx="0" cy="0"/>
+        </a:xfrm>
+      </p:grpSpPr>
+      <p:sp>
+        <p:nvSpPr>
+          <p:cNvPr id="2" name="Title 1"/>
+          <p:cNvSpPr>
+            <a:spLocks noGrp="1"/>
+          </p:cNvSpPr>
+          <p:nvPr>
+            <p:ph type="title"/>
+          </p:nvPr>
+        </p:nvSpPr>
+        <p:spPr>
+          <a:xfrm>
+            <a:off x="1154954" y="2370667"/>
+            <a:ext cx="9965628" cy="1822514"/>
+          </a:xfrm>
+        </p:spPr>
+        <p:txBody>
+          <a:bodyPr/>
+          <a:lstStyle/>
+          <a:p>
+            <a:r>
+              <a:rPr lang="en-US" b="1" dirty="0"/>
+              <a:t>What ideas do we have for </a:t>
+            </a:r>
+            <a:r>
+              <a:rPr lang="en-US" b="1" dirty="0" err="1"/>
+              <a:t>AfricaR</a:t>
+            </a:r>
+            <a:r>
+              <a:rPr lang="en-US" b="1" dirty="0"/>
+              <a:t>?</a:t>
+            </a:r>
+            <a:endParaRPr lang="en-US" b="1" dirty="0"/>
+          </a:p>
+        </p:txBody>
+      </p:sp>
+      <p:pic>
+        <p:nvPicPr>
+          <p:cNvPr id="4" name="Picture 3"/>
+          <p:cNvPicPr>
+            <a:picLocks noChangeAspect="1"/>
+          </p:cNvPicPr>
+          <p:nvPr/>
+        </p:nvPicPr>
+        <p:blipFill>
+          <a:blip r:embed="rId2">
+            <a:extLst>
+              <a:ext uri="{28A0092B-C50C-407E-A947-70E740481C1C}">
+                <a14:useLocalDpi xmlns:a14="http://schemas.microsoft.com/office/drawing/2010/main" val="0"/>
+              </a:ext>
+            </a:extLst>
+          </a:blip>
+          <a:stretch>
+            <a:fillRect/>
+          </a:stretch>
+        </p:blipFill>
+        <p:spPr>
+          <a:xfrm>
+            <a:off x="11093450" y="5759450"/>
+            <a:ext cx="1098550" cy="1098550"/>
+          </a:xfrm>
+          <a:prstGeom prst="rect">
+            <a:avLst/>
+          </a:prstGeom>
+        </p:spPr>
+      </p:pic>
+    </p:spTree>
+    <p:extLst>
+      <p:ext uri="{BB962C8B-B14F-4D97-AF65-F5344CB8AC3E}">
+        <p14:creationId xmlns:p14="http://schemas.microsoft.com/office/powerpoint/2010/main" val="3212431357"/>
+      </p:ext>
+    </p:extLst>
+  </p:cSld>
+  <p:clrMapOvr>
+    <a:masterClrMapping/>
+  </p:clrMapOvr>
+</p:sld>
+</file>
+
+<file path=ppt/slides/slide6.xml><?xml version="1.0" encoding="utf-8"?>
+<p:sld xmlns:a="http://schemas.openxmlformats.org/drawingml/2006/main" xmlns:r="http://schemas.openxmlformats.org/officeDocument/2006/relationships" xmlns:p="http://schemas.openxmlformats.org/presentationml/2006/main">
+  <p:cSld>
+    <p:spTree>
+      <p:nvGrpSpPr>
+        <p:cNvPr id="1" name=""/>
+        <p:cNvGrpSpPr/>
+        <p:nvPr/>
+      </p:nvGrpSpPr>
+      <p:grpSpPr>
+        <a:xfrm>
+          <a:off x="0" y="0"/>
+          <a:ext cx="0" cy="0"/>
+          <a:chOff x="0" y="0"/>
+          <a:chExt cx="0" cy="0"/>
+        </a:xfrm>
+      </p:grpSpPr>
+      <p:sp>
+        <p:nvSpPr>
+          <p:cNvPr id="2" name="Title 1"/>
+          <p:cNvSpPr>
+            <a:spLocks noGrp="1"/>
+          </p:cNvSpPr>
+          <p:nvPr>
+            <p:ph type="title"/>
+          </p:nvPr>
+        </p:nvSpPr>
+        <p:spPr>
+          <a:xfrm>
+            <a:off x="480291" y="665018"/>
+            <a:ext cx="9158986" cy="1087146"/>
+          </a:xfrm>
+        </p:spPr>
+        <p:txBody>
+          <a:bodyPr/>
+          <a:lstStyle/>
+          <a:p>
             <a:r>
               <a:rPr lang="en-US" dirty="0" smtClean="0"/>
-              <a:t> </a:t>
-            </a:r>
-            <a:r>
-              <a:rPr lang="en-US" dirty="0" err="1" smtClean="0"/>
-              <a:t>fg</a:t>
+              <a:t>01: </a:t>
+            </a:r>
+            <a:r>
+              <a:rPr lang="en-US" b="1" i="1" dirty="0"/>
+              <a:t>Adopt an Africa R User Group</a:t>
+            </a:r>
+            <a:br>
+              <a:rPr lang="en-US" b="1" i="1" dirty="0"/>
+            </a:br>
+            <a:endParaRPr lang="en-US" dirty="0"/>
+          </a:p>
+        </p:txBody>
+      </p:sp>
+      <p:pic>
+        <p:nvPicPr>
+          <p:cNvPr id="4" name="Picture 3"/>
+          <p:cNvPicPr>
+            <a:picLocks noChangeAspect="1"/>
+          </p:cNvPicPr>
+          <p:nvPr/>
+        </p:nvPicPr>
+        <p:blipFill>
+          <a:blip r:embed="rId2">
+            <a:extLst>
+              <a:ext uri="{28A0092B-C50C-407E-A947-70E740481C1C}">
+                <a14:useLocalDpi xmlns:a14="http://schemas.microsoft.com/office/drawing/2010/main" val="0"/>
+              </a:ext>
+            </a:extLst>
+          </a:blip>
+          <a:stretch>
+            <a:fillRect/>
+          </a:stretch>
+        </p:blipFill>
+        <p:spPr>
+          <a:xfrm>
+            <a:off x="11093450" y="5759450"/>
+            <a:ext cx="1098550" cy="1098550"/>
+          </a:xfrm>
+          <a:prstGeom prst="rect">
+            <a:avLst/>
+          </a:prstGeom>
+        </p:spPr>
+      </p:pic>
+      <p:pic>
+        <p:nvPicPr>
+          <p:cNvPr id="7" name="Picture 6"/>
+          <p:cNvPicPr>
+            <a:picLocks noChangeAspect="1"/>
+          </p:cNvPicPr>
+          <p:nvPr/>
+        </p:nvPicPr>
+        <p:blipFill>
+          <a:blip r:embed="rId3">
+            <a:extLst>
+              <a:ext uri="{28A0092B-C50C-407E-A947-70E740481C1C}">
+                <a14:useLocalDpi xmlns:a14="http://schemas.microsoft.com/office/drawing/2010/main" val="0"/>
+              </a:ext>
+            </a:extLst>
+          </a:blip>
+          <a:stretch>
+            <a:fillRect/>
+          </a:stretch>
+        </p:blipFill>
+        <p:spPr>
+          <a:xfrm>
+            <a:off x="127566" y="2914937"/>
+            <a:ext cx="5992751" cy="3578225"/>
+          </a:xfrm>
+          <a:prstGeom prst="rect">
+            <a:avLst/>
+          </a:prstGeom>
+        </p:spPr>
+      </p:pic>
+      <p:sp>
+        <p:nvSpPr>
+          <p:cNvPr id="11" name="Content Placeholder 7"/>
+          <p:cNvSpPr txBox="1">
+            <a:spLocks/>
+          </p:cNvSpPr>
+          <p:nvPr/>
+        </p:nvSpPr>
+        <p:spPr>
+          <a:xfrm>
+            <a:off x="6488803" y="2914937"/>
+            <a:ext cx="4466102" cy="3187275"/>
+          </a:xfrm>
+          <a:prstGeom prst="rect">
+            <a:avLst/>
+          </a:prstGeom>
+        </p:spPr>
+        <p:txBody>
+          <a:bodyPr vert="horz" lIns="91440" tIns="45720" rIns="91440" bIns="45720" rtlCol="0">
+            <a:normAutofit/>
+          </a:bodyPr>
+          <a:lstStyle>
+            <a:lvl1pPr marL="342900" indent="-342900" algn="l" defTabSz="457200" rtl="0" eaLnBrk="1" latinLnBrk="0" hangingPunct="1">
+              <a:spcBef>
+                <a:spcPts val="1000"/>
+              </a:spcBef>
+              <a:spcAft>
+                <a:spcPts val="0"/>
+              </a:spcAft>
+              <a:buClr>
+                <a:schemeClr val="accent1"/>
+              </a:buClr>
+              <a:buSzPct val="80000"/>
+              <a:buFont typeface="Wingdings 3" charset="2"/>
+              <a:buChar char=""/>
+              <a:defRPr sz="1800" b="0" i="0" kern="1200">
+                <a:solidFill>
+                  <a:schemeClr val="tx1">
+                    <a:lumMod val="75000"/>
+                    <a:lumOff val="25000"/>
+                  </a:schemeClr>
+                </a:solidFill>
+                <a:latin typeface="+mn-lt"/>
+                <a:ea typeface="+mn-ea"/>
+                <a:cs typeface="+mn-cs"/>
+              </a:defRPr>
+            </a:lvl1pPr>
+            <a:lvl2pPr marL="742950" indent="-285750" algn="l" defTabSz="457200" rtl="0" eaLnBrk="1" latinLnBrk="0" hangingPunct="1">
+              <a:spcBef>
+                <a:spcPts val="1000"/>
+              </a:spcBef>
+              <a:spcAft>
+                <a:spcPts val="0"/>
+              </a:spcAft>
+              <a:buClr>
+                <a:schemeClr val="accent1"/>
+              </a:buClr>
+              <a:buSzPct val="80000"/>
+              <a:buFont typeface="Wingdings 3" charset="2"/>
+              <a:buChar char=""/>
+              <a:defRPr sz="1600" b="0" i="0" kern="1200">
+                <a:solidFill>
+                  <a:schemeClr val="tx1">
+                    <a:lumMod val="75000"/>
+                    <a:lumOff val="25000"/>
+                  </a:schemeClr>
+                </a:solidFill>
+                <a:latin typeface="+mn-lt"/>
+                <a:ea typeface="+mn-ea"/>
+                <a:cs typeface="+mn-cs"/>
+              </a:defRPr>
+            </a:lvl2pPr>
+            <a:lvl3pPr marL="1143000" indent="-228600" algn="l" defTabSz="457200" rtl="0" eaLnBrk="1" latinLnBrk="0" hangingPunct="1">
+              <a:spcBef>
+                <a:spcPts val="1000"/>
+              </a:spcBef>
+              <a:spcAft>
+                <a:spcPts val="0"/>
+              </a:spcAft>
+              <a:buClr>
+                <a:schemeClr val="accent1"/>
+              </a:buClr>
+              <a:buSzPct val="80000"/>
+              <a:buFont typeface="Wingdings 3" charset="2"/>
+              <a:buChar char=""/>
+              <a:defRPr sz="1400" b="0" i="0" kern="1200">
+                <a:solidFill>
+                  <a:schemeClr val="tx1">
+                    <a:lumMod val="75000"/>
+                    <a:lumOff val="25000"/>
+                  </a:schemeClr>
+                </a:solidFill>
+                <a:latin typeface="+mn-lt"/>
+                <a:ea typeface="+mn-ea"/>
+                <a:cs typeface="+mn-cs"/>
+              </a:defRPr>
+            </a:lvl3pPr>
+            <a:lvl4pPr marL="1600200" indent="-228600" algn="l" defTabSz="457200" rtl="0" eaLnBrk="1" latinLnBrk="0" hangingPunct="1">
+              <a:spcBef>
+                <a:spcPts val="1000"/>
+              </a:spcBef>
+              <a:spcAft>
+                <a:spcPts val="0"/>
+              </a:spcAft>
+              <a:buClr>
+                <a:schemeClr val="accent1"/>
+              </a:buClr>
+              <a:buSzPct val="80000"/>
+              <a:buFont typeface="Wingdings 3" charset="2"/>
+              <a:buChar char=""/>
+              <a:defRPr sz="1200" b="0" i="0" kern="1200">
+                <a:solidFill>
+                  <a:schemeClr val="tx1">
+                    <a:lumMod val="75000"/>
+                    <a:lumOff val="25000"/>
+                  </a:schemeClr>
+                </a:solidFill>
+                <a:latin typeface="+mn-lt"/>
+                <a:ea typeface="+mn-ea"/>
+                <a:cs typeface="+mn-cs"/>
+              </a:defRPr>
+            </a:lvl4pPr>
+            <a:lvl5pPr marL="2057400" indent="-228600" algn="l" defTabSz="457200" rtl="0" eaLnBrk="1" latinLnBrk="0" hangingPunct="1">
+              <a:spcBef>
+                <a:spcPts val="1000"/>
+              </a:spcBef>
+              <a:spcAft>
+                <a:spcPts val="0"/>
+              </a:spcAft>
+              <a:buClr>
+                <a:schemeClr val="accent1"/>
+              </a:buClr>
+              <a:buSzPct val="80000"/>
+              <a:buFont typeface="Wingdings 3" charset="2"/>
+              <a:buChar char=""/>
+              <a:defRPr sz="1200" b="0" i="0" kern="1200">
+                <a:solidFill>
+                  <a:schemeClr val="tx1">
+                    <a:lumMod val="75000"/>
+                    <a:lumOff val="25000"/>
+                  </a:schemeClr>
+                </a:solidFill>
+                <a:latin typeface="+mn-lt"/>
+                <a:ea typeface="+mn-ea"/>
+                <a:cs typeface="+mn-cs"/>
+              </a:defRPr>
+            </a:lvl5pPr>
+            <a:lvl6pPr marL="2514600" indent="-228600" algn="l" defTabSz="457200" rtl="0" eaLnBrk="1" latinLnBrk="0" hangingPunct="1">
+              <a:spcBef>
+                <a:spcPts val="1000"/>
+              </a:spcBef>
+              <a:spcAft>
+                <a:spcPts val="0"/>
+              </a:spcAft>
+              <a:buClr>
+                <a:schemeClr val="accent1"/>
+              </a:buClr>
+              <a:buSzPct val="80000"/>
+              <a:buFont typeface="Wingdings 3" charset="2"/>
+              <a:buChar char=""/>
+              <a:defRPr sz="1200" b="0" i="0" kern="1200">
+                <a:solidFill>
+                  <a:schemeClr val="tx1">
+                    <a:lumMod val="75000"/>
+                    <a:lumOff val="25000"/>
+                  </a:schemeClr>
+                </a:solidFill>
+                <a:latin typeface="+mn-lt"/>
+                <a:ea typeface="+mn-ea"/>
+                <a:cs typeface="+mn-cs"/>
+              </a:defRPr>
+            </a:lvl6pPr>
+            <a:lvl7pPr marL="2971800" indent="-228600" algn="l" defTabSz="457200" rtl="0" eaLnBrk="1" latinLnBrk="0" hangingPunct="1">
+              <a:spcBef>
+                <a:spcPts val="1000"/>
+              </a:spcBef>
+              <a:spcAft>
+                <a:spcPts val="0"/>
+              </a:spcAft>
+              <a:buClr>
+                <a:schemeClr val="accent1"/>
+              </a:buClr>
+              <a:buSzPct val="80000"/>
+              <a:buFont typeface="Wingdings 3" charset="2"/>
+              <a:buChar char=""/>
+              <a:defRPr sz="1200" b="0" i="0" kern="1200">
+                <a:solidFill>
+                  <a:schemeClr val="tx1">
+                    <a:lumMod val="75000"/>
+                    <a:lumOff val="25000"/>
+                  </a:schemeClr>
+                </a:solidFill>
+                <a:latin typeface="+mn-lt"/>
+                <a:ea typeface="+mn-ea"/>
+                <a:cs typeface="+mn-cs"/>
+              </a:defRPr>
+            </a:lvl7pPr>
+            <a:lvl8pPr marL="3429000" indent="-228600" algn="l" defTabSz="457200" rtl="0" eaLnBrk="1" latinLnBrk="0" hangingPunct="1">
+              <a:spcBef>
+                <a:spcPts val="1000"/>
+              </a:spcBef>
+              <a:spcAft>
+                <a:spcPts val="0"/>
+              </a:spcAft>
+              <a:buClr>
+                <a:schemeClr val="accent1"/>
+              </a:buClr>
+              <a:buSzPct val="80000"/>
+              <a:buFont typeface="Wingdings 3" charset="2"/>
+              <a:buChar char=""/>
+              <a:defRPr sz="1200" b="0" i="0" kern="1200">
+                <a:solidFill>
+                  <a:schemeClr val="tx1">
+                    <a:lumMod val="75000"/>
+                    <a:lumOff val="25000"/>
+                  </a:schemeClr>
+                </a:solidFill>
+                <a:latin typeface="+mn-lt"/>
+                <a:ea typeface="+mn-ea"/>
+                <a:cs typeface="+mn-cs"/>
+              </a:defRPr>
+            </a:lvl8pPr>
+            <a:lvl9pPr marL="3886200" indent="-228600" algn="l" defTabSz="457200" rtl="0" eaLnBrk="1" latinLnBrk="0" hangingPunct="1">
+              <a:spcBef>
+                <a:spcPts val="1000"/>
+              </a:spcBef>
+              <a:spcAft>
+                <a:spcPts val="0"/>
+              </a:spcAft>
+              <a:buClr>
+                <a:schemeClr val="accent1"/>
+              </a:buClr>
+              <a:buSzPct val="80000"/>
+              <a:buFont typeface="Wingdings 3" charset="2"/>
+              <a:buChar char=""/>
+              <a:defRPr sz="1200" b="0" i="0" kern="1200">
+                <a:solidFill>
+                  <a:schemeClr val="tx1">
+                    <a:lumMod val="75000"/>
+                    <a:lumOff val="25000"/>
+                  </a:schemeClr>
+                </a:solidFill>
+                <a:latin typeface="+mn-lt"/>
+                <a:ea typeface="+mn-ea"/>
+                <a:cs typeface="+mn-cs"/>
+              </a:defRPr>
+            </a:lvl9pPr>
+          </a:lstStyle>
+          <a:p>
+            <a:r>
+              <a:rPr lang="en-US" dirty="0" smtClean="0"/>
+              <a:t>Developed R User Groups mentoring/supporting new R User Groups</a:t>
             </a:r>
             <a:endParaRPr lang="en-US" dirty="0"/>
           </a:p>
@@ -13624,7 +15777,1508 @@
     </p:spTree>
     <p:extLst>
       <p:ext uri="{BB962C8B-B14F-4D97-AF65-F5344CB8AC3E}">
-        <p14:creationId xmlns:p14="http://schemas.microsoft.com/office/powerpoint/2010/main" val="1292670139"/>
+        <p14:creationId xmlns:p14="http://schemas.microsoft.com/office/powerpoint/2010/main" val="3383901384"/>
+      </p:ext>
+    </p:extLst>
+  </p:cSld>
+  <p:clrMapOvr>
+    <a:masterClrMapping/>
+  </p:clrMapOvr>
+  <p:timing>
+    <p:tnLst>
+      <p:par>
+        <p:cTn id="1" dur="indefinite" restart="never" nodeType="tmRoot"/>
+      </p:par>
+    </p:tnLst>
+  </p:timing>
+</p:sld>
+</file>
+
+<file path=ppt/slides/slide7.xml><?xml version="1.0" encoding="utf-8"?>
+<p:sld xmlns:a="http://schemas.openxmlformats.org/drawingml/2006/main" xmlns:r="http://schemas.openxmlformats.org/officeDocument/2006/relationships" xmlns:p="http://schemas.openxmlformats.org/presentationml/2006/main">
+  <p:cSld>
+    <p:spTree>
+      <p:nvGrpSpPr>
+        <p:cNvPr id="1" name=""/>
+        <p:cNvGrpSpPr/>
+        <p:nvPr/>
+      </p:nvGrpSpPr>
+      <p:grpSpPr>
+        <a:xfrm>
+          <a:off x="0" y="0"/>
+          <a:ext cx="0" cy="0"/>
+          <a:chOff x="0" y="0"/>
+          <a:chExt cx="0" cy="0"/>
+        </a:xfrm>
+      </p:grpSpPr>
+      <p:sp>
+        <p:nvSpPr>
+          <p:cNvPr id="2" name="Title 1"/>
+          <p:cNvSpPr>
+            <a:spLocks noGrp="1"/>
+          </p:cNvSpPr>
+          <p:nvPr>
+            <p:ph type="title"/>
+          </p:nvPr>
+        </p:nvSpPr>
+        <p:spPr>
+          <a:xfrm>
+            <a:off x="480291" y="599301"/>
+            <a:ext cx="9523821" cy="1616550"/>
+          </a:xfrm>
+        </p:spPr>
+        <p:txBody>
+          <a:bodyPr/>
+          <a:lstStyle/>
+          <a:p>
+            <a:r>
+              <a:rPr lang="en-US" dirty="0" smtClean="0"/>
+              <a:t>02: </a:t>
+            </a:r>
+            <a:r>
+              <a:rPr lang="en-US" b="1" i="1" dirty="0"/>
+              <a:t>Seek remote internships / jobs for students fresh from school</a:t>
+            </a:r>
+            <a:br>
+              <a:rPr lang="en-US" b="1" i="1" dirty="0"/>
+            </a:br>
+            <a:endParaRPr lang="en-US" dirty="0"/>
+          </a:p>
+        </p:txBody>
+      </p:sp>
+      <p:sp>
+        <p:nvSpPr>
+          <p:cNvPr id="3" name="Content Placeholder 2"/>
+          <p:cNvSpPr>
+            <a:spLocks noGrp="1"/>
+          </p:cNvSpPr>
+          <p:nvPr>
+            <p:ph idx="1"/>
+          </p:nvPr>
+        </p:nvSpPr>
+        <p:spPr>
+          <a:xfrm>
+            <a:off x="766618" y="2262909"/>
+            <a:ext cx="10538691" cy="4036291"/>
+          </a:xfrm>
+        </p:spPr>
+        <p:txBody>
+          <a:bodyPr/>
+          <a:lstStyle/>
+          <a:p>
+            <a:pPr marL="914400" lvl="2" indent="0">
+              <a:buNone/>
+            </a:pPr>
+            <a:endParaRPr lang="en-US" dirty="0" smtClean="0"/>
+          </a:p>
+          <a:p>
+            <a:endParaRPr lang="en-US" dirty="0"/>
+          </a:p>
+        </p:txBody>
+      </p:sp>
+      <p:pic>
+        <p:nvPicPr>
+          <p:cNvPr id="4" name="Picture 3"/>
+          <p:cNvPicPr>
+            <a:picLocks noChangeAspect="1"/>
+          </p:cNvPicPr>
+          <p:nvPr/>
+        </p:nvPicPr>
+        <p:blipFill>
+          <a:blip r:embed="rId2">
+            <a:extLst>
+              <a:ext uri="{28A0092B-C50C-407E-A947-70E740481C1C}">
+                <a14:useLocalDpi xmlns:a14="http://schemas.microsoft.com/office/drawing/2010/main" val="0"/>
+              </a:ext>
+            </a:extLst>
+          </a:blip>
+          <a:stretch>
+            <a:fillRect/>
+          </a:stretch>
+        </p:blipFill>
+        <p:spPr>
+          <a:xfrm>
+            <a:off x="11019559" y="5611668"/>
+            <a:ext cx="1098550" cy="1098550"/>
+          </a:xfrm>
+          <a:prstGeom prst="rect">
+            <a:avLst/>
+          </a:prstGeom>
+        </p:spPr>
+      </p:pic>
+      <p:sp>
+        <p:nvSpPr>
+          <p:cNvPr id="5" name="Content Placeholder 8"/>
+          <p:cNvSpPr txBox="1">
+            <a:spLocks/>
+          </p:cNvSpPr>
+          <p:nvPr/>
+        </p:nvSpPr>
+        <p:spPr>
+          <a:xfrm>
+            <a:off x="979463" y="2364508"/>
+            <a:ext cx="8825659" cy="384175"/>
+          </a:xfrm>
+          <a:prstGeom prst="rect">
+            <a:avLst/>
+          </a:prstGeom>
+        </p:spPr>
+        <p:txBody>
+          <a:bodyPr vert="horz" lIns="91440" tIns="45720" rIns="91440" bIns="45720" rtlCol="0">
+            <a:normAutofit/>
+          </a:bodyPr>
+          <a:lstStyle>
+            <a:lvl1pPr marL="342900" indent="-342900" algn="l" defTabSz="457200" rtl="0" eaLnBrk="1" latinLnBrk="0" hangingPunct="1">
+              <a:spcBef>
+                <a:spcPts val="1000"/>
+              </a:spcBef>
+              <a:spcAft>
+                <a:spcPts val="0"/>
+              </a:spcAft>
+              <a:buClr>
+                <a:schemeClr val="accent1"/>
+              </a:buClr>
+              <a:buSzPct val="80000"/>
+              <a:buFont typeface="Wingdings 3" charset="2"/>
+              <a:buChar char=""/>
+              <a:defRPr sz="1800" b="0" i="0" kern="1200">
+                <a:solidFill>
+                  <a:schemeClr val="tx1">
+                    <a:lumMod val="75000"/>
+                    <a:lumOff val="25000"/>
+                  </a:schemeClr>
+                </a:solidFill>
+                <a:latin typeface="+mn-lt"/>
+                <a:ea typeface="+mn-ea"/>
+                <a:cs typeface="+mn-cs"/>
+              </a:defRPr>
+            </a:lvl1pPr>
+            <a:lvl2pPr marL="742950" indent="-285750" algn="l" defTabSz="457200" rtl="0" eaLnBrk="1" latinLnBrk="0" hangingPunct="1">
+              <a:spcBef>
+                <a:spcPts val="1000"/>
+              </a:spcBef>
+              <a:spcAft>
+                <a:spcPts val="0"/>
+              </a:spcAft>
+              <a:buClr>
+                <a:schemeClr val="accent1"/>
+              </a:buClr>
+              <a:buSzPct val="80000"/>
+              <a:buFont typeface="Wingdings 3" charset="2"/>
+              <a:buChar char=""/>
+              <a:defRPr sz="1600" b="0" i="0" kern="1200">
+                <a:solidFill>
+                  <a:schemeClr val="tx1">
+                    <a:lumMod val="75000"/>
+                    <a:lumOff val="25000"/>
+                  </a:schemeClr>
+                </a:solidFill>
+                <a:latin typeface="+mn-lt"/>
+                <a:ea typeface="+mn-ea"/>
+                <a:cs typeface="+mn-cs"/>
+              </a:defRPr>
+            </a:lvl2pPr>
+            <a:lvl3pPr marL="1143000" indent="-228600" algn="l" defTabSz="457200" rtl="0" eaLnBrk="1" latinLnBrk="0" hangingPunct="1">
+              <a:spcBef>
+                <a:spcPts val="1000"/>
+              </a:spcBef>
+              <a:spcAft>
+                <a:spcPts val="0"/>
+              </a:spcAft>
+              <a:buClr>
+                <a:schemeClr val="accent1"/>
+              </a:buClr>
+              <a:buSzPct val="80000"/>
+              <a:buFont typeface="Wingdings 3" charset="2"/>
+              <a:buChar char=""/>
+              <a:defRPr sz="1400" b="0" i="0" kern="1200">
+                <a:solidFill>
+                  <a:schemeClr val="tx1">
+                    <a:lumMod val="75000"/>
+                    <a:lumOff val="25000"/>
+                  </a:schemeClr>
+                </a:solidFill>
+                <a:latin typeface="+mn-lt"/>
+                <a:ea typeface="+mn-ea"/>
+                <a:cs typeface="+mn-cs"/>
+              </a:defRPr>
+            </a:lvl3pPr>
+            <a:lvl4pPr marL="1600200" indent="-228600" algn="l" defTabSz="457200" rtl="0" eaLnBrk="1" latinLnBrk="0" hangingPunct="1">
+              <a:spcBef>
+                <a:spcPts val="1000"/>
+              </a:spcBef>
+              <a:spcAft>
+                <a:spcPts val="0"/>
+              </a:spcAft>
+              <a:buClr>
+                <a:schemeClr val="accent1"/>
+              </a:buClr>
+              <a:buSzPct val="80000"/>
+              <a:buFont typeface="Wingdings 3" charset="2"/>
+              <a:buChar char=""/>
+              <a:defRPr sz="1200" b="0" i="0" kern="1200">
+                <a:solidFill>
+                  <a:schemeClr val="tx1">
+                    <a:lumMod val="75000"/>
+                    <a:lumOff val="25000"/>
+                  </a:schemeClr>
+                </a:solidFill>
+                <a:latin typeface="+mn-lt"/>
+                <a:ea typeface="+mn-ea"/>
+                <a:cs typeface="+mn-cs"/>
+              </a:defRPr>
+            </a:lvl4pPr>
+            <a:lvl5pPr marL="2057400" indent="-228600" algn="l" defTabSz="457200" rtl="0" eaLnBrk="1" latinLnBrk="0" hangingPunct="1">
+              <a:spcBef>
+                <a:spcPts val="1000"/>
+              </a:spcBef>
+              <a:spcAft>
+                <a:spcPts val="0"/>
+              </a:spcAft>
+              <a:buClr>
+                <a:schemeClr val="accent1"/>
+              </a:buClr>
+              <a:buSzPct val="80000"/>
+              <a:buFont typeface="Wingdings 3" charset="2"/>
+              <a:buChar char=""/>
+              <a:defRPr sz="1200" b="0" i="0" kern="1200">
+                <a:solidFill>
+                  <a:schemeClr val="tx1">
+                    <a:lumMod val="75000"/>
+                    <a:lumOff val="25000"/>
+                  </a:schemeClr>
+                </a:solidFill>
+                <a:latin typeface="+mn-lt"/>
+                <a:ea typeface="+mn-ea"/>
+                <a:cs typeface="+mn-cs"/>
+              </a:defRPr>
+            </a:lvl5pPr>
+            <a:lvl6pPr marL="2514600" indent="-228600" algn="l" defTabSz="457200" rtl="0" eaLnBrk="1" latinLnBrk="0" hangingPunct="1">
+              <a:spcBef>
+                <a:spcPts val="1000"/>
+              </a:spcBef>
+              <a:spcAft>
+                <a:spcPts val="0"/>
+              </a:spcAft>
+              <a:buClr>
+                <a:schemeClr val="accent1"/>
+              </a:buClr>
+              <a:buSzPct val="80000"/>
+              <a:buFont typeface="Wingdings 3" charset="2"/>
+              <a:buChar char=""/>
+              <a:defRPr sz="1200" b="0" i="0" kern="1200">
+                <a:solidFill>
+                  <a:schemeClr val="tx1">
+                    <a:lumMod val="75000"/>
+                    <a:lumOff val="25000"/>
+                  </a:schemeClr>
+                </a:solidFill>
+                <a:latin typeface="+mn-lt"/>
+                <a:ea typeface="+mn-ea"/>
+                <a:cs typeface="+mn-cs"/>
+              </a:defRPr>
+            </a:lvl6pPr>
+            <a:lvl7pPr marL="2971800" indent="-228600" algn="l" defTabSz="457200" rtl="0" eaLnBrk="1" latinLnBrk="0" hangingPunct="1">
+              <a:spcBef>
+                <a:spcPts val="1000"/>
+              </a:spcBef>
+              <a:spcAft>
+                <a:spcPts val="0"/>
+              </a:spcAft>
+              <a:buClr>
+                <a:schemeClr val="accent1"/>
+              </a:buClr>
+              <a:buSzPct val="80000"/>
+              <a:buFont typeface="Wingdings 3" charset="2"/>
+              <a:buChar char=""/>
+              <a:defRPr sz="1200" b="0" i="0" kern="1200">
+                <a:solidFill>
+                  <a:schemeClr val="tx1">
+                    <a:lumMod val="75000"/>
+                    <a:lumOff val="25000"/>
+                  </a:schemeClr>
+                </a:solidFill>
+                <a:latin typeface="+mn-lt"/>
+                <a:ea typeface="+mn-ea"/>
+                <a:cs typeface="+mn-cs"/>
+              </a:defRPr>
+            </a:lvl7pPr>
+            <a:lvl8pPr marL="3429000" indent="-228600" algn="l" defTabSz="457200" rtl="0" eaLnBrk="1" latinLnBrk="0" hangingPunct="1">
+              <a:spcBef>
+                <a:spcPts val="1000"/>
+              </a:spcBef>
+              <a:spcAft>
+                <a:spcPts val="0"/>
+              </a:spcAft>
+              <a:buClr>
+                <a:schemeClr val="accent1"/>
+              </a:buClr>
+              <a:buSzPct val="80000"/>
+              <a:buFont typeface="Wingdings 3" charset="2"/>
+              <a:buChar char=""/>
+              <a:defRPr sz="1200" b="0" i="0" kern="1200">
+                <a:solidFill>
+                  <a:schemeClr val="tx1">
+                    <a:lumMod val="75000"/>
+                    <a:lumOff val="25000"/>
+                  </a:schemeClr>
+                </a:solidFill>
+                <a:latin typeface="+mn-lt"/>
+                <a:ea typeface="+mn-ea"/>
+                <a:cs typeface="+mn-cs"/>
+              </a:defRPr>
+            </a:lvl8pPr>
+            <a:lvl9pPr marL="3886200" indent="-228600" algn="l" defTabSz="457200" rtl="0" eaLnBrk="1" latinLnBrk="0" hangingPunct="1">
+              <a:spcBef>
+                <a:spcPts val="1000"/>
+              </a:spcBef>
+              <a:spcAft>
+                <a:spcPts val="0"/>
+              </a:spcAft>
+              <a:buClr>
+                <a:schemeClr val="accent1"/>
+              </a:buClr>
+              <a:buSzPct val="80000"/>
+              <a:buFont typeface="Wingdings 3" charset="2"/>
+              <a:buChar char=""/>
+              <a:defRPr sz="1200" b="0" i="0" kern="1200">
+                <a:solidFill>
+                  <a:schemeClr val="tx1">
+                    <a:lumMod val="75000"/>
+                    <a:lumOff val="25000"/>
+                  </a:schemeClr>
+                </a:solidFill>
+                <a:latin typeface="+mn-lt"/>
+                <a:ea typeface="+mn-ea"/>
+                <a:cs typeface="+mn-cs"/>
+              </a:defRPr>
+            </a:lvl9pPr>
+          </a:lstStyle>
+          <a:p>
+            <a:endParaRPr lang="en-US" dirty="0"/>
+          </a:p>
+        </p:txBody>
+      </p:sp>
+      <p:pic>
+        <p:nvPicPr>
+          <p:cNvPr id="6" name="Picture 5"/>
+          <p:cNvPicPr>
+            <a:picLocks noChangeAspect="1"/>
+          </p:cNvPicPr>
+          <p:nvPr/>
+        </p:nvPicPr>
+        <p:blipFill>
+          <a:blip r:embed="rId3">
+            <a:extLst>
+              <a:ext uri="{28A0092B-C50C-407E-A947-70E740481C1C}">
+                <a14:useLocalDpi xmlns:a14="http://schemas.microsoft.com/office/drawing/2010/main" val="0"/>
+              </a:ext>
+            </a:extLst>
+          </a:blip>
+          <a:stretch>
+            <a:fillRect/>
+          </a:stretch>
+        </p:blipFill>
+        <p:spPr>
+          <a:xfrm>
+            <a:off x="481415" y="2370090"/>
+            <a:ext cx="5427951" cy="3821928"/>
+          </a:xfrm>
+          <a:prstGeom prst="rect">
+            <a:avLst/>
+          </a:prstGeom>
+        </p:spPr>
+      </p:pic>
+      <p:sp>
+        <p:nvSpPr>
+          <p:cNvPr id="8" name="Content Placeholder 7"/>
+          <p:cNvSpPr txBox="1">
+            <a:spLocks/>
+          </p:cNvSpPr>
+          <p:nvPr/>
+        </p:nvSpPr>
+        <p:spPr>
+          <a:xfrm>
+            <a:off x="6015789" y="2888291"/>
+            <a:ext cx="4803007" cy="3262252"/>
+          </a:xfrm>
+          <a:prstGeom prst="rect">
+            <a:avLst/>
+          </a:prstGeom>
+        </p:spPr>
+        <p:txBody>
+          <a:bodyPr vert="horz" lIns="91440" tIns="45720" rIns="91440" bIns="45720" rtlCol="0">
+            <a:normAutofit/>
+          </a:bodyPr>
+          <a:lstStyle>
+            <a:lvl1pPr marL="342900" indent="-342900" algn="l" defTabSz="457200" rtl="0" eaLnBrk="1" latinLnBrk="0" hangingPunct="1">
+              <a:spcBef>
+                <a:spcPts val="1000"/>
+              </a:spcBef>
+              <a:spcAft>
+                <a:spcPts val="0"/>
+              </a:spcAft>
+              <a:buClr>
+                <a:schemeClr val="accent1"/>
+              </a:buClr>
+              <a:buSzPct val="80000"/>
+              <a:buFont typeface="Wingdings 3" charset="2"/>
+              <a:buChar char=""/>
+              <a:defRPr sz="1800" b="0" i="0" kern="1200">
+                <a:solidFill>
+                  <a:schemeClr val="tx1">
+                    <a:lumMod val="75000"/>
+                    <a:lumOff val="25000"/>
+                  </a:schemeClr>
+                </a:solidFill>
+                <a:latin typeface="+mn-lt"/>
+                <a:ea typeface="+mn-ea"/>
+                <a:cs typeface="+mn-cs"/>
+              </a:defRPr>
+            </a:lvl1pPr>
+            <a:lvl2pPr marL="742950" indent="-285750" algn="l" defTabSz="457200" rtl="0" eaLnBrk="1" latinLnBrk="0" hangingPunct="1">
+              <a:spcBef>
+                <a:spcPts val="1000"/>
+              </a:spcBef>
+              <a:spcAft>
+                <a:spcPts val="0"/>
+              </a:spcAft>
+              <a:buClr>
+                <a:schemeClr val="accent1"/>
+              </a:buClr>
+              <a:buSzPct val="80000"/>
+              <a:buFont typeface="Wingdings 3" charset="2"/>
+              <a:buChar char=""/>
+              <a:defRPr sz="1600" b="0" i="0" kern="1200">
+                <a:solidFill>
+                  <a:schemeClr val="tx1">
+                    <a:lumMod val="75000"/>
+                    <a:lumOff val="25000"/>
+                  </a:schemeClr>
+                </a:solidFill>
+                <a:latin typeface="+mn-lt"/>
+                <a:ea typeface="+mn-ea"/>
+                <a:cs typeface="+mn-cs"/>
+              </a:defRPr>
+            </a:lvl2pPr>
+            <a:lvl3pPr marL="1143000" indent="-228600" algn="l" defTabSz="457200" rtl="0" eaLnBrk="1" latinLnBrk="0" hangingPunct="1">
+              <a:spcBef>
+                <a:spcPts val="1000"/>
+              </a:spcBef>
+              <a:spcAft>
+                <a:spcPts val="0"/>
+              </a:spcAft>
+              <a:buClr>
+                <a:schemeClr val="accent1"/>
+              </a:buClr>
+              <a:buSzPct val="80000"/>
+              <a:buFont typeface="Wingdings 3" charset="2"/>
+              <a:buChar char=""/>
+              <a:defRPr sz="1400" b="0" i="0" kern="1200">
+                <a:solidFill>
+                  <a:schemeClr val="tx1">
+                    <a:lumMod val="75000"/>
+                    <a:lumOff val="25000"/>
+                  </a:schemeClr>
+                </a:solidFill>
+                <a:latin typeface="+mn-lt"/>
+                <a:ea typeface="+mn-ea"/>
+                <a:cs typeface="+mn-cs"/>
+              </a:defRPr>
+            </a:lvl3pPr>
+            <a:lvl4pPr marL="1600200" indent="-228600" algn="l" defTabSz="457200" rtl="0" eaLnBrk="1" latinLnBrk="0" hangingPunct="1">
+              <a:spcBef>
+                <a:spcPts val="1000"/>
+              </a:spcBef>
+              <a:spcAft>
+                <a:spcPts val="0"/>
+              </a:spcAft>
+              <a:buClr>
+                <a:schemeClr val="accent1"/>
+              </a:buClr>
+              <a:buSzPct val="80000"/>
+              <a:buFont typeface="Wingdings 3" charset="2"/>
+              <a:buChar char=""/>
+              <a:defRPr sz="1200" b="0" i="0" kern="1200">
+                <a:solidFill>
+                  <a:schemeClr val="tx1">
+                    <a:lumMod val="75000"/>
+                    <a:lumOff val="25000"/>
+                  </a:schemeClr>
+                </a:solidFill>
+                <a:latin typeface="+mn-lt"/>
+                <a:ea typeface="+mn-ea"/>
+                <a:cs typeface="+mn-cs"/>
+              </a:defRPr>
+            </a:lvl4pPr>
+            <a:lvl5pPr marL="2057400" indent="-228600" algn="l" defTabSz="457200" rtl="0" eaLnBrk="1" latinLnBrk="0" hangingPunct="1">
+              <a:spcBef>
+                <a:spcPts val="1000"/>
+              </a:spcBef>
+              <a:spcAft>
+                <a:spcPts val="0"/>
+              </a:spcAft>
+              <a:buClr>
+                <a:schemeClr val="accent1"/>
+              </a:buClr>
+              <a:buSzPct val="80000"/>
+              <a:buFont typeface="Wingdings 3" charset="2"/>
+              <a:buChar char=""/>
+              <a:defRPr sz="1200" b="0" i="0" kern="1200">
+                <a:solidFill>
+                  <a:schemeClr val="tx1">
+                    <a:lumMod val="75000"/>
+                    <a:lumOff val="25000"/>
+                  </a:schemeClr>
+                </a:solidFill>
+                <a:latin typeface="+mn-lt"/>
+                <a:ea typeface="+mn-ea"/>
+                <a:cs typeface="+mn-cs"/>
+              </a:defRPr>
+            </a:lvl5pPr>
+            <a:lvl6pPr marL="2514600" indent="-228600" algn="l" defTabSz="457200" rtl="0" eaLnBrk="1" latinLnBrk="0" hangingPunct="1">
+              <a:spcBef>
+                <a:spcPts val="1000"/>
+              </a:spcBef>
+              <a:spcAft>
+                <a:spcPts val="0"/>
+              </a:spcAft>
+              <a:buClr>
+                <a:schemeClr val="accent1"/>
+              </a:buClr>
+              <a:buSzPct val="80000"/>
+              <a:buFont typeface="Wingdings 3" charset="2"/>
+              <a:buChar char=""/>
+              <a:defRPr sz="1200" b="0" i="0" kern="1200">
+                <a:solidFill>
+                  <a:schemeClr val="tx1">
+                    <a:lumMod val="75000"/>
+                    <a:lumOff val="25000"/>
+                  </a:schemeClr>
+                </a:solidFill>
+                <a:latin typeface="+mn-lt"/>
+                <a:ea typeface="+mn-ea"/>
+                <a:cs typeface="+mn-cs"/>
+              </a:defRPr>
+            </a:lvl6pPr>
+            <a:lvl7pPr marL="2971800" indent="-228600" algn="l" defTabSz="457200" rtl="0" eaLnBrk="1" latinLnBrk="0" hangingPunct="1">
+              <a:spcBef>
+                <a:spcPts val="1000"/>
+              </a:spcBef>
+              <a:spcAft>
+                <a:spcPts val="0"/>
+              </a:spcAft>
+              <a:buClr>
+                <a:schemeClr val="accent1"/>
+              </a:buClr>
+              <a:buSzPct val="80000"/>
+              <a:buFont typeface="Wingdings 3" charset="2"/>
+              <a:buChar char=""/>
+              <a:defRPr sz="1200" b="0" i="0" kern="1200">
+                <a:solidFill>
+                  <a:schemeClr val="tx1">
+                    <a:lumMod val="75000"/>
+                    <a:lumOff val="25000"/>
+                  </a:schemeClr>
+                </a:solidFill>
+                <a:latin typeface="+mn-lt"/>
+                <a:ea typeface="+mn-ea"/>
+                <a:cs typeface="+mn-cs"/>
+              </a:defRPr>
+            </a:lvl7pPr>
+            <a:lvl8pPr marL="3429000" indent="-228600" algn="l" defTabSz="457200" rtl="0" eaLnBrk="1" latinLnBrk="0" hangingPunct="1">
+              <a:spcBef>
+                <a:spcPts val="1000"/>
+              </a:spcBef>
+              <a:spcAft>
+                <a:spcPts val="0"/>
+              </a:spcAft>
+              <a:buClr>
+                <a:schemeClr val="accent1"/>
+              </a:buClr>
+              <a:buSzPct val="80000"/>
+              <a:buFont typeface="Wingdings 3" charset="2"/>
+              <a:buChar char=""/>
+              <a:defRPr sz="1200" b="0" i="0" kern="1200">
+                <a:solidFill>
+                  <a:schemeClr val="tx1">
+                    <a:lumMod val="75000"/>
+                    <a:lumOff val="25000"/>
+                  </a:schemeClr>
+                </a:solidFill>
+                <a:latin typeface="+mn-lt"/>
+                <a:ea typeface="+mn-ea"/>
+                <a:cs typeface="+mn-cs"/>
+              </a:defRPr>
+            </a:lvl8pPr>
+            <a:lvl9pPr marL="3886200" indent="-228600" algn="l" defTabSz="457200" rtl="0" eaLnBrk="1" latinLnBrk="0" hangingPunct="1">
+              <a:spcBef>
+                <a:spcPts val="1000"/>
+              </a:spcBef>
+              <a:spcAft>
+                <a:spcPts val="0"/>
+              </a:spcAft>
+              <a:buClr>
+                <a:schemeClr val="accent1"/>
+              </a:buClr>
+              <a:buSzPct val="80000"/>
+              <a:buFont typeface="Wingdings 3" charset="2"/>
+              <a:buChar char=""/>
+              <a:defRPr sz="1200" b="0" i="0" kern="1200">
+                <a:solidFill>
+                  <a:schemeClr val="tx1">
+                    <a:lumMod val="75000"/>
+                    <a:lumOff val="25000"/>
+                  </a:schemeClr>
+                </a:solidFill>
+                <a:latin typeface="+mn-lt"/>
+                <a:ea typeface="+mn-ea"/>
+                <a:cs typeface="+mn-cs"/>
+              </a:defRPr>
+            </a:lvl9pPr>
+          </a:lstStyle>
+          <a:p>
+            <a:endParaRPr lang="en-US" dirty="0" smtClean="0"/>
+          </a:p>
+        </p:txBody>
+      </p:sp>
+    </p:spTree>
+    <p:extLst>
+      <p:ext uri="{BB962C8B-B14F-4D97-AF65-F5344CB8AC3E}">
+        <p14:creationId xmlns:p14="http://schemas.microsoft.com/office/powerpoint/2010/main" val="3996535338"/>
+      </p:ext>
+    </p:extLst>
+  </p:cSld>
+  <p:clrMapOvr>
+    <a:masterClrMapping/>
+  </p:clrMapOvr>
+  <p:timing>
+    <p:tnLst>
+      <p:par>
+        <p:cTn id="1" dur="indefinite" restart="never" nodeType="tmRoot"/>
+      </p:par>
+    </p:tnLst>
+  </p:timing>
+</p:sld>
+</file>
+
+<file path=ppt/slides/slide8.xml><?xml version="1.0" encoding="utf-8"?>
+<p:sld xmlns:a="http://schemas.openxmlformats.org/drawingml/2006/main" xmlns:r="http://schemas.openxmlformats.org/officeDocument/2006/relationships" xmlns:p="http://schemas.openxmlformats.org/presentationml/2006/main">
+  <p:cSld>
+    <p:spTree>
+      <p:nvGrpSpPr>
+        <p:cNvPr id="1" name=""/>
+        <p:cNvGrpSpPr/>
+        <p:nvPr/>
+      </p:nvGrpSpPr>
+      <p:grpSpPr>
+        <a:xfrm>
+          <a:off x="0" y="0"/>
+          <a:ext cx="0" cy="0"/>
+          <a:chOff x="0" y="0"/>
+          <a:chExt cx="0" cy="0"/>
+        </a:xfrm>
+      </p:grpSpPr>
+      <p:sp>
+        <p:nvSpPr>
+          <p:cNvPr id="2" name="Title 1"/>
+          <p:cNvSpPr>
+            <a:spLocks noGrp="1"/>
+          </p:cNvSpPr>
+          <p:nvPr>
+            <p:ph type="title"/>
+          </p:nvPr>
+        </p:nvSpPr>
+        <p:spPr>
+          <a:xfrm>
+            <a:off x="471055" y="489528"/>
+            <a:ext cx="11249890" cy="1320800"/>
+          </a:xfrm>
+        </p:spPr>
+        <p:txBody>
+          <a:bodyPr/>
+          <a:lstStyle/>
+          <a:p>
+            <a:r>
+              <a:rPr lang="en-US" dirty="0" smtClean="0"/>
+              <a:t>03: </a:t>
+            </a:r>
+            <a:r>
+              <a:rPr lang="en-US" b="1" i="1" dirty="0"/>
+              <a:t>Spring up as many Africa R User Groups</a:t>
+            </a:r>
+            <a:br>
+              <a:rPr lang="en-US" b="1" i="1" dirty="0"/>
+            </a:br>
+            <a:endParaRPr lang="en-US" dirty="0"/>
+          </a:p>
+        </p:txBody>
+      </p:sp>
+      <p:pic>
+        <p:nvPicPr>
+          <p:cNvPr id="4" name="Picture 3"/>
+          <p:cNvPicPr>
+            <a:picLocks noChangeAspect="1"/>
+          </p:cNvPicPr>
+          <p:nvPr/>
+        </p:nvPicPr>
+        <p:blipFill>
+          <a:blip r:embed="rId2">
+            <a:extLst>
+              <a:ext uri="{28A0092B-C50C-407E-A947-70E740481C1C}">
+                <a14:useLocalDpi xmlns:a14="http://schemas.microsoft.com/office/drawing/2010/main" val="0"/>
+              </a:ext>
+            </a:extLst>
+          </a:blip>
+          <a:stretch>
+            <a:fillRect/>
+          </a:stretch>
+        </p:blipFill>
+        <p:spPr>
+          <a:xfrm>
+            <a:off x="11093450" y="5749925"/>
+            <a:ext cx="1098550" cy="1098550"/>
+          </a:xfrm>
+          <a:prstGeom prst="rect">
+            <a:avLst/>
+          </a:prstGeom>
+        </p:spPr>
+      </p:pic>
+      <p:sp>
+        <p:nvSpPr>
+          <p:cNvPr id="6" name="Content Placeholder 8"/>
+          <p:cNvSpPr txBox="1">
+            <a:spLocks/>
+          </p:cNvSpPr>
+          <p:nvPr/>
+        </p:nvSpPr>
+        <p:spPr>
+          <a:xfrm>
+            <a:off x="979463" y="2364508"/>
+            <a:ext cx="8825659" cy="384175"/>
+          </a:xfrm>
+          <a:prstGeom prst="rect">
+            <a:avLst/>
+          </a:prstGeom>
+        </p:spPr>
+        <p:txBody>
+          <a:bodyPr vert="horz" lIns="91440" tIns="45720" rIns="91440" bIns="45720" rtlCol="0">
+            <a:normAutofit/>
+          </a:bodyPr>
+          <a:lstStyle>
+            <a:lvl1pPr marL="342900" indent="-342900" algn="l" defTabSz="457200" rtl="0" eaLnBrk="1" latinLnBrk="0" hangingPunct="1">
+              <a:spcBef>
+                <a:spcPts val="1000"/>
+              </a:spcBef>
+              <a:spcAft>
+                <a:spcPts val="0"/>
+              </a:spcAft>
+              <a:buClr>
+                <a:schemeClr val="accent1"/>
+              </a:buClr>
+              <a:buSzPct val="80000"/>
+              <a:buFont typeface="Wingdings 3" charset="2"/>
+              <a:buChar char=""/>
+              <a:defRPr sz="1800" b="0" i="0" kern="1200">
+                <a:solidFill>
+                  <a:schemeClr val="tx1">
+                    <a:lumMod val="75000"/>
+                    <a:lumOff val="25000"/>
+                  </a:schemeClr>
+                </a:solidFill>
+                <a:latin typeface="+mn-lt"/>
+                <a:ea typeface="+mn-ea"/>
+                <a:cs typeface="+mn-cs"/>
+              </a:defRPr>
+            </a:lvl1pPr>
+            <a:lvl2pPr marL="742950" indent="-285750" algn="l" defTabSz="457200" rtl="0" eaLnBrk="1" latinLnBrk="0" hangingPunct="1">
+              <a:spcBef>
+                <a:spcPts val="1000"/>
+              </a:spcBef>
+              <a:spcAft>
+                <a:spcPts val="0"/>
+              </a:spcAft>
+              <a:buClr>
+                <a:schemeClr val="accent1"/>
+              </a:buClr>
+              <a:buSzPct val="80000"/>
+              <a:buFont typeface="Wingdings 3" charset="2"/>
+              <a:buChar char=""/>
+              <a:defRPr sz="1600" b="0" i="0" kern="1200">
+                <a:solidFill>
+                  <a:schemeClr val="tx1">
+                    <a:lumMod val="75000"/>
+                    <a:lumOff val="25000"/>
+                  </a:schemeClr>
+                </a:solidFill>
+                <a:latin typeface="+mn-lt"/>
+                <a:ea typeface="+mn-ea"/>
+                <a:cs typeface="+mn-cs"/>
+              </a:defRPr>
+            </a:lvl2pPr>
+            <a:lvl3pPr marL="1143000" indent="-228600" algn="l" defTabSz="457200" rtl="0" eaLnBrk="1" latinLnBrk="0" hangingPunct="1">
+              <a:spcBef>
+                <a:spcPts val="1000"/>
+              </a:spcBef>
+              <a:spcAft>
+                <a:spcPts val="0"/>
+              </a:spcAft>
+              <a:buClr>
+                <a:schemeClr val="accent1"/>
+              </a:buClr>
+              <a:buSzPct val="80000"/>
+              <a:buFont typeface="Wingdings 3" charset="2"/>
+              <a:buChar char=""/>
+              <a:defRPr sz="1400" b="0" i="0" kern="1200">
+                <a:solidFill>
+                  <a:schemeClr val="tx1">
+                    <a:lumMod val="75000"/>
+                    <a:lumOff val="25000"/>
+                  </a:schemeClr>
+                </a:solidFill>
+                <a:latin typeface="+mn-lt"/>
+                <a:ea typeface="+mn-ea"/>
+                <a:cs typeface="+mn-cs"/>
+              </a:defRPr>
+            </a:lvl3pPr>
+            <a:lvl4pPr marL="1600200" indent="-228600" algn="l" defTabSz="457200" rtl="0" eaLnBrk="1" latinLnBrk="0" hangingPunct="1">
+              <a:spcBef>
+                <a:spcPts val="1000"/>
+              </a:spcBef>
+              <a:spcAft>
+                <a:spcPts val="0"/>
+              </a:spcAft>
+              <a:buClr>
+                <a:schemeClr val="accent1"/>
+              </a:buClr>
+              <a:buSzPct val="80000"/>
+              <a:buFont typeface="Wingdings 3" charset="2"/>
+              <a:buChar char=""/>
+              <a:defRPr sz="1200" b="0" i="0" kern="1200">
+                <a:solidFill>
+                  <a:schemeClr val="tx1">
+                    <a:lumMod val="75000"/>
+                    <a:lumOff val="25000"/>
+                  </a:schemeClr>
+                </a:solidFill>
+                <a:latin typeface="+mn-lt"/>
+                <a:ea typeface="+mn-ea"/>
+                <a:cs typeface="+mn-cs"/>
+              </a:defRPr>
+            </a:lvl4pPr>
+            <a:lvl5pPr marL="2057400" indent="-228600" algn="l" defTabSz="457200" rtl="0" eaLnBrk="1" latinLnBrk="0" hangingPunct="1">
+              <a:spcBef>
+                <a:spcPts val="1000"/>
+              </a:spcBef>
+              <a:spcAft>
+                <a:spcPts val="0"/>
+              </a:spcAft>
+              <a:buClr>
+                <a:schemeClr val="accent1"/>
+              </a:buClr>
+              <a:buSzPct val="80000"/>
+              <a:buFont typeface="Wingdings 3" charset="2"/>
+              <a:buChar char=""/>
+              <a:defRPr sz="1200" b="0" i="0" kern="1200">
+                <a:solidFill>
+                  <a:schemeClr val="tx1">
+                    <a:lumMod val="75000"/>
+                    <a:lumOff val="25000"/>
+                  </a:schemeClr>
+                </a:solidFill>
+                <a:latin typeface="+mn-lt"/>
+                <a:ea typeface="+mn-ea"/>
+                <a:cs typeface="+mn-cs"/>
+              </a:defRPr>
+            </a:lvl5pPr>
+            <a:lvl6pPr marL="2514600" indent="-228600" algn="l" defTabSz="457200" rtl="0" eaLnBrk="1" latinLnBrk="0" hangingPunct="1">
+              <a:spcBef>
+                <a:spcPts val="1000"/>
+              </a:spcBef>
+              <a:spcAft>
+                <a:spcPts val="0"/>
+              </a:spcAft>
+              <a:buClr>
+                <a:schemeClr val="accent1"/>
+              </a:buClr>
+              <a:buSzPct val="80000"/>
+              <a:buFont typeface="Wingdings 3" charset="2"/>
+              <a:buChar char=""/>
+              <a:defRPr sz="1200" b="0" i="0" kern="1200">
+                <a:solidFill>
+                  <a:schemeClr val="tx1">
+                    <a:lumMod val="75000"/>
+                    <a:lumOff val="25000"/>
+                  </a:schemeClr>
+                </a:solidFill>
+                <a:latin typeface="+mn-lt"/>
+                <a:ea typeface="+mn-ea"/>
+                <a:cs typeface="+mn-cs"/>
+              </a:defRPr>
+            </a:lvl6pPr>
+            <a:lvl7pPr marL="2971800" indent="-228600" algn="l" defTabSz="457200" rtl="0" eaLnBrk="1" latinLnBrk="0" hangingPunct="1">
+              <a:spcBef>
+                <a:spcPts val="1000"/>
+              </a:spcBef>
+              <a:spcAft>
+                <a:spcPts val="0"/>
+              </a:spcAft>
+              <a:buClr>
+                <a:schemeClr val="accent1"/>
+              </a:buClr>
+              <a:buSzPct val="80000"/>
+              <a:buFont typeface="Wingdings 3" charset="2"/>
+              <a:buChar char=""/>
+              <a:defRPr sz="1200" b="0" i="0" kern="1200">
+                <a:solidFill>
+                  <a:schemeClr val="tx1">
+                    <a:lumMod val="75000"/>
+                    <a:lumOff val="25000"/>
+                  </a:schemeClr>
+                </a:solidFill>
+                <a:latin typeface="+mn-lt"/>
+                <a:ea typeface="+mn-ea"/>
+                <a:cs typeface="+mn-cs"/>
+              </a:defRPr>
+            </a:lvl7pPr>
+            <a:lvl8pPr marL="3429000" indent="-228600" algn="l" defTabSz="457200" rtl="0" eaLnBrk="1" latinLnBrk="0" hangingPunct="1">
+              <a:spcBef>
+                <a:spcPts val="1000"/>
+              </a:spcBef>
+              <a:spcAft>
+                <a:spcPts val="0"/>
+              </a:spcAft>
+              <a:buClr>
+                <a:schemeClr val="accent1"/>
+              </a:buClr>
+              <a:buSzPct val="80000"/>
+              <a:buFont typeface="Wingdings 3" charset="2"/>
+              <a:buChar char=""/>
+              <a:defRPr sz="1200" b="0" i="0" kern="1200">
+                <a:solidFill>
+                  <a:schemeClr val="tx1">
+                    <a:lumMod val="75000"/>
+                    <a:lumOff val="25000"/>
+                  </a:schemeClr>
+                </a:solidFill>
+                <a:latin typeface="+mn-lt"/>
+                <a:ea typeface="+mn-ea"/>
+                <a:cs typeface="+mn-cs"/>
+              </a:defRPr>
+            </a:lvl8pPr>
+            <a:lvl9pPr marL="3886200" indent="-228600" algn="l" defTabSz="457200" rtl="0" eaLnBrk="1" latinLnBrk="0" hangingPunct="1">
+              <a:spcBef>
+                <a:spcPts val="1000"/>
+              </a:spcBef>
+              <a:spcAft>
+                <a:spcPts val="0"/>
+              </a:spcAft>
+              <a:buClr>
+                <a:schemeClr val="accent1"/>
+              </a:buClr>
+              <a:buSzPct val="80000"/>
+              <a:buFont typeface="Wingdings 3" charset="2"/>
+              <a:buChar char=""/>
+              <a:defRPr sz="1200" b="0" i="0" kern="1200">
+                <a:solidFill>
+                  <a:schemeClr val="tx1">
+                    <a:lumMod val="75000"/>
+                    <a:lumOff val="25000"/>
+                  </a:schemeClr>
+                </a:solidFill>
+                <a:latin typeface="+mn-lt"/>
+                <a:ea typeface="+mn-ea"/>
+                <a:cs typeface="+mn-cs"/>
+              </a:defRPr>
+            </a:lvl9pPr>
+          </a:lstStyle>
+          <a:p>
+            <a:endParaRPr lang="en-US" dirty="0"/>
+          </a:p>
+        </p:txBody>
+      </p:sp>
+    </p:spTree>
+    <p:extLst>
+      <p:ext uri="{BB962C8B-B14F-4D97-AF65-F5344CB8AC3E}">
+        <p14:creationId xmlns:p14="http://schemas.microsoft.com/office/powerpoint/2010/main" val="3604287986"/>
+      </p:ext>
+    </p:extLst>
+  </p:cSld>
+  <p:clrMapOvr>
+    <a:masterClrMapping/>
+  </p:clrMapOvr>
+  <p:timing>
+    <p:tnLst>
+      <p:par>
+        <p:cTn id="1" dur="indefinite" restart="never" nodeType="tmRoot"/>
+      </p:par>
+    </p:tnLst>
+  </p:timing>
+</p:sld>
+</file>
+
+<file path=ppt/slides/slide9.xml><?xml version="1.0" encoding="utf-8"?>
+<p:sld xmlns:a="http://schemas.openxmlformats.org/drawingml/2006/main" xmlns:r="http://schemas.openxmlformats.org/officeDocument/2006/relationships" xmlns:p="http://schemas.openxmlformats.org/presentationml/2006/main">
+  <p:cSld>
+    <p:spTree>
+      <p:nvGrpSpPr>
+        <p:cNvPr id="1" name=""/>
+        <p:cNvGrpSpPr/>
+        <p:nvPr/>
+      </p:nvGrpSpPr>
+      <p:grpSpPr>
+        <a:xfrm>
+          <a:off x="0" y="0"/>
+          <a:ext cx="0" cy="0"/>
+          <a:chOff x="0" y="0"/>
+          <a:chExt cx="0" cy="0"/>
+        </a:xfrm>
+      </p:grpSpPr>
+      <p:pic>
+        <p:nvPicPr>
+          <p:cNvPr id="4" name="Picture 3"/>
+          <p:cNvPicPr>
+            <a:picLocks noChangeAspect="1"/>
+          </p:cNvPicPr>
+          <p:nvPr/>
+        </p:nvPicPr>
+        <p:blipFill>
+          <a:blip r:embed="rId2">
+            <a:extLst>
+              <a:ext uri="{28A0092B-C50C-407E-A947-70E740481C1C}">
+                <a14:useLocalDpi xmlns:a14="http://schemas.microsoft.com/office/drawing/2010/main" val="0"/>
+              </a:ext>
+            </a:extLst>
+          </a:blip>
+          <a:stretch>
+            <a:fillRect/>
+          </a:stretch>
+        </p:blipFill>
+        <p:spPr>
+          <a:xfrm>
+            <a:off x="11093450" y="5759450"/>
+            <a:ext cx="1098550" cy="1098550"/>
+          </a:xfrm>
+          <a:prstGeom prst="rect">
+            <a:avLst/>
+          </a:prstGeom>
+        </p:spPr>
+      </p:pic>
+      <p:sp>
+        <p:nvSpPr>
+          <p:cNvPr id="5" name="Content Placeholder 8"/>
+          <p:cNvSpPr txBox="1">
+            <a:spLocks/>
+          </p:cNvSpPr>
+          <p:nvPr/>
+        </p:nvSpPr>
+        <p:spPr>
+          <a:xfrm>
+            <a:off x="979463" y="2364508"/>
+            <a:ext cx="8825659" cy="384175"/>
+          </a:xfrm>
+          <a:prstGeom prst="rect">
+            <a:avLst/>
+          </a:prstGeom>
+        </p:spPr>
+        <p:txBody>
+          <a:bodyPr vert="horz" lIns="91440" tIns="45720" rIns="91440" bIns="45720" rtlCol="0">
+            <a:normAutofit/>
+          </a:bodyPr>
+          <a:lstStyle>
+            <a:lvl1pPr marL="342900" indent="-342900" algn="l" defTabSz="457200" rtl="0" eaLnBrk="1" latinLnBrk="0" hangingPunct="1">
+              <a:spcBef>
+                <a:spcPts val="1000"/>
+              </a:spcBef>
+              <a:spcAft>
+                <a:spcPts val="0"/>
+              </a:spcAft>
+              <a:buClr>
+                <a:schemeClr val="accent1"/>
+              </a:buClr>
+              <a:buSzPct val="80000"/>
+              <a:buFont typeface="Wingdings 3" charset="2"/>
+              <a:buChar char=""/>
+              <a:defRPr sz="1800" b="0" i="0" kern="1200">
+                <a:solidFill>
+                  <a:schemeClr val="tx1">
+                    <a:lumMod val="75000"/>
+                    <a:lumOff val="25000"/>
+                  </a:schemeClr>
+                </a:solidFill>
+                <a:latin typeface="+mn-lt"/>
+                <a:ea typeface="+mn-ea"/>
+                <a:cs typeface="+mn-cs"/>
+              </a:defRPr>
+            </a:lvl1pPr>
+            <a:lvl2pPr marL="742950" indent="-285750" algn="l" defTabSz="457200" rtl="0" eaLnBrk="1" latinLnBrk="0" hangingPunct="1">
+              <a:spcBef>
+                <a:spcPts val="1000"/>
+              </a:spcBef>
+              <a:spcAft>
+                <a:spcPts val="0"/>
+              </a:spcAft>
+              <a:buClr>
+                <a:schemeClr val="accent1"/>
+              </a:buClr>
+              <a:buSzPct val="80000"/>
+              <a:buFont typeface="Wingdings 3" charset="2"/>
+              <a:buChar char=""/>
+              <a:defRPr sz="1600" b="0" i="0" kern="1200">
+                <a:solidFill>
+                  <a:schemeClr val="tx1">
+                    <a:lumMod val="75000"/>
+                    <a:lumOff val="25000"/>
+                  </a:schemeClr>
+                </a:solidFill>
+                <a:latin typeface="+mn-lt"/>
+                <a:ea typeface="+mn-ea"/>
+                <a:cs typeface="+mn-cs"/>
+              </a:defRPr>
+            </a:lvl2pPr>
+            <a:lvl3pPr marL="1143000" indent="-228600" algn="l" defTabSz="457200" rtl="0" eaLnBrk="1" latinLnBrk="0" hangingPunct="1">
+              <a:spcBef>
+                <a:spcPts val="1000"/>
+              </a:spcBef>
+              <a:spcAft>
+                <a:spcPts val="0"/>
+              </a:spcAft>
+              <a:buClr>
+                <a:schemeClr val="accent1"/>
+              </a:buClr>
+              <a:buSzPct val="80000"/>
+              <a:buFont typeface="Wingdings 3" charset="2"/>
+              <a:buChar char=""/>
+              <a:defRPr sz="1400" b="0" i="0" kern="1200">
+                <a:solidFill>
+                  <a:schemeClr val="tx1">
+                    <a:lumMod val="75000"/>
+                    <a:lumOff val="25000"/>
+                  </a:schemeClr>
+                </a:solidFill>
+                <a:latin typeface="+mn-lt"/>
+                <a:ea typeface="+mn-ea"/>
+                <a:cs typeface="+mn-cs"/>
+              </a:defRPr>
+            </a:lvl3pPr>
+            <a:lvl4pPr marL="1600200" indent="-228600" algn="l" defTabSz="457200" rtl="0" eaLnBrk="1" latinLnBrk="0" hangingPunct="1">
+              <a:spcBef>
+                <a:spcPts val="1000"/>
+              </a:spcBef>
+              <a:spcAft>
+                <a:spcPts val="0"/>
+              </a:spcAft>
+              <a:buClr>
+                <a:schemeClr val="accent1"/>
+              </a:buClr>
+              <a:buSzPct val="80000"/>
+              <a:buFont typeface="Wingdings 3" charset="2"/>
+              <a:buChar char=""/>
+              <a:defRPr sz="1200" b="0" i="0" kern="1200">
+                <a:solidFill>
+                  <a:schemeClr val="tx1">
+                    <a:lumMod val="75000"/>
+                    <a:lumOff val="25000"/>
+                  </a:schemeClr>
+                </a:solidFill>
+                <a:latin typeface="+mn-lt"/>
+                <a:ea typeface="+mn-ea"/>
+                <a:cs typeface="+mn-cs"/>
+              </a:defRPr>
+            </a:lvl4pPr>
+            <a:lvl5pPr marL="2057400" indent="-228600" algn="l" defTabSz="457200" rtl="0" eaLnBrk="1" latinLnBrk="0" hangingPunct="1">
+              <a:spcBef>
+                <a:spcPts val="1000"/>
+              </a:spcBef>
+              <a:spcAft>
+                <a:spcPts val="0"/>
+              </a:spcAft>
+              <a:buClr>
+                <a:schemeClr val="accent1"/>
+              </a:buClr>
+              <a:buSzPct val="80000"/>
+              <a:buFont typeface="Wingdings 3" charset="2"/>
+              <a:buChar char=""/>
+              <a:defRPr sz="1200" b="0" i="0" kern="1200">
+                <a:solidFill>
+                  <a:schemeClr val="tx1">
+                    <a:lumMod val="75000"/>
+                    <a:lumOff val="25000"/>
+                  </a:schemeClr>
+                </a:solidFill>
+                <a:latin typeface="+mn-lt"/>
+                <a:ea typeface="+mn-ea"/>
+                <a:cs typeface="+mn-cs"/>
+              </a:defRPr>
+            </a:lvl5pPr>
+            <a:lvl6pPr marL="2514600" indent="-228600" algn="l" defTabSz="457200" rtl="0" eaLnBrk="1" latinLnBrk="0" hangingPunct="1">
+              <a:spcBef>
+                <a:spcPts val="1000"/>
+              </a:spcBef>
+              <a:spcAft>
+                <a:spcPts val="0"/>
+              </a:spcAft>
+              <a:buClr>
+                <a:schemeClr val="accent1"/>
+              </a:buClr>
+              <a:buSzPct val="80000"/>
+              <a:buFont typeface="Wingdings 3" charset="2"/>
+              <a:buChar char=""/>
+              <a:defRPr sz="1200" b="0" i="0" kern="1200">
+                <a:solidFill>
+                  <a:schemeClr val="tx1">
+                    <a:lumMod val="75000"/>
+                    <a:lumOff val="25000"/>
+                  </a:schemeClr>
+                </a:solidFill>
+                <a:latin typeface="+mn-lt"/>
+                <a:ea typeface="+mn-ea"/>
+                <a:cs typeface="+mn-cs"/>
+              </a:defRPr>
+            </a:lvl6pPr>
+            <a:lvl7pPr marL="2971800" indent="-228600" algn="l" defTabSz="457200" rtl="0" eaLnBrk="1" latinLnBrk="0" hangingPunct="1">
+              <a:spcBef>
+                <a:spcPts val="1000"/>
+              </a:spcBef>
+              <a:spcAft>
+                <a:spcPts val="0"/>
+              </a:spcAft>
+              <a:buClr>
+                <a:schemeClr val="accent1"/>
+              </a:buClr>
+              <a:buSzPct val="80000"/>
+              <a:buFont typeface="Wingdings 3" charset="2"/>
+              <a:buChar char=""/>
+              <a:defRPr sz="1200" b="0" i="0" kern="1200">
+                <a:solidFill>
+                  <a:schemeClr val="tx1">
+                    <a:lumMod val="75000"/>
+                    <a:lumOff val="25000"/>
+                  </a:schemeClr>
+                </a:solidFill>
+                <a:latin typeface="+mn-lt"/>
+                <a:ea typeface="+mn-ea"/>
+                <a:cs typeface="+mn-cs"/>
+              </a:defRPr>
+            </a:lvl7pPr>
+            <a:lvl8pPr marL="3429000" indent="-228600" algn="l" defTabSz="457200" rtl="0" eaLnBrk="1" latinLnBrk="0" hangingPunct="1">
+              <a:spcBef>
+                <a:spcPts val="1000"/>
+              </a:spcBef>
+              <a:spcAft>
+                <a:spcPts val="0"/>
+              </a:spcAft>
+              <a:buClr>
+                <a:schemeClr val="accent1"/>
+              </a:buClr>
+              <a:buSzPct val="80000"/>
+              <a:buFont typeface="Wingdings 3" charset="2"/>
+              <a:buChar char=""/>
+              <a:defRPr sz="1200" b="0" i="0" kern="1200">
+                <a:solidFill>
+                  <a:schemeClr val="tx1">
+                    <a:lumMod val="75000"/>
+                    <a:lumOff val="25000"/>
+                  </a:schemeClr>
+                </a:solidFill>
+                <a:latin typeface="+mn-lt"/>
+                <a:ea typeface="+mn-ea"/>
+                <a:cs typeface="+mn-cs"/>
+              </a:defRPr>
+            </a:lvl8pPr>
+            <a:lvl9pPr marL="3886200" indent="-228600" algn="l" defTabSz="457200" rtl="0" eaLnBrk="1" latinLnBrk="0" hangingPunct="1">
+              <a:spcBef>
+                <a:spcPts val="1000"/>
+              </a:spcBef>
+              <a:spcAft>
+                <a:spcPts val="0"/>
+              </a:spcAft>
+              <a:buClr>
+                <a:schemeClr val="accent1"/>
+              </a:buClr>
+              <a:buSzPct val="80000"/>
+              <a:buFont typeface="Wingdings 3" charset="2"/>
+              <a:buChar char=""/>
+              <a:defRPr sz="1200" b="0" i="0" kern="1200">
+                <a:solidFill>
+                  <a:schemeClr val="tx1">
+                    <a:lumMod val="75000"/>
+                    <a:lumOff val="25000"/>
+                  </a:schemeClr>
+                </a:solidFill>
+                <a:latin typeface="+mn-lt"/>
+                <a:ea typeface="+mn-ea"/>
+                <a:cs typeface="+mn-cs"/>
+              </a:defRPr>
+            </a:lvl9pPr>
+          </a:lstStyle>
+          <a:p>
+            <a:endParaRPr lang="en-US" dirty="0"/>
+          </a:p>
+        </p:txBody>
+      </p:sp>
+      <p:pic>
+        <p:nvPicPr>
+          <p:cNvPr id="6" name="Picture 5"/>
+          <p:cNvPicPr>
+            <a:picLocks noChangeAspect="1"/>
+          </p:cNvPicPr>
+          <p:nvPr/>
+        </p:nvPicPr>
+        <p:blipFill>
+          <a:blip r:embed="rId3">
+            <a:extLst>
+              <a:ext uri="{28A0092B-C50C-407E-A947-70E740481C1C}">
+                <a14:useLocalDpi xmlns:a14="http://schemas.microsoft.com/office/drawing/2010/main" val="0"/>
+              </a:ext>
+            </a:extLst>
+          </a:blip>
+          <a:stretch>
+            <a:fillRect/>
+          </a:stretch>
+        </p:blipFill>
+        <p:spPr>
+          <a:xfrm>
+            <a:off x="600363" y="2670594"/>
+            <a:ext cx="5735781" cy="2852752"/>
+          </a:xfrm>
+          <a:prstGeom prst="rect">
+            <a:avLst/>
+          </a:prstGeom>
+        </p:spPr>
+      </p:pic>
+      <p:sp>
+        <p:nvSpPr>
+          <p:cNvPr id="8" name="Content Placeholder 7"/>
+          <p:cNvSpPr>
+            <a:spLocks noGrp="1"/>
+          </p:cNvSpPr>
+          <p:nvPr>
+            <p:ph idx="1"/>
+          </p:nvPr>
+        </p:nvSpPr>
+        <p:spPr>
+          <a:xfrm>
+            <a:off x="6627348" y="2953643"/>
+            <a:ext cx="4466102" cy="3187275"/>
+          </a:xfrm>
+        </p:spPr>
+        <p:txBody>
+          <a:bodyPr/>
+          <a:lstStyle/>
+          <a:p>
+            <a:r>
+              <a:rPr lang="en-US" dirty="0" smtClean="0"/>
+              <a:t>African version of </a:t>
+            </a:r>
+            <a:r>
+              <a:rPr lang="en-US" dirty="0" err="1" smtClean="0"/>
+              <a:t>erum</a:t>
+            </a:r>
+            <a:endParaRPr lang="en-US" dirty="0" smtClean="0"/>
+          </a:p>
+          <a:p>
+            <a:r>
+              <a:rPr lang="en-US" dirty="0" smtClean="0"/>
+              <a:t>3 days summer school, 2 days workshop</a:t>
+            </a:r>
+          </a:p>
+          <a:p>
+            <a:r>
+              <a:rPr lang="en-US" dirty="0" err="1" smtClean="0"/>
+              <a:t>Venueshould</a:t>
+            </a:r>
+            <a:r>
+              <a:rPr lang="en-US" dirty="0" smtClean="0"/>
+              <a:t> be a country with </a:t>
+            </a:r>
+            <a:r>
+              <a:rPr lang="en-US" dirty="0" err="1" smtClean="0"/>
+              <a:t>linient</a:t>
+            </a:r>
+            <a:r>
+              <a:rPr lang="en-US" dirty="0" smtClean="0"/>
+              <a:t> travel rules (visas and passports)</a:t>
+            </a:r>
+            <a:endParaRPr lang="en-US" dirty="0"/>
+          </a:p>
+        </p:txBody>
+      </p:sp>
+      <p:sp>
+        <p:nvSpPr>
+          <p:cNvPr id="10" name="Title 9"/>
+          <p:cNvSpPr>
+            <a:spLocks noGrp="1"/>
+          </p:cNvSpPr>
+          <p:nvPr>
+            <p:ph type="title"/>
+          </p:nvPr>
+        </p:nvSpPr>
+        <p:spPr>
+          <a:xfrm>
+            <a:off x="507999" y="452583"/>
+            <a:ext cx="11203709" cy="1376217"/>
+          </a:xfrm>
+        </p:spPr>
+        <p:txBody>
+          <a:bodyPr/>
+          <a:lstStyle/>
+          <a:p>
+            <a:r>
+              <a:rPr lang="en-US" dirty="0" smtClean="0"/>
+              <a:t/>
+            </a:r>
+            <a:br>
+              <a:rPr lang="en-US" dirty="0" smtClean="0"/>
+            </a:br>
+            <a:r>
+              <a:rPr lang="en-US" dirty="0" smtClean="0"/>
+              <a:t/>
+            </a:r>
+            <a:br>
+              <a:rPr lang="en-US" dirty="0" smtClean="0"/>
+            </a:br>
+            <a:r>
+              <a:rPr lang="en-US" dirty="0" smtClean="0"/>
+              <a:t>04: </a:t>
+            </a:r>
+            <a:r>
+              <a:rPr lang="en-US" b="1" i="1" dirty="0"/>
+              <a:t>Have a grand </a:t>
+            </a:r>
+            <a:r>
+              <a:rPr lang="en-US" b="1" i="1" dirty="0" err="1"/>
+              <a:t>AfricaR</a:t>
+            </a:r>
+            <a:r>
+              <a:rPr lang="en-US" b="1" i="1" dirty="0"/>
+              <a:t> Conference </a:t>
+            </a:r>
+            <a:br>
+              <a:rPr lang="en-US" b="1" i="1" dirty="0"/>
+            </a:br>
+            <a:r>
+              <a:rPr lang="en-US" dirty="0"/>
+              <a:t/>
+            </a:r>
+            <a:br>
+              <a:rPr lang="en-US" dirty="0"/>
+            </a:br>
+            <a:r>
+              <a:rPr lang="en-US" b="1" i="1" dirty="0"/>
+              <a:t/>
+            </a:r>
+            <a:br>
+              <a:rPr lang="en-US" b="1" i="1" dirty="0"/>
+            </a:br>
+            <a:endParaRPr lang="en-US" dirty="0"/>
+          </a:p>
+        </p:txBody>
+      </p:sp>
+    </p:spTree>
+    <p:extLst>
+      <p:ext uri="{BB962C8B-B14F-4D97-AF65-F5344CB8AC3E}">
+        <p14:creationId xmlns:p14="http://schemas.microsoft.com/office/powerpoint/2010/main" val="3030583601"/>
       </p:ext>
     </p:extLst>
   </p:cSld>

--- a/Trainings/Deck.pptx
+++ b/Trainings/Deck.pptx
@@ -1,9 +1,12 @@
 
 <file path=ppt/presentation.xml><?xml version="1.0" encoding="utf-8"?>
-<p:presentation xmlns:a="http://schemas.openxmlformats.org/drawingml/2006/main" xmlns:r="http://schemas.openxmlformats.org/officeDocument/2006/relationships" xmlns:p="http://schemas.openxmlformats.org/presentationml/2006/main" autoCompressPictures="0">
+<p:presentation xmlns:a="http://schemas.openxmlformats.org/drawingml/2006/main" xmlns:r="http://schemas.openxmlformats.org/officeDocument/2006/relationships" xmlns:p="http://schemas.openxmlformats.org/presentationml/2006/main" saveSubsetFonts="1" autoCompressPictures="0">
   <p:sldMasterIdLst>
     <p:sldMasterId id="2147483648" r:id="rId1"/>
   </p:sldMasterIdLst>
+  <p:notesMasterIdLst>
+    <p:notesMasterId r:id="rId16"/>
+  </p:notesMasterIdLst>
   <p:sldIdLst>
     <p:sldId id="256" r:id="rId2"/>
     <p:sldId id="273" r:id="rId3"/>
@@ -17,7 +20,7 @@
     <p:sldId id="263" r:id="rId11"/>
     <p:sldId id="264" r:id="rId12"/>
     <p:sldId id="265" r:id="rId13"/>
-    <p:sldId id="270" r:id="rId14"/>
+    <p:sldId id="274" r:id="rId14"/>
     <p:sldId id="271" r:id="rId15"/>
   </p:sldIdLst>
   <p:sldSz cx="12192000" cy="6858000"/>
@@ -125,6 +128,3438 @@
 </p:presentation>
 </file>
 
+<file path=ppt/diagrams/colors1.xml><?xml version="1.0" encoding="utf-8"?>
+<dgm:colorsDef xmlns:dgm="http://schemas.openxmlformats.org/drawingml/2006/diagram" xmlns:a="http://schemas.openxmlformats.org/drawingml/2006/main" uniqueId="urn:microsoft.com/office/officeart/2005/8/colors/accent1_2">
+  <dgm:title val=""/>
+  <dgm:desc val=""/>
+  <dgm:catLst>
+    <dgm:cat type="accent1" pri="11200"/>
+  </dgm:catLst>
+  <dgm:styleLbl name="node0">
+    <dgm:fillClrLst meth="repeat">
+      <a:schemeClr val="accent1"/>
+    </dgm:fillClrLst>
+    <dgm:linClrLst meth="repeat">
+      <a:schemeClr val="lt1"/>
+    </dgm:linClrLst>
+    <dgm:effectClrLst/>
+    <dgm:txLinClrLst/>
+    <dgm:txFillClrLst/>
+    <dgm:txEffectClrLst/>
+  </dgm:styleLbl>
+  <dgm:styleLbl name="alignNode1">
+    <dgm:fillClrLst meth="repeat">
+      <a:schemeClr val="accent1"/>
+    </dgm:fillClrLst>
+    <dgm:linClrLst meth="repeat">
+      <a:schemeClr val="accent1"/>
+    </dgm:linClrLst>
+    <dgm:effectClrLst/>
+    <dgm:txLinClrLst/>
+    <dgm:txFillClrLst/>
+    <dgm:txEffectClrLst/>
+  </dgm:styleLbl>
+  <dgm:styleLbl name="node1">
+    <dgm:fillClrLst meth="repeat">
+      <a:schemeClr val="accent1"/>
+    </dgm:fillClrLst>
+    <dgm:linClrLst meth="repeat">
+      <a:schemeClr val="lt1"/>
+    </dgm:linClrLst>
+    <dgm:effectClrLst/>
+    <dgm:txLinClrLst/>
+    <dgm:txFillClrLst/>
+    <dgm:txEffectClrLst/>
+  </dgm:styleLbl>
+  <dgm:styleLbl name="lnNode1">
+    <dgm:fillClrLst meth="repeat">
+      <a:schemeClr val="accent1"/>
+    </dgm:fillClrLst>
+    <dgm:linClrLst meth="repeat">
+      <a:schemeClr val="lt1"/>
+    </dgm:linClrLst>
+    <dgm:effectClrLst/>
+    <dgm:txLinClrLst/>
+    <dgm:txFillClrLst/>
+    <dgm:txEffectClrLst/>
+  </dgm:styleLbl>
+  <dgm:styleLbl name="vennNode1">
+    <dgm:fillClrLst meth="repeat">
+      <a:schemeClr val="accent1">
+        <a:alpha val="50000"/>
+      </a:schemeClr>
+    </dgm:fillClrLst>
+    <dgm:linClrLst meth="repeat">
+      <a:schemeClr val="lt1"/>
+    </dgm:linClrLst>
+    <dgm:effectClrLst/>
+    <dgm:txLinClrLst/>
+    <dgm:txFillClrLst/>
+    <dgm:txEffectClrLst/>
+  </dgm:styleLbl>
+  <dgm:styleLbl name="node2">
+    <dgm:fillClrLst meth="repeat">
+      <a:schemeClr val="accent1"/>
+    </dgm:fillClrLst>
+    <dgm:linClrLst meth="repeat">
+      <a:schemeClr val="lt1"/>
+    </dgm:linClrLst>
+    <dgm:effectClrLst/>
+    <dgm:txLinClrLst/>
+    <dgm:txFillClrLst/>
+    <dgm:txEffectClrLst/>
+  </dgm:styleLbl>
+  <dgm:styleLbl name="node3">
+    <dgm:fillClrLst meth="repeat">
+      <a:schemeClr val="accent1"/>
+    </dgm:fillClrLst>
+    <dgm:linClrLst meth="repeat">
+      <a:schemeClr val="lt1"/>
+    </dgm:linClrLst>
+    <dgm:effectClrLst/>
+    <dgm:txLinClrLst/>
+    <dgm:txFillClrLst/>
+    <dgm:txEffectClrLst/>
+  </dgm:styleLbl>
+  <dgm:styleLbl name="node4">
+    <dgm:fillClrLst meth="repeat">
+      <a:schemeClr val="accent1"/>
+    </dgm:fillClrLst>
+    <dgm:linClrLst meth="repeat">
+      <a:schemeClr val="lt1"/>
+    </dgm:linClrLst>
+    <dgm:effectClrLst/>
+    <dgm:txLinClrLst/>
+    <dgm:txFillClrLst/>
+    <dgm:txEffectClrLst/>
+  </dgm:styleLbl>
+  <dgm:styleLbl name="fgImgPlace1">
+    <dgm:fillClrLst meth="repeat">
+      <a:schemeClr val="accent1">
+        <a:tint val="50000"/>
+      </a:schemeClr>
+    </dgm:fillClrLst>
+    <dgm:linClrLst meth="repeat">
+      <a:schemeClr val="lt1"/>
+    </dgm:linClrLst>
+    <dgm:effectClrLst/>
+    <dgm:txLinClrLst/>
+    <dgm:txFillClrLst meth="repeat">
+      <a:schemeClr val="lt1"/>
+    </dgm:txFillClrLst>
+    <dgm:txEffectClrLst/>
+  </dgm:styleLbl>
+  <dgm:styleLbl name="alignImgPlace1">
+    <dgm:fillClrLst meth="repeat">
+      <a:schemeClr val="accent1">
+        <a:tint val="50000"/>
+      </a:schemeClr>
+    </dgm:fillClrLst>
+    <dgm:linClrLst meth="repeat">
+      <a:schemeClr val="lt1"/>
+    </dgm:linClrLst>
+    <dgm:effectClrLst/>
+    <dgm:txLinClrLst/>
+    <dgm:txFillClrLst meth="repeat">
+      <a:schemeClr val="lt1"/>
+    </dgm:txFillClrLst>
+    <dgm:txEffectClrLst/>
+  </dgm:styleLbl>
+  <dgm:styleLbl name="bgImgPlace1">
+    <dgm:fillClrLst meth="repeat">
+      <a:schemeClr val="accent1">
+        <a:tint val="50000"/>
+      </a:schemeClr>
+    </dgm:fillClrLst>
+    <dgm:linClrLst meth="repeat">
+      <a:schemeClr val="lt1"/>
+    </dgm:linClrLst>
+    <dgm:effectClrLst/>
+    <dgm:txLinClrLst/>
+    <dgm:txFillClrLst meth="repeat">
+      <a:schemeClr val="lt1"/>
+    </dgm:txFillClrLst>
+    <dgm:txEffectClrLst/>
+  </dgm:styleLbl>
+  <dgm:styleLbl name="sibTrans2D1">
+    <dgm:fillClrLst meth="repeat">
+      <a:schemeClr val="accent1">
+        <a:tint val="60000"/>
+      </a:schemeClr>
+    </dgm:fillClrLst>
+    <dgm:linClrLst meth="repeat">
+      <a:schemeClr val="accent1">
+        <a:tint val="60000"/>
+      </a:schemeClr>
+    </dgm:linClrLst>
+    <dgm:effectClrLst/>
+    <dgm:txLinClrLst/>
+    <dgm:txFillClrLst/>
+    <dgm:txEffectClrLst/>
+  </dgm:styleLbl>
+  <dgm:styleLbl name="fgSibTrans2D1">
+    <dgm:fillClrLst meth="repeat">
+      <a:schemeClr val="accent1">
+        <a:tint val="60000"/>
+      </a:schemeClr>
+    </dgm:fillClrLst>
+    <dgm:linClrLst meth="repeat">
+      <a:schemeClr val="accent1">
+        <a:tint val="60000"/>
+      </a:schemeClr>
+    </dgm:linClrLst>
+    <dgm:effectClrLst/>
+    <dgm:txLinClrLst/>
+    <dgm:txFillClrLst/>
+    <dgm:txEffectClrLst/>
+  </dgm:styleLbl>
+  <dgm:styleLbl name="bgSibTrans2D1">
+    <dgm:fillClrLst meth="repeat">
+      <a:schemeClr val="accent1">
+        <a:tint val="60000"/>
+      </a:schemeClr>
+    </dgm:fillClrLst>
+    <dgm:linClrLst meth="repeat">
+      <a:schemeClr val="accent1">
+        <a:tint val="60000"/>
+      </a:schemeClr>
+    </dgm:linClrLst>
+    <dgm:effectClrLst/>
+    <dgm:txLinClrLst/>
+    <dgm:txFillClrLst/>
+    <dgm:txEffectClrLst/>
+  </dgm:styleLbl>
+  <dgm:styleLbl name="sibTrans1D1">
+    <dgm:fillClrLst meth="repeat">
+      <a:schemeClr val="accent1"/>
+    </dgm:fillClrLst>
+    <dgm:linClrLst meth="repeat">
+      <a:schemeClr val="accent1"/>
+    </dgm:linClrLst>
+    <dgm:effectClrLst/>
+    <dgm:txLinClrLst/>
+    <dgm:txFillClrLst meth="repeat">
+      <a:schemeClr val="tx1"/>
+    </dgm:txFillClrLst>
+    <dgm:txEffectClrLst/>
+  </dgm:styleLbl>
+  <dgm:styleLbl name="callout">
+    <dgm:fillClrLst meth="repeat">
+      <a:schemeClr val="accent1"/>
+    </dgm:fillClrLst>
+    <dgm:linClrLst meth="repeat">
+      <a:schemeClr val="accent1">
+        <a:tint val="50000"/>
+      </a:schemeClr>
+    </dgm:linClrLst>
+    <dgm:effectClrLst/>
+    <dgm:txLinClrLst/>
+    <dgm:txFillClrLst meth="repeat">
+      <a:schemeClr val="tx1"/>
+    </dgm:txFillClrLst>
+    <dgm:txEffectClrLst/>
+  </dgm:styleLbl>
+  <dgm:styleLbl name="asst0">
+    <dgm:fillClrLst meth="repeat">
+      <a:schemeClr val="accent1"/>
+    </dgm:fillClrLst>
+    <dgm:linClrLst meth="repeat">
+      <a:schemeClr val="lt1"/>
+    </dgm:linClrLst>
+    <dgm:effectClrLst/>
+    <dgm:txLinClrLst/>
+    <dgm:txFillClrLst/>
+    <dgm:txEffectClrLst/>
+  </dgm:styleLbl>
+  <dgm:styleLbl name="asst1">
+    <dgm:fillClrLst meth="repeat">
+      <a:schemeClr val="accent1"/>
+    </dgm:fillClrLst>
+    <dgm:linClrLst meth="repeat">
+      <a:schemeClr val="lt1"/>
+    </dgm:linClrLst>
+    <dgm:effectClrLst/>
+    <dgm:txLinClrLst/>
+    <dgm:txFillClrLst/>
+    <dgm:txEffectClrLst/>
+  </dgm:styleLbl>
+  <dgm:styleLbl name="asst2">
+    <dgm:fillClrLst meth="repeat">
+      <a:schemeClr val="accent1"/>
+    </dgm:fillClrLst>
+    <dgm:linClrLst meth="repeat">
+      <a:schemeClr val="lt1"/>
+    </dgm:linClrLst>
+    <dgm:effectClrLst/>
+    <dgm:txLinClrLst/>
+    <dgm:txFillClrLst/>
+    <dgm:txEffectClrLst/>
+  </dgm:styleLbl>
+  <dgm:styleLbl name="asst3">
+    <dgm:fillClrLst meth="repeat">
+      <a:schemeClr val="accent1"/>
+    </dgm:fillClrLst>
+    <dgm:linClrLst meth="repeat">
+      <a:schemeClr val="lt1"/>
+    </dgm:linClrLst>
+    <dgm:effectClrLst/>
+    <dgm:txLinClrLst/>
+    <dgm:txFillClrLst/>
+    <dgm:txEffectClrLst/>
+  </dgm:styleLbl>
+  <dgm:styleLbl name="asst4">
+    <dgm:fillClrLst meth="repeat">
+      <a:schemeClr val="accent1"/>
+    </dgm:fillClrLst>
+    <dgm:linClrLst meth="repeat">
+      <a:schemeClr val="lt1"/>
+    </dgm:linClrLst>
+    <dgm:effectClrLst/>
+    <dgm:txLinClrLst/>
+    <dgm:txFillClrLst/>
+    <dgm:txEffectClrLst/>
+  </dgm:styleLbl>
+  <dgm:styleLbl name="parChTrans2D1">
+    <dgm:fillClrLst meth="repeat">
+      <a:schemeClr val="accent1">
+        <a:tint val="60000"/>
+      </a:schemeClr>
+    </dgm:fillClrLst>
+    <dgm:linClrLst meth="repeat">
+      <a:schemeClr val="accent1">
+        <a:tint val="60000"/>
+      </a:schemeClr>
+    </dgm:linClrLst>
+    <dgm:effectClrLst/>
+    <dgm:txLinClrLst/>
+    <dgm:txFillClrLst meth="repeat">
+      <a:schemeClr val="lt1"/>
+    </dgm:txFillClrLst>
+    <dgm:txEffectClrLst/>
+  </dgm:styleLbl>
+  <dgm:styleLbl name="parChTrans2D2">
+    <dgm:fillClrLst meth="repeat">
+      <a:schemeClr val="accent1"/>
+    </dgm:fillClrLst>
+    <dgm:linClrLst meth="repeat">
+      <a:schemeClr val="accent1"/>
+    </dgm:linClrLst>
+    <dgm:effectClrLst/>
+    <dgm:txLinClrLst/>
+    <dgm:txFillClrLst meth="repeat">
+      <a:schemeClr val="lt1"/>
+    </dgm:txFillClrLst>
+    <dgm:txEffectClrLst/>
+  </dgm:styleLbl>
+  <dgm:styleLbl name="parChTrans2D3">
+    <dgm:fillClrLst meth="repeat">
+      <a:schemeClr val="accent1"/>
+    </dgm:fillClrLst>
+    <dgm:linClrLst meth="repeat">
+      <a:schemeClr val="accent1"/>
+    </dgm:linClrLst>
+    <dgm:effectClrLst/>
+    <dgm:txLinClrLst/>
+    <dgm:txFillClrLst meth="repeat">
+      <a:schemeClr val="lt1"/>
+    </dgm:txFillClrLst>
+    <dgm:txEffectClrLst/>
+  </dgm:styleLbl>
+  <dgm:styleLbl name="parChTrans2D4">
+    <dgm:fillClrLst meth="repeat">
+      <a:schemeClr val="accent1"/>
+    </dgm:fillClrLst>
+    <dgm:linClrLst meth="repeat">
+      <a:schemeClr val="accent1"/>
+    </dgm:linClrLst>
+    <dgm:effectClrLst/>
+    <dgm:txLinClrLst/>
+    <dgm:txFillClrLst meth="repeat">
+      <a:schemeClr val="lt1"/>
+    </dgm:txFillClrLst>
+    <dgm:txEffectClrLst/>
+  </dgm:styleLbl>
+  <dgm:styleLbl name="parChTrans1D1">
+    <dgm:fillClrLst meth="repeat">
+      <a:schemeClr val="accent1"/>
+    </dgm:fillClrLst>
+    <dgm:linClrLst meth="repeat">
+      <a:schemeClr val="accent1">
+        <a:shade val="60000"/>
+      </a:schemeClr>
+    </dgm:linClrLst>
+    <dgm:effectClrLst/>
+    <dgm:txLinClrLst/>
+    <dgm:txFillClrLst meth="repeat">
+      <a:schemeClr val="tx1"/>
+    </dgm:txFillClrLst>
+    <dgm:txEffectClrLst/>
+  </dgm:styleLbl>
+  <dgm:styleLbl name="parChTrans1D2">
+    <dgm:fillClrLst meth="repeat">
+      <a:schemeClr val="accent1"/>
+    </dgm:fillClrLst>
+    <dgm:linClrLst meth="repeat">
+      <a:schemeClr val="accent1">
+        <a:shade val="60000"/>
+      </a:schemeClr>
+    </dgm:linClrLst>
+    <dgm:effectClrLst/>
+    <dgm:txLinClrLst/>
+    <dgm:txFillClrLst meth="repeat">
+      <a:schemeClr val="tx1"/>
+    </dgm:txFillClrLst>
+    <dgm:txEffectClrLst/>
+  </dgm:styleLbl>
+  <dgm:styleLbl name="parChTrans1D3">
+    <dgm:fillClrLst meth="repeat">
+      <a:schemeClr val="accent1"/>
+    </dgm:fillClrLst>
+    <dgm:linClrLst meth="repeat">
+      <a:schemeClr val="accent1">
+        <a:shade val="80000"/>
+      </a:schemeClr>
+    </dgm:linClrLst>
+    <dgm:effectClrLst/>
+    <dgm:txLinClrLst/>
+    <dgm:txFillClrLst meth="repeat">
+      <a:schemeClr val="tx1"/>
+    </dgm:txFillClrLst>
+    <dgm:txEffectClrLst/>
+  </dgm:styleLbl>
+  <dgm:styleLbl name="parChTrans1D4">
+    <dgm:fillClrLst meth="repeat">
+      <a:schemeClr val="accent1"/>
+    </dgm:fillClrLst>
+    <dgm:linClrLst meth="repeat">
+      <a:schemeClr val="accent1">
+        <a:shade val="80000"/>
+      </a:schemeClr>
+    </dgm:linClrLst>
+    <dgm:effectClrLst/>
+    <dgm:txLinClrLst/>
+    <dgm:txFillClrLst meth="repeat">
+      <a:schemeClr val="tx1"/>
+    </dgm:txFillClrLst>
+    <dgm:txEffectClrLst/>
+  </dgm:styleLbl>
+  <dgm:styleLbl name="fgAcc1">
+    <dgm:fillClrLst meth="repeat">
+      <a:schemeClr val="lt1">
+        <a:alpha val="90000"/>
+      </a:schemeClr>
+    </dgm:fillClrLst>
+    <dgm:linClrLst meth="repeat">
+      <a:schemeClr val="accent1"/>
+    </dgm:linClrLst>
+    <dgm:effectClrLst/>
+    <dgm:txLinClrLst/>
+    <dgm:txFillClrLst meth="repeat">
+      <a:schemeClr val="dk1"/>
+    </dgm:txFillClrLst>
+    <dgm:txEffectClrLst/>
+  </dgm:styleLbl>
+  <dgm:styleLbl name="conFgAcc1">
+    <dgm:fillClrLst meth="repeat">
+      <a:schemeClr val="lt1">
+        <a:alpha val="90000"/>
+      </a:schemeClr>
+    </dgm:fillClrLst>
+    <dgm:linClrLst meth="repeat">
+      <a:schemeClr val="accent1"/>
+    </dgm:linClrLst>
+    <dgm:effectClrLst/>
+    <dgm:txLinClrLst/>
+    <dgm:txFillClrLst meth="repeat">
+      <a:schemeClr val="dk1"/>
+    </dgm:txFillClrLst>
+    <dgm:txEffectClrLst/>
+  </dgm:styleLbl>
+  <dgm:styleLbl name="alignAcc1">
+    <dgm:fillClrLst meth="repeat">
+      <a:schemeClr val="lt1">
+        <a:alpha val="90000"/>
+      </a:schemeClr>
+    </dgm:fillClrLst>
+    <dgm:linClrLst meth="repeat">
+      <a:schemeClr val="accent1"/>
+    </dgm:linClrLst>
+    <dgm:effectClrLst/>
+    <dgm:txLinClrLst/>
+    <dgm:txFillClrLst meth="repeat">
+      <a:schemeClr val="dk1"/>
+    </dgm:txFillClrLst>
+    <dgm:txEffectClrLst/>
+  </dgm:styleLbl>
+  <dgm:styleLbl name="trAlignAcc1">
+    <dgm:fillClrLst meth="repeat">
+      <a:schemeClr val="lt1">
+        <a:alpha val="40000"/>
+      </a:schemeClr>
+    </dgm:fillClrLst>
+    <dgm:linClrLst meth="repeat">
+      <a:schemeClr val="accent1"/>
+    </dgm:linClrLst>
+    <dgm:effectClrLst/>
+    <dgm:txLinClrLst/>
+    <dgm:txFillClrLst meth="repeat">
+      <a:schemeClr val="dk1"/>
+    </dgm:txFillClrLst>
+    <dgm:txEffectClrLst/>
+  </dgm:styleLbl>
+  <dgm:styleLbl name="bgAcc1">
+    <dgm:fillClrLst meth="repeat">
+      <a:schemeClr val="lt1">
+        <a:alpha val="90000"/>
+      </a:schemeClr>
+    </dgm:fillClrLst>
+    <dgm:linClrLst meth="repeat">
+      <a:schemeClr val="accent1"/>
+    </dgm:linClrLst>
+    <dgm:effectClrLst/>
+    <dgm:txLinClrLst/>
+    <dgm:txFillClrLst meth="repeat">
+      <a:schemeClr val="dk1"/>
+    </dgm:txFillClrLst>
+    <dgm:txEffectClrLst/>
+  </dgm:styleLbl>
+  <dgm:styleLbl name="solidFgAcc1">
+    <dgm:fillClrLst meth="repeat">
+      <a:schemeClr val="lt1"/>
+    </dgm:fillClrLst>
+    <dgm:linClrLst meth="repeat">
+      <a:schemeClr val="accent1"/>
+    </dgm:linClrLst>
+    <dgm:effectClrLst/>
+    <dgm:txLinClrLst/>
+    <dgm:txFillClrLst meth="repeat">
+      <a:schemeClr val="dk1"/>
+    </dgm:txFillClrLst>
+    <dgm:txEffectClrLst/>
+  </dgm:styleLbl>
+  <dgm:styleLbl name="solidAlignAcc1">
+    <dgm:fillClrLst meth="repeat">
+      <a:schemeClr val="lt1"/>
+    </dgm:fillClrLst>
+    <dgm:linClrLst meth="repeat">
+      <a:schemeClr val="accent1"/>
+    </dgm:linClrLst>
+    <dgm:effectClrLst/>
+    <dgm:txLinClrLst/>
+    <dgm:txFillClrLst meth="repeat">
+      <a:schemeClr val="dk1"/>
+    </dgm:txFillClrLst>
+    <dgm:txEffectClrLst/>
+  </dgm:styleLbl>
+  <dgm:styleLbl name="solidBgAcc1">
+    <dgm:fillClrLst meth="repeat">
+      <a:schemeClr val="lt1"/>
+    </dgm:fillClrLst>
+    <dgm:linClrLst meth="repeat">
+      <a:schemeClr val="accent1"/>
+    </dgm:linClrLst>
+    <dgm:effectClrLst/>
+    <dgm:txLinClrLst/>
+    <dgm:txFillClrLst meth="repeat">
+      <a:schemeClr val="dk1"/>
+    </dgm:txFillClrLst>
+    <dgm:txEffectClrLst/>
+  </dgm:styleLbl>
+  <dgm:styleLbl name="fgAccFollowNode1">
+    <dgm:fillClrLst meth="repeat">
+      <a:schemeClr val="accent1">
+        <a:alpha val="90000"/>
+        <a:tint val="40000"/>
+      </a:schemeClr>
+    </dgm:fillClrLst>
+    <dgm:linClrLst meth="repeat">
+      <a:schemeClr val="accent1">
+        <a:alpha val="90000"/>
+        <a:tint val="40000"/>
+      </a:schemeClr>
+    </dgm:linClrLst>
+    <dgm:effectClrLst/>
+    <dgm:txLinClrLst/>
+    <dgm:txFillClrLst meth="repeat">
+      <a:schemeClr val="dk1"/>
+    </dgm:txFillClrLst>
+    <dgm:txEffectClrLst/>
+  </dgm:styleLbl>
+  <dgm:styleLbl name="alignAccFollowNode1">
+    <dgm:fillClrLst meth="repeat">
+      <a:schemeClr val="accent1">
+        <a:alpha val="90000"/>
+        <a:tint val="40000"/>
+      </a:schemeClr>
+    </dgm:fillClrLst>
+    <dgm:linClrLst meth="repeat">
+      <a:schemeClr val="accent1">
+        <a:alpha val="90000"/>
+        <a:tint val="40000"/>
+      </a:schemeClr>
+    </dgm:linClrLst>
+    <dgm:effectClrLst/>
+    <dgm:txLinClrLst/>
+    <dgm:txFillClrLst meth="repeat">
+      <a:schemeClr val="dk1"/>
+    </dgm:txFillClrLst>
+    <dgm:txEffectClrLst/>
+  </dgm:styleLbl>
+  <dgm:styleLbl name="bgAccFollowNode1">
+    <dgm:fillClrLst meth="repeat">
+      <a:schemeClr val="accent1">
+        <a:alpha val="90000"/>
+        <a:tint val="40000"/>
+      </a:schemeClr>
+    </dgm:fillClrLst>
+    <dgm:linClrLst meth="repeat">
+      <a:schemeClr val="accent1">
+        <a:alpha val="90000"/>
+        <a:tint val="40000"/>
+      </a:schemeClr>
+    </dgm:linClrLst>
+    <dgm:effectClrLst/>
+    <dgm:txLinClrLst/>
+    <dgm:txFillClrLst meth="repeat">
+      <a:schemeClr val="dk1"/>
+    </dgm:txFillClrLst>
+    <dgm:txEffectClrLst/>
+  </dgm:styleLbl>
+  <dgm:styleLbl name="fgAcc0">
+    <dgm:fillClrLst meth="repeat">
+      <a:schemeClr val="lt1">
+        <a:alpha val="90000"/>
+      </a:schemeClr>
+    </dgm:fillClrLst>
+    <dgm:linClrLst meth="repeat">
+      <a:schemeClr val="accent1"/>
+    </dgm:linClrLst>
+    <dgm:effectClrLst/>
+    <dgm:txLinClrLst/>
+    <dgm:txFillClrLst meth="repeat">
+      <a:schemeClr val="dk1"/>
+    </dgm:txFillClrLst>
+    <dgm:txEffectClrLst/>
+  </dgm:styleLbl>
+  <dgm:styleLbl name="fgAcc2">
+    <dgm:fillClrLst meth="repeat">
+      <a:schemeClr val="lt1">
+        <a:alpha val="90000"/>
+      </a:schemeClr>
+    </dgm:fillClrLst>
+    <dgm:linClrLst meth="repeat">
+      <a:schemeClr val="accent1"/>
+    </dgm:linClrLst>
+    <dgm:effectClrLst/>
+    <dgm:txLinClrLst/>
+    <dgm:txFillClrLst meth="repeat">
+      <a:schemeClr val="dk1"/>
+    </dgm:txFillClrLst>
+    <dgm:txEffectClrLst/>
+  </dgm:styleLbl>
+  <dgm:styleLbl name="fgAcc3">
+    <dgm:fillClrLst meth="repeat">
+      <a:schemeClr val="lt1">
+        <a:alpha val="90000"/>
+      </a:schemeClr>
+    </dgm:fillClrLst>
+    <dgm:linClrLst meth="repeat">
+      <a:schemeClr val="accent1"/>
+    </dgm:linClrLst>
+    <dgm:effectClrLst/>
+    <dgm:txLinClrLst/>
+    <dgm:txFillClrLst meth="repeat">
+      <a:schemeClr val="dk1"/>
+    </dgm:txFillClrLst>
+    <dgm:txEffectClrLst/>
+  </dgm:styleLbl>
+  <dgm:styleLbl name="fgAcc4">
+    <dgm:fillClrLst meth="repeat">
+      <a:schemeClr val="lt1">
+        <a:alpha val="90000"/>
+      </a:schemeClr>
+    </dgm:fillClrLst>
+    <dgm:linClrLst meth="repeat">
+      <a:schemeClr val="accent1"/>
+    </dgm:linClrLst>
+    <dgm:effectClrLst/>
+    <dgm:txLinClrLst/>
+    <dgm:txFillClrLst meth="repeat">
+      <a:schemeClr val="dk1"/>
+    </dgm:txFillClrLst>
+    <dgm:txEffectClrLst/>
+  </dgm:styleLbl>
+  <dgm:styleLbl name="bgShp">
+    <dgm:fillClrLst meth="repeat">
+      <a:schemeClr val="accent1">
+        <a:tint val="40000"/>
+      </a:schemeClr>
+    </dgm:fillClrLst>
+    <dgm:linClrLst meth="repeat">
+      <a:schemeClr val="accent1"/>
+    </dgm:linClrLst>
+    <dgm:effectClrLst/>
+    <dgm:txLinClrLst/>
+    <dgm:txFillClrLst meth="repeat">
+      <a:schemeClr val="dk1"/>
+    </dgm:txFillClrLst>
+    <dgm:txEffectClrLst/>
+  </dgm:styleLbl>
+  <dgm:styleLbl name="dkBgShp">
+    <dgm:fillClrLst meth="repeat">
+      <a:schemeClr val="accent1">
+        <a:shade val="80000"/>
+      </a:schemeClr>
+    </dgm:fillClrLst>
+    <dgm:linClrLst meth="repeat">
+      <a:schemeClr val="accent1"/>
+    </dgm:linClrLst>
+    <dgm:effectClrLst/>
+    <dgm:txLinClrLst/>
+    <dgm:txFillClrLst meth="repeat">
+      <a:schemeClr val="lt1"/>
+    </dgm:txFillClrLst>
+    <dgm:txEffectClrLst/>
+  </dgm:styleLbl>
+  <dgm:styleLbl name="trBgShp">
+    <dgm:fillClrLst meth="repeat">
+      <a:schemeClr val="accent1">
+        <a:tint val="50000"/>
+        <a:alpha val="40000"/>
+      </a:schemeClr>
+    </dgm:fillClrLst>
+    <dgm:linClrLst meth="repeat">
+      <a:schemeClr val="accent1"/>
+    </dgm:linClrLst>
+    <dgm:effectClrLst/>
+    <dgm:txLinClrLst/>
+    <dgm:txFillClrLst meth="repeat">
+      <a:schemeClr val="lt1"/>
+    </dgm:txFillClrLst>
+    <dgm:txEffectClrLst/>
+  </dgm:styleLbl>
+  <dgm:styleLbl name="fgShp">
+    <dgm:fillClrLst meth="repeat">
+      <a:schemeClr val="accent1">
+        <a:tint val="60000"/>
+      </a:schemeClr>
+    </dgm:fillClrLst>
+    <dgm:linClrLst meth="repeat">
+      <a:schemeClr val="lt1"/>
+    </dgm:linClrLst>
+    <dgm:effectClrLst/>
+    <dgm:txLinClrLst/>
+    <dgm:txFillClrLst meth="repeat">
+      <a:schemeClr val="dk1"/>
+    </dgm:txFillClrLst>
+    <dgm:txEffectClrLst/>
+  </dgm:styleLbl>
+  <dgm:styleLbl name="revTx">
+    <dgm:fillClrLst meth="repeat">
+      <a:schemeClr val="lt1">
+        <a:alpha val="0"/>
+      </a:schemeClr>
+    </dgm:fillClrLst>
+    <dgm:linClrLst meth="repeat">
+      <a:schemeClr val="dk1">
+        <a:alpha val="0"/>
+      </a:schemeClr>
+    </dgm:linClrLst>
+    <dgm:effectClrLst/>
+    <dgm:txLinClrLst/>
+    <dgm:txFillClrLst meth="repeat">
+      <a:schemeClr val="tx1"/>
+    </dgm:txFillClrLst>
+    <dgm:txEffectClrLst/>
+  </dgm:styleLbl>
+</dgm:colorsDef>
+</file>
+
+<file path=ppt/diagrams/data1.xml><?xml version="1.0" encoding="utf-8"?>
+<dgm:dataModel xmlns:dgm="http://schemas.openxmlformats.org/drawingml/2006/diagram" xmlns:a="http://schemas.openxmlformats.org/drawingml/2006/main">
+  <dgm:ptLst>
+    <dgm:pt modelId="{57FB9164-F050-B24F-88BE-13B656CF376A}" type="doc">
+      <dgm:prSet loTypeId="urn:microsoft.com/office/officeart/2005/8/layout/chevron1" loCatId="" qsTypeId="urn:microsoft.com/office/officeart/2005/8/quickstyle/simple4" qsCatId="simple" csTypeId="urn:microsoft.com/office/officeart/2005/8/colors/accent1_2" csCatId="accent1" phldr="1"/>
+      <dgm:spPr/>
+      <dgm:t>
+        <a:bodyPr/>
+        <a:lstStyle/>
+        <a:p>
+          <a:endParaRPr lang="en-US"/>
+        </a:p>
+      </dgm:t>
+    </dgm:pt>
+    <dgm:pt modelId="{05E40ACB-2029-FD42-B616-5E408037BB3B}">
+      <dgm:prSet phldrT="[Text]"/>
+      <dgm:spPr>
+        <a:gradFill rotWithShape="0">
+          <a:gsLst>
+            <a:gs pos="0">
+              <a:schemeClr val="accent4"/>
+            </a:gs>
+            <a:gs pos="100000">
+              <a:schemeClr val="accent1">
+                <a:hueOff val="0"/>
+                <a:satOff val="0"/>
+                <a:lumOff val="0"/>
+                <a:alphaOff val="0"/>
+                <a:shade val="90000"/>
+                <a:lumMod val="84000"/>
+              </a:schemeClr>
+            </a:gs>
+          </a:gsLst>
+        </a:gradFill>
+      </dgm:spPr>
+      <dgm:t>
+        <a:bodyPr/>
+        <a:lstStyle/>
+        <a:p>
+          <a:r>
+            <a:rPr lang="en-US" dirty="0" smtClean="0"/>
+            <a:t>Jan</a:t>
+          </a:r>
+          <a:endParaRPr lang="en-US" dirty="0"/>
+        </a:p>
+      </dgm:t>
+    </dgm:pt>
+    <dgm:pt modelId="{BF79CD83-D260-A54F-85CB-91E7F69291DD}" type="parTrans" cxnId="{966F0350-1703-C546-A9F8-A605234ED38C}">
+      <dgm:prSet/>
+      <dgm:spPr/>
+      <dgm:t>
+        <a:bodyPr/>
+        <a:lstStyle/>
+        <a:p>
+          <a:endParaRPr lang="en-US"/>
+        </a:p>
+      </dgm:t>
+    </dgm:pt>
+    <dgm:pt modelId="{30BED3F4-3444-A84C-9546-2012A5A8B414}" type="sibTrans" cxnId="{966F0350-1703-C546-A9F8-A605234ED38C}">
+      <dgm:prSet/>
+      <dgm:spPr/>
+      <dgm:t>
+        <a:bodyPr/>
+        <a:lstStyle/>
+        <a:p>
+          <a:endParaRPr lang="en-US"/>
+        </a:p>
+      </dgm:t>
+    </dgm:pt>
+    <dgm:pt modelId="{EB6A87FC-2D5F-E14F-AA28-46FD5A754382}">
+      <dgm:prSet phldrT="[Text]"/>
+      <dgm:spPr>
+        <a:gradFill rotWithShape="0">
+          <a:gsLst>
+            <a:gs pos="0">
+              <a:schemeClr val="accent6">
+                <a:lumMod val="50000"/>
+              </a:schemeClr>
+            </a:gs>
+            <a:gs pos="100000">
+              <a:schemeClr val="accent1">
+                <a:hueOff val="0"/>
+                <a:satOff val="0"/>
+                <a:lumOff val="0"/>
+                <a:alphaOff val="0"/>
+                <a:shade val="90000"/>
+                <a:lumMod val="84000"/>
+              </a:schemeClr>
+            </a:gs>
+          </a:gsLst>
+        </a:gradFill>
+      </dgm:spPr>
+      <dgm:t>
+        <a:bodyPr/>
+        <a:lstStyle/>
+        <a:p>
+          <a:r>
+            <a:rPr lang="en-US" dirty="0" smtClean="0"/>
+            <a:t>Feb</a:t>
+          </a:r>
+          <a:endParaRPr lang="en-US" dirty="0"/>
+        </a:p>
+      </dgm:t>
+    </dgm:pt>
+    <dgm:pt modelId="{E3119B71-08F3-6040-B430-1A24FD996F9D}" type="parTrans" cxnId="{C835425D-E3ED-8645-9DA4-712967B48D15}">
+      <dgm:prSet/>
+      <dgm:spPr/>
+      <dgm:t>
+        <a:bodyPr/>
+        <a:lstStyle/>
+        <a:p>
+          <a:endParaRPr lang="en-US"/>
+        </a:p>
+      </dgm:t>
+    </dgm:pt>
+    <dgm:pt modelId="{57075167-61FF-4D42-AECA-AA7E79BD1FA9}" type="sibTrans" cxnId="{C835425D-E3ED-8645-9DA4-712967B48D15}">
+      <dgm:prSet/>
+      <dgm:spPr/>
+      <dgm:t>
+        <a:bodyPr/>
+        <a:lstStyle/>
+        <a:p>
+          <a:endParaRPr lang="en-US"/>
+        </a:p>
+      </dgm:t>
+    </dgm:pt>
+    <dgm:pt modelId="{AEFB7CB1-F07C-5A4A-A50D-DFCF4D2EF417}">
+      <dgm:prSet phldrT="[Text]"/>
+      <dgm:spPr>
+        <a:gradFill rotWithShape="0">
+          <a:gsLst>
+            <a:gs pos="13000">
+              <a:schemeClr val="accent1">
+                <a:lumMod val="60000"/>
+                <a:lumOff val="40000"/>
+              </a:schemeClr>
+            </a:gs>
+            <a:gs pos="100000">
+              <a:schemeClr val="accent1">
+                <a:hueOff val="0"/>
+                <a:satOff val="0"/>
+                <a:lumOff val="0"/>
+                <a:alphaOff val="0"/>
+                <a:shade val="90000"/>
+                <a:lumMod val="84000"/>
+              </a:schemeClr>
+            </a:gs>
+          </a:gsLst>
+        </a:gradFill>
+      </dgm:spPr>
+      <dgm:t>
+        <a:bodyPr/>
+        <a:lstStyle/>
+        <a:p>
+          <a:r>
+            <a:rPr lang="en-US" dirty="0" smtClean="0"/>
+            <a:t>Mar</a:t>
+          </a:r>
+          <a:endParaRPr lang="en-US" dirty="0"/>
+        </a:p>
+      </dgm:t>
+    </dgm:pt>
+    <dgm:pt modelId="{DBE6BC00-FFFA-6148-812F-052FE97117D0}" type="parTrans" cxnId="{FD0BC2BD-D97F-9A4D-A0D3-7A21D7C43977}">
+      <dgm:prSet/>
+      <dgm:spPr/>
+      <dgm:t>
+        <a:bodyPr/>
+        <a:lstStyle/>
+        <a:p>
+          <a:endParaRPr lang="en-US"/>
+        </a:p>
+      </dgm:t>
+    </dgm:pt>
+    <dgm:pt modelId="{C4E058D3-5003-1E4A-AD26-F45B31F77122}" type="sibTrans" cxnId="{FD0BC2BD-D97F-9A4D-A0D3-7A21D7C43977}">
+      <dgm:prSet/>
+      <dgm:spPr/>
+      <dgm:t>
+        <a:bodyPr/>
+        <a:lstStyle/>
+        <a:p>
+          <a:endParaRPr lang="en-US"/>
+        </a:p>
+      </dgm:t>
+    </dgm:pt>
+    <dgm:pt modelId="{AD547743-6EA8-4841-9476-9AED7A446A52}">
+      <dgm:prSet phldrT="[Text]"/>
+      <dgm:spPr>
+        <a:gradFill rotWithShape="0">
+          <a:gsLst>
+            <a:gs pos="0">
+              <a:schemeClr val="accent5">
+                <a:lumMod val="75000"/>
+              </a:schemeClr>
+            </a:gs>
+            <a:gs pos="100000">
+              <a:schemeClr val="accent1">
+                <a:hueOff val="0"/>
+                <a:satOff val="0"/>
+                <a:lumOff val="0"/>
+                <a:alphaOff val="0"/>
+                <a:shade val="90000"/>
+                <a:lumMod val="84000"/>
+              </a:schemeClr>
+            </a:gs>
+          </a:gsLst>
+        </a:gradFill>
+      </dgm:spPr>
+      <dgm:t>
+        <a:bodyPr/>
+        <a:lstStyle/>
+        <a:p>
+          <a:r>
+            <a:rPr lang="en-US" dirty="0" smtClean="0"/>
+            <a:t>April</a:t>
+          </a:r>
+          <a:endParaRPr lang="en-US" dirty="0"/>
+        </a:p>
+      </dgm:t>
+    </dgm:pt>
+    <dgm:pt modelId="{FB8E8D23-D3F7-DF40-BA21-11730F50C943}" type="parTrans" cxnId="{DE6EDF96-BDA3-A344-8FB8-415AE3A1B77D}">
+      <dgm:prSet/>
+      <dgm:spPr/>
+      <dgm:t>
+        <a:bodyPr/>
+        <a:lstStyle/>
+        <a:p>
+          <a:endParaRPr lang="en-US"/>
+        </a:p>
+      </dgm:t>
+    </dgm:pt>
+    <dgm:pt modelId="{648CEF31-14BA-7D4B-B9AC-EFA2FB3A0D43}" type="sibTrans" cxnId="{DE6EDF96-BDA3-A344-8FB8-415AE3A1B77D}">
+      <dgm:prSet/>
+      <dgm:spPr/>
+      <dgm:t>
+        <a:bodyPr/>
+        <a:lstStyle/>
+        <a:p>
+          <a:endParaRPr lang="en-US"/>
+        </a:p>
+      </dgm:t>
+    </dgm:pt>
+    <dgm:pt modelId="{7CA616C3-53EE-8E43-8757-3E8A2443DBEB}">
+      <dgm:prSet phldrT="[Text]"/>
+      <dgm:spPr>
+        <a:gradFill rotWithShape="0">
+          <a:gsLst>
+            <a:gs pos="0">
+              <a:schemeClr val="tx1"/>
+            </a:gs>
+            <a:gs pos="100000">
+              <a:schemeClr val="accent1">
+                <a:hueOff val="0"/>
+                <a:satOff val="0"/>
+                <a:lumOff val="0"/>
+                <a:alphaOff val="0"/>
+                <a:shade val="90000"/>
+                <a:lumMod val="84000"/>
+              </a:schemeClr>
+            </a:gs>
+          </a:gsLst>
+        </a:gradFill>
+      </dgm:spPr>
+      <dgm:t>
+        <a:bodyPr/>
+        <a:lstStyle/>
+        <a:p>
+          <a:r>
+            <a:rPr lang="en-US" dirty="0" smtClean="0"/>
+            <a:t>May</a:t>
+          </a:r>
+          <a:endParaRPr lang="en-US" dirty="0"/>
+        </a:p>
+      </dgm:t>
+    </dgm:pt>
+    <dgm:pt modelId="{4B3A98A5-C9E4-1841-8021-1D36FBF12868}" type="parTrans" cxnId="{C625B669-FB05-AE43-9F52-DD4233386CBA}">
+      <dgm:prSet/>
+      <dgm:spPr/>
+      <dgm:t>
+        <a:bodyPr/>
+        <a:lstStyle/>
+        <a:p>
+          <a:endParaRPr lang="en-US"/>
+        </a:p>
+      </dgm:t>
+    </dgm:pt>
+    <dgm:pt modelId="{711A0C58-D2F0-F842-9125-C8CABD2BFB95}" type="sibTrans" cxnId="{C625B669-FB05-AE43-9F52-DD4233386CBA}">
+      <dgm:prSet/>
+      <dgm:spPr/>
+      <dgm:t>
+        <a:bodyPr/>
+        <a:lstStyle/>
+        <a:p>
+          <a:endParaRPr lang="en-US"/>
+        </a:p>
+      </dgm:t>
+    </dgm:pt>
+    <dgm:pt modelId="{B4C688E4-0F46-0648-91FF-339B02BB2EDC}">
+      <dgm:prSet phldrT="[Text]"/>
+      <dgm:spPr>
+        <a:gradFill rotWithShape="0">
+          <a:gsLst>
+            <a:gs pos="0">
+              <a:schemeClr val="tx1"/>
+            </a:gs>
+            <a:gs pos="98000">
+              <a:schemeClr val="bg1">
+                <a:lumMod val="85000"/>
+              </a:schemeClr>
+            </a:gs>
+          </a:gsLst>
+        </a:gradFill>
+      </dgm:spPr>
+      <dgm:t>
+        <a:bodyPr/>
+        <a:lstStyle/>
+        <a:p>
+          <a:r>
+            <a:rPr lang="en-US" dirty="0" smtClean="0"/>
+            <a:t>Jun</a:t>
+          </a:r>
+          <a:endParaRPr lang="en-US" dirty="0"/>
+        </a:p>
+      </dgm:t>
+    </dgm:pt>
+    <dgm:pt modelId="{EC287AD1-0BDA-8D41-A078-88712D1F25F8}" type="parTrans" cxnId="{91986D14-9959-6E49-91E2-652685F7B006}">
+      <dgm:prSet/>
+      <dgm:spPr/>
+      <dgm:t>
+        <a:bodyPr/>
+        <a:lstStyle/>
+        <a:p>
+          <a:endParaRPr lang="en-US"/>
+        </a:p>
+      </dgm:t>
+    </dgm:pt>
+    <dgm:pt modelId="{85C4C757-54E9-3046-AA90-B48B91212D8E}" type="sibTrans" cxnId="{91986D14-9959-6E49-91E2-652685F7B006}">
+      <dgm:prSet/>
+      <dgm:spPr/>
+      <dgm:t>
+        <a:bodyPr/>
+        <a:lstStyle/>
+        <a:p>
+          <a:endParaRPr lang="en-US"/>
+        </a:p>
+      </dgm:t>
+    </dgm:pt>
+    <dgm:pt modelId="{3D4EC05D-66D8-B24A-AE4D-749EAA9928C8}" type="pres">
+      <dgm:prSet presAssocID="{57FB9164-F050-B24F-88BE-13B656CF376A}" presName="Name0" presStyleCnt="0">
+        <dgm:presLayoutVars>
+          <dgm:dir/>
+          <dgm:animLvl val="lvl"/>
+          <dgm:resizeHandles val="exact"/>
+        </dgm:presLayoutVars>
+      </dgm:prSet>
+      <dgm:spPr/>
+    </dgm:pt>
+    <dgm:pt modelId="{E387E2CD-9B3D-EE43-AE69-AF5818AA9E90}" type="pres">
+      <dgm:prSet presAssocID="{05E40ACB-2029-FD42-B616-5E408037BB3B}" presName="parTxOnly" presStyleLbl="node1" presStyleIdx="0" presStyleCnt="6">
+        <dgm:presLayoutVars>
+          <dgm:chMax val="0"/>
+          <dgm:chPref val="0"/>
+          <dgm:bulletEnabled val="1"/>
+        </dgm:presLayoutVars>
+      </dgm:prSet>
+      <dgm:spPr/>
+    </dgm:pt>
+    <dgm:pt modelId="{D0BC211A-54D4-854C-B256-E6D0A966F1F2}" type="pres">
+      <dgm:prSet presAssocID="{30BED3F4-3444-A84C-9546-2012A5A8B414}" presName="parTxOnlySpace" presStyleCnt="0"/>
+      <dgm:spPr/>
+    </dgm:pt>
+    <dgm:pt modelId="{A12C1ACA-02E7-6847-B71D-803C1D96B5C0}" type="pres">
+      <dgm:prSet presAssocID="{EB6A87FC-2D5F-E14F-AA28-46FD5A754382}" presName="parTxOnly" presStyleLbl="node1" presStyleIdx="1" presStyleCnt="6">
+        <dgm:presLayoutVars>
+          <dgm:chMax val="0"/>
+          <dgm:chPref val="0"/>
+          <dgm:bulletEnabled val="1"/>
+        </dgm:presLayoutVars>
+      </dgm:prSet>
+      <dgm:spPr/>
+    </dgm:pt>
+    <dgm:pt modelId="{067FDE98-8B84-F947-98D9-E248B11BC0E3}" type="pres">
+      <dgm:prSet presAssocID="{57075167-61FF-4D42-AECA-AA7E79BD1FA9}" presName="parTxOnlySpace" presStyleCnt="0"/>
+      <dgm:spPr/>
+    </dgm:pt>
+    <dgm:pt modelId="{78615403-1BBF-B948-979F-E0D984B6E43E}" type="pres">
+      <dgm:prSet presAssocID="{AEFB7CB1-F07C-5A4A-A50D-DFCF4D2EF417}" presName="parTxOnly" presStyleLbl="node1" presStyleIdx="2" presStyleCnt="6">
+        <dgm:presLayoutVars>
+          <dgm:chMax val="0"/>
+          <dgm:chPref val="0"/>
+          <dgm:bulletEnabled val="1"/>
+        </dgm:presLayoutVars>
+      </dgm:prSet>
+      <dgm:spPr/>
+    </dgm:pt>
+    <dgm:pt modelId="{70F6304D-9F99-9C42-9A25-71B54BC5E9AB}" type="pres">
+      <dgm:prSet presAssocID="{C4E058D3-5003-1E4A-AD26-F45B31F77122}" presName="parTxOnlySpace" presStyleCnt="0"/>
+      <dgm:spPr/>
+    </dgm:pt>
+    <dgm:pt modelId="{DEC3C920-6B5A-514D-B623-CE4D19C15904}" type="pres">
+      <dgm:prSet presAssocID="{AD547743-6EA8-4841-9476-9AED7A446A52}" presName="parTxOnly" presStyleLbl="node1" presStyleIdx="3" presStyleCnt="6">
+        <dgm:presLayoutVars>
+          <dgm:chMax val="0"/>
+          <dgm:chPref val="0"/>
+          <dgm:bulletEnabled val="1"/>
+        </dgm:presLayoutVars>
+      </dgm:prSet>
+      <dgm:spPr/>
+      <dgm:t>
+        <a:bodyPr/>
+        <a:lstStyle/>
+        <a:p>
+          <a:endParaRPr lang="en-US"/>
+        </a:p>
+      </dgm:t>
+    </dgm:pt>
+    <dgm:pt modelId="{3CF48679-D010-C84C-9682-81334A4A63A4}" type="pres">
+      <dgm:prSet presAssocID="{648CEF31-14BA-7D4B-B9AC-EFA2FB3A0D43}" presName="parTxOnlySpace" presStyleCnt="0"/>
+      <dgm:spPr/>
+    </dgm:pt>
+    <dgm:pt modelId="{A69BDC0E-04D1-2348-980E-ED85B6845564}" type="pres">
+      <dgm:prSet presAssocID="{7CA616C3-53EE-8E43-8757-3E8A2443DBEB}" presName="parTxOnly" presStyleLbl="node1" presStyleIdx="4" presStyleCnt="6">
+        <dgm:presLayoutVars>
+          <dgm:chMax val="0"/>
+          <dgm:chPref val="0"/>
+          <dgm:bulletEnabled val="1"/>
+        </dgm:presLayoutVars>
+      </dgm:prSet>
+      <dgm:spPr/>
+      <dgm:t>
+        <a:bodyPr/>
+        <a:lstStyle/>
+        <a:p>
+          <a:endParaRPr lang="en-US"/>
+        </a:p>
+      </dgm:t>
+    </dgm:pt>
+    <dgm:pt modelId="{03D0B41D-F619-D746-9AFD-8FCA909691A6}" type="pres">
+      <dgm:prSet presAssocID="{711A0C58-D2F0-F842-9125-C8CABD2BFB95}" presName="parTxOnlySpace" presStyleCnt="0"/>
+      <dgm:spPr/>
+    </dgm:pt>
+    <dgm:pt modelId="{9F714E85-B344-374E-9FE5-2CCD5BF36FE5}" type="pres">
+      <dgm:prSet presAssocID="{B4C688E4-0F46-0648-91FF-339B02BB2EDC}" presName="parTxOnly" presStyleLbl="node1" presStyleIdx="5" presStyleCnt="6" custLinFactNeighborX="34438">
+        <dgm:presLayoutVars>
+          <dgm:chMax val="0"/>
+          <dgm:chPref val="0"/>
+          <dgm:bulletEnabled val="1"/>
+        </dgm:presLayoutVars>
+      </dgm:prSet>
+      <dgm:spPr/>
+      <dgm:t>
+        <a:bodyPr/>
+        <a:lstStyle/>
+        <a:p>
+          <a:endParaRPr lang="en-US"/>
+        </a:p>
+      </dgm:t>
+    </dgm:pt>
+  </dgm:ptLst>
+  <dgm:cxnLst>
+    <dgm:cxn modelId="{B909C303-0897-994C-A4BA-BFE7E3160816}" type="presOf" srcId="{AD547743-6EA8-4841-9476-9AED7A446A52}" destId="{DEC3C920-6B5A-514D-B623-CE4D19C15904}" srcOrd="0" destOrd="0" presId="urn:microsoft.com/office/officeart/2005/8/layout/chevron1"/>
+    <dgm:cxn modelId="{8A40BCEA-66D1-F743-B08C-7BCBAE5B17ED}" type="presOf" srcId="{57FB9164-F050-B24F-88BE-13B656CF376A}" destId="{3D4EC05D-66D8-B24A-AE4D-749EAA9928C8}" srcOrd="0" destOrd="0" presId="urn:microsoft.com/office/officeart/2005/8/layout/chevron1"/>
+    <dgm:cxn modelId="{C625B669-FB05-AE43-9F52-DD4233386CBA}" srcId="{57FB9164-F050-B24F-88BE-13B656CF376A}" destId="{7CA616C3-53EE-8E43-8757-3E8A2443DBEB}" srcOrd="4" destOrd="0" parTransId="{4B3A98A5-C9E4-1841-8021-1D36FBF12868}" sibTransId="{711A0C58-D2F0-F842-9125-C8CABD2BFB95}"/>
+    <dgm:cxn modelId="{C04F7054-D6FC-0347-9A9A-2E3B5FA2D5F4}" type="presOf" srcId="{B4C688E4-0F46-0648-91FF-339B02BB2EDC}" destId="{9F714E85-B344-374E-9FE5-2CCD5BF36FE5}" srcOrd="0" destOrd="0" presId="urn:microsoft.com/office/officeart/2005/8/layout/chevron1"/>
+    <dgm:cxn modelId="{966F0350-1703-C546-A9F8-A605234ED38C}" srcId="{57FB9164-F050-B24F-88BE-13B656CF376A}" destId="{05E40ACB-2029-FD42-B616-5E408037BB3B}" srcOrd="0" destOrd="0" parTransId="{BF79CD83-D260-A54F-85CB-91E7F69291DD}" sibTransId="{30BED3F4-3444-A84C-9546-2012A5A8B414}"/>
+    <dgm:cxn modelId="{0D5F2E2F-5ECE-6E43-8C4B-86523C75244F}" type="presOf" srcId="{05E40ACB-2029-FD42-B616-5E408037BB3B}" destId="{E387E2CD-9B3D-EE43-AE69-AF5818AA9E90}" srcOrd="0" destOrd="0" presId="urn:microsoft.com/office/officeart/2005/8/layout/chevron1"/>
+    <dgm:cxn modelId="{FD0BC2BD-D97F-9A4D-A0D3-7A21D7C43977}" srcId="{57FB9164-F050-B24F-88BE-13B656CF376A}" destId="{AEFB7CB1-F07C-5A4A-A50D-DFCF4D2EF417}" srcOrd="2" destOrd="0" parTransId="{DBE6BC00-FFFA-6148-812F-052FE97117D0}" sibTransId="{C4E058D3-5003-1E4A-AD26-F45B31F77122}"/>
+    <dgm:cxn modelId="{DE6EDF96-BDA3-A344-8FB8-415AE3A1B77D}" srcId="{57FB9164-F050-B24F-88BE-13B656CF376A}" destId="{AD547743-6EA8-4841-9476-9AED7A446A52}" srcOrd="3" destOrd="0" parTransId="{FB8E8D23-D3F7-DF40-BA21-11730F50C943}" sibTransId="{648CEF31-14BA-7D4B-B9AC-EFA2FB3A0D43}"/>
+    <dgm:cxn modelId="{E7A4FCA2-F8A8-7C41-9FA4-A899D9F13B32}" type="presOf" srcId="{7CA616C3-53EE-8E43-8757-3E8A2443DBEB}" destId="{A69BDC0E-04D1-2348-980E-ED85B6845564}" srcOrd="0" destOrd="0" presId="urn:microsoft.com/office/officeart/2005/8/layout/chevron1"/>
+    <dgm:cxn modelId="{C835425D-E3ED-8645-9DA4-712967B48D15}" srcId="{57FB9164-F050-B24F-88BE-13B656CF376A}" destId="{EB6A87FC-2D5F-E14F-AA28-46FD5A754382}" srcOrd="1" destOrd="0" parTransId="{E3119B71-08F3-6040-B430-1A24FD996F9D}" sibTransId="{57075167-61FF-4D42-AECA-AA7E79BD1FA9}"/>
+    <dgm:cxn modelId="{C62473C0-9587-A940-BE79-59D705E15CD3}" type="presOf" srcId="{AEFB7CB1-F07C-5A4A-A50D-DFCF4D2EF417}" destId="{78615403-1BBF-B948-979F-E0D984B6E43E}" srcOrd="0" destOrd="0" presId="urn:microsoft.com/office/officeart/2005/8/layout/chevron1"/>
+    <dgm:cxn modelId="{273D6041-6299-BB43-8403-372DCE722D82}" type="presOf" srcId="{EB6A87FC-2D5F-E14F-AA28-46FD5A754382}" destId="{A12C1ACA-02E7-6847-B71D-803C1D96B5C0}" srcOrd="0" destOrd="0" presId="urn:microsoft.com/office/officeart/2005/8/layout/chevron1"/>
+    <dgm:cxn modelId="{91986D14-9959-6E49-91E2-652685F7B006}" srcId="{57FB9164-F050-B24F-88BE-13B656CF376A}" destId="{B4C688E4-0F46-0648-91FF-339B02BB2EDC}" srcOrd="5" destOrd="0" parTransId="{EC287AD1-0BDA-8D41-A078-88712D1F25F8}" sibTransId="{85C4C757-54E9-3046-AA90-B48B91212D8E}"/>
+    <dgm:cxn modelId="{F60B04EB-51EB-2045-970B-913BD10A7E79}" type="presParOf" srcId="{3D4EC05D-66D8-B24A-AE4D-749EAA9928C8}" destId="{E387E2CD-9B3D-EE43-AE69-AF5818AA9E90}" srcOrd="0" destOrd="0" presId="urn:microsoft.com/office/officeart/2005/8/layout/chevron1"/>
+    <dgm:cxn modelId="{9A931F29-E116-2144-8AC5-962C1E6A6655}" type="presParOf" srcId="{3D4EC05D-66D8-B24A-AE4D-749EAA9928C8}" destId="{D0BC211A-54D4-854C-B256-E6D0A966F1F2}" srcOrd="1" destOrd="0" presId="urn:microsoft.com/office/officeart/2005/8/layout/chevron1"/>
+    <dgm:cxn modelId="{E566F346-CB51-0C4F-9620-51B2896C96A1}" type="presParOf" srcId="{3D4EC05D-66D8-B24A-AE4D-749EAA9928C8}" destId="{A12C1ACA-02E7-6847-B71D-803C1D96B5C0}" srcOrd="2" destOrd="0" presId="urn:microsoft.com/office/officeart/2005/8/layout/chevron1"/>
+    <dgm:cxn modelId="{48760A42-E8F0-7E49-8633-1A55B1D2BEAB}" type="presParOf" srcId="{3D4EC05D-66D8-B24A-AE4D-749EAA9928C8}" destId="{067FDE98-8B84-F947-98D9-E248B11BC0E3}" srcOrd="3" destOrd="0" presId="urn:microsoft.com/office/officeart/2005/8/layout/chevron1"/>
+    <dgm:cxn modelId="{94FEA479-22C1-424B-A883-458CAE7E986D}" type="presParOf" srcId="{3D4EC05D-66D8-B24A-AE4D-749EAA9928C8}" destId="{78615403-1BBF-B948-979F-E0D984B6E43E}" srcOrd="4" destOrd="0" presId="urn:microsoft.com/office/officeart/2005/8/layout/chevron1"/>
+    <dgm:cxn modelId="{E268E2FB-3E72-FD43-92A1-87DEA72577D9}" type="presParOf" srcId="{3D4EC05D-66D8-B24A-AE4D-749EAA9928C8}" destId="{70F6304D-9F99-9C42-9A25-71B54BC5E9AB}" srcOrd="5" destOrd="0" presId="urn:microsoft.com/office/officeart/2005/8/layout/chevron1"/>
+    <dgm:cxn modelId="{551EB482-BCAE-8841-A1FE-434D2C36DACC}" type="presParOf" srcId="{3D4EC05D-66D8-B24A-AE4D-749EAA9928C8}" destId="{DEC3C920-6B5A-514D-B623-CE4D19C15904}" srcOrd="6" destOrd="0" presId="urn:microsoft.com/office/officeart/2005/8/layout/chevron1"/>
+    <dgm:cxn modelId="{CF395E83-8851-B145-AC10-ACE4DF3EA41A}" type="presParOf" srcId="{3D4EC05D-66D8-B24A-AE4D-749EAA9928C8}" destId="{3CF48679-D010-C84C-9682-81334A4A63A4}" srcOrd="7" destOrd="0" presId="urn:microsoft.com/office/officeart/2005/8/layout/chevron1"/>
+    <dgm:cxn modelId="{6574EE15-2152-FA46-9B82-AB34F8900F2F}" type="presParOf" srcId="{3D4EC05D-66D8-B24A-AE4D-749EAA9928C8}" destId="{A69BDC0E-04D1-2348-980E-ED85B6845564}" srcOrd="8" destOrd="0" presId="urn:microsoft.com/office/officeart/2005/8/layout/chevron1"/>
+    <dgm:cxn modelId="{31794C59-01C4-1E48-B434-745DC59207D3}" type="presParOf" srcId="{3D4EC05D-66D8-B24A-AE4D-749EAA9928C8}" destId="{03D0B41D-F619-D746-9AFD-8FCA909691A6}" srcOrd="9" destOrd="0" presId="urn:microsoft.com/office/officeart/2005/8/layout/chevron1"/>
+    <dgm:cxn modelId="{FFEB0980-DF59-8742-9A2F-C4800E568352}" type="presParOf" srcId="{3D4EC05D-66D8-B24A-AE4D-749EAA9928C8}" destId="{9F714E85-B344-374E-9FE5-2CCD5BF36FE5}" srcOrd="10" destOrd="0" presId="urn:microsoft.com/office/officeart/2005/8/layout/chevron1"/>
+  </dgm:cxnLst>
+  <dgm:bg/>
+  <dgm:whole/>
+  <dgm:extLst>
+    <a:ext uri="http://schemas.microsoft.com/office/drawing/2008/diagram">
+      <dsp:dataModelExt xmlns:dsp="http://schemas.microsoft.com/office/drawing/2008/diagram" relId="rId7" minVer="http://schemas.openxmlformats.org/drawingml/2006/diagram"/>
+    </a:ext>
+  </dgm:extLst>
+</dgm:dataModel>
+</file>
+
+<file path=ppt/diagrams/drawing1.xml><?xml version="1.0" encoding="utf-8"?>
+<dsp:drawing xmlns:dgm="http://schemas.openxmlformats.org/drawingml/2006/diagram" xmlns:dsp="http://schemas.microsoft.com/office/drawing/2008/diagram" xmlns:a="http://schemas.openxmlformats.org/drawingml/2006/main">
+  <dsp:spTree>
+    <dsp:nvGrpSpPr>
+      <dsp:cNvPr id="0" name=""/>
+      <dsp:cNvGrpSpPr/>
+    </dsp:nvGrpSpPr>
+    <dsp:grpSpPr/>
+    <dsp:sp modelId="{E387E2CD-9B3D-EE43-AE69-AF5818AA9E90}">
+      <dsp:nvSpPr>
+        <dsp:cNvPr id="0" name=""/>
+        <dsp:cNvSpPr/>
+      </dsp:nvSpPr>
+      <dsp:spPr>
+        <a:xfrm>
+          <a:off x="5292" y="1868125"/>
+          <a:ext cx="1968799" cy="787519"/>
+        </a:xfrm>
+        <a:prstGeom prst="chevron">
+          <a:avLst/>
+        </a:prstGeom>
+        <a:gradFill rotWithShape="0">
+          <a:gsLst>
+            <a:gs pos="0">
+              <a:schemeClr val="accent4"/>
+            </a:gs>
+            <a:gs pos="100000">
+              <a:schemeClr val="accent1">
+                <a:hueOff val="0"/>
+                <a:satOff val="0"/>
+                <a:lumOff val="0"/>
+                <a:alphaOff val="0"/>
+                <a:shade val="90000"/>
+                <a:lumMod val="84000"/>
+              </a:schemeClr>
+            </a:gs>
+          </a:gsLst>
+          <a:lin ang="5400000" scaled="0"/>
+        </a:gradFill>
+        <a:ln>
+          <a:noFill/>
+        </a:ln>
+        <a:effectLst>
+          <a:outerShdw blurRad="38100" dist="25400" dir="5400000" rotWithShape="0">
+            <a:srgbClr val="000000">
+              <a:alpha val="45000"/>
+            </a:srgbClr>
+          </a:outerShdw>
+        </a:effectLst>
+      </dsp:spPr>
+      <dsp:style>
+        <a:lnRef idx="0">
+          <a:scrgbClr r="0" g="0" b="0"/>
+        </a:lnRef>
+        <a:fillRef idx="3">
+          <a:scrgbClr r="0" g="0" b="0"/>
+        </a:fillRef>
+        <a:effectRef idx="2">
+          <a:scrgbClr r="0" g="0" b="0"/>
+        </a:effectRef>
+        <a:fontRef idx="minor">
+          <a:schemeClr val="lt1"/>
+        </a:fontRef>
+      </dsp:style>
+      <dsp:txBody>
+        <a:bodyPr spcFirstLastPara="0" vert="horz" wrap="square" lIns="144018" tIns="48006" rIns="48006" bIns="48006" numCol="1" spcCol="1270" anchor="ctr" anchorCtr="0">
+          <a:noAutofit/>
+        </a:bodyPr>
+        <a:lstStyle/>
+        <a:p>
+          <a:pPr lvl="0" algn="ctr" defTabSz="1600200">
+            <a:lnSpc>
+              <a:spcPct val="90000"/>
+            </a:lnSpc>
+            <a:spcBef>
+              <a:spcPct val="0"/>
+            </a:spcBef>
+            <a:spcAft>
+              <a:spcPct val="35000"/>
+            </a:spcAft>
+          </a:pPr>
+          <a:r>
+            <a:rPr lang="en-US" sz="3600" kern="1200" dirty="0" smtClean="0"/>
+            <a:t>Jan</a:t>
+          </a:r>
+          <a:endParaRPr lang="en-US" sz="3600" kern="1200" dirty="0"/>
+        </a:p>
+      </dsp:txBody>
+      <dsp:txXfrm>
+        <a:off x="399052" y="1868125"/>
+        <a:ext cx="1181280" cy="787519"/>
+      </dsp:txXfrm>
+    </dsp:sp>
+    <dsp:sp modelId="{A12C1ACA-02E7-6847-B71D-803C1D96B5C0}">
+      <dsp:nvSpPr>
+        <dsp:cNvPr id="0" name=""/>
+        <dsp:cNvSpPr/>
+      </dsp:nvSpPr>
+      <dsp:spPr>
+        <a:xfrm>
+          <a:off x="1777212" y="1868125"/>
+          <a:ext cx="1968799" cy="787519"/>
+        </a:xfrm>
+        <a:prstGeom prst="chevron">
+          <a:avLst/>
+        </a:prstGeom>
+        <a:gradFill rotWithShape="0">
+          <a:gsLst>
+            <a:gs pos="0">
+              <a:schemeClr val="accent6">
+                <a:lumMod val="50000"/>
+              </a:schemeClr>
+            </a:gs>
+            <a:gs pos="100000">
+              <a:schemeClr val="accent1">
+                <a:hueOff val="0"/>
+                <a:satOff val="0"/>
+                <a:lumOff val="0"/>
+                <a:alphaOff val="0"/>
+                <a:shade val="90000"/>
+                <a:lumMod val="84000"/>
+              </a:schemeClr>
+            </a:gs>
+          </a:gsLst>
+          <a:lin ang="5400000" scaled="0"/>
+        </a:gradFill>
+        <a:ln>
+          <a:noFill/>
+        </a:ln>
+        <a:effectLst>
+          <a:outerShdw blurRad="38100" dist="25400" dir="5400000" rotWithShape="0">
+            <a:srgbClr val="000000">
+              <a:alpha val="45000"/>
+            </a:srgbClr>
+          </a:outerShdw>
+        </a:effectLst>
+      </dsp:spPr>
+      <dsp:style>
+        <a:lnRef idx="0">
+          <a:scrgbClr r="0" g="0" b="0"/>
+        </a:lnRef>
+        <a:fillRef idx="3">
+          <a:scrgbClr r="0" g="0" b="0"/>
+        </a:fillRef>
+        <a:effectRef idx="2">
+          <a:scrgbClr r="0" g="0" b="0"/>
+        </a:effectRef>
+        <a:fontRef idx="minor">
+          <a:schemeClr val="lt1"/>
+        </a:fontRef>
+      </dsp:style>
+      <dsp:txBody>
+        <a:bodyPr spcFirstLastPara="0" vert="horz" wrap="square" lIns="144018" tIns="48006" rIns="48006" bIns="48006" numCol="1" spcCol="1270" anchor="ctr" anchorCtr="0">
+          <a:noAutofit/>
+        </a:bodyPr>
+        <a:lstStyle/>
+        <a:p>
+          <a:pPr lvl="0" algn="ctr" defTabSz="1600200">
+            <a:lnSpc>
+              <a:spcPct val="90000"/>
+            </a:lnSpc>
+            <a:spcBef>
+              <a:spcPct val="0"/>
+            </a:spcBef>
+            <a:spcAft>
+              <a:spcPct val="35000"/>
+            </a:spcAft>
+          </a:pPr>
+          <a:r>
+            <a:rPr lang="en-US" sz="3600" kern="1200" dirty="0" smtClean="0"/>
+            <a:t>Feb</a:t>
+          </a:r>
+          <a:endParaRPr lang="en-US" sz="3600" kern="1200" dirty="0"/>
+        </a:p>
+      </dsp:txBody>
+      <dsp:txXfrm>
+        <a:off x="2170972" y="1868125"/>
+        <a:ext cx="1181280" cy="787519"/>
+      </dsp:txXfrm>
+    </dsp:sp>
+    <dsp:sp modelId="{78615403-1BBF-B948-979F-E0D984B6E43E}">
+      <dsp:nvSpPr>
+        <dsp:cNvPr id="0" name=""/>
+        <dsp:cNvSpPr/>
+      </dsp:nvSpPr>
+      <dsp:spPr>
+        <a:xfrm>
+          <a:off x="3549132" y="1868125"/>
+          <a:ext cx="1968799" cy="787519"/>
+        </a:xfrm>
+        <a:prstGeom prst="chevron">
+          <a:avLst/>
+        </a:prstGeom>
+        <a:gradFill rotWithShape="0">
+          <a:gsLst>
+            <a:gs pos="13000">
+              <a:schemeClr val="accent1">
+                <a:lumMod val="60000"/>
+                <a:lumOff val="40000"/>
+              </a:schemeClr>
+            </a:gs>
+            <a:gs pos="100000">
+              <a:schemeClr val="accent1">
+                <a:hueOff val="0"/>
+                <a:satOff val="0"/>
+                <a:lumOff val="0"/>
+                <a:alphaOff val="0"/>
+                <a:shade val="90000"/>
+                <a:lumMod val="84000"/>
+              </a:schemeClr>
+            </a:gs>
+          </a:gsLst>
+          <a:lin ang="5400000" scaled="0"/>
+        </a:gradFill>
+        <a:ln>
+          <a:noFill/>
+        </a:ln>
+        <a:effectLst>
+          <a:outerShdw blurRad="38100" dist="25400" dir="5400000" rotWithShape="0">
+            <a:srgbClr val="000000">
+              <a:alpha val="45000"/>
+            </a:srgbClr>
+          </a:outerShdw>
+        </a:effectLst>
+      </dsp:spPr>
+      <dsp:style>
+        <a:lnRef idx="0">
+          <a:scrgbClr r="0" g="0" b="0"/>
+        </a:lnRef>
+        <a:fillRef idx="3">
+          <a:scrgbClr r="0" g="0" b="0"/>
+        </a:fillRef>
+        <a:effectRef idx="2">
+          <a:scrgbClr r="0" g="0" b="0"/>
+        </a:effectRef>
+        <a:fontRef idx="minor">
+          <a:schemeClr val="lt1"/>
+        </a:fontRef>
+      </dsp:style>
+      <dsp:txBody>
+        <a:bodyPr spcFirstLastPara="0" vert="horz" wrap="square" lIns="144018" tIns="48006" rIns="48006" bIns="48006" numCol="1" spcCol="1270" anchor="ctr" anchorCtr="0">
+          <a:noAutofit/>
+        </a:bodyPr>
+        <a:lstStyle/>
+        <a:p>
+          <a:pPr lvl="0" algn="ctr" defTabSz="1600200">
+            <a:lnSpc>
+              <a:spcPct val="90000"/>
+            </a:lnSpc>
+            <a:spcBef>
+              <a:spcPct val="0"/>
+            </a:spcBef>
+            <a:spcAft>
+              <a:spcPct val="35000"/>
+            </a:spcAft>
+          </a:pPr>
+          <a:r>
+            <a:rPr lang="en-US" sz="3600" kern="1200" dirty="0" smtClean="0"/>
+            <a:t>Mar</a:t>
+          </a:r>
+          <a:endParaRPr lang="en-US" sz="3600" kern="1200" dirty="0"/>
+        </a:p>
+      </dsp:txBody>
+      <dsp:txXfrm>
+        <a:off x="3942892" y="1868125"/>
+        <a:ext cx="1181280" cy="787519"/>
+      </dsp:txXfrm>
+    </dsp:sp>
+    <dsp:sp modelId="{DEC3C920-6B5A-514D-B623-CE4D19C15904}">
+      <dsp:nvSpPr>
+        <dsp:cNvPr id="0" name=""/>
+        <dsp:cNvSpPr/>
+      </dsp:nvSpPr>
+      <dsp:spPr>
+        <a:xfrm>
+          <a:off x="5321052" y="1868125"/>
+          <a:ext cx="1968799" cy="787519"/>
+        </a:xfrm>
+        <a:prstGeom prst="chevron">
+          <a:avLst/>
+        </a:prstGeom>
+        <a:gradFill rotWithShape="0">
+          <a:gsLst>
+            <a:gs pos="0">
+              <a:schemeClr val="accent5">
+                <a:lumMod val="75000"/>
+              </a:schemeClr>
+            </a:gs>
+            <a:gs pos="100000">
+              <a:schemeClr val="accent1">
+                <a:hueOff val="0"/>
+                <a:satOff val="0"/>
+                <a:lumOff val="0"/>
+                <a:alphaOff val="0"/>
+                <a:shade val="90000"/>
+                <a:lumMod val="84000"/>
+              </a:schemeClr>
+            </a:gs>
+          </a:gsLst>
+          <a:lin ang="5400000" scaled="0"/>
+        </a:gradFill>
+        <a:ln>
+          <a:noFill/>
+        </a:ln>
+        <a:effectLst>
+          <a:outerShdw blurRad="38100" dist="25400" dir="5400000" rotWithShape="0">
+            <a:srgbClr val="000000">
+              <a:alpha val="45000"/>
+            </a:srgbClr>
+          </a:outerShdw>
+        </a:effectLst>
+      </dsp:spPr>
+      <dsp:style>
+        <a:lnRef idx="0">
+          <a:scrgbClr r="0" g="0" b="0"/>
+        </a:lnRef>
+        <a:fillRef idx="3">
+          <a:scrgbClr r="0" g="0" b="0"/>
+        </a:fillRef>
+        <a:effectRef idx="2">
+          <a:scrgbClr r="0" g="0" b="0"/>
+        </a:effectRef>
+        <a:fontRef idx="minor">
+          <a:schemeClr val="lt1"/>
+        </a:fontRef>
+      </dsp:style>
+      <dsp:txBody>
+        <a:bodyPr spcFirstLastPara="0" vert="horz" wrap="square" lIns="144018" tIns="48006" rIns="48006" bIns="48006" numCol="1" spcCol="1270" anchor="ctr" anchorCtr="0">
+          <a:noAutofit/>
+        </a:bodyPr>
+        <a:lstStyle/>
+        <a:p>
+          <a:pPr lvl="0" algn="ctr" defTabSz="1600200">
+            <a:lnSpc>
+              <a:spcPct val="90000"/>
+            </a:lnSpc>
+            <a:spcBef>
+              <a:spcPct val="0"/>
+            </a:spcBef>
+            <a:spcAft>
+              <a:spcPct val="35000"/>
+            </a:spcAft>
+          </a:pPr>
+          <a:r>
+            <a:rPr lang="en-US" sz="3600" kern="1200" dirty="0" smtClean="0"/>
+            <a:t>April</a:t>
+          </a:r>
+          <a:endParaRPr lang="en-US" sz="3600" kern="1200" dirty="0"/>
+        </a:p>
+      </dsp:txBody>
+      <dsp:txXfrm>
+        <a:off x="5714812" y="1868125"/>
+        <a:ext cx="1181280" cy="787519"/>
+      </dsp:txXfrm>
+    </dsp:sp>
+    <dsp:sp modelId="{A69BDC0E-04D1-2348-980E-ED85B6845564}">
+      <dsp:nvSpPr>
+        <dsp:cNvPr id="0" name=""/>
+        <dsp:cNvSpPr/>
+      </dsp:nvSpPr>
+      <dsp:spPr>
+        <a:xfrm>
+          <a:off x="7092971" y="1868125"/>
+          <a:ext cx="1968799" cy="787519"/>
+        </a:xfrm>
+        <a:prstGeom prst="chevron">
+          <a:avLst/>
+        </a:prstGeom>
+        <a:gradFill rotWithShape="0">
+          <a:gsLst>
+            <a:gs pos="0">
+              <a:schemeClr val="tx1"/>
+            </a:gs>
+            <a:gs pos="100000">
+              <a:schemeClr val="accent1">
+                <a:hueOff val="0"/>
+                <a:satOff val="0"/>
+                <a:lumOff val="0"/>
+                <a:alphaOff val="0"/>
+                <a:shade val="90000"/>
+                <a:lumMod val="84000"/>
+              </a:schemeClr>
+            </a:gs>
+          </a:gsLst>
+          <a:lin ang="5400000" scaled="0"/>
+        </a:gradFill>
+        <a:ln>
+          <a:noFill/>
+        </a:ln>
+        <a:effectLst>
+          <a:outerShdw blurRad="38100" dist="25400" dir="5400000" rotWithShape="0">
+            <a:srgbClr val="000000">
+              <a:alpha val="45000"/>
+            </a:srgbClr>
+          </a:outerShdw>
+        </a:effectLst>
+      </dsp:spPr>
+      <dsp:style>
+        <a:lnRef idx="0">
+          <a:scrgbClr r="0" g="0" b="0"/>
+        </a:lnRef>
+        <a:fillRef idx="3">
+          <a:scrgbClr r="0" g="0" b="0"/>
+        </a:fillRef>
+        <a:effectRef idx="2">
+          <a:scrgbClr r="0" g="0" b="0"/>
+        </a:effectRef>
+        <a:fontRef idx="minor">
+          <a:schemeClr val="lt1"/>
+        </a:fontRef>
+      </dsp:style>
+      <dsp:txBody>
+        <a:bodyPr spcFirstLastPara="0" vert="horz" wrap="square" lIns="144018" tIns="48006" rIns="48006" bIns="48006" numCol="1" spcCol="1270" anchor="ctr" anchorCtr="0">
+          <a:noAutofit/>
+        </a:bodyPr>
+        <a:lstStyle/>
+        <a:p>
+          <a:pPr lvl="0" algn="ctr" defTabSz="1600200">
+            <a:lnSpc>
+              <a:spcPct val="90000"/>
+            </a:lnSpc>
+            <a:spcBef>
+              <a:spcPct val="0"/>
+            </a:spcBef>
+            <a:spcAft>
+              <a:spcPct val="35000"/>
+            </a:spcAft>
+          </a:pPr>
+          <a:r>
+            <a:rPr lang="en-US" sz="3600" kern="1200" dirty="0" smtClean="0"/>
+            <a:t>May</a:t>
+          </a:r>
+          <a:endParaRPr lang="en-US" sz="3600" kern="1200" dirty="0"/>
+        </a:p>
+      </dsp:txBody>
+      <dsp:txXfrm>
+        <a:off x="7486731" y="1868125"/>
+        <a:ext cx="1181280" cy="787519"/>
+      </dsp:txXfrm>
+    </dsp:sp>
+    <dsp:sp modelId="{9F714E85-B344-374E-9FE5-2CCD5BF36FE5}">
+      <dsp:nvSpPr>
+        <dsp:cNvPr id="0" name=""/>
+        <dsp:cNvSpPr/>
+      </dsp:nvSpPr>
+      <dsp:spPr>
+        <a:xfrm>
+          <a:off x="8870184" y="1868125"/>
+          <a:ext cx="1968799" cy="787519"/>
+        </a:xfrm>
+        <a:prstGeom prst="chevron">
+          <a:avLst/>
+        </a:prstGeom>
+        <a:gradFill rotWithShape="0">
+          <a:gsLst>
+            <a:gs pos="0">
+              <a:schemeClr val="tx1"/>
+            </a:gs>
+            <a:gs pos="98000">
+              <a:schemeClr val="bg1">
+                <a:lumMod val="85000"/>
+              </a:schemeClr>
+            </a:gs>
+          </a:gsLst>
+          <a:lin ang="5400000" scaled="0"/>
+        </a:gradFill>
+        <a:ln>
+          <a:noFill/>
+        </a:ln>
+        <a:effectLst>
+          <a:outerShdw blurRad="38100" dist="25400" dir="5400000" rotWithShape="0">
+            <a:srgbClr val="000000">
+              <a:alpha val="45000"/>
+            </a:srgbClr>
+          </a:outerShdw>
+        </a:effectLst>
+      </dsp:spPr>
+      <dsp:style>
+        <a:lnRef idx="0">
+          <a:scrgbClr r="0" g="0" b="0"/>
+        </a:lnRef>
+        <a:fillRef idx="3">
+          <a:scrgbClr r="0" g="0" b="0"/>
+        </a:fillRef>
+        <a:effectRef idx="2">
+          <a:scrgbClr r="0" g="0" b="0"/>
+        </a:effectRef>
+        <a:fontRef idx="minor">
+          <a:schemeClr val="lt1"/>
+        </a:fontRef>
+      </dsp:style>
+      <dsp:txBody>
+        <a:bodyPr spcFirstLastPara="0" vert="horz" wrap="square" lIns="144018" tIns="48006" rIns="48006" bIns="48006" numCol="1" spcCol="1270" anchor="ctr" anchorCtr="0">
+          <a:noAutofit/>
+        </a:bodyPr>
+        <a:lstStyle/>
+        <a:p>
+          <a:pPr lvl="0" algn="ctr" defTabSz="1600200">
+            <a:lnSpc>
+              <a:spcPct val="90000"/>
+            </a:lnSpc>
+            <a:spcBef>
+              <a:spcPct val="0"/>
+            </a:spcBef>
+            <a:spcAft>
+              <a:spcPct val="35000"/>
+            </a:spcAft>
+          </a:pPr>
+          <a:r>
+            <a:rPr lang="en-US" sz="3600" kern="1200" dirty="0" smtClean="0"/>
+            <a:t>Jun</a:t>
+          </a:r>
+          <a:endParaRPr lang="en-US" sz="3600" kern="1200" dirty="0"/>
+        </a:p>
+      </dsp:txBody>
+      <dsp:txXfrm>
+        <a:off x="9263944" y="1868125"/>
+        <a:ext cx="1181280" cy="787519"/>
+      </dsp:txXfrm>
+    </dsp:sp>
+  </dsp:spTree>
+</dsp:drawing>
+</file>
+
+<file path=ppt/diagrams/layout1.xml><?xml version="1.0" encoding="utf-8"?>
+<dgm:layoutDef xmlns:dgm="http://schemas.openxmlformats.org/drawingml/2006/diagram" xmlns:a="http://schemas.openxmlformats.org/drawingml/2006/main" uniqueId="urn:microsoft.com/office/officeart/2005/8/layout/chevron1">
+  <dgm:title val=""/>
+  <dgm:desc val=""/>
+  <dgm:catLst>
+    <dgm:cat type="process" pri="9000"/>
+  </dgm:catLst>
+  <dgm:sampData useDef="1">
+    <dgm:dataModel>
+      <dgm:ptLst/>
+      <dgm:bg/>
+      <dgm:whole/>
+    </dgm:dataModel>
+  </dgm:sampData>
+  <dgm:styleData>
+    <dgm:dataModel>
+      <dgm:ptLst>
+        <dgm:pt modelId="0" type="doc"/>
+        <dgm:pt modelId="1"/>
+        <dgm:pt modelId="2"/>
+      </dgm:ptLst>
+      <dgm:cxnLst>
+        <dgm:cxn modelId="3" srcId="0" destId="1" srcOrd="0" destOrd="0"/>
+        <dgm:cxn modelId="4" srcId="0" destId="2" srcOrd="1" destOrd="0"/>
+      </dgm:cxnLst>
+      <dgm:bg/>
+      <dgm:whole/>
+    </dgm:dataModel>
+  </dgm:styleData>
+  <dgm:clrData>
+    <dgm:dataModel>
+      <dgm:ptLst>
+        <dgm:pt modelId="0" type="doc"/>
+        <dgm:pt modelId="1"/>
+        <dgm:pt modelId="2"/>
+        <dgm:pt modelId="3"/>
+        <dgm:pt modelId="4"/>
+      </dgm:ptLst>
+      <dgm:cxnLst>
+        <dgm:cxn modelId="5" srcId="0" destId="1" srcOrd="0" destOrd="0"/>
+        <dgm:cxn modelId="6" srcId="0" destId="2" srcOrd="1" destOrd="0"/>
+        <dgm:cxn modelId="7" srcId="0" destId="3" srcOrd="2" destOrd="0"/>
+        <dgm:cxn modelId="8" srcId="0" destId="4" srcOrd="3" destOrd="0"/>
+      </dgm:cxnLst>
+      <dgm:bg/>
+      <dgm:whole/>
+    </dgm:dataModel>
+  </dgm:clrData>
+  <dgm:layoutNode name="Name0">
+    <dgm:varLst>
+      <dgm:dir/>
+      <dgm:animLvl val="lvl"/>
+      <dgm:resizeHandles val="exact"/>
+    </dgm:varLst>
+    <dgm:choose name="Name1">
+      <dgm:if name="Name2" func="var" arg="dir" op="equ" val="norm">
+        <dgm:alg type="lin"/>
+      </dgm:if>
+      <dgm:else name="Name3">
+        <dgm:alg type="lin">
+          <dgm:param type="linDir" val="fromR"/>
+        </dgm:alg>
+      </dgm:else>
+    </dgm:choose>
+    <dgm:shape xmlns:r="http://schemas.openxmlformats.org/officeDocument/2006/relationships" r:blip="">
+      <dgm:adjLst/>
+    </dgm:shape>
+    <dgm:presOf/>
+    <dgm:choose name="Name4">
+      <dgm:if name="Name5" axis="des" func="maxDepth" op="gte" val="2">
+        <dgm:constrLst>
+          <dgm:constr type="h" for="ch" forName="composite" refType="h"/>
+          <dgm:constr type="w" for="ch" forName="composite" refType="w"/>
+          <dgm:constr type="w" for="des" forName="parTx"/>
+          <dgm:constr type="h" for="des" forName="parTx" op="equ"/>
+          <dgm:constr type="w" for="des" forName="desTx"/>
+          <dgm:constr type="h" for="des" forName="desTx" op="equ"/>
+          <dgm:constr type="primFontSz" for="des" forName="parTx" val="65"/>
+          <dgm:constr type="secFontSz" for="des" forName="desTx" refType="primFontSz" refFor="des" refForName="parTx" op="equ"/>
+          <dgm:constr type="h" for="des" forName="parTx" refType="primFontSz" refFor="des" refForName="parTx" fact="1.5"/>
+          <dgm:constr type="h" for="des" forName="desTx" refType="primFontSz" refFor="des" refForName="parTx" fact="0.5"/>
+          <dgm:constr type="w" for="ch" forName="space" op="equ" val="-6"/>
+        </dgm:constrLst>
+        <dgm:ruleLst>
+          <dgm:rule type="w" for="ch" forName="composite" val="0" fact="NaN" max="NaN"/>
+          <dgm:rule type="primFontSz" for="des" forName="parTx" val="5" fact="NaN" max="NaN"/>
+        </dgm:ruleLst>
+        <dgm:forEach name="Name6" axis="ch" ptType="node">
+          <dgm:layoutNode name="composite">
+            <dgm:alg type="composite"/>
+            <dgm:shape xmlns:r="http://schemas.openxmlformats.org/officeDocument/2006/relationships" r:blip="">
+              <dgm:adjLst/>
+            </dgm:shape>
+            <dgm:presOf/>
+            <dgm:choose name="Name7">
+              <dgm:if name="Name8" func="var" arg="dir" op="equ" val="norm">
+                <dgm:constrLst>
+                  <dgm:constr type="l" for="ch" forName="parTx"/>
+                  <dgm:constr type="w" for="ch" forName="parTx" refType="w"/>
+                  <dgm:constr type="t" for="ch" forName="parTx"/>
+                  <dgm:constr type="l" for="ch" forName="desTx"/>
+                  <dgm:constr type="w" for="ch" forName="desTx" refType="w" refFor="ch" refForName="parTx" fact="0.8"/>
+                  <dgm:constr type="t" for="ch" forName="desTx" refType="h" refFor="ch" refForName="parTx" fact="1.125"/>
+                </dgm:constrLst>
+              </dgm:if>
+              <dgm:else name="Name9">
+                <dgm:constrLst>
+                  <dgm:constr type="l" for="ch" forName="parTx"/>
+                  <dgm:constr type="w" for="ch" forName="parTx" refType="w"/>
+                  <dgm:constr type="t" for="ch" forName="parTx"/>
+                  <dgm:constr type="l" for="ch" forName="desTx" refType="w" fact="0.2"/>
+                  <dgm:constr type="w" for="ch" forName="desTx" refType="w" refFor="ch" refForName="parTx" fact="0.8"/>
+                  <dgm:constr type="t" for="ch" forName="desTx" refType="h" refFor="ch" refForName="parTx" fact="1.125"/>
+                </dgm:constrLst>
+              </dgm:else>
+            </dgm:choose>
+            <dgm:ruleLst>
+              <dgm:rule type="h" val="INF" fact="NaN" max="NaN"/>
+            </dgm:ruleLst>
+            <dgm:layoutNode name="parTx">
+              <dgm:varLst>
+                <dgm:chMax val="0"/>
+                <dgm:chPref val="0"/>
+                <dgm:bulletEnabled val="1"/>
+              </dgm:varLst>
+              <dgm:alg type="tx"/>
+              <dgm:choose name="Name10">
+                <dgm:if name="Name11" func="var" arg="dir" op="equ" val="norm">
+                  <dgm:shape xmlns:r="http://schemas.openxmlformats.org/officeDocument/2006/relationships" type="chevron" r:blip="">
+                    <dgm:adjLst/>
+                  </dgm:shape>
+                </dgm:if>
+                <dgm:else name="Name12">
+                  <dgm:shape xmlns:r="http://schemas.openxmlformats.org/officeDocument/2006/relationships" rot="180" type="chevron" r:blip="">
+                    <dgm:adjLst/>
+                  </dgm:shape>
+                </dgm:else>
+              </dgm:choose>
+              <dgm:presOf axis="self" ptType="node"/>
+              <dgm:choose name="Name13">
+                <dgm:if name="Name14" func="var" arg="dir" op="equ" val="norm">
+                  <dgm:constrLst>
+                    <dgm:constr type="h" refType="w" op="lte" fact="0.4"/>
+                    <dgm:constr type="h"/>
+                    <dgm:constr type="tMarg" refType="primFontSz" fact="0.105"/>
+                    <dgm:constr type="bMarg" refType="primFontSz" fact="0.105"/>
+                    <dgm:constr type="lMarg" refType="primFontSz" fact="0.315"/>
+                    <dgm:constr type="rMarg" refType="primFontSz" fact="0.105"/>
+                  </dgm:constrLst>
+                </dgm:if>
+                <dgm:else name="Name15">
+                  <dgm:constrLst>
+                    <dgm:constr type="h" refType="w" op="lte" fact="0.4"/>
+                    <dgm:constr type="h"/>
+                    <dgm:constr type="tMarg" refType="primFontSz" fact="0.105"/>
+                    <dgm:constr type="bMarg" refType="primFontSz" fact="0.105"/>
+                    <dgm:constr type="lMarg" refType="primFontSz" fact="0.105"/>
+                    <dgm:constr type="rMarg" refType="primFontSz" fact="0.315"/>
+                  </dgm:constrLst>
+                </dgm:else>
+              </dgm:choose>
+              <dgm:ruleLst>
+                <dgm:rule type="h" val="INF" fact="NaN" max="NaN"/>
+              </dgm:ruleLst>
+            </dgm:layoutNode>
+            <dgm:layoutNode name="desTx" styleLbl="revTx">
+              <dgm:varLst>
+                <dgm:bulletEnabled val="1"/>
+              </dgm:varLst>
+              <dgm:alg type="tx">
+                <dgm:param type="stBulletLvl" val="1"/>
+              </dgm:alg>
+              <dgm:choose name="Name16">
+                <dgm:if name="Name17" axis="ch" ptType="node" func="cnt" op="gte" val="1">
+                  <dgm:shape xmlns:r="http://schemas.openxmlformats.org/officeDocument/2006/relationships" type="rect" r:blip="">
+                    <dgm:adjLst/>
+                  </dgm:shape>
+                </dgm:if>
+                <dgm:else name="Name18">
+                  <dgm:shape xmlns:r="http://schemas.openxmlformats.org/officeDocument/2006/relationships" type="rect" r:blip="" hideGeom="1">
+                    <dgm:adjLst/>
+                  </dgm:shape>
+                </dgm:else>
+              </dgm:choose>
+              <dgm:presOf axis="des" ptType="node"/>
+              <dgm:constrLst>
+                <dgm:constr type="secFontSz" val="65"/>
+                <dgm:constr type="primFontSz" refType="secFontSz"/>
+                <dgm:constr type="h"/>
+                <dgm:constr type="tMarg"/>
+                <dgm:constr type="bMarg"/>
+                <dgm:constr type="rMarg"/>
+                <dgm:constr type="lMarg"/>
+              </dgm:constrLst>
+              <dgm:ruleLst>
+                <dgm:rule type="h" val="INF" fact="NaN" max="NaN"/>
+              </dgm:ruleLst>
+            </dgm:layoutNode>
+          </dgm:layoutNode>
+          <dgm:forEach name="Name19" axis="followSib" ptType="sibTrans" cnt="1">
+            <dgm:layoutNode name="space">
+              <dgm:alg type="sp"/>
+              <dgm:shape xmlns:r="http://schemas.openxmlformats.org/officeDocument/2006/relationships" r:blip="">
+                <dgm:adjLst/>
+              </dgm:shape>
+              <dgm:presOf/>
+              <dgm:constrLst/>
+              <dgm:ruleLst/>
+            </dgm:layoutNode>
+          </dgm:forEach>
+        </dgm:forEach>
+      </dgm:if>
+      <dgm:else name="Name20">
+        <dgm:constrLst>
+          <dgm:constr type="w" for="ch" forName="parTxOnly" refType="w"/>
+          <dgm:constr type="h" for="des" forName="parTxOnly" op="equ"/>
+          <dgm:constr type="primFontSz" for="des" forName="parTxOnly" op="equ" val="65"/>
+          <dgm:constr type="w" for="ch" forName="parTxOnlySpace" refType="w" refFor="ch" refForName="parTxOnly" fact="-0.1"/>
+        </dgm:constrLst>
+        <dgm:ruleLst/>
+        <dgm:forEach name="Name21" axis="ch" ptType="node">
+          <dgm:layoutNode name="parTxOnly">
+            <dgm:varLst>
+              <dgm:chMax val="0"/>
+              <dgm:chPref val="0"/>
+              <dgm:bulletEnabled val="1"/>
+            </dgm:varLst>
+            <dgm:alg type="tx"/>
+            <dgm:choose name="Name22">
+              <dgm:if name="Name23" func="var" arg="dir" op="equ" val="norm">
+                <dgm:shape xmlns:r="http://schemas.openxmlformats.org/officeDocument/2006/relationships" type="chevron" r:blip="">
+                  <dgm:adjLst/>
+                </dgm:shape>
+              </dgm:if>
+              <dgm:else name="Name24">
+                <dgm:shape xmlns:r="http://schemas.openxmlformats.org/officeDocument/2006/relationships" rot="180" type="chevron" r:blip="">
+                  <dgm:adjLst/>
+                </dgm:shape>
+              </dgm:else>
+            </dgm:choose>
+            <dgm:presOf axis="self" ptType="node"/>
+            <dgm:choose name="Name25">
+              <dgm:if name="Name26" func="var" arg="dir" op="equ" val="norm">
+                <dgm:constrLst>
+                  <dgm:constr type="h" refType="w" op="equ" fact="0.4"/>
+                  <dgm:constr type="tMarg" refType="primFontSz" fact="0.105"/>
+                  <dgm:constr type="bMarg" refType="primFontSz" fact="0.105"/>
+                  <dgm:constr type="lMarg" refType="primFontSz" fact="0.315"/>
+                  <dgm:constr type="rMarg" refType="primFontSz" fact="0.105"/>
+                </dgm:constrLst>
+              </dgm:if>
+              <dgm:else name="Name27">
+                <dgm:constrLst>
+                  <dgm:constr type="h" refType="w" op="equ" fact="0.4"/>
+                  <dgm:constr type="tMarg" refType="primFontSz" fact="0.105"/>
+                  <dgm:constr type="bMarg" refType="primFontSz" fact="0.105"/>
+                  <dgm:constr type="lMarg" refType="primFontSz" fact="0.105"/>
+                  <dgm:constr type="rMarg" refType="primFontSz" fact="0.315"/>
+                </dgm:constrLst>
+              </dgm:else>
+            </dgm:choose>
+            <dgm:ruleLst>
+              <dgm:rule type="primFontSz" val="5" fact="NaN" max="NaN"/>
+            </dgm:ruleLst>
+          </dgm:layoutNode>
+          <dgm:forEach name="Name28" axis="followSib" ptType="sibTrans" cnt="1">
+            <dgm:layoutNode name="parTxOnlySpace">
+              <dgm:alg type="sp"/>
+              <dgm:shape xmlns:r="http://schemas.openxmlformats.org/officeDocument/2006/relationships" r:blip="">
+                <dgm:adjLst/>
+              </dgm:shape>
+              <dgm:presOf/>
+              <dgm:constrLst/>
+              <dgm:ruleLst/>
+            </dgm:layoutNode>
+          </dgm:forEach>
+        </dgm:forEach>
+      </dgm:else>
+    </dgm:choose>
+  </dgm:layoutNode>
+</dgm:layoutDef>
+</file>
+
+<file path=ppt/diagrams/quickStyle1.xml><?xml version="1.0" encoding="utf-8"?>
+<dgm:styleDef xmlns:dgm="http://schemas.openxmlformats.org/drawingml/2006/diagram" xmlns:a="http://schemas.openxmlformats.org/drawingml/2006/main" uniqueId="urn:microsoft.com/office/officeart/2005/8/quickstyle/simple4">
+  <dgm:title val=""/>
+  <dgm:desc val=""/>
+  <dgm:catLst>
+    <dgm:cat type="simple" pri="10400"/>
+  </dgm:catLst>
+  <dgm:scene3d>
+    <a:camera prst="orthographicFront"/>
+    <a:lightRig rig="threePt" dir="t"/>
+  </dgm:scene3d>
+  <dgm:styleLbl name="node0">
+    <dgm:scene3d>
+      <a:camera prst="orthographicFront"/>
+      <a:lightRig rig="threePt" dir="t"/>
+    </dgm:scene3d>
+    <dgm:sp3d/>
+    <dgm:txPr/>
+    <dgm:style>
+      <a:lnRef idx="0">
+        <a:scrgbClr r="0" g="0" b="0"/>
+      </a:lnRef>
+      <a:fillRef idx="3">
+        <a:scrgbClr r="0" g="0" b="0"/>
+      </a:fillRef>
+      <a:effectRef idx="2">
+        <a:scrgbClr r="0" g="0" b="0"/>
+      </a:effectRef>
+      <a:fontRef idx="minor">
+        <a:schemeClr val="lt1"/>
+      </a:fontRef>
+    </dgm:style>
+  </dgm:styleLbl>
+  <dgm:styleLbl name="lnNode1">
+    <dgm:scene3d>
+      <a:camera prst="orthographicFront"/>
+      <a:lightRig rig="threePt" dir="t"/>
+    </dgm:scene3d>
+    <dgm:sp3d/>
+    <dgm:txPr/>
+    <dgm:style>
+      <a:lnRef idx="1">
+        <a:scrgbClr r="0" g="0" b="0"/>
+      </a:lnRef>
+      <a:fillRef idx="3">
+        <a:scrgbClr r="0" g="0" b="0"/>
+      </a:fillRef>
+      <a:effectRef idx="2">
+        <a:scrgbClr r="0" g="0" b="0"/>
+      </a:effectRef>
+      <a:fontRef idx="minor">
+        <a:schemeClr val="lt1"/>
+      </a:fontRef>
+    </dgm:style>
+  </dgm:styleLbl>
+  <dgm:styleLbl name="vennNode1">
+    <dgm:scene3d>
+      <a:camera prst="orthographicFront"/>
+      <a:lightRig rig="threePt" dir="t"/>
+    </dgm:scene3d>
+    <dgm:sp3d/>
+    <dgm:txPr/>
+    <dgm:style>
+      <a:lnRef idx="0">
+        <a:scrgbClr r="0" g="0" b="0"/>
+      </a:lnRef>
+      <a:fillRef idx="3">
+        <a:scrgbClr r="0" g="0" b="0"/>
+      </a:fillRef>
+      <a:effectRef idx="0">
+        <a:scrgbClr r="0" g="0" b="0"/>
+      </a:effectRef>
+      <a:fontRef idx="minor">
+        <a:schemeClr val="tx1"/>
+      </a:fontRef>
+    </dgm:style>
+  </dgm:styleLbl>
+  <dgm:styleLbl name="alignNode1">
+    <dgm:scene3d>
+      <a:camera prst="orthographicFront"/>
+      <a:lightRig rig="threePt" dir="t"/>
+    </dgm:scene3d>
+    <dgm:sp3d/>
+    <dgm:txPr/>
+    <dgm:style>
+      <a:lnRef idx="1">
+        <a:scrgbClr r="0" g="0" b="0"/>
+      </a:lnRef>
+      <a:fillRef idx="3">
+        <a:scrgbClr r="0" g="0" b="0"/>
+      </a:fillRef>
+      <a:effectRef idx="2">
+        <a:scrgbClr r="0" g="0" b="0"/>
+      </a:effectRef>
+      <a:fontRef idx="minor">
+        <a:schemeClr val="lt1"/>
+      </a:fontRef>
+    </dgm:style>
+  </dgm:styleLbl>
+  <dgm:styleLbl name="node1">
+    <dgm:scene3d>
+      <a:camera prst="orthographicFront"/>
+      <a:lightRig rig="threePt" dir="t"/>
+    </dgm:scene3d>
+    <dgm:sp3d/>
+    <dgm:txPr/>
+    <dgm:style>
+      <a:lnRef idx="0">
+        <a:scrgbClr r="0" g="0" b="0"/>
+      </a:lnRef>
+      <a:fillRef idx="3">
+        <a:scrgbClr r="0" g="0" b="0"/>
+      </a:fillRef>
+      <a:effectRef idx="2">
+        <a:scrgbClr r="0" g="0" b="0"/>
+      </a:effectRef>
+      <a:fontRef idx="minor">
+        <a:schemeClr val="lt1"/>
+      </a:fontRef>
+    </dgm:style>
+  </dgm:styleLbl>
+  <dgm:styleLbl name="node2">
+    <dgm:scene3d>
+      <a:camera prst="orthographicFront"/>
+      <a:lightRig rig="threePt" dir="t"/>
+    </dgm:scene3d>
+    <dgm:sp3d/>
+    <dgm:txPr/>
+    <dgm:style>
+      <a:lnRef idx="0">
+        <a:scrgbClr r="0" g="0" b="0"/>
+      </a:lnRef>
+      <a:fillRef idx="3">
+        <a:scrgbClr r="0" g="0" b="0"/>
+      </a:fillRef>
+      <a:effectRef idx="2">
+        <a:scrgbClr r="0" g="0" b="0"/>
+      </a:effectRef>
+      <a:fontRef idx="minor">
+        <a:schemeClr val="lt1"/>
+      </a:fontRef>
+    </dgm:style>
+  </dgm:styleLbl>
+  <dgm:styleLbl name="node3">
+    <dgm:scene3d>
+      <a:camera prst="orthographicFront"/>
+      <a:lightRig rig="threePt" dir="t"/>
+    </dgm:scene3d>
+    <dgm:sp3d/>
+    <dgm:txPr/>
+    <dgm:style>
+      <a:lnRef idx="0">
+        <a:scrgbClr r="0" g="0" b="0"/>
+      </a:lnRef>
+      <a:fillRef idx="3">
+        <a:scrgbClr r="0" g="0" b="0"/>
+      </a:fillRef>
+      <a:effectRef idx="2">
+        <a:scrgbClr r="0" g="0" b="0"/>
+      </a:effectRef>
+      <a:fontRef idx="minor">
+        <a:schemeClr val="lt1"/>
+      </a:fontRef>
+    </dgm:style>
+  </dgm:styleLbl>
+  <dgm:styleLbl name="node4">
+    <dgm:scene3d>
+      <a:camera prst="orthographicFront"/>
+      <a:lightRig rig="threePt" dir="t"/>
+    </dgm:scene3d>
+    <dgm:sp3d/>
+    <dgm:txPr/>
+    <dgm:style>
+      <a:lnRef idx="0">
+        <a:scrgbClr r="0" g="0" b="0"/>
+      </a:lnRef>
+      <a:fillRef idx="3">
+        <a:scrgbClr r="0" g="0" b="0"/>
+      </a:fillRef>
+      <a:effectRef idx="2">
+        <a:scrgbClr r="0" g="0" b="0"/>
+      </a:effectRef>
+      <a:fontRef idx="minor">
+        <a:schemeClr val="lt1"/>
+      </a:fontRef>
+    </dgm:style>
+  </dgm:styleLbl>
+  <dgm:styleLbl name="fgImgPlace1">
+    <dgm:scene3d>
+      <a:camera prst="orthographicFront"/>
+      <a:lightRig rig="threePt" dir="t"/>
+    </dgm:scene3d>
+    <dgm:sp3d/>
+    <dgm:txPr/>
+    <dgm:style>
+      <a:lnRef idx="0">
+        <a:scrgbClr r="0" g="0" b="0"/>
+      </a:lnRef>
+      <a:fillRef idx="1">
+        <a:scrgbClr r="0" g="0" b="0"/>
+      </a:fillRef>
+      <a:effectRef idx="2">
+        <a:scrgbClr r="0" g="0" b="0"/>
+      </a:effectRef>
+      <a:fontRef idx="minor"/>
+    </dgm:style>
+  </dgm:styleLbl>
+  <dgm:styleLbl name="alignImgPlace1">
+    <dgm:scene3d>
+      <a:camera prst="orthographicFront"/>
+      <a:lightRig rig="threePt" dir="t"/>
+    </dgm:scene3d>
+    <dgm:sp3d/>
+    <dgm:txPr/>
+    <dgm:style>
+      <a:lnRef idx="0">
+        <a:scrgbClr r="0" g="0" b="0"/>
+      </a:lnRef>
+      <a:fillRef idx="1">
+        <a:scrgbClr r="0" g="0" b="0"/>
+      </a:fillRef>
+      <a:effectRef idx="2">
+        <a:scrgbClr r="0" g="0" b="0"/>
+      </a:effectRef>
+      <a:fontRef idx="minor"/>
+    </dgm:style>
+  </dgm:styleLbl>
+  <dgm:styleLbl name="bgImgPlace1">
+    <dgm:scene3d>
+      <a:camera prst="orthographicFront"/>
+      <a:lightRig rig="threePt" dir="t"/>
+    </dgm:scene3d>
+    <dgm:sp3d/>
+    <dgm:txPr/>
+    <dgm:style>
+      <a:lnRef idx="0">
+        <a:scrgbClr r="0" g="0" b="0"/>
+      </a:lnRef>
+      <a:fillRef idx="1">
+        <a:scrgbClr r="0" g="0" b="0"/>
+      </a:fillRef>
+      <a:effectRef idx="2">
+        <a:scrgbClr r="0" g="0" b="0"/>
+      </a:effectRef>
+      <a:fontRef idx="minor"/>
+    </dgm:style>
+  </dgm:styleLbl>
+  <dgm:styleLbl name="sibTrans2D1">
+    <dgm:scene3d>
+      <a:camera prst="orthographicFront"/>
+      <a:lightRig rig="threePt" dir="t"/>
+    </dgm:scene3d>
+    <dgm:sp3d/>
+    <dgm:txPr/>
+    <dgm:style>
+      <a:lnRef idx="0">
+        <a:scrgbClr r="0" g="0" b="0"/>
+      </a:lnRef>
+      <a:fillRef idx="3">
+        <a:scrgbClr r="0" g="0" b="0"/>
+      </a:fillRef>
+      <a:effectRef idx="2">
+        <a:scrgbClr r="0" g="0" b="0"/>
+      </a:effectRef>
+      <a:fontRef idx="minor">
+        <a:schemeClr val="lt1"/>
+      </a:fontRef>
+    </dgm:style>
+  </dgm:styleLbl>
+  <dgm:styleLbl name="fgSibTrans2D1">
+    <dgm:scene3d>
+      <a:camera prst="orthographicFront"/>
+      <a:lightRig rig="threePt" dir="t"/>
+    </dgm:scene3d>
+    <dgm:sp3d/>
+    <dgm:txPr/>
+    <dgm:style>
+      <a:lnRef idx="0">
+        <a:scrgbClr r="0" g="0" b="0"/>
+      </a:lnRef>
+      <a:fillRef idx="3">
+        <a:scrgbClr r="0" g="0" b="0"/>
+      </a:fillRef>
+      <a:effectRef idx="2">
+        <a:scrgbClr r="0" g="0" b="0"/>
+      </a:effectRef>
+      <a:fontRef idx="minor">
+        <a:schemeClr val="lt1"/>
+      </a:fontRef>
+    </dgm:style>
+  </dgm:styleLbl>
+  <dgm:styleLbl name="bgSibTrans2D1">
+    <dgm:scene3d>
+      <a:camera prst="orthographicFront"/>
+      <a:lightRig rig="threePt" dir="t"/>
+    </dgm:scene3d>
+    <dgm:sp3d/>
+    <dgm:txPr/>
+    <dgm:style>
+      <a:lnRef idx="0">
+        <a:scrgbClr r="0" g="0" b="0"/>
+      </a:lnRef>
+      <a:fillRef idx="3">
+        <a:scrgbClr r="0" g="0" b="0"/>
+      </a:fillRef>
+      <a:effectRef idx="2">
+        <a:scrgbClr r="0" g="0" b="0"/>
+      </a:effectRef>
+      <a:fontRef idx="minor">
+        <a:schemeClr val="lt1"/>
+      </a:fontRef>
+    </dgm:style>
+  </dgm:styleLbl>
+  <dgm:styleLbl name="sibTrans1D1">
+    <dgm:scene3d>
+      <a:camera prst="orthographicFront"/>
+      <a:lightRig rig="threePt" dir="t"/>
+    </dgm:scene3d>
+    <dgm:sp3d/>
+    <dgm:txPr/>
+    <dgm:style>
+      <a:lnRef idx="1">
+        <a:scrgbClr r="0" g="0" b="0"/>
+      </a:lnRef>
+      <a:fillRef idx="0">
+        <a:scrgbClr r="0" g="0" b="0"/>
+      </a:fillRef>
+      <a:effectRef idx="0">
+        <a:scrgbClr r="0" g="0" b="0"/>
+      </a:effectRef>
+      <a:fontRef idx="minor"/>
+    </dgm:style>
+  </dgm:styleLbl>
+  <dgm:styleLbl name="callout">
+    <dgm:scene3d>
+      <a:camera prst="orthographicFront"/>
+      <a:lightRig rig="threePt" dir="t"/>
+    </dgm:scene3d>
+    <dgm:sp3d/>
+    <dgm:txPr/>
+    <dgm:style>
+      <a:lnRef idx="2">
+        <a:scrgbClr r="0" g="0" b="0"/>
+      </a:lnRef>
+      <a:fillRef idx="1">
+        <a:scrgbClr r="0" g="0" b="0"/>
+      </a:fillRef>
+      <a:effectRef idx="1">
+        <a:scrgbClr r="0" g="0" b="0"/>
+      </a:effectRef>
+      <a:fontRef idx="minor"/>
+    </dgm:style>
+  </dgm:styleLbl>
+  <dgm:styleLbl name="asst0">
+    <dgm:scene3d>
+      <a:camera prst="orthographicFront"/>
+      <a:lightRig rig="threePt" dir="t"/>
+    </dgm:scene3d>
+    <dgm:sp3d/>
+    <dgm:txPr/>
+    <dgm:style>
+      <a:lnRef idx="0">
+        <a:scrgbClr r="0" g="0" b="0"/>
+      </a:lnRef>
+      <a:fillRef idx="3">
+        <a:scrgbClr r="0" g="0" b="0"/>
+      </a:fillRef>
+      <a:effectRef idx="2">
+        <a:scrgbClr r="0" g="0" b="0"/>
+      </a:effectRef>
+      <a:fontRef idx="minor">
+        <a:schemeClr val="lt1"/>
+      </a:fontRef>
+    </dgm:style>
+  </dgm:styleLbl>
+  <dgm:styleLbl name="asst1">
+    <dgm:scene3d>
+      <a:camera prst="orthographicFront"/>
+      <a:lightRig rig="threePt" dir="t"/>
+    </dgm:scene3d>
+    <dgm:sp3d/>
+    <dgm:txPr/>
+    <dgm:style>
+      <a:lnRef idx="0">
+        <a:scrgbClr r="0" g="0" b="0"/>
+      </a:lnRef>
+      <a:fillRef idx="3">
+        <a:scrgbClr r="0" g="0" b="0"/>
+      </a:fillRef>
+      <a:effectRef idx="2">
+        <a:scrgbClr r="0" g="0" b="0"/>
+      </a:effectRef>
+      <a:fontRef idx="minor">
+        <a:schemeClr val="lt1"/>
+      </a:fontRef>
+    </dgm:style>
+  </dgm:styleLbl>
+  <dgm:styleLbl name="asst2">
+    <dgm:scene3d>
+      <a:camera prst="orthographicFront"/>
+      <a:lightRig rig="threePt" dir="t"/>
+    </dgm:scene3d>
+    <dgm:sp3d/>
+    <dgm:txPr/>
+    <dgm:style>
+      <a:lnRef idx="0">
+        <a:scrgbClr r="0" g="0" b="0"/>
+      </a:lnRef>
+      <a:fillRef idx="3">
+        <a:scrgbClr r="0" g="0" b="0"/>
+      </a:fillRef>
+      <a:effectRef idx="2">
+        <a:scrgbClr r="0" g="0" b="0"/>
+      </a:effectRef>
+      <a:fontRef idx="minor">
+        <a:schemeClr val="lt1"/>
+      </a:fontRef>
+    </dgm:style>
+  </dgm:styleLbl>
+  <dgm:styleLbl name="asst3">
+    <dgm:scene3d>
+      <a:camera prst="orthographicFront"/>
+      <a:lightRig rig="threePt" dir="t"/>
+    </dgm:scene3d>
+    <dgm:sp3d/>
+    <dgm:txPr/>
+    <dgm:style>
+      <a:lnRef idx="0">
+        <a:scrgbClr r="0" g="0" b="0"/>
+      </a:lnRef>
+      <a:fillRef idx="3">
+        <a:scrgbClr r="0" g="0" b="0"/>
+      </a:fillRef>
+      <a:effectRef idx="2">
+        <a:scrgbClr r="0" g="0" b="0"/>
+      </a:effectRef>
+      <a:fontRef idx="minor">
+        <a:schemeClr val="lt1"/>
+      </a:fontRef>
+    </dgm:style>
+  </dgm:styleLbl>
+  <dgm:styleLbl name="asst4">
+    <dgm:scene3d>
+      <a:camera prst="orthographicFront"/>
+      <a:lightRig rig="threePt" dir="t"/>
+    </dgm:scene3d>
+    <dgm:sp3d/>
+    <dgm:txPr/>
+    <dgm:style>
+      <a:lnRef idx="0">
+        <a:scrgbClr r="0" g="0" b="0"/>
+      </a:lnRef>
+      <a:fillRef idx="3">
+        <a:scrgbClr r="0" g="0" b="0"/>
+      </a:fillRef>
+      <a:effectRef idx="2">
+        <a:scrgbClr r="0" g="0" b="0"/>
+      </a:effectRef>
+      <a:fontRef idx="minor">
+        <a:schemeClr val="lt1"/>
+      </a:fontRef>
+    </dgm:style>
+  </dgm:styleLbl>
+  <dgm:styleLbl name="parChTrans2D1">
+    <dgm:scene3d>
+      <a:camera prst="orthographicFront"/>
+      <a:lightRig rig="threePt" dir="t"/>
+    </dgm:scene3d>
+    <dgm:sp3d/>
+    <dgm:txPr/>
+    <dgm:style>
+      <a:lnRef idx="0">
+        <a:scrgbClr r="0" g="0" b="0"/>
+      </a:lnRef>
+      <a:fillRef idx="3">
+        <a:scrgbClr r="0" g="0" b="0"/>
+      </a:fillRef>
+      <a:effectRef idx="2">
+        <a:scrgbClr r="0" g="0" b="0"/>
+      </a:effectRef>
+      <a:fontRef idx="minor">
+        <a:schemeClr val="lt1"/>
+      </a:fontRef>
+    </dgm:style>
+  </dgm:styleLbl>
+  <dgm:styleLbl name="parChTrans2D2">
+    <dgm:scene3d>
+      <a:camera prst="orthographicFront"/>
+      <a:lightRig rig="threePt" dir="t"/>
+    </dgm:scene3d>
+    <dgm:sp3d/>
+    <dgm:txPr/>
+    <dgm:style>
+      <a:lnRef idx="0">
+        <a:scrgbClr r="0" g="0" b="0"/>
+      </a:lnRef>
+      <a:fillRef idx="3">
+        <a:scrgbClr r="0" g="0" b="0"/>
+      </a:fillRef>
+      <a:effectRef idx="2">
+        <a:scrgbClr r="0" g="0" b="0"/>
+      </a:effectRef>
+      <a:fontRef idx="minor">
+        <a:schemeClr val="lt1"/>
+      </a:fontRef>
+    </dgm:style>
+  </dgm:styleLbl>
+  <dgm:styleLbl name="parChTrans2D3">
+    <dgm:scene3d>
+      <a:camera prst="orthographicFront"/>
+      <a:lightRig rig="threePt" dir="t"/>
+    </dgm:scene3d>
+    <dgm:sp3d/>
+    <dgm:txPr/>
+    <dgm:style>
+      <a:lnRef idx="1">
+        <a:scrgbClr r="0" g="0" b="0"/>
+      </a:lnRef>
+      <a:fillRef idx="3">
+        <a:scrgbClr r="0" g="0" b="0"/>
+      </a:fillRef>
+      <a:effectRef idx="2">
+        <a:scrgbClr r="0" g="0" b="0"/>
+      </a:effectRef>
+      <a:fontRef idx="minor">
+        <a:schemeClr val="lt1"/>
+      </a:fontRef>
+    </dgm:style>
+  </dgm:styleLbl>
+  <dgm:styleLbl name="parChTrans2D4">
+    <dgm:scene3d>
+      <a:camera prst="orthographicFront"/>
+      <a:lightRig rig="threePt" dir="t"/>
+    </dgm:scene3d>
+    <dgm:sp3d/>
+    <dgm:txPr/>
+    <dgm:style>
+      <a:lnRef idx="1">
+        <a:scrgbClr r="0" g="0" b="0"/>
+      </a:lnRef>
+      <a:fillRef idx="3">
+        <a:scrgbClr r="0" g="0" b="0"/>
+      </a:fillRef>
+      <a:effectRef idx="2">
+        <a:scrgbClr r="0" g="0" b="0"/>
+      </a:effectRef>
+      <a:fontRef idx="minor">
+        <a:schemeClr val="lt1"/>
+      </a:fontRef>
+    </dgm:style>
+  </dgm:styleLbl>
+  <dgm:styleLbl name="parChTrans1D1">
+    <dgm:scene3d>
+      <a:camera prst="orthographicFront"/>
+      <a:lightRig rig="threePt" dir="t"/>
+    </dgm:scene3d>
+    <dgm:sp3d/>
+    <dgm:txPr/>
+    <dgm:style>
+      <a:lnRef idx="1">
+        <a:scrgbClr r="0" g="0" b="0"/>
+      </a:lnRef>
+      <a:fillRef idx="0">
+        <a:scrgbClr r="0" g="0" b="0"/>
+      </a:fillRef>
+      <a:effectRef idx="0">
+        <a:scrgbClr r="0" g="0" b="0"/>
+      </a:effectRef>
+      <a:fontRef idx="minor"/>
+    </dgm:style>
+  </dgm:styleLbl>
+  <dgm:styleLbl name="parChTrans1D2">
+    <dgm:scene3d>
+      <a:camera prst="orthographicFront"/>
+      <a:lightRig rig="threePt" dir="t"/>
+    </dgm:scene3d>
+    <dgm:sp3d/>
+    <dgm:txPr/>
+    <dgm:style>
+      <a:lnRef idx="1">
+        <a:scrgbClr r="0" g="0" b="0"/>
+      </a:lnRef>
+      <a:fillRef idx="0">
+        <a:scrgbClr r="0" g="0" b="0"/>
+      </a:fillRef>
+      <a:effectRef idx="0">
+        <a:scrgbClr r="0" g="0" b="0"/>
+      </a:effectRef>
+      <a:fontRef idx="minor"/>
+    </dgm:style>
+  </dgm:styleLbl>
+  <dgm:styleLbl name="parChTrans1D3">
+    <dgm:scene3d>
+      <a:camera prst="orthographicFront"/>
+      <a:lightRig rig="threePt" dir="t"/>
+    </dgm:scene3d>
+    <dgm:sp3d/>
+    <dgm:txPr/>
+    <dgm:style>
+      <a:lnRef idx="1">
+        <a:scrgbClr r="0" g="0" b="0"/>
+      </a:lnRef>
+      <a:fillRef idx="0">
+        <a:scrgbClr r="0" g="0" b="0"/>
+      </a:fillRef>
+      <a:effectRef idx="0">
+        <a:scrgbClr r="0" g="0" b="0"/>
+      </a:effectRef>
+      <a:fontRef idx="minor"/>
+    </dgm:style>
+  </dgm:styleLbl>
+  <dgm:styleLbl name="parChTrans1D4">
+    <dgm:scene3d>
+      <a:camera prst="orthographicFront"/>
+      <a:lightRig rig="threePt" dir="t"/>
+    </dgm:scene3d>
+    <dgm:sp3d/>
+    <dgm:txPr/>
+    <dgm:style>
+      <a:lnRef idx="1">
+        <a:scrgbClr r="0" g="0" b="0"/>
+      </a:lnRef>
+      <a:fillRef idx="0">
+        <a:scrgbClr r="0" g="0" b="0"/>
+      </a:fillRef>
+      <a:effectRef idx="0">
+        <a:scrgbClr r="0" g="0" b="0"/>
+      </a:effectRef>
+      <a:fontRef idx="minor"/>
+    </dgm:style>
+  </dgm:styleLbl>
+  <dgm:styleLbl name="fgAcc1">
+    <dgm:scene3d>
+      <a:camera prst="orthographicFront"/>
+      <a:lightRig rig="threePt" dir="t"/>
+    </dgm:scene3d>
+    <dgm:sp3d/>
+    <dgm:txPr/>
+    <dgm:style>
+      <a:lnRef idx="1">
+        <a:scrgbClr r="0" g="0" b="0"/>
+      </a:lnRef>
+      <a:fillRef idx="1">
+        <a:scrgbClr r="0" g="0" b="0"/>
+      </a:fillRef>
+      <a:effectRef idx="0">
+        <a:scrgbClr r="0" g="0" b="0"/>
+      </a:effectRef>
+      <a:fontRef idx="minor"/>
+    </dgm:style>
+  </dgm:styleLbl>
+  <dgm:styleLbl name="conFgAcc1">
+    <dgm:scene3d>
+      <a:camera prst="orthographicFront"/>
+      <a:lightRig rig="threePt" dir="t"/>
+    </dgm:scene3d>
+    <dgm:sp3d/>
+    <dgm:txPr/>
+    <dgm:style>
+      <a:lnRef idx="1">
+        <a:scrgbClr r="0" g="0" b="0"/>
+      </a:lnRef>
+      <a:fillRef idx="1">
+        <a:scrgbClr r="0" g="0" b="0"/>
+      </a:fillRef>
+      <a:effectRef idx="0">
+        <a:scrgbClr r="0" g="0" b="0"/>
+      </a:effectRef>
+      <a:fontRef idx="minor"/>
+    </dgm:style>
+  </dgm:styleLbl>
+  <dgm:styleLbl name="alignAcc1">
+    <dgm:scene3d>
+      <a:camera prst="orthographicFront"/>
+      <a:lightRig rig="threePt" dir="t"/>
+    </dgm:scene3d>
+    <dgm:sp3d/>
+    <dgm:txPr/>
+    <dgm:style>
+      <a:lnRef idx="1">
+        <a:scrgbClr r="0" g="0" b="0"/>
+      </a:lnRef>
+      <a:fillRef idx="1">
+        <a:scrgbClr r="0" g="0" b="0"/>
+      </a:fillRef>
+      <a:effectRef idx="0">
+        <a:scrgbClr r="0" g="0" b="0"/>
+      </a:effectRef>
+      <a:fontRef idx="minor"/>
+    </dgm:style>
+  </dgm:styleLbl>
+  <dgm:styleLbl name="trAlignAcc1">
+    <dgm:scene3d>
+      <a:camera prst="orthographicFront"/>
+      <a:lightRig rig="threePt" dir="t"/>
+    </dgm:scene3d>
+    <dgm:sp3d/>
+    <dgm:txPr/>
+    <dgm:style>
+      <a:lnRef idx="1">
+        <a:scrgbClr r="0" g="0" b="0"/>
+      </a:lnRef>
+      <a:fillRef idx="1">
+        <a:scrgbClr r="0" g="0" b="0"/>
+      </a:fillRef>
+      <a:effectRef idx="0">
+        <a:scrgbClr r="0" g="0" b="0"/>
+      </a:effectRef>
+      <a:fontRef idx="minor"/>
+    </dgm:style>
+  </dgm:styleLbl>
+  <dgm:styleLbl name="bgAcc1">
+    <dgm:scene3d>
+      <a:camera prst="orthographicFront"/>
+      <a:lightRig rig="threePt" dir="t"/>
+    </dgm:scene3d>
+    <dgm:sp3d/>
+    <dgm:txPr/>
+    <dgm:style>
+      <a:lnRef idx="1">
+        <a:scrgbClr r="0" g="0" b="0"/>
+      </a:lnRef>
+      <a:fillRef idx="1">
+        <a:scrgbClr r="0" g="0" b="0"/>
+      </a:fillRef>
+      <a:effectRef idx="0">
+        <a:scrgbClr r="0" g="0" b="0"/>
+      </a:effectRef>
+      <a:fontRef idx="minor"/>
+    </dgm:style>
+  </dgm:styleLbl>
+  <dgm:styleLbl name="solidFgAcc1">
+    <dgm:scene3d>
+      <a:camera prst="orthographicFront"/>
+      <a:lightRig rig="threePt" dir="t"/>
+    </dgm:scene3d>
+    <dgm:sp3d/>
+    <dgm:txPr/>
+    <dgm:style>
+      <a:lnRef idx="1">
+        <a:scrgbClr r="0" g="0" b="0"/>
+      </a:lnRef>
+      <a:fillRef idx="1">
+        <a:scrgbClr r="0" g="0" b="0"/>
+      </a:fillRef>
+      <a:effectRef idx="0">
+        <a:scrgbClr r="0" g="0" b="0"/>
+      </a:effectRef>
+      <a:fontRef idx="minor"/>
+    </dgm:style>
+  </dgm:styleLbl>
+  <dgm:styleLbl name="solidAlignAcc1">
+    <dgm:scene3d>
+      <a:camera prst="orthographicFront"/>
+      <a:lightRig rig="threePt" dir="t"/>
+    </dgm:scene3d>
+    <dgm:sp3d/>
+    <dgm:txPr/>
+    <dgm:style>
+      <a:lnRef idx="1">
+        <a:scrgbClr r="0" g="0" b="0"/>
+      </a:lnRef>
+      <a:fillRef idx="1">
+        <a:scrgbClr r="0" g="0" b="0"/>
+      </a:fillRef>
+      <a:effectRef idx="0">
+        <a:scrgbClr r="0" g="0" b="0"/>
+      </a:effectRef>
+      <a:fontRef idx="minor"/>
+    </dgm:style>
+  </dgm:styleLbl>
+  <dgm:styleLbl name="solidBgAcc1">
+    <dgm:scene3d>
+      <a:camera prst="orthographicFront"/>
+      <a:lightRig rig="threePt" dir="t"/>
+    </dgm:scene3d>
+    <dgm:sp3d/>
+    <dgm:txPr/>
+    <dgm:style>
+      <a:lnRef idx="1">
+        <a:scrgbClr r="0" g="0" b="0"/>
+      </a:lnRef>
+      <a:fillRef idx="1">
+        <a:scrgbClr r="0" g="0" b="0"/>
+      </a:fillRef>
+      <a:effectRef idx="0">
+        <a:scrgbClr r="0" g="0" b="0"/>
+      </a:effectRef>
+      <a:fontRef idx="minor"/>
+    </dgm:style>
+  </dgm:styleLbl>
+  <dgm:styleLbl name="fgAccFollowNode1">
+    <dgm:scene3d>
+      <a:camera prst="orthographicFront"/>
+      <a:lightRig rig="threePt" dir="t"/>
+    </dgm:scene3d>
+    <dgm:sp3d/>
+    <dgm:txPr/>
+    <dgm:style>
+      <a:lnRef idx="1">
+        <a:scrgbClr r="0" g="0" b="0"/>
+      </a:lnRef>
+      <a:fillRef idx="1">
+        <a:scrgbClr r="0" g="0" b="0"/>
+      </a:fillRef>
+      <a:effectRef idx="0">
+        <a:scrgbClr r="0" g="0" b="0"/>
+      </a:effectRef>
+      <a:fontRef idx="minor"/>
+    </dgm:style>
+  </dgm:styleLbl>
+  <dgm:styleLbl name="alignAccFollowNode1">
+    <dgm:scene3d>
+      <a:camera prst="orthographicFront"/>
+      <a:lightRig rig="threePt" dir="t"/>
+    </dgm:scene3d>
+    <dgm:sp3d/>
+    <dgm:txPr/>
+    <dgm:style>
+      <a:lnRef idx="1">
+        <a:scrgbClr r="0" g="0" b="0"/>
+      </a:lnRef>
+      <a:fillRef idx="1">
+        <a:scrgbClr r="0" g="0" b="0"/>
+      </a:fillRef>
+      <a:effectRef idx="0">
+        <a:scrgbClr r="0" g="0" b="0"/>
+      </a:effectRef>
+      <a:fontRef idx="minor"/>
+    </dgm:style>
+  </dgm:styleLbl>
+  <dgm:styleLbl name="bgAccFollowNode1">
+    <dgm:scene3d>
+      <a:camera prst="orthographicFront"/>
+      <a:lightRig rig="threePt" dir="t"/>
+    </dgm:scene3d>
+    <dgm:sp3d/>
+    <dgm:txPr/>
+    <dgm:style>
+      <a:lnRef idx="1">
+        <a:scrgbClr r="0" g="0" b="0"/>
+      </a:lnRef>
+      <a:fillRef idx="1">
+        <a:scrgbClr r="0" g="0" b="0"/>
+      </a:fillRef>
+      <a:effectRef idx="0">
+        <a:scrgbClr r="0" g="0" b="0"/>
+      </a:effectRef>
+      <a:fontRef idx="minor"/>
+    </dgm:style>
+  </dgm:styleLbl>
+  <dgm:styleLbl name="fgAcc0">
+    <dgm:scene3d>
+      <a:camera prst="orthographicFront"/>
+      <a:lightRig rig="threePt" dir="t"/>
+    </dgm:scene3d>
+    <dgm:sp3d/>
+    <dgm:txPr/>
+    <dgm:style>
+      <a:lnRef idx="1">
+        <a:scrgbClr r="0" g="0" b="0"/>
+      </a:lnRef>
+      <a:fillRef idx="1">
+        <a:scrgbClr r="0" g="0" b="0"/>
+      </a:fillRef>
+      <a:effectRef idx="0">
+        <a:scrgbClr r="0" g="0" b="0"/>
+      </a:effectRef>
+      <a:fontRef idx="minor"/>
+    </dgm:style>
+  </dgm:styleLbl>
+  <dgm:styleLbl name="fgAcc2">
+    <dgm:scene3d>
+      <a:camera prst="orthographicFront"/>
+      <a:lightRig rig="threePt" dir="t"/>
+    </dgm:scene3d>
+    <dgm:sp3d/>
+    <dgm:txPr/>
+    <dgm:style>
+      <a:lnRef idx="1">
+        <a:scrgbClr r="0" g="0" b="0"/>
+      </a:lnRef>
+      <a:fillRef idx="1">
+        <a:scrgbClr r="0" g="0" b="0"/>
+      </a:fillRef>
+      <a:effectRef idx="0">
+        <a:scrgbClr r="0" g="0" b="0"/>
+      </a:effectRef>
+      <a:fontRef idx="minor"/>
+    </dgm:style>
+  </dgm:styleLbl>
+  <dgm:styleLbl name="fgAcc3">
+    <dgm:scene3d>
+      <a:camera prst="orthographicFront"/>
+      <a:lightRig rig="threePt" dir="t"/>
+    </dgm:scene3d>
+    <dgm:sp3d/>
+    <dgm:txPr/>
+    <dgm:style>
+      <a:lnRef idx="1">
+        <a:scrgbClr r="0" g="0" b="0"/>
+      </a:lnRef>
+      <a:fillRef idx="1">
+        <a:scrgbClr r="0" g="0" b="0"/>
+      </a:fillRef>
+      <a:effectRef idx="0">
+        <a:scrgbClr r="0" g="0" b="0"/>
+      </a:effectRef>
+      <a:fontRef idx="minor"/>
+    </dgm:style>
+  </dgm:styleLbl>
+  <dgm:styleLbl name="fgAcc4">
+    <dgm:scene3d>
+      <a:camera prst="orthographicFront"/>
+      <a:lightRig rig="threePt" dir="t"/>
+    </dgm:scene3d>
+    <dgm:sp3d/>
+    <dgm:txPr/>
+    <dgm:style>
+      <a:lnRef idx="1">
+        <a:scrgbClr r="0" g="0" b="0"/>
+      </a:lnRef>
+      <a:fillRef idx="1">
+        <a:scrgbClr r="0" g="0" b="0"/>
+      </a:fillRef>
+      <a:effectRef idx="0">
+        <a:scrgbClr r="0" g="0" b="0"/>
+      </a:effectRef>
+      <a:fontRef idx="minor"/>
+    </dgm:style>
+  </dgm:styleLbl>
+  <dgm:styleLbl name="bgShp">
+    <dgm:scene3d>
+      <a:camera prst="orthographicFront"/>
+      <a:lightRig rig="threePt" dir="t"/>
+    </dgm:scene3d>
+    <dgm:sp3d/>
+    <dgm:txPr/>
+    <dgm:style>
+      <a:lnRef idx="0">
+        <a:scrgbClr r="0" g="0" b="0"/>
+      </a:lnRef>
+      <a:fillRef idx="1">
+        <a:scrgbClr r="0" g="0" b="0"/>
+      </a:fillRef>
+      <a:effectRef idx="2">
+        <a:scrgbClr r="0" g="0" b="0"/>
+      </a:effectRef>
+      <a:fontRef idx="minor"/>
+    </dgm:style>
+  </dgm:styleLbl>
+  <dgm:styleLbl name="dkBgShp">
+    <dgm:scene3d>
+      <a:camera prst="orthographicFront"/>
+      <a:lightRig rig="threePt" dir="t"/>
+    </dgm:scene3d>
+    <dgm:sp3d/>
+    <dgm:txPr/>
+    <dgm:style>
+      <a:lnRef idx="0">
+        <a:scrgbClr r="0" g="0" b="0"/>
+      </a:lnRef>
+      <a:fillRef idx="1">
+        <a:scrgbClr r="0" g="0" b="0"/>
+      </a:fillRef>
+      <a:effectRef idx="2">
+        <a:scrgbClr r="0" g="0" b="0"/>
+      </a:effectRef>
+      <a:fontRef idx="minor"/>
+    </dgm:style>
+  </dgm:styleLbl>
+  <dgm:styleLbl name="trBgShp">
+    <dgm:scene3d>
+      <a:camera prst="orthographicFront"/>
+      <a:lightRig rig="threePt" dir="t"/>
+    </dgm:scene3d>
+    <dgm:sp3d/>
+    <dgm:txPr/>
+    <dgm:style>
+      <a:lnRef idx="0">
+        <a:scrgbClr r="0" g="0" b="0"/>
+      </a:lnRef>
+      <a:fillRef idx="1">
+        <a:scrgbClr r="0" g="0" b="0"/>
+      </a:fillRef>
+      <a:effectRef idx="0">
+        <a:scrgbClr r="0" g="0" b="0"/>
+      </a:effectRef>
+      <a:fontRef idx="minor"/>
+    </dgm:style>
+  </dgm:styleLbl>
+  <dgm:styleLbl name="fgShp">
+    <dgm:scene3d>
+      <a:camera prst="orthographicFront"/>
+      <a:lightRig rig="threePt" dir="t"/>
+    </dgm:scene3d>
+    <dgm:sp3d/>
+    <dgm:txPr/>
+    <dgm:style>
+      <a:lnRef idx="0">
+        <a:scrgbClr r="0" g="0" b="0"/>
+      </a:lnRef>
+      <a:fillRef idx="3">
+        <a:scrgbClr r="0" g="0" b="0"/>
+      </a:fillRef>
+      <a:effectRef idx="2">
+        <a:scrgbClr r="0" g="0" b="0"/>
+      </a:effectRef>
+      <a:fontRef idx="minor"/>
+    </dgm:style>
+  </dgm:styleLbl>
+  <dgm:styleLbl name="revTx">
+    <dgm:scene3d>
+      <a:camera prst="orthographicFront"/>
+      <a:lightRig rig="threePt" dir="t"/>
+    </dgm:scene3d>
+    <dgm:sp3d/>
+    <dgm:txPr/>
+    <dgm:style>
+      <a:lnRef idx="0">
+        <a:scrgbClr r="0" g="0" b="0"/>
+      </a:lnRef>
+      <a:fillRef idx="0">
+        <a:scrgbClr r="0" g="0" b="0"/>
+      </a:fillRef>
+      <a:effectRef idx="0">
+        <a:scrgbClr r="0" g="0" b="0"/>
+      </a:effectRef>
+      <a:fontRef idx="minor"/>
+    </dgm:style>
+  </dgm:styleLbl>
+</dgm:styleDef>
+</file>
+
+<file path=ppt/notesMasters/notesMaster1.xml><?xml version="1.0" encoding="utf-8"?>
+<p:notesMaster xmlns:a="http://schemas.openxmlformats.org/drawingml/2006/main" xmlns:r="http://schemas.openxmlformats.org/officeDocument/2006/relationships" xmlns:p="http://schemas.openxmlformats.org/presentationml/2006/main">
+  <p:cSld>
+    <p:bg>
+      <p:bgRef idx="1001">
+        <a:schemeClr val="bg1"/>
+      </p:bgRef>
+    </p:bg>
+    <p:spTree>
+      <p:nvGrpSpPr>
+        <p:cNvPr id="1" name=""/>
+        <p:cNvGrpSpPr/>
+        <p:nvPr/>
+      </p:nvGrpSpPr>
+      <p:grpSpPr>
+        <a:xfrm>
+          <a:off x="0" y="0"/>
+          <a:ext cx="0" cy="0"/>
+          <a:chOff x="0" y="0"/>
+          <a:chExt cx="0" cy="0"/>
+        </a:xfrm>
+      </p:grpSpPr>
+      <p:sp>
+        <p:nvSpPr>
+          <p:cNvPr id="2" name="Header Placeholder 1"/>
+          <p:cNvSpPr>
+            <a:spLocks noGrp="1"/>
+          </p:cNvSpPr>
+          <p:nvPr>
+            <p:ph type="hdr" sz="quarter"/>
+          </p:nvPr>
+        </p:nvSpPr>
+        <p:spPr>
+          <a:xfrm>
+            <a:off x="0" y="0"/>
+            <a:ext cx="2971800" cy="458788"/>
+          </a:xfrm>
+          <a:prstGeom prst="rect">
+            <a:avLst/>
+          </a:prstGeom>
+        </p:spPr>
+        <p:txBody>
+          <a:bodyPr vert="horz" lIns="91440" tIns="45720" rIns="91440" bIns="45720" rtlCol="0"/>
+          <a:lstStyle>
+            <a:lvl1pPr algn="l">
+              <a:defRPr sz="1200"/>
+            </a:lvl1pPr>
+          </a:lstStyle>
+          <a:p>
+            <a:endParaRPr lang="en-US"/>
+          </a:p>
+        </p:txBody>
+      </p:sp>
+      <p:sp>
+        <p:nvSpPr>
+          <p:cNvPr id="3" name="Date Placeholder 2"/>
+          <p:cNvSpPr>
+            <a:spLocks noGrp="1"/>
+          </p:cNvSpPr>
+          <p:nvPr>
+            <p:ph type="dt" idx="1"/>
+          </p:nvPr>
+        </p:nvSpPr>
+        <p:spPr>
+          <a:xfrm>
+            <a:off x="3884613" y="0"/>
+            <a:ext cx="2971800" cy="458788"/>
+          </a:xfrm>
+          <a:prstGeom prst="rect">
+            <a:avLst/>
+          </a:prstGeom>
+        </p:spPr>
+        <p:txBody>
+          <a:bodyPr vert="horz" lIns="91440" tIns="45720" rIns="91440" bIns="45720" rtlCol="0"/>
+          <a:lstStyle>
+            <a:lvl1pPr algn="r">
+              <a:defRPr sz="1200"/>
+            </a:lvl1pPr>
+          </a:lstStyle>
+          <a:p>
+            <a:fld id="{A4054FC6-A793-F049-B806-D58446243CB1}" type="datetimeFigureOut">
+              <a:rPr lang="en-US" smtClean="0"/>
+              <a:t>5/24/19</a:t>
+            </a:fld>
+            <a:endParaRPr lang="en-US"/>
+          </a:p>
+        </p:txBody>
+      </p:sp>
+      <p:sp>
+        <p:nvSpPr>
+          <p:cNvPr id="4" name="Slide Image Placeholder 3"/>
+          <p:cNvSpPr>
+            <a:spLocks noGrp="1" noRot="1" noChangeAspect="1"/>
+          </p:cNvSpPr>
+          <p:nvPr>
+            <p:ph type="sldImg" idx="2"/>
+          </p:nvPr>
+        </p:nvSpPr>
+        <p:spPr>
+          <a:xfrm>
+            <a:off x="685800" y="1143000"/>
+            <a:ext cx="5486400" cy="3086100"/>
+          </a:xfrm>
+          <a:prstGeom prst="rect">
+            <a:avLst/>
+          </a:prstGeom>
+          <a:noFill/>
+          <a:ln w="12700">
+            <a:solidFill>
+              <a:prstClr val="black"/>
+            </a:solidFill>
+          </a:ln>
+        </p:spPr>
+        <p:txBody>
+          <a:bodyPr vert="horz" lIns="91440" tIns="45720" rIns="91440" bIns="45720" rtlCol="0" anchor="ctr"/>
+          <a:lstStyle/>
+          <a:p>
+            <a:endParaRPr lang="en-US"/>
+          </a:p>
+        </p:txBody>
+      </p:sp>
+      <p:sp>
+        <p:nvSpPr>
+          <p:cNvPr id="5" name="Notes Placeholder 4"/>
+          <p:cNvSpPr>
+            <a:spLocks noGrp="1"/>
+          </p:cNvSpPr>
+          <p:nvPr>
+            <p:ph type="body" sz="quarter" idx="3"/>
+          </p:nvPr>
+        </p:nvSpPr>
+        <p:spPr>
+          <a:xfrm>
+            <a:off x="685800" y="4400550"/>
+            <a:ext cx="5486400" cy="3600450"/>
+          </a:xfrm>
+          <a:prstGeom prst="rect">
+            <a:avLst/>
+          </a:prstGeom>
+        </p:spPr>
+        <p:txBody>
+          <a:bodyPr vert="horz" lIns="91440" tIns="45720" rIns="91440" bIns="45720" rtlCol="0"/>
+          <a:lstStyle/>
+          <a:p>
+            <a:pPr lvl="0"/>
+            <a:r>
+              <a:rPr lang="en-US" smtClean="0"/>
+              <a:t>Click to edit Master text styles</a:t>
+            </a:r>
+          </a:p>
+          <a:p>
+            <a:pPr lvl="1"/>
+            <a:r>
+              <a:rPr lang="en-US" smtClean="0"/>
+              <a:t>Second level</a:t>
+            </a:r>
+          </a:p>
+          <a:p>
+            <a:pPr lvl="2"/>
+            <a:r>
+              <a:rPr lang="en-US" smtClean="0"/>
+              <a:t>Third level</a:t>
+            </a:r>
+          </a:p>
+          <a:p>
+            <a:pPr lvl="3"/>
+            <a:r>
+              <a:rPr lang="en-US" smtClean="0"/>
+              <a:t>Fourth level</a:t>
+            </a:r>
+          </a:p>
+          <a:p>
+            <a:pPr lvl="4"/>
+            <a:r>
+              <a:rPr lang="en-US" smtClean="0"/>
+              <a:t>Fifth level</a:t>
+            </a:r>
+            <a:endParaRPr lang="en-US"/>
+          </a:p>
+        </p:txBody>
+      </p:sp>
+      <p:sp>
+        <p:nvSpPr>
+          <p:cNvPr id="6" name="Footer Placeholder 5"/>
+          <p:cNvSpPr>
+            <a:spLocks noGrp="1"/>
+          </p:cNvSpPr>
+          <p:nvPr>
+            <p:ph type="ftr" sz="quarter" idx="4"/>
+          </p:nvPr>
+        </p:nvSpPr>
+        <p:spPr>
+          <a:xfrm>
+            <a:off x="0" y="8685213"/>
+            <a:ext cx="2971800" cy="458787"/>
+          </a:xfrm>
+          <a:prstGeom prst="rect">
+            <a:avLst/>
+          </a:prstGeom>
+        </p:spPr>
+        <p:txBody>
+          <a:bodyPr vert="horz" lIns="91440" tIns="45720" rIns="91440" bIns="45720" rtlCol="0" anchor="b"/>
+          <a:lstStyle>
+            <a:lvl1pPr algn="l">
+              <a:defRPr sz="1200"/>
+            </a:lvl1pPr>
+          </a:lstStyle>
+          <a:p>
+            <a:endParaRPr lang="en-US"/>
+          </a:p>
+        </p:txBody>
+      </p:sp>
+      <p:sp>
+        <p:nvSpPr>
+          <p:cNvPr id="7" name="Slide Number Placeholder 6"/>
+          <p:cNvSpPr>
+            <a:spLocks noGrp="1"/>
+          </p:cNvSpPr>
+          <p:nvPr>
+            <p:ph type="sldNum" sz="quarter" idx="5"/>
+          </p:nvPr>
+        </p:nvSpPr>
+        <p:spPr>
+          <a:xfrm>
+            <a:off x="3884613" y="8685213"/>
+            <a:ext cx="2971800" cy="458787"/>
+          </a:xfrm>
+          <a:prstGeom prst="rect">
+            <a:avLst/>
+          </a:prstGeom>
+        </p:spPr>
+        <p:txBody>
+          <a:bodyPr vert="horz" lIns="91440" tIns="45720" rIns="91440" bIns="45720" rtlCol="0" anchor="b"/>
+          <a:lstStyle>
+            <a:lvl1pPr algn="r">
+              <a:defRPr sz="1200"/>
+            </a:lvl1pPr>
+          </a:lstStyle>
+          <a:p>
+            <a:fld id="{F8D146AE-41AB-EF4B-9838-E555ECD8E7EB}" type="slidenum">
+              <a:rPr lang="en-US" smtClean="0"/>
+              <a:t>‹#›</a:t>
+            </a:fld>
+            <a:endParaRPr lang="en-US"/>
+          </a:p>
+        </p:txBody>
+      </p:sp>
+    </p:spTree>
+    <p:extLst>
+      <p:ext uri="{BB962C8B-B14F-4D97-AF65-F5344CB8AC3E}">
+        <p14:creationId xmlns:p14="http://schemas.microsoft.com/office/powerpoint/2010/main" val="284951288"/>
+      </p:ext>
+    </p:extLst>
+  </p:cSld>
+  <p:clrMap bg1="lt1" tx1="dk1" bg2="lt2" tx2="dk2" accent1="accent1" accent2="accent2" accent3="accent3" accent4="accent4" accent5="accent5" accent6="accent6" hlink="hlink" folHlink="folHlink"/>
+  <p:notesStyle>
+    <a:lvl1pPr marL="0" algn="l" defTabSz="914400" rtl="0" eaLnBrk="1" latinLnBrk="0" hangingPunct="1">
+      <a:defRPr sz="1200" kern="1200">
+        <a:solidFill>
+          <a:schemeClr val="tx1"/>
+        </a:solidFill>
+        <a:latin typeface="+mn-lt"/>
+        <a:ea typeface="+mn-ea"/>
+        <a:cs typeface="+mn-cs"/>
+      </a:defRPr>
+    </a:lvl1pPr>
+    <a:lvl2pPr marL="457200" algn="l" defTabSz="914400" rtl="0" eaLnBrk="1" latinLnBrk="0" hangingPunct="1">
+      <a:defRPr sz="1200" kern="1200">
+        <a:solidFill>
+          <a:schemeClr val="tx1"/>
+        </a:solidFill>
+        <a:latin typeface="+mn-lt"/>
+        <a:ea typeface="+mn-ea"/>
+        <a:cs typeface="+mn-cs"/>
+      </a:defRPr>
+    </a:lvl2pPr>
+    <a:lvl3pPr marL="914400" algn="l" defTabSz="914400" rtl="0" eaLnBrk="1" latinLnBrk="0" hangingPunct="1">
+      <a:defRPr sz="1200" kern="1200">
+        <a:solidFill>
+          <a:schemeClr val="tx1"/>
+        </a:solidFill>
+        <a:latin typeface="+mn-lt"/>
+        <a:ea typeface="+mn-ea"/>
+        <a:cs typeface="+mn-cs"/>
+      </a:defRPr>
+    </a:lvl3pPr>
+    <a:lvl4pPr marL="1371600" algn="l" defTabSz="914400" rtl="0" eaLnBrk="1" latinLnBrk="0" hangingPunct="1">
+      <a:defRPr sz="1200" kern="1200">
+        <a:solidFill>
+          <a:schemeClr val="tx1"/>
+        </a:solidFill>
+        <a:latin typeface="+mn-lt"/>
+        <a:ea typeface="+mn-ea"/>
+        <a:cs typeface="+mn-cs"/>
+      </a:defRPr>
+    </a:lvl4pPr>
+    <a:lvl5pPr marL="1828800" algn="l" defTabSz="914400" rtl="0" eaLnBrk="1" latinLnBrk="0" hangingPunct="1">
+      <a:defRPr sz="1200" kern="1200">
+        <a:solidFill>
+          <a:schemeClr val="tx1"/>
+        </a:solidFill>
+        <a:latin typeface="+mn-lt"/>
+        <a:ea typeface="+mn-ea"/>
+        <a:cs typeface="+mn-cs"/>
+      </a:defRPr>
+    </a:lvl5pPr>
+    <a:lvl6pPr marL="2286000" algn="l" defTabSz="914400" rtl="0" eaLnBrk="1" latinLnBrk="0" hangingPunct="1">
+      <a:defRPr sz="1200" kern="1200">
+        <a:solidFill>
+          <a:schemeClr val="tx1"/>
+        </a:solidFill>
+        <a:latin typeface="+mn-lt"/>
+        <a:ea typeface="+mn-ea"/>
+        <a:cs typeface="+mn-cs"/>
+      </a:defRPr>
+    </a:lvl6pPr>
+    <a:lvl7pPr marL="2743200" algn="l" defTabSz="914400" rtl="0" eaLnBrk="1" latinLnBrk="0" hangingPunct="1">
+      <a:defRPr sz="1200" kern="1200">
+        <a:solidFill>
+          <a:schemeClr val="tx1"/>
+        </a:solidFill>
+        <a:latin typeface="+mn-lt"/>
+        <a:ea typeface="+mn-ea"/>
+        <a:cs typeface="+mn-cs"/>
+      </a:defRPr>
+    </a:lvl7pPr>
+    <a:lvl8pPr marL="3200400" algn="l" defTabSz="914400" rtl="0" eaLnBrk="1" latinLnBrk="0" hangingPunct="1">
+      <a:defRPr sz="1200" kern="1200">
+        <a:solidFill>
+          <a:schemeClr val="tx1"/>
+        </a:solidFill>
+        <a:latin typeface="+mn-lt"/>
+        <a:ea typeface="+mn-ea"/>
+        <a:cs typeface="+mn-cs"/>
+      </a:defRPr>
+    </a:lvl8pPr>
+    <a:lvl9pPr marL="3657600" algn="l" defTabSz="914400" rtl="0" eaLnBrk="1" latinLnBrk="0" hangingPunct="1">
+      <a:defRPr sz="1200" kern="1200">
+        <a:solidFill>
+          <a:schemeClr val="tx1"/>
+        </a:solidFill>
+        <a:latin typeface="+mn-lt"/>
+        <a:ea typeface="+mn-ea"/>
+        <a:cs typeface="+mn-cs"/>
+      </a:defRPr>
+    </a:lvl9pPr>
+  </p:notesStyle>
+</p:notesMaster>
+</file>
+
 <file path=ppt/slideLayouts/slideLayout1.xml><?xml version="1.0" encoding="utf-8"?>
 <p:sldLayout xmlns:a="http://schemas.openxmlformats.org/drawingml/2006/main" xmlns:r="http://schemas.openxmlformats.org/officeDocument/2006/relationships" xmlns:p="http://schemas.openxmlformats.org/presentationml/2006/main" showMasterSp="0" type="title" preserve="1">
   <p:cSld name="Title Slide">
@@ -461,7 +3896,7 @@
             <a:fld id="{5923F103-BC34-4FE4-A40E-EDDEECFDA5D0}" type="datetimeFigureOut">
               <a:rPr lang="en-US" dirty="0"/>
               <a:pPr/>
-              <a:t>5/20/2019</a:t>
+              <a:t>5/24/19</a:t>
             </a:fld>
             <a:endParaRPr lang="en-US" dirty="0"/>
           </a:p>
@@ -1549,7 +4984,7 @@
           <a:p>
             <a:fld id="{923A1CC3-2375-41D4-9E03-427CAF2A4C1A}" type="datetimeFigureOut">
               <a:rPr lang="en-US" dirty="0"/>
-              <a:t>5/20/2019</a:t>
+              <a:t>5/24/19</a:t>
             </a:fld>
             <a:endParaRPr lang="en-US" dirty="0"/>
           </a:p>
@@ -2529,7 +5964,7 @@
           <a:p>
             <a:fld id="{AFF16868-8199-4C2C-A5B1-63AEE139F88E}" type="datetimeFigureOut">
               <a:rPr lang="en-US" dirty="0"/>
-              <a:t>5/20/2019</a:t>
+              <a:t>5/24/19</a:t>
             </a:fld>
             <a:endParaRPr lang="en-US" dirty="0"/>
           </a:p>
@@ -3663,7 +7098,7 @@
           <a:p>
             <a:fld id="{AAD9FF7F-6988-44CC-821B-644E70CD2F73}" type="datetimeFigureOut">
               <a:rPr lang="en-US" dirty="0"/>
-              <a:t>5/20/2019</a:t>
+              <a:t>5/24/19</a:t>
             </a:fld>
             <a:endParaRPr lang="en-US" dirty="0"/>
           </a:p>
@@ -4696,7 +8131,7 @@
           <a:p>
             <a:fld id="{5C12C299-16B2-4475-990D-751901EACC14}" type="datetimeFigureOut">
               <a:rPr lang="en-US" dirty="0"/>
-              <a:t>5/20/2019</a:t>
+              <a:t>5/24/19</a:t>
             </a:fld>
             <a:endParaRPr lang="en-US" dirty="0"/>
           </a:p>
@@ -5356,7 +8791,7 @@
           <a:p>
             <a:fld id="{9FE86839-B9D8-4651-8783-F325ECE74E65}" type="datetimeFigureOut">
               <a:rPr lang="en-US" dirty="0"/>
-              <a:t>5/20/2019</a:t>
+              <a:t>5/24/19</a:t>
             </a:fld>
             <a:endParaRPr lang="en-US" dirty="0"/>
           </a:p>
@@ -6217,7 +9652,7 @@
           <a:p>
             <a:fld id="{FD484F64-32F6-45C5-931F-ADC1662401D0}" type="datetimeFigureOut">
               <a:rPr lang="en-US" dirty="0"/>
-              <a:t>5/20/2019</a:t>
+              <a:t>5/24/19</a:t>
             </a:fld>
             <a:endParaRPr lang="en-US" dirty="0"/>
           </a:p>
@@ -6407,7 +9842,7 @@
           <a:p>
             <a:fld id="{53086D93-FCAC-47E0-A2EE-787E62CA814C}" type="datetimeFigureOut">
               <a:rPr lang="en-US" dirty="0"/>
-              <a:t>5/20/2019</a:t>
+              <a:t>5/24/19</a:t>
             </a:fld>
             <a:endParaRPr lang="en-US" dirty="0"/>
           </a:p>
@@ -7379,7 +10814,7 @@
           <a:p>
             <a:fld id="{CDA879A6-0FD0-4734-A311-86BFCA472E6E}" type="datetimeFigureOut">
               <a:rPr lang="en-US" dirty="0"/>
-              <a:t>5/20/2019</a:t>
+              <a:t>5/24/19</a:t>
             </a:fld>
             <a:endParaRPr lang="en-US" dirty="0"/>
           </a:p>
@@ -7590,7 +11025,7 @@
           <a:p>
             <a:fld id="{19C9CA7B-DFD4-44B5-8C60-D14B8CD1FB59}" type="datetimeFigureOut">
               <a:rPr lang="en-US" dirty="0"/>
-              <a:t>5/20/2019</a:t>
+              <a:t>5/24/19</a:t>
             </a:fld>
             <a:endParaRPr lang="en-US" dirty="0"/>
           </a:p>
@@ -8624,7 +12059,7 @@
           <a:p>
             <a:fld id="{F34E6425-0181-43F2-84FC-787E803FD2F8}" type="datetimeFigureOut">
               <a:rPr lang="en-US" dirty="0"/>
-              <a:t>5/20/2019</a:t>
+              <a:t>5/24/19</a:t>
             </a:fld>
             <a:endParaRPr lang="en-US" dirty="0"/>
           </a:p>
@@ -8896,7 +12331,7 @@
           <a:p>
             <a:fld id="{3BDB8791-F1B0-41E7-B7FD-A781E65C4266}" type="datetimeFigureOut">
               <a:rPr lang="en-US" dirty="0"/>
-              <a:t>5/20/2019</a:t>
+              <a:t>5/24/19</a:t>
             </a:fld>
             <a:endParaRPr lang="en-US" dirty="0"/>
           </a:p>
@@ -9306,7 +12741,7 @@
           <a:p>
             <a:fld id="{5FDD63B2-E120-4ED8-B27B-C685F510A5FE}" type="datetimeFigureOut">
               <a:rPr lang="en-US" dirty="0"/>
-              <a:t>5/20/2019</a:t>
+              <a:t>5/24/19</a:t>
             </a:fld>
             <a:endParaRPr lang="en-US" dirty="0"/>
           </a:p>
@@ -9433,7 +12868,7 @@
           <a:p>
             <a:fld id="{7AA18ACC-A947-437B-A130-35BD54FDF1E9}" type="datetimeFigureOut">
               <a:rPr lang="en-US" dirty="0"/>
-              <a:t>5/20/2019</a:t>
+              <a:t>5/24/19</a:t>
             </a:fld>
             <a:endParaRPr lang="en-US" dirty="0"/>
           </a:p>
@@ -9528,7 +12963,7 @@
           <a:p>
             <a:fld id="{7C8D7E02-BCB8-4D50-A234-369438C08659}" type="datetimeFigureOut">
               <a:rPr lang="en-US" dirty="0"/>
-              <a:t>5/20/2019</a:t>
+              <a:t>5/24/19</a:t>
             </a:fld>
             <a:endParaRPr lang="en-US" dirty="0"/>
           </a:p>
@@ -10609,7 +14044,7 @@
           <a:p>
             <a:fld id="{76E86A4C-8E40-4F87-A4F0-01A0687C5742}" type="datetimeFigureOut">
               <a:rPr lang="en-US" dirty="0"/>
-              <a:t>5/20/2019</a:t>
+              <a:t>5/24/19</a:t>
             </a:fld>
             <a:endParaRPr lang="en-US" dirty="0"/>
           </a:p>
@@ -11717,7 +15152,7 @@
           <a:p>
             <a:fld id="{35E72C73-2D91-4E12-BA25-F0AA0C03599B}" type="datetimeFigureOut">
               <a:rPr lang="en-US" dirty="0"/>
-              <a:t>5/20/2019</a:t>
+              <a:t>5/24/19</a:t>
             </a:fld>
             <a:endParaRPr lang="en-US" dirty="0"/>
           </a:p>
@@ -12714,7 +16149,7 @@
           <a:p>
             <a:fld id="{2BE451C3-0FF4-47C4-B829-773ADF60F88C}" type="datetimeFigureOut">
               <a:rPr lang="en-US" dirty="0"/>
-              <a:t>5/20/2019</a:t>
+              <a:t>5/24/19</a:t>
             </a:fld>
             <a:endParaRPr lang="en-US" dirty="0"/>
           </a:p>
@@ -13432,8 +16867,8 @@
         </p:blipFill>
         <p:spPr>
           <a:xfrm>
-            <a:off x="10568517" y="5257800"/>
-            <a:ext cx="1098550" cy="1098550"/>
+            <a:off x="510115" y="477618"/>
+            <a:ext cx="1809337" cy="1809337"/>
           </a:xfrm>
           <a:prstGeom prst="rect">
             <a:avLst/>
@@ -13479,7 +16914,7 @@
       </p:grpSpPr>
       <p:sp>
         <p:nvSpPr>
-          <p:cNvPr id="2" name="Title 1"/>
+          <p:cNvPr id="8" name="Title 9"/>
           <p:cNvSpPr>
             <a:spLocks noGrp="1"/>
           </p:cNvSpPr>
@@ -13489,8 +16924,8 @@
         </p:nvSpPr>
         <p:spPr>
           <a:xfrm>
-            <a:off x="1154954" y="973668"/>
-            <a:ext cx="8761413" cy="559568"/>
+            <a:off x="507999" y="452583"/>
+            <a:ext cx="11203709" cy="1376217"/>
           </a:xfrm>
         </p:spPr>
         <p:txBody>
@@ -13499,22 +16934,90 @@
           <a:p>
             <a:r>
               <a:rPr lang="en-US" dirty="0" smtClean="0"/>
-              <a:t>05</a:t>
+              <a:t/>
             </a:r>
+            <a:br>
+              <a:rPr lang="en-US" dirty="0" smtClean="0"/>
+            </a:br>
+            <a:r>
+              <a:rPr lang="en-US" dirty="0" smtClean="0"/>
+              <a:t/>
+            </a:r>
+            <a:br>
+              <a:rPr lang="en-US" dirty="0" smtClean="0"/>
+            </a:br>
+            <a:r>
+              <a:rPr lang="en-US" dirty="0" smtClean="0"/>
+              <a:t>05: </a:t>
+            </a:r>
+            <a:r>
+              <a:rPr lang="en-US" b="1" i="1" dirty="0" smtClean="0"/>
+              <a:t>Develop a website </a:t>
+            </a:r>
+            <a:r>
+              <a:rPr lang="en-US" b="1" i="1" dirty="0"/>
+              <a:t/>
+            </a:r>
+            <a:br>
+              <a:rPr lang="en-US" b="1" i="1" dirty="0"/>
+            </a:br>
+            <a:r>
+              <a:rPr lang="en-US" dirty="0"/>
+              <a:t/>
+            </a:r>
+            <a:br>
+              <a:rPr lang="en-US" dirty="0"/>
+            </a:br>
+            <a:r>
+              <a:rPr lang="en-US" b="1" i="1" dirty="0"/>
+              <a:t/>
+            </a:r>
+            <a:br>
+              <a:rPr lang="en-US" b="1" i="1" dirty="0"/>
+            </a:br>
             <a:endParaRPr lang="en-US" dirty="0"/>
           </a:p>
         </p:txBody>
       </p:sp>
       <p:pic>
         <p:nvPicPr>
-          <p:cNvPr id="4" name="Picture 3"/>
+          <p:cNvPr id="9" name="Picture 8"/>
+          <p:cNvPicPr>
+            <a:picLocks noChangeAspect="1"/>
+          </p:cNvPicPr>
+          <p:nvPr/>
+        </p:nvPicPr>
+        <p:blipFill rotWithShape="1">
+          <a:blip r:embed="rId2">
+            <a:extLst>
+              <a:ext uri="{28A0092B-C50C-407E-A947-70E740481C1C}">
+                <a14:useLocalDpi xmlns:a14="http://schemas.microsoft.com/office/drawing/2010/main" val="0"/>
+              </a:ext>
+            </a:extLst>
+          </a:blip>
+          <a:srcRect l="324" t="4292" r="-324" b="-4292"/>
+          <a:stretch/>
+        </p:blipFill>
+        <p:spPr>
+          <a:xfrm>
+            <a:off x="508000" y="2375210"/>
+            <a:ext cx="6238488" cy="3845932"/>
+          </a:xfrm>
+          <a:prstGeom prst="rect">
+            <a:avLst/>
+          </a:prstGeom>
+        </p:spPr>
+      </p:pic>
+      <p:pic>
+        <p:nvPicPr>
+          <p:cNvPr id="10" name="Picture 9"/>
           <p:cNvPicPr>
             <a:picLocks noChangeAspect="1"/>
           </p:cNvPicPr>
           <p:nvPr/>
         </p:nvPicPr>
         <p:blipFill>
-          <a:blip r:embed="rId2">
+          <a:blip r:embed="rId3">
             <a:extLst>
               <a:ext uri="{28A0092B-C50C-407E-A947-70E740481C1C}">
                 <a14:useLocalDpi xmlns:a14="http://schemas.microsoft.com/office/drawing/2010/main" val="0"/>
@@ -13527,274 +17030,14 @@
         </p:blipFill>
         <p:spPr>
           <a:xfrm>
-            <a:off x="11093450" y="5749925"/>
-            <a:ext cx="1098550" cy="1098550"/>
+            <a:off x="6849952" y="2375210"/>
+            <a:ext cx="4948247" cy="3845932"/>
           </a:xfrm>
           <a:prstGeom prst="rect">
             <a:avLst/>
           </a:prstGeom>
         </p:spPr>
       </p:pic>
-      <p:sp>
-        <p:nvSpPr>
-          <p:cNvPr id="5" name="Content Placeholder 8"/>
-          <p:cNvSpPr txBox="1">
-            <a:spLocks/>
-          </p:cNvSpPr>
-          <p:nvPr/>
-        </p:nvSpPr>
-        <p:spPr>
-          <a:xfrm>
-            <a:off x="979463" y="2364508"/>
-            <a:ext cx="8825659" cy="384175"/>
-          </a:xfrm>
-          <a:prstGeom prst="rect">
-            <a:avLst/>
-          </a:prstGeom>
-        </p:spPr>
-        <p:txBody>
-          <a:bodyPr vert="horz" lIns="91440" tIns="45720" rIns="91440" bIns="45720" rtlCol="0">
-            <a:normAutofit fontScale="92500" lnSpcReduction="20000"/>
-          </a:bodyPr>
-          <a:lstStyle>
-            <a:lvl1pPr marL="342900" indent="-342900" algn="l" defTabSz="457200" rtl="0" eaLnBrk="1" latinLnBrk="0" hangingPunct="1">
-              <a:spcBef>
-                <a:spcPts val="1000"/>
-              </a:spcBef>
-              <a:spcAft>
-                <a:spcPts val="0"/>
-              </a:spcAft>
-              <a:buClr>
-                <a:schemeClr val="accent1"/>
-              </a:buClr>
-              <a:buSzPct val="80000"/>
-              <a:buFont typeface="Wingdings 3" charset="2"/>
-              <a:buChar char=""/>
-              <a:defRPr sz="1800" b="0" i="0" kern="1200">
-                <a:solidFill>
-                  <a:schemeClr val="tx1">
-                    <a:lumMod val="75000"/>
-                    <a:lumOff val="25000"/>
-                  </a:schemeClr>
-                </a:solidFill>
-                <a:latin typeface="+mn-lt"/>
-                <a:ea typeface="+mn-ea"/>
-                <a:cs typeface="+mn-cs"/>
-              </a:defRPr>
-            </a:lvl1pPr>
-            <a:lvl2pPr marL="742950" indent="-285750" algn="l" defTabSz="457200" rtl="0" eaLnBrk="1" latinLnBrk="0" hangingPunct="1">
-              <a:spcBef>
-                <a:spcPts val="1000"/>
-              </a:spcBef>
-              <a:spcAft>
-                <a:spcPts val="0"/>
-              </a:spcAft>
-              <a:buClr>
-                <a:schemeClr val="accent1"/>
-              </a:buClr>
-              <a:buSzPct val="80000"/>
-              <a:buFont typeface="Wingdings 3" charset="2"/>
-              <a:buChar char=""/>
-              <a:defRPr sz="1600" b="0" i="0" kern="1200">
-                <a:solidFill>
-                  <a:schemeClr val="tx1">
-                    <a:lumMod val="75000"/>
-                    <a:lumOff val="25000"/>
-                  </a:schemeClr>
-                </a:solidFill>
-                <a:latin typeface="+mn-lt"/>
-                <a:ea typeface="+mn-ea"/>
-                <a:cs typeface="+mn-cs"/>
-              </a:defRPr>
-            </a:lvl2pPr>
-            <a:lvl3pPr marL="1143000" indent="-228600" algn="l" defTabSz="457200" rtl="0" eaLnBrk="1" latinLnBrk="0" hangingPunct="1">
-              <a:spcBef>
-                <a:spcPts val="1000"/>
-              </a:spcBef>
-              <a:spcAft>
-                <a:spcPts val="0"/>
-              </a:spcAft>
-              <a:buClr>
-                <a:schemeClr val="accent1"/>
-              </a:buClr>
-              <a:buSzPct val="80000"/>
-              <a:buFont typeface="Wingdings 3" charset="2"/>
-              <a:buChar char=""/>
-              <a:defRPr sz="1400" b="0" i="0" kern="1200">
-                <a:solidFill>
-                  <a:schemeClr val="tx1">
-                    <a:lumMod val="75000"/>
-                    <a:lumOff val="25000"/>
-                  </a:schemeClr>
-                </a:solidFill>
-                <a:latin typeface="+mn-lt"/>
-                <a:ea typeface="+mn-ea"/>
-                <a:cs typeface="+mn-cs"/>
-              </a:defRPr>
-            </a:lvl3pPr>
-            <a:lvl4pPr marL="1600200" indent="-228600" algn="l" defTabSz="457200" rtl="0" eaLnBrk="1" latinLnBrk="0" hangingPunct="1">
-              <a:spcBef>
-                <a:spcPts val="1000"/>
-              </a:spcBef>
-              <a:spcAft>
-                <a:spcPts val="0"/>
-              </a:spcAft>
-              <a:buClr>
-                <a:schemeClr val="accent1"/>
-              </a:buClr>
-              <a:buSzPct val="80000"/>
-              <a:buFont typeface="Wingdings 3" charset="2"/>
-              <a:buChar char=""/>
-              <a:defRPr sz="1200" b="0" i="0" kern="1200">
-                <a:solidFill>
-                  <a:schemeClr val="tx1">
-                    <a:lumMod val="75000"/>
-                    <a:lumOff val="25000"/>
-                  </a:schemeClr>
-                </a:solidFill>
-                <a:latin typeface="+mn-lt"/>
-                <a:ea typeface="+mn-ea"/>
-                <a:cs typeface="+mn-cs"/>
-              </a:defRPr>
-            </a:lvl4pPr>
-            <a:lvl5pPr marL="2057400" indent="-228600" algn="l" defTabSz="457200" rtl="0" eaLnBrk="1" latinLnBrk="0" hangingPunct="1">
-              <a:spcBef>
-                <a:spcPts val="1000"/>
-              </a:spcBef>
-              <a:spcAft>
-                <a:spcPts val="0"/>
-              </a:spcAft>
-              <a:buClr>
-                <a:schemeClr val="accent1"/>
-              </a:buClr>
-              <a:buSzPct val="80000"/>
-              <a:buFont typeface="Wingdings 3" charset="2"/>
-              <a:buChar char=""/>
-              <a:defRPr sz="1200" b="0" i="0" kern="1200">
-                <a:solidFill>
-                  <a:schemeClr val="tx1">
-                    <a:lumMod val="75000"/>
-                    <a:lumOff val="25000"/>
-                  </a:schemeClr>
-                </a:solidFill>
-                <a:latin typeface="+mn-lt"/>
-                <a:ea typeface="+mn-ea"/>
-                <a:cs typeface="+mn-cs"/>
-              </a:defRPr>
-            </a:lvl5pPr>
-            <a:lvl6pPr marL="2514600" indent="-228600" algn="l" defTabSz="457200" rtl="0" eaLnBrk="1" latinLnBrk="0" hangingPunct="1">
-              <a:spcBef>
-                <a:spcPts val="1000"/>
-              </a:spcBef>
-              <a:spcAft>
-                <a:spcPts val="0"/>
-              </a:spcAft>
-              <a:buClr>
-                <a:schemeClr val="accent1"/>
-              </a:buClr>
-              <a:buSzPct val="80000"/>
-              <a:buFont typeface="Wingdings 3" charset="2"/>
-              <a:buChar char=""/>
-              <a:defRPr sz="1200" b="0" i="0" kern="1200">
-                <a:solidFill>
-                  <a:schemeClr val="tx1">
-                    <a:lumMod val="75000"/>
-                    <a:lumOff val="25000"/>
-                  </a:schemeClr>
-                </a:solidFill>
-                <a:latin typeface="+mn-lt"/>
-                <a:ea typeface="+mn-ea"/>
-                <a:cs typeface="+mn-cs"/>
-              </a:defRPr>
-            </a:lvl6pPr>
-            <a:lvl7pPr marL="2971800" indent="-228600" algn="l" defTabSz="457200" rtl="0" eaLnBrk="1" latinLnBrk="0" hangingPunct="1">
-              <a:spcBef>
-                <a:spcPts val="1000"/>
-              </a:spcBef>
-              <a:spcAft>
-                <a:spcPts val="0"/>
-              </a:spcAft>
-              <a:buClr>
-                <a:schemeClr val="accent1"/>
-              </a:buClr>
-              <a:buSzPct val="80000"/>
-              <a:buFont typeface="Wingdings 3" charset="2"/>
-              <a:buChar char=""/>
-              <a:defRPr sz="1200" b="0" i="0" kern="1200">
-                <a:solidFill>
-                  <a:schemeClr val="tx1">
-                    <a:lumMod val="75000"/>
-                    <a:lumOff val="25000"/>
-                  </a:schemeClr>
-                </a:solidFill>
-                <a:latin typeface="+mn-lt"/>
-                <a:ea typeface="+mn-ea"/>
-                <a:cs typeface="+mn-cs"/>
-              </a:defRPr>
-            </a:lvl7pPr>
-            <a:lvl8pPr marL="3429000" indent="-228600" algn="l" defTabSz="457200" rtl="0" eaLnBrk="1" latinLnBrk="0" hangingPunct="1">
-              <a:spcBef>
-                <a:spcPts val="1000"/>
-              </a:spcBef>
-              <a:spcAft>
-                <a:spcPts val="0"/>
-              </a:spcAft>
-              <a:buClr>
-                <a:schemeClr val="accent1"/>
-              </a:buClr>
-              <a:buSzPct val="80000"/>
-              <a:buFont typeface="Wingdings 3" charset="2"/>
-              <a:buChar char=""/>
-              <a:defRPr sz="1200" b="0" i="0" kern="1200">
-                <a:solidFill>
-                  <a:schemeClr val="tx1">
-                    <a:lumMod val="75000"/>
-                    <a:lumOff val="25000"/>
-                  </a:schemeClr>
-                </a:solidFill>
-                <a:latin typeface="+mn-lt"/>
-                <a:ea typeface="+mn-ea"/>
-                <a:cs typeface="+mn-cs"/>
-              </a:defRPr>
-            </a:lvl8pPr>
-            <a:lvl9pPr marL="3886200" indent="-228600" algn="l" defTabSz="457200" rtl="0" eaLnBrk="1" latinLnBrk="0" hangingPunct="1">
-              <a:spcBef>
-                <a:spcPts val="1000"/>
-              </a:spcBef>
-              <a:spcAft>
-                <a:spcPts val="0"/>
-              </a:spcAft>
-              <a:buClr>
-                <a:schemeClr val="accent1"/>
-              </a:buClr>
-              <a:buSzPct val="80000"/>
-              <a:buFont typeface="Wingdings 3" charset="2"/>
-              <a:buChar char=""/>
-              <a:defRPr sz="1200" b="0" i="0" kern="1200">
-                <a:solidFill>
-                  <a:schemeClr val="tx1">
-                    <a:lumMod val="75000"/>
-                    <a:lumOff val="25000"/>
-                  </a:schemeClr>
-                </a:solidFill>
-                <a:latin typeface="+mn-lt"/>
-                <a:ea typeface="+mn-ea"/>
-                <a:cs typeface="+mn-cs"/>
-              </a:defRPr>
-            </a:lvl9pPr>
-          </a:lstStyle>
-          <a:p>
-            <a:pPr marL="0" indent="0" algn="ctr">
-              <a:buFont typeface="Wingdings 3" charset="2"/>
-              <a:buNone/>
-            </a:pPr>
-            <a:r>
-              <a:rPr lang="en-US" sz="2400" b="1" i="1" dirty="0" smtClean="0"/>
-              <a:t>Develop a Website</a:t>
-            </a:r>
-          </a:p>
-        </p:txBody>
-      </p:sp>
     </p:spTree>
     <p:extLst>
       <p:ext uri="{BB962C8B-B14F-4D97-AF65-F5344CB8AC3E}">
@@ -13832,34 +17075,6 @@
           <a:chExt cx="0" cy="0"/>
         </a:xfrm>
       </p:grpSpPr>
-      <p:sp>
-        <p:nvSpPr>
-          <p:cNvPr id="2" name="Title 1"/>
-          <p:cNvSpPr>
-            <a:spLocks noGrp="1"/>
-          </p:cNvSpPr>
-          <p:nvPr>
-            <p:ph type="title"/>
-          </p:nvPr>
-        </p:nvSpPr>
-        <p:spPr>
-          <a:xfrm>
-            <a:off x="1154954" y="973668"/>
-            <a:ext cx="8761413" cy="559568"/>
-          </a:xfrm>
-        </p:spPr>
-        <p:txBody>
-          <a:bodyPr/>
-          <a:lstStyle/>
-          <a:p>
-            <a:r>
-              <a:rPr lang="en-US" dirty="0" smtClean="0"/>
-              <a:t>06</a:t>
-            </a:r>
-            <a:endParaRPr lang="en-US" dirty="0"/>
-          </a:p>
-        </p:txBody>
-      </p:sp>
       <p:pic>
         <p:nvPicPr>
           <p:cNvPr id="4" name="Picture 3"/>
@@ -13892,261 +17107,122 @@
       </p:pic>
       <p:sp>
         <p:nvSpPr>
-          <p:cNvPr id="5" name="Content Placeholder 8"/>
-          <p:cNvSpPr txBox="1">
-            <a:spLocks/>
+          <p:cNvPr id="10" name="Title 9"/>
+          <p:cNvSpPr>
+            <a:spLocks noGrp="1"/>
           </p:cNvSpPr>
-          <p:nvPr/>
+          <p:nvPr>
+            <p:ph type="title"/>
+          </p:nvPr>
         </p:nvSpPr>
         <p:spPr>
           <a:xfrm>
-            <a:off x="979463" y="2364508"/>
-            <a:ext cx="8825659" cy="384175"/>
+            <a:off x="507999" y="452583"/>
+            <a:ext cx="11203709" cy="1376217"/>
+          </a:xfrm>
+        </p:spPr>
+        <p:txBody>
+          <a:bodyPr/>
+          <a:lstStyle/>
+          <a:p>
+            <a:r>
+              <a:rPr lang="en-US" dirty="0" smtClean="0"/>
+              <a:t/>
+            </a:r>
+            <a:br>
+              <a:rPr lang="en-US" dirty="0" smtClean="0"/>
+            </a:br>
+            <a:r>
+              <a:rPr lang="en-US" dirty="0" smtClean="0"/>
+              <a:t/>
+            </a:r>
+            <a:br>
+              <a:rPr lang="en-US" dirty="0" smtClean="0"/>
+            </a:br>
+            <a:r>
+              <a:rPr lang="en-US" dirty="0" smtClean="0"/>
+              <a:t>06: </a:t>
+            </a:r>
+            <a:r>
+              <a:rPr lang="en-US" b="1" i="1" dirty="0" smtClean="0"/>
+              <a:t>Set up R Clubs in Campuses </a:t>
+            </a:r>
+            <a:r>
+              <a:rPr lang="en-US" b="1" i="1" dirty="0"/>
+              <a:t/>
+            </a:r>
+            <a:br>
+              <a:rPr lang="en-US" b="1" i="1" dirty="0"/>
+            </a:br>
+            <a:r>
+              <a:rPr lang="en-US" dirty="0"/>
+              <a:t/>
+            </a:r>
+            <a:br>
+              <a:rPr lang="en-US" dirty="0"/>
+            </a:br>
+            <a:r>
+              <a:rPr lang="en-US" b="1" i="1" dirty="0"/>
+              <a:t/>
+            </a:r>
+            <a:br>
+              <a:rPr lang="en-US" b="1" i="1" dirty="0"/>
+            </a:br>
+            <a:endParaRPr lang="en-US" dirty="0"/>
+          </a:p>
+        </p:txBody>
+      </p:sp>
+      <p:pic>
+        <p:nvPicPr>
+          <p:cNvPr id="11" name="Picture 10"/>
+          <p:cNvPicPr>
+            <a:picLocks noChangeAspect="1"/>
+          </p:cNvPicPr>
+          <p:nvPr/>
+        </p:nvPicPr>
+        <p:blipFill>
+          <a:blip r:embed="rId3">
+            <a:extLst>
+              <a:ext uri="{28A0092B-C50C-407E-A947-70E740481C1C}">
+                <a14:useLocalDpi xmlns:a14="http://schemas.microsoft.com/office/drawing/2010/main" val="0"/>
+              </a:ext>
+            </a:extLst>
+          </a:blip>
+          <a:stretch>
+            <a:fillRect/>
+          </a:stretch>
+        </p:blipFill>
+        <p:spPr>
+          <a:xfrm>
+            <a:off x="507999" y="2375210"/>
+            <a:ext cx="6585445" cy="3492765"/>
           </a:xfrm>
           <a:prstGeom prst="rect">
             <a:avLst/>
           </a:prstGeom>
         </p:spPr>
+      </p:pic>
+      <p:sp>
+        <p:nvSpPr>
+          <p:cNvPr id="12" name="Content Placeholder 7"/>
+          <p:cNvSpPr>
+            <a:spLocks noGrp="1"/>
+          </p:cNvSpPr>
+          <p:nvPr>
+            <p:ph idx="1"/>
+          </p:nvPr>
+        </p:nvSpPr>
+        <p:spPr>
+          <a:xfrm>
+            <a:off x="7176623" y="2375210"/>
+            <a:ext cx="4466102" cy="3187275"/>
+          </a:xfrm>
+        </p:spPr>
         <p:txBody>
-          <a:bodyPr vert="horz" lIns="91440" tIns="45720" rIns="91440" bIns="45720" rtlCol="0">
-            <a:normAutofit fontScale="92500" lnSpcReduction="20000"/>
-          </a:bodyPr>
-          <a:lstStyle>
-            <a:lvl1pPr marL="342900" indent="-342900" algn="l" defTabSz="457200" rtl="0" eaLnBrk="1" latinLnBrk="0" hangingPunct="1">
-              <a:spcBef>
-                <a:spcPts val="1000"/>
-              </a:spcBef>
-              <a:spcAft>
-                <a:spcPts val="0"/>
-              </a:spcAft>
-              <a:buClr>
-                <a:schemeClr val="accent1"/>
-              </a:buClr>
-              <a:buSzPct val="80000"/>
-              <a:buFont typeface="Wingdings 3" charset="2"/>
-              <a:buChar char=""/>
-              <a:defRPr sz="1800" b="0" i="0" kern="1200">
-                <a:solidFill>
-                  <a:schemeClr val="tx1">
-                    <a:lumMod val="75000"/>
-                    <a:lumOff val="25000"/>
-                  </a:schemeClr>
-                </a:solidFill>
-                <a:latin typeface="+mn-lt"/>
-                <a:ea typeface="+mn-ea"/>
-                <a:cs typeface="+mn-cs"/>
-              </a:defRPr>
-            </a:lvl1pPr>
-            <a:lvl2pPr marL="742950" indent="-285750" algn="l" defTabSz="457200" rtl="0" eaLnBrk="1" latinLnBrk="0" hangingPunct="1">
-              <a:spcBef>
-                <a:spcPts val="1000"/>
-              </a:spcBef>
-              <a:spcAft>
-                <a:spcPts val="0"/>
-              </a:spcAft>
-              <a:buClr>
-                <a:schemeClr val="accent1"/>
-              </a:buClr>
-              <a:buSzPct val="80000"/>
-              <a:buFont typeface="Wingdings 3" charset="2"/>
-              <a:buChar char=""/>
-              <a:defRPr sz="1600" b="0" i="0" kern="1200">
-                <a:solidFill>
-                  <a:schemeClr val="tx1">
-                    <a:lumMod val="75000"/>
-                    <a:lumOff val="25000"/>
-                  </a:schemeClr>
-                </a:solidFill>
-                <a:latin typeface="+mn-lt"/>
-                <a:ea typeface="+mn-ea"/>
-                <a:cs typeface="+mn-cs"/>
-              </a:defRPr>
-            </a:lvl2pPr>
-            <a:lvl3pPr marL="1143000" indent="-228600" algn="l" defTabSz="457200" rtl="0" eaLnBrk="1" latinLnBrk="0" hangingPunct="1">
-              <a:spcBef>
-                <a:spcPts val="1000"/>
-              </a:spcBef>
-              <a:spcAft>
-                <a:spcPts val="0"/>
-              </a:spcAft>
-              <a:buClr>
-                <a:schemeClr val="accent1"/>
-              </a:buClr>
-              <a:buSzPct val="80000"/>
-              <a:buFont typeface="Wingdings 3" charset="2"/>
-              <a:buChar char=""/>
-              <a:defRPr sz="1400" b="0" i="0" kern="1200">
-                <a:solidFill>
-                  <a:schemeClr val="tx1">
-                    <a:lumMod val="75000"/>
-                    <a:lumOff val="25000"/>
-                  </a:schemeClr>
-                </a:solidFill>
-                <a:latin typeface="+mn-lt"/>
-                <a:ea typeface="+mn-ea"/>
-                <a:cs typeface="+mn-cs"/>
-              </a:defRPr>
-            </a:lvl3pPr>
-            <a:lvl4pPr marL="1600200" indent="-228600" algn="l" defTabSz="457200" rtl="0" eaLnBrk="1" latinLnBrk="0" hangingPunct="1">
-              <a:spcBef>
-                <a:spcPts val="1000"/>
-              </a:spcBef>
-              <a:spcAft>
-                <a:spcPts val="0"/>
-              </a:spcAft>
-              <a:buClr>
-                <a:schemeClr val="accent1"/>
-              </a:buClr>
-              <a:buSzPct val="80000"/>
-              <a:buFont typeface="Wingdings 3" charset="2"/>
-              <a:buChar char=""/>
-              <a:defRPr sz="1200" b="0" i="0" kern="1200">
-                <a:solidFill>
-                  <a:schemeClr val="tx1">
-                    <a:lumMod val="75000"/>
-                    <a:lumOff val="25000"/>
-                  </a:schemeClr>
-                </a:solidFill>
-                <a:latin typeface="+mn-lt"/>
-                <a:ea typeface="+mn-ea"/>
-                <a:cs typeface="+mn-cs"/>
-              </a:defRPr>
-            </a:lvl4pPr>
-            <a:lvl5pPr marL="2057400" indent="-228600" algn="l" defTabSz="457200" rtl="0" eaLnBrk="1" latinLnBrk="0" hangingPunct="1">
-              <a:spcBef>
-                <a:spcPts val="1000"/>
-              </a:spcBef>
-              <a:spcAft>
-                <a:spcPts val="0"/>
-              </a:spcAft>
-              <a:buClr>
-                <a:schemeClr val="accent1"/>
-              </a:buClr>
-              <a:buSzPct val="80000"/>
-              <a:buFont typeface="Wingdings 3" charset="2"/>
-              <a:buChar char=""/>
-              <a:defRPr sz="1200" b="0" i="0" kern="1200">
-                <a:solidFill>
-                  <a:schemeClr val="tx1">
-                    <a:lumMod val="75000"/>
-                    <a:lumOff val="25000"/>
-                  </a:schemeClr>
-                </a:solidFill>
-                <a:latin typeface="+mn-lt"/>
-                <a:ea typeface="+mn-ea"/>
-                <a:cs typeface="+mn-cs"/>
-              </a:defRPr>
-            </a:lvl5pPr>
-            <a:lvl6pPr marL="2514600" indent="-228600" algn="l" defTabSz="457200" rtl="0" eaLnBrk="1" latinLnBrk="0" hangingPunct="1">
-              <a:spcBef>
-                <a:spcPts val="1000"/>
-              </a:spcBef>
-              <a:spcAft>
-                <a:spcPts val="0"/>
-              </a:spcAft>
-              <a:buClr>
-                <a:schemeClr val="accent1"/>
-              </a:buClr>
-              <a:buSzPct val="80000"/>
-              <a:buFont typeface="Wingdings 3" charset="2"/>
-              <a:buChar char=""/>
-              <a:defRPr sz="1200" b="0" i="0" kern="1200">
-                <a:solidFill>
-                  <a:schemeClr val="tx1">
-                    <a:lumMod val="75000"/>
-                    <a:lumOff val="25000"/>
-                  </a:schemeClr>
-                </a:solidFill>
-                <a:latin typeface="+mn-lt"/>
-                <a:ea typeface="+mn-ea"/>
-                <a:cs typeface="+mn-cs"/>
-              </a:defRPr>
-            </a:lvl6pPr>
-            <a:lvl7pPr marL="2971800" indent="-228600" algn="l" defTabSz="457200" rtl="0" eaLnBrk="1" latinLnBrk="0" hangingPunct="1">
-              <a:spcBef>
-                <a:spcPts val="1000"/>
-              </a:spcBef>
-              <a:spcAft>
-                <a:spcPts val="0"/>
-              </a:spcAft>
-              <a:buClr>
-                <a:schemeClr val="accent1"/>
-              </a:buClr>
-              <a:buSzPct val="80000"/>
-              <a:buFont typeface="Wingdings 3" charset="2"/>
-              <a:buChar char=""/>
-              <a:defRPr sz="1200" b="0" i="0" kern="1200">
-                <a:solidFill>
-                  <a:schemeClr val="tx1">
-                    <a:lumMod val="75000"/>
-                    <a:lumOff val="25000"/>
-                  </a:schemeClr>
-                </a:solidFill>
-                <a:latin typeface="+mn-lt"/>
-                <a:ea typeface="+mn-ea"/>
-                <a:cs typeface="+mn-cs"/>
-              </a:defRPr>
-            </a:lvl7pPr>
-            <a:lvl8pPr marL="3429000" indent="-228600" algn="l" defTabSz="457200" rtl="0" eaLnBrk="1" latinLnBrk="0" hangingPunct="1">
-              <a:spcBef>
-                <a:spcPts val="1000"/>
-              </a:spcBef>
-              <a:spcAft>
-                <a:spcPts val="0"/>
-              </a:spcAft>
-              <a:buClr>
-                <a:schemeClr val="accent1"/>
-              </a:buClr>
-              <a:buSzPct val="80000"/>
-              <a:buFont typeface="Wingdings 3" charset="2"/>
-              <a:buChar char=""/>
-              <a:defRPr sz="1200" b="0" i="0" kern="1200">
-                <a:solidFill>
-                  <a:schemeClr val="tx1">
-                    <a:lumMod val="75000"/>
-                    <a:lumOff val="25000"/>
-                  </a:schemeClr>
-                </a:solidFill>
-                <a:latin typeface="+mn-lt"/>
-                <a:ea typeface="+mn-ea"/>
-                <a:cs typeface="+mn-cs"/>
-              </a:defRPr>
-            </a:lvl8pPr>
-            <a:lvl9pPr marL="3886200" indent="-228600" algn="l" defTabSz="457200" rtl="0" eaLnBrk="1" latinLnBrk="0" hangingPunct="1">
-              <a:spcBef>
-                <a:spcPts val="1000"/>
-              </a:spcBef>
-              <a:spcAft>
-                <a:spcPts val="0"/>
-              </a:spcAft>
-              <a:buClr>
-                <a:schemeClr val="accent1"/>
-              </a:buClr>
-              <a:buSzPct val="80000"/>
-              <a:buFont typeface="Wingdings 3" charset="2"/>
-              <a:buChar char=""/>
-              <a:defRPr sz="1200" b="0" i="0" kern="1200">
-                <a:solidFill>
-                  <a:schemeClr val="tx1">
-                    <a:lumMod val="75000"/>
-                    <a:lumOff val="25000"/>
-                  </a:schemeClr>
-                </a:solidFill>
-                <a:latin typeface="+mn-lt"/>
-                <a:ea typeface="+mn-ea"/>
-                <a:cs typeface="+mn-cs"/>
-              </a:defRPr>
-            </a:lvl9pPr>
-          </a:lstStyle>
+          <a:bodyPr/>
+          <a:lstStyle/>
           <a:p>
-            <a:pPr marL="0" indent="0" algn="ctr">
-              <a:buFont typeface="Wingdings 3" charset="2"/>
-              <a:buNone/>
-            </a:pPr>
-            <a:r>
-              <a:rPr lang="en-US" sz="2400" b="1" i="1" dirty="0" smtClean="0"/>
-              <a:t>Set up R Clubs in campuses</a:t>
-            </a:r>
+            <a:endParaRPr lang="en-US" dirty="0"/>
           </a:p>
         </p:txBody>
       </p:sp>
@@ -14199,8 +17275,8 @@
         </p:nvSpPr>
         <p:spPr>
           <a:xfrm>
-            <a:off x="858982" y="868218"/>
-            <a:ext cx="8715640" cy="969818"/>
+            <a:off x="836341" y="758283"/>
+            <a:ext cx="8738281" cy="1079753"/>
           </a:xfrm>
         </p:spPr>
         <p:txBody>
@@ -14535,14 +17611,38 @@
         </p:blipFill>
         <p:spPr>
           <a:xfrm>
-            <a:off x="166255" y="2925329"/>
-            <a:ext cx="6671220" cy="3752561"/>
+            <a:off x="110499" y="2653990"/>
+            <a:ext cx="6497307" cy="3654735"/>
           </a:xfrm>
           <a:prstGeom prst="rect">
             <a:avLst/>
           </a:prstGeom>
         </p:spPr>
       </p:pic>
+      <p:sp>
+        <p:nvSpPr>
+          <p:cNvPr id="6" name="Content Placeholder 7"/>
+          <p:cNvSpPr>
+            <a:spLocks noGrp="1"/>
+          </p:cNvSpPr>
+          <p:nvPr>
+            <p:ph idx="1"/>
+          </p:nvPr>
+        </p:nvSpPr>
+        <p:spPr>
+          <a:xfrm>
+            <a:off x="7176623" y="2654439"/>
+            <a:ext cx="4466102" cy="3187275"/>
+          </a:xfrm>
+        </p:spPr>
+        <p:txBody>
+          <a:bodyPr/>
+          <a:lstStyle/>
+          <a:p>
+            <a:endParaRPr lang="en-US" dirty="0"/>
+          </a:p>
+        </p:txBody>
+      </p:sp>
     </p:spTree>
     <p:extLst>
       <p:ext uri="{BB962C8B-B14F-4D97-AF65-F5344CB8AC3E}">
@@ -14580,64 +17680,6 @@
           <a:chExt cx="0" cy="0"/>
         </a:xfrm>
       </p:grpSpPr>
-      <p:sp>
-        <p:nvSpPr>
-          <p:cNvPr id="2" name="Title 1"/>
-          <p:cNvSpPr>
-            <a:spLocks noGrp="1"/>
-          </p:cNvSpPr>
-          <p:nvPr>
-            <p:ph type="title"/>
-          </p:nvPr>
-        </p:nvSpPr>
-        <p:spPr>
-          <a:xfrm>
-            <a:off x="1154954" y="973668"/>
-            <a:ext cx="8761413" cy="559568"/>
-          </a:xfrm>
-        </p:spPr>
-        <p:txBody>
-          <a:bodyPr/>
-          <a:lstStyle/>
-          <a:p>
-            <a:r>
-              <a:rPr lang="en-US" dirty="0" smtClean="0"/>
-              <a:t>What have we done so far?</a:t>
-            </a:r>
-            <a:endParaRPr lang="en-US" dirty="0"/>
-          </a:p>
-        </p:txBody>
-      </p:sp>
-      <p:sp>
-        <p:nvSpPr>
-          <p:cNvPr id="3" name="Content Placeholder 2"/>
-          <p:cNvSpPr>
-            <a:spLocks noGrp="1"/>
-          </p:cNvSpPr>
-          <p:nvPr>
-            <p:ph idx="1"/>
-          </p:nvPr>
-        </p:nvSpPr>
-        <p:spPr>
-          <a:xfrm>
-            <a:off x="766618" y="2262909"/>
-            <a:ext cx="10538691" cy="4036291"/>
-          </a:xfrm>
-        </p:spPr>
-        <p:txBody>
-          <a:bodyPr/>
-          <a:lstStyle/>
-          <a:p>
-            <a:pPr marL="914400" lvl="2" indent="0">
-              <a:buNone/>
-            </a:pPr>
-            <a:endParaRPr lang="en-US" dirty="0" smtClean="0"/>
-          </a:p>
-          <a:p>
-            <a:endParaRPr lang="en-US" dirty="0"/>
-          </a:p>
-        </p:txBody>
-      </p:sp>
       <p:pic>
         <p:nvPicPr>
           <p:cNvPr id="4" name="Picture 3"/>
@@ -14668,10 +17710,933 @@
           </a:prstGeom>
         </p:spPr>
       </p:pic>
+      <p:sp>
+        <p:nvSpPr>
+          <p:cNvPr id="5" name="Content Placeholder 8"/>
+          <p:cNvSpPr txBox="1">
+            <a:spLocks/>
+          </p:cNvSpPr>
+          <p:nvPr/>
+        </p:nvSpPr>
+        <p:spPr>
+          <a:xfrm>
+            <a:off x="979463" y="2364508"/>
+            <a:ext cx="8825659" cy="384175"/>
+          </a:xfrm>
+          <a:prstGeom prst="rect">
+            <a:avLst/>
+          </a:prstGeom>
+        </p:spPr>
+        <p:txBody>
+          <a:bodyPr vert="horz" lIns="91440" tIns="45720" rIns="91440" bIns="45720" rtlCol="0">
+            <a:noAutofit/>
+          </a:bodyPr>
+          <a:lstStyle>
+            <a:lvl1pPr marL="342900" indent="-342900" algn="l" defTabSz="457200" rtl="0" eaLnBrk="1" latinLnBrk="0" hangingPunct="1">
+              <a:spcBef>
+                <a:spcPts val="1000"/>
+              </a:spcBef>
+              <a:spcAft>
+                <a:spcPts val="0"/>
+              </a:spcAft>
+              <a:buClr>
+                <a:schemeClr val="accent1"/>
+              </a:buClr>
+              <a:buSzPct val="80000"/>
+              <a:buFont typeface="Wingdings 3" charset="2"/>
+              <a:buChar char=""/>
+              <a:defRPr sz="1800" b="0" i="0" kern="1200">
+                <a:solidFill>
+                  <a:schemeClr val="tx1">
+                    <a:lumMod val="75000"/>
+                    <a:lumOff val="25000"/>
+                  </a:schemeClr>
+                </a:solidFill>
+                <a:latin typeface="+mn-lt"/>
+                <a:ea typeface="+mn-ea"/>
+                <a:cs typeface="+mn-cs"/>
+              </a:defRPr>
+            </a:lvl1pPr>
+            <a:lvl2pPr marL="742950" indent="-285750" algn="l" defTabSz="457200" rtl="0" eaLnBrk="1" latinLnBrk="0" hangingPunct="1">
+              <a:spcBef>
+                <a:spcPts val="1000"/>
+              </a:spcBef>
+              <a:spcAft>
+                <a:spcPts val="0"/>
+              </a:spcAft>
+              <a:buClr>
+                <a:schemeClr val="accent1"/>
+              </a:buClr>
+              <a:buSzPct val="80000"/>
+              <a:buFont typeface="Wingdings 3" charset="2"/>
+              <a:buChar char=""/>
+              <a:defRPr sz="1600" b="0" i="0" kern="1200">
+                <a:solidFill>
+                  <a:schemeClr val="tx1">
+                    <a:lumMod val="75000"/>
+                    <a:lumOff val="25000"/>
+                  </a:schemeClr>
+                </a:solidFill>
+                <a:latin typeface="+mn-lt"/>
+                <a:ea typeface="+mn-ea"/>
+                <a:cs typeface="+mn-cs"/>
+              </a:defRPr>
+            </a:lvl2pPr>
+            <a:lvl3pPr marL="1143000" indent="-228600" algn="l" defTabSz="457200" rtl="0" eaLnBrk="1" latinLnBrk="0" hangingPunct="1">
+              <a:spcBef>
+                <a:spcPts val="1000"/>
+              </a:spcBef>
+              <a:spcAft>
+                <a:spcPts val="0"/>
+              </a:spcAft>
+              <a:buClr>
+                <a:schemeClr val="accent1"/>
+              </a:buClr>
+              <a:buSzPct val="80000"/>
+              <a:buFont typeface="Wingdings 3" charset="2"/>
+              <a:buChar char=""/>
+              <a:defRPr sz="1400" b="0" i="0" kern="1200">
+                <a:solidFill>
+                  <a:schemeClr val="tx1">
+                    <a:lumMod val="75000"/>
+                    <a:lumOff val="25000"/>
+                  </a:schemeClr>
+                </a:solidFill>
+                <a:latin typeface="+mn-lt"/>
+                <a:ea typeface="+mn-ea"/>
+                <a:cs typeface="+mn-cs"/>
+              </a:defRPr>
+            </a:lvl3pPr>
+            <a:lvl4pPr marL="1600200" indent="-228600" algn="l" defTabSz="457200" rtl="0" eaLnBrk="1" latinLnBrk="0" hangingPunct="1">
+              <a:spcBef>
+                <a:spcPts val="1000"/>
+              </a:spcBef>
+              <a:spcAft>
+                <a:spcPts val="0"/>
+              </a:spcAft>
+              <a:buClr>
+                <a:schemeClr val="accent1"/>
+              </a:buClr>
+              <a:buSzPct val="80000"/>
+              <a:buFont typeface="Wingdings 3" charset="2"/>
+              <a:buChar char=""/>
+              <a:defRPr sz="1200" b="0" i="0" kern="1200">
+                <a:solidFill>
+                  <a:schemeClr val="tx1">
+                    <a:lumMod val="75000"/>
+                    <a:lumOff val="25000"/>
+                  </a:schemeClr>
+                </a:solidFill>
+                <a:latin typeface="+mn-lt"/>
+                <a:ea typeface="+mn-ea"/>
+                <a:cs typeface="+mn-cs"/>
+              </a:defRPr>
+            </a:lvl4pPr>
+            <a:lvl5pPr marL="2057400" indent="-228600" algn="l" defTabSz="457200" rtl="0" eaLnBrk="1" latinLnBrk="0" hangingPunct="1">
+              <a:spcBef>
+                <a:spcPts val="1000"/>
+              </a:spcBef>
+              <a:spcAft>
+                <a:spcPts val="0"/>
+              </a:spcAft>
+              <a:buClr>
+                <a:schemeClr val="accent1"/>
+              </a:buClr>
+              <a:buSzPct val="80000"/>
+              <a:buFont typeface="Wingdings 3" charset="2"/>
+              <a:buChar char=""/>
+              <a:defRPr sz="1200" b="0" i="0" kern="1200">
+                <a:solidFill>
+                  <a:schemeClr val="tx1">
+                    <a:lumMod val="75000"/>
+                    <a:lumOff val="25000"/>
+                  </a:schemeClr>
+                </a:solidFill>
+                <a:latin typeface="+mn-lt"/>
+                <a:ea typeface="+mn-ea"/>
+                <a:cs typeface="+mn-cs"/>
+              </a:defRPr>
+            </a:lvl5pPr>
+            <a:lvl6pPr marL="2514600" indent="-228600" algn="l" defTabSz="457200" rtl="0" eaLnBrk="1" latinLnBrk="0" hangingPunct="1">
+              <a:spcBef>
+                <a:spcPts val="1000"/>
+              </a:spcBef>
+              <a:spcAft>
+                <a:spcPts val="0"/>
+              </a:spcAft>
+              <a:buClr>
+                <a:schemeClr val="accent1"/>
+              </a:buClr>
+              <a:buSzPct val="80000"/>
+              <a:buFont typeface="Wingdings 3" charset="2"/>
+              <a:buChar char=""/>
+              <a:defRPr sz="1200" b="0" i="0" kern="1200">
+                <a:solidFill>
+                  <a:schemeClr val="tx1">
+                    <a:lumMod val="75000"/>
+                    <a:lumOff val="25000"/>
+                  </a:schemeClr>
+                </a:solidFill>
+                <a:latin typeface="+mn-lt"/>
+                <a:ea typeface="+mn-ea"/>
+                <a:cs typeface="+mn-cs"/>
+              </a:defRPr>
+            </a:lvl6pPr>
+            <a:lvl7pPr marL="2971800" indent="-228600" algn="l" defTabSz="457200" rtl="0" eaLnBrk="1" latinLnBrk="0" hangingPunct="1">
+              <a:spcBef>
+                <a:spcPts val="1000"/>
+              </a:spcBef>
+              <a:spcAft>
+                <a:spcPts val="0"/>
+              </a:spcAft>
+              <a:buClr>
+                <a:schemeClr val="accent1"/>
+              </a:buClr>
+              <a:buSzPct val="80000"/>
+              <a:buFont typeface="Wingdings 3" charset="2"/>
+              <a:buChar char=""/>
+              <a:defRPr sz="1200" b="0" i="0" kern="1200">
+                <a:solidFill>
+                  <a:schemeClr val="tx1">
+                    <a:lumMod val="75000"/>
+                    <a:lumOff val="25000"/>
+                  </a:schemeClr>
+                </a:solidFill>
+                <a:latin typeface="+mn-lt"/>
+                <a:ea typeface="+mn-ea"/>
+                <a:cs typeface="+mn-cs"/>
+              </a:defRPr>
+            </a:lvl7pPr>
+            <a:lvl8pPr marL="3429000" indent="-228600" algn="l" defTabSz="457200" rtl="0" eaLnBrk="1" latinLnBrk="0" hangingPunct="1">
+              <a:spcBef>
+                <a:spcPts val="1000"/>
+              </a:spcBef>
+              <a:spcAft>
+                <a:spcPts val="0"/>
+              </a:spcAft>
+              <a:buClr>
+                <a:schemeClr val="accent1"/>
+              </a:buClr>
+              <a:buSzPct val="80000"/>
+              <a:buFont typeface="Wingdings 3" charset="2"/>
+              <a:buChar char=""/>
+              <a:defRPr sz="1200" b="0" i="0" kern="1200">
+                <a:solidFill>
+                  <a:schemeClr val="tx1">
+                    <a:lumMod val="75000"/>
+                    <a:lumOff val="25000"/>
+                  </a:schemeClr>
+                </a:solidFill>
+                <a:latin typeface="+mn-lt"/>
+                <a:ea typeface="+mn-ea"/>
+                <a:cs typeface="+mn-cs"/>
+              </a:defRPr>
+            </a:lvl8pPr>
+            <a:lvl9pPr marL="3886200" indent="-228600" algn="l" defTabSz="457200" rtl="0" eaLnBrk="1" latinLnBrk="0" hangingPunct="1">
+              <a:spcBef>
+                <a:spcPts val="1000"/>
+              </a:spcBef>
+              <a:spcAft>
+                <a:spcPts val="0"/>
+              </a:spcAft>
+              <a:buClr>
+                <a:schemeClr val="accent1"/>
+              </a:buClr>
+              <a:buSzPct val="80000"/>
+              <a:buFont typeface="Wingdings 3" charset="2"/>
+              <a:buChar char=""/>
+              <a:defRPr sz="1200" b="0" i="0" kern="1200">
+                <a:solidFill>
+                  <a:schemeClr val="tx1">
+                    <a:lumMod val="75000"/>
+                    <a:lumOff val="25000"/>
+                  </a:schemeClr>
+                </a:solidFill>
+                <a:latin typeface="+mn-lt"/>
+                <a:ea typeface="+mn-ea"/>
+                <a:cs typeface="+mn-cs"/>
+              </a:defRPr>
+            </a:lvl9pPr>
+          </a:lstStyle>
+          <a:p>
+            <a:pPr marL="0" indent="0" algn="ctr">
+              <a:buFont typeface="Wingdings 3" charset="2"/>
+              <a:buNone/>
+            </a:pPr>
+            <a:endParaRPr lang="en-US" sz="2800" b="1" i="1" dirty="0" smtClean="0"/>
+          </a:p>
+        </p:txBody>
+      </p:sp>
+      <p:graphicFrame>
+        <p:nvGraphicFramePr>
+          <p:cNvPr id="3" name="Diagram 2"/>
+          <p:cNvGraphicFramePr/>
+          <p:nvPr>
+            <p:extLst>
+              <p:ext uri="{D42A27DB-BD31-4B8C-83A1-F6EECF244321}">
+                <p14:modId xmlns:p14="http://schemas.microsoft.com/office/powerpoint/2010/main" val="1685694443"/>
+              </p:ext>
+            </p:extLst>
+          </p:nvPr>
+        </p:nvGraphicFramePr>
+        <p:xfrm>
+          <a:off x="434899" y="2141034"/>
+          <a:ext cx="10838984" cy="4523771"/>
+        </p:xfrm>
+        <a:graphic>
+          <a:graphicData uri="http://schemas.openxmlformats.org/drawingml/2006/diagram">
+            <dgm:relIds xmlns:dgm="http://schemas.openxmlformats.org/drawingml/2006/diagram" xmlns:r="http://schemas.openxmlformats.org/officeDocument/2006/relationships" r:dm="rId3" r:lo="rId4" r:qs="rId5" r:cs="rId6"/>
+          </a:graphicData>
+        </a:graphic>
+      </p:graphicFrame>
+      <p:sp>
+        <p:nvSpPr>
+          <p:cNvPr id="8" name="Title 1"/>
+          <p:cNvSpPr>
+            <a:spLocks noGrp="1"/>
+          </p:cNvSpPr>
+          <p:nvPr>
+            <p:ph type="title"/>
+          </p:nvPr>
+        </p:nvSpPr>
+        <p:spPr>
+          <a:xfrm>
+            <a:off x="836341" y="758283"/>
+            <a:ext cx="8738281" cy="1079753"/>
+          </a:xfrm>
+        </p:spPr>
+        <p:txBody>
+          <a:bodyPr/>
+          <a:lstStyle/>
+          <a:p>
+            <a:r>
+              <a:rPr lang="en-US" dirty="0" smtClean="0"/>
+              <a:t>What have we done so far? </a:t>
+            </a:r>
+            <a:r>
+              <a:rPr lang="en-US" b="1" i="1" dirty="0"/>
+              <a:t/>
+            </a:r>
+            <a:br>
+              <a:rPr lang="en-US" b="1" i="1" dirty="0"/>
+            </a:br>
+            <a:endParaRPr lang="en-US" dirty="0"/>
+          </a:p>
+        </p:txBody>
+      </p:sp>
+      <p:cxnSp>
+        <p:nvCxnSpPr>
+          <p:cNvPr id="14" name="Straight Connector 13"/>
+          <p:cNvCxnSpPr/>
+          <p:nvPr/>
+        </p:nvCxnSpPr>
+        <p:spPr>
+          <a:xfrm>
+            <a:off x="8153282" y="3372720"/>
+            <a:ext cx="11151" cy="557561"/>
+          </a:xfrm>
+          <a:prstGeom prst="line">
+            <a:avLst/>
+          </a:prstGeom>
+        </p:spPr>
+        <p:style>
+          <a:lnRef idx="1">
+            <a:schemeClr val="accent1"/>
+          </a:lnRef>
+          <a:fillRef idx="0">
+            <a:schemeClr val="accent1"/>
+          </a:fillRef>
+          <a:effectRef idx="0">
+            <a:schemeClr val="accent1"/>
+          </a:effectRef>
+          <a:fontRef idx="minor">
+            <a:schemeClr val="tx1"/>
+          </a:fontRef>
+        </p:style>
+      </p:cxnSp>
+      <p:grpSp>
+        <p:nvGrpSpPr>
+          <p:cNvPr id="24" name="Group 23"/>
+          <p:cNvGrpSpPr/>
+          <p:nvPr/>
+        </p:nvGrpSpPr>
+        <p:grpSpPr>
+          <a:xfrm>
+            <a:off x="327102" y="2273343"/>
+            <a:ext cx="2873297" cy="1637416"/>
+            <a:chOff x="327102" y="2134843"/>
+            <a:chExt cx="2961992" cy="1775916"/>
+          </a:xfrm>
+        </p:grpSpPr>
+        <p:sp>
+          <p:nvSpPr>
+            <p:cNvPr id="15" name="TextBox 14"/>
+            <p:cNvSpPr txBox="1"/>
+            <p:nvPr/>
+          </p:nvSpPr>
+          <p:spPr>
+            <a:xfrm>
+              <a:off x="327102" y="2134843"/>
+              <a:ext cx="2961992" cy="1301858"/>
+            </a:xfrm>
+            <a:prstGeom prst="rect">
+              <a:avLst/>
+            </a:prstGeom>
+            <a:noFill/>
+          </p:spPr>
+          <p:txBody>
+            <a:bodyPr wrap="square" rtlCol="0">
+              <a:spAutoFit/>
+            </a:bodyPr>
+            <a:lstStyle/>
+            <a:p>
+              <a:pPr marL="285750" indent="-285750" algn="just">
+                <a:buFont typeface="Arial" charset="0"/>
+                <a:buChar char="•"/>
+              </a:pPr>
+              <a:r>
+                <a:rPr lang="en-US" sz="1200" dirty="0" smtClean="0">
+                  <a:latin typeface="Times New Roman" charset="0"/>
+                  <a:ea typeface="Times New Roman" charset="0"/>
+                  <a:cs typeface="Times New Roman" charset="0"/>
+                </a:rPr>
+                <a:t>Inception call with R Consortium</a:t>
+              </a:r>
+            </a:p>
+            <a:p>
+              <a:pPr marL="285750" indent="-285750" algn="just">
+                <a:buFont typeface="Arial" charset="0"/>
+                <a:buChar char="•"/>
+              </a:pPr>
+              <a:r>
+                <a:rPr lang="en-US" sz="1200" dirty="0" smtClean="0">
+                  <a:latin typeface="Times New Roman" charset="0"/>
+                  <a:ea typeface="Times New Roman" charset="0"/>
+                  <a:cs typeface="Times New Roman" charset="0"/>
+                </a:rPr>
+                <a:t>Gathered people who led/planning to initiate ARUGs in their respective countries.</a:t>
+              </a:r>
+            </a:p>
+            <a:p>
+              <a:pPr marL="285750" indent="-285750" algn="just">
+                <a:buFont typeface="Arial" charset="0"/>
+                <a:buChar char="•"/>
+              </a:pPr>
+              <a:r>
+                <a:rPr lang="en-US" sz="1200" dirty="0" smtClean="0">
+                  <a:latin typeface="Times New Roman" charset="0"/>
+                  <a:ea typeface="Times New Roman" charset="0"/>
+                  <a:cs typeface="Times New Roman" charset="0"/>
+                </a:rPr>
+                <a:t>Inception call with the ARUGs leads team</a:t>
+              </a:r>
+            </a:p>
+          </p:txBody>
+        </p:sp>
+        <p:cxnSp>
+          <p:nvCxnSpPr>
+            <p:cNvPr id="23" name="Straight Connector 22"/>
+            <p:cNvCxnSpPr/>
+            <p:nvPr/>
+          </p:nvCxnSpPr>
+          <p:spPr>
+            <a:xfrm>
+              <a:off x="1609492" y="3353198"/>
+              <a:ext cx="11151" cy="557561"/>
+            </a:xfrm>
+            <a:prstGeom prst="line">
+              <a:avLst/>
+            </a:prstGeom>
+          </p:spPr>
+          <p:style>
+            <a:lnRef idx="1">
+              <a:schemeClr val="accent1"/>
+            </a:lnRef>
+            <a:fillRef idx="0">
+              <a:schemeClr val="accent1"/>
+            </a:fillRef>
+            <a:effectRef idx="0">
+              <a:schemeClr val="accent1"/>
+            </a:effectRef>
+            <a:fontRef idx="minor">
+              <a:schemeClr val="tx1"/>
+            </a:fontRef>
+          </p:style>
+        </p:cxnSp>
+      </p:grpSp>
+      <p:grpSp>
+        <p:nvGrpSpPr>
+          <p:cNvPr id="32" name="Group 31"/>
+          <p:cNvGrpSpPr/>
+          <p:nvPr/>
+        </p:nvGrpSpPr>
+        <p:grpSpPr>
+          <a:xfrm>
+            <a:off x="1999263" y="4932532"/>
+            <a:ext cx="2144751" cy="1150122"/>
+            <a:chOff x="2442771" y="4905296"/>
+            <a:chExt cx="2594513" cy="1150122"/>
+          </a:xfrm>
+        </p:grpSpPr>
+        <p:cxnSp>
+          <p:nvCxnSpPr>
+            <p:cNvPr id="11" name="Straight Connector 10"/>
+            <p:cNvCxnSpPr/>
+            <p:nvPr/>
+          </p:nvCxnSpPr>
+          <p:spPr>
+            <a:xfrm>
+              <a:off x="3609276" y="4905296"/>
+              <a:ext cx="11151" cy="557561"/>
+            </a:xfrm>
+            <a:prstGeom prst="line">
+              <a:avLst/>
+            </a:prstGeom>
+          </p:spPr>
+          <p:style>
+            <a:lnRef idx="1">
+              <a:schemeClr val="accent1"/>
+            </a:lnRef>
+            <a:fillRef idx="0">
+              <a:schemeClr val="accent1"/>
+            </a:fillRef>
+            <a:effectRef idx="0">
+              <a:schemeClr val="accent1"/>
+            </a:effectRef>
+            <a:fontRef idx="minor">
+              <a:schemeClr val="tx1"/>
+            </a:fontRef>
+          </p:style>
+        </p:cxnSp>
+        <p:sp>
+          <p:nvSpPr>
+            <p:cNvPr id="27" name="TextBox 26"/>
+            <p:cNvSpPr txBox="1"/>
+            <p:nvPr/>
+          </p:nvSpPr>
+          <p:spPr>
+            <a:xfrm>
+              <a:off x="2442771" y="5593753"/>
+              <a:ext cx="2594513" cy="461665"/>
+            </a:xfrm>
+            <a:prstGeom prst="rect">
+              <a:avLst/>
+            </a:prstGeom>
+            <a:noFill/>
+          </p:spPr>
+          <p:txBody>
+            <a:bodyPr wrap="square" rtlCol="0">
+              <a:spAutoFit/>
+            </a:bodyPr>
+            <a:lstStyle/>
+            <a:p>
+              <a:pPr marL="285750" indent="-285750" algn="just">
+                <a:buFont typeface="Arial" charset="0"/>
+                <a:buChar char="•"/>
+              </a:pPr>
+              <a:r>
+                <a:rPr lang="en-US" sz="1200" dirty="0" smtClean="0">
+                  <a:latin typeface="Times New Roman" charset="0"/>
+                  <a:ea typeface="Times New Roman" charset="0"/>
+                  <a:cs typeface="Times New Roman" charset="0"/>
+                </a:rPr>
+                <a:t>@</a:t>
+              </a:r>
+              <a:r>
+                <a:rPr lang="en-US" sz="1200" dirty="0" err="1" smtClean="0">
+                  <a:latin typeface="Times New Roman" charset="0"/>
+                  <a:ea typeface="Times New Roman" charset="0"/>
+                  <a:cs typeface="Times New Roman" charset="0"/>
+                </a:rPr>
+                <a:t>AfricaRUsers</a:t>
+              </a:r>
+              <a:r>
+                <a:rPr lang="en-US" sz="1200" dirty="0" smtClean="0">
+                  <a:latin typeface="Times New Roman" charset="0"/>
+                  <a:ea typeface="Times New Roman" charset="0"/>
+                  <a:cs typeface="Times New Roman" charset="0"/>
+                </a:rPr>
+                <a:t> </a:t>
+              </a:r>
+            </a:p>
+            <a:p>
+              <a:pPr marL="285750" indent="-285750" algn="just">
+                <a:buFont typeface="Arial" charset="0"/>
+                <a:buChar char="•"/>
+              </a:pPr>
+              <a:r>
+                <a:rPr lang="en-US" sz="1200" dirty="0" smtClean="0">
+                  <a:latin typeface="Times New Roman" charset="0"/>
+                  <a:ea typeface="Times New Roman" charset="0"/>
+                  <a:cs typeface="Times New Roman" charset="0"/>
+                </a:rPr>
+                <a:t>twitter account </a:t>
+              </a:r>
+            </a:p>
+          </p:txBody>
+        </p:sp>
+      </p:grpSp>
+      <p:grpSp>
+        <p:nvGrpSpPr>
+          <p:cNvPr id="31" name="Group 30"/>
+          <p:cNvGrpSpPr/>
+          <p:nvPr/>
+        </p:nvGrpSpPr>
+        <p:grpSpPr>
+          <a:xfrm>
+            <a:off x="3503084" y="2361153"/>
+            <a:ext cx="2999676" cy="1586377"/>
+            <a:chOff x="3505985" y="2352110"/>
+            <a:chExt cx="2999676" cy="1586377"/>
+          </a:xfrm>
+        </p:grpSpPr>
+        <p:cxnSp>
+          <p:nvCxnSpPr>
+            <p:cNvPr id="12" name="Straight Connector 11"/>
+            <p:cNvCxnSpPr/>
+            <p:nvPr/>
+          </p:nvCxnSpPr>
+          <p:spPr>
+            <a:xfrm>
+              <a:off x="4989098" y="3380926"/>
+              <a:ext cx="11151" cy="557561"/>
+            </a:xfrm>
+            <a:prstGeom prst="line">
+              <a:avLst/>
+            </a:prstGeom>
+          </p:spPr>
+          <p:style>
+            <a:lnRef idx="1">
+              <a:schemeClr val="accent1"/>
+            </a:lnRef>
+            <a:fillRef idx="0">
+              <a:schemeClr val="accent1"/>
+            </a:fillRef>
+            <a:effectRef idx="0">
+              <a:schemeClr val="accent1"/>
+            </a:effectRef>
+            <a:fontRef idx="minor">
+              <a:schemeClr val="tx1"/>
+            </a:fontRef>
+          </p:style>
+        </p:cxnSp>
+        <p:sp>
+          <p:nvSpPr>
+            <p:cNvPr id="28" name="TextBox 27"/>
+            <p:cNvSpPr txBox="1"/>
+            <p:nvPr/>
+          </p:nvSpPr>
+          <p:spPr>
+            <a:xfrm>
+              <a:off x="3505985" y="2352110"/>
+              <a:ext cx="2999676" cy="830997"/>
+            </a:xfrm>
+            <a:prstGeom prst="rect">
+              <a:avLst/>
+            </a:prstGeom>
+            <a:noFill/>
+          </p:spPr>
+          <p:txBody>
+            <a:bodyPr wrap="square" rtlCol="0">
+              <a:spAutoFit/>
+            </a:bodyPr>
+            <a:lstStyle/>
+            <a:p>
+              <a:pPr marL="285750" indent="-285750" algn="just">
+                <a:buFont typeface="Arial" charset="0"/>
+                <a:buChar char="•"/>
+              </a:pPr>
+              <a:r>
+                <a:rPr lang="en-US" sz="1200" dirty="0" smtClean="0">
+                  <a:latin typeface="Times New Roman" charset="0"/>
+                  <a:ea typeface="Times New Roman" charset="0"/>
+                  <a:cs typeface="Times New Roman" charset="0"/>
+                </a:rPr>
+                <a:t>Discussions about potential R Clubs in campuses</a:t>
+              </a:r>
+            </a:p>
+            <a:p>
+              <a:pPr marL="285750" indent="-285750" algn="just">
+                <a:buFont typeface="Arial" charset="0"/>
+                <a:buChar char="•"/>
+              </a:pPr>
+              <a:r>
+                <a:rPr lang="en-US" sz="1200" dirty="0" smtClean="0">
+                  <a:latin typeface="Times New Roman" charset="0"/>
+                  <a:ea typeface="Times New Roman" charset="0"/>
+                  <a:cs typeface="Times New Roman" charset="0"/>
+                </a:rPr>
+                <a:t>Discussions with different ARUG leads who needed support </a:t>
+              </a:r>
+              <a:r>
+                <a:rPr lang="en-US" sz="1200" dirty="0" err="1" smtClean="0">
+                  <a:latin typeface="Times New Roman" charset="0"/>
+                  <a:ea typeface="Times New Roman" charset="0"/>
+                  <a:cs typeface="Times New Roman" charset="0"/>
+                </a:rPr>
+                <a:t>e.g</a:t>
+              </a:r>
+              <a:r>
+                <a:rPr lang="en-US" sz="1200" dirty="0" smtClean="0">
+                  <a:latin typeface="Times New Roman" charset="0"/>
+                  <a:ea typeface="Times New Roman" charset="0"/>
+                  <a:cs typeface="Times New Roman" charset="0"/>
+                </a:rPr>
+                <a:t> Cairo, Lagos</a:t>
+              </a:r>
+            </a:p>
+          </p:txBody>
+        </p:sp>
+      </p:grpSp>
+      <p:grpSp>
+        <p:nvGrpSpPr>
+          <p:cNvPr id="33" name="Group 32"/>
+          <p:cNvGrpSpPr/>
+          <p:nvPr/>
+        </p:nvGrpSpPr>
+        <p:grpSpPr>
+          <a:xfrm>
+            <a:off x="5476847" y="4880505"/>
+            <a:ext cx="2051825" cy="1757890"/>
+            <a:chOff x="6838401" y="4905295"/>
+            <a:chExt cx="1697521" cy="1757890"/>
+          </a:xfrm>
+        </p:grpSpPr>
+        <p:cxnSp>
+          <p:nvCxnSpPr>
+            <p:cNvPr id="13" name="Straight Connector 12"/>
+            <p:cNvCxnSpPr/>
+            <p:nvPr/>
+          </p:nvCxnSpPr>
+          <p:spPr>
+            <a:xfrm>
+              <a:off x="7738717" y="4905295"/>
+              <a:ext cx="11151" cy="557561"/>
+            </a:xfrm>
+            <a:prstGeom prst="line">
+              <a:avLst/>
+            </a:prstGeom>
+          </p:spPr>
+          <p:style>
+            <a:lnRef idx="1">
+              <a:schemeClr val="accent1"/>
+            </a:lnRef>
+            <a:fillRef idx="0">
+              <a:schemeClr val="accent1"/>
+            </a:fillRef>
+            <a:effectRef idx="0">
+              <a:schemeClr val="accent1"/>
+            </a:effectRef>
+            <a:fontRef idx="minor">
+              <a:schemeClr val="tx1"/>
+            </a:fontRef>
+          </p:style>
+        </p:cxnSp>
+        <p:sp>
+          <p:nvSpPr>
+            <p:cNvPr id="29" name="TextBox 28"/>
+            <p:cNvSpPr txBox="1"/>
+            <p:nvPr/>
+          </p:nvSpPr>
+          <p:spPr>
+            <a:xfrm>
+              <a:off x="6838401" y="5462856"/>
+              <a:ext cx="1697521" cy="1200329"/>
+            </a:xfrm>
+            <a:prstGeom prst="rect">
+              <a:avLst/>
+            </a:prstGeom>
+            <a:noFill/>
+          </p:spPr>
+          <p:txBody>
+            <a:bodyPr wrap="square" rtlCol="0">
+              <a:spAutoFit/>
+            </a:bodyPr>
+            <a:lstStyle/>
+            <a:p>
+              <a:pPr marL="285750" indent="-285750" algn="just">
+                <a:buFont typeface="Arial" charset="0"/>
+                <a:buChar char="•"/>
+              </a:pPr>
+              <a:r>
+                <a:rPr lang="en-US" sz="1200" dirty="0" err="1" smtClean="0">
+                  <a:latin typeface="Times New Roman" charset="0"/>
+                  <a:ea typeface="Times New Roman" charset="0"/>
+                  <a:cs typeface="Times New Roman" charset="0"/>
+                </a:rPr>
+                <a:t>AfricaR</a:t>
+              </a:r>
+              <a:r>
+                <a:rPr lang="en-US" sz="1200" dirty="0" smtClean="0">
+                  <a:latin typeface="Times New Roman" charset="0"/>
+                  <a:ea typeface="Times New Roman" charset="0"/>
+                  <a:cs typeface="Times New Roman" charset="0"/>
+                </a:rPr>
+                <a:t> Logo</a:t>
+              </a:r>
+            </a:p>
+            <a:p>
+              <a:pPr marL="285750" indent="-285750" algn="just">
+                <a:buFont typeface="Arial" charset="0"/>
+                <a:buChar char="•"/>
+              </a:pPr>
+              <a:r>
+                <a:rPr lang="en-US" sz="1200" dirty="0" err="1" smtClean="0">
+                  <a:latin typeface="Times New Roman" charset="0"/>
+                  <a:ea typeface="Times New Roman" charset="0"/>
+                  <a:cs typeface="Times New Roman" charset="0"/>
+                </a:rPr>
+                <a:t>Kikckstarting</a:t>
+              </a:r>
+              <a:r>
+                <a:rPr lang="en-US" sz="1200" dirty="0" smtClean="0">
+                  <a:latin typeface="Times New Roman" charset="0"/>
+                  <a:ea typeface="Times New Roman" charset="0"/>
+                  <a:cs typeface="Times New Roman" charset="0"/>
+                </a:rPr>
+                <a:t> the website</a:t>
+              </a:r>
+            </a:p>
+            <a:p>
+              <a:pPr marL="285750" indent="-285750" algn="just">
+                <a:buFont typeface="Arial" charset="0"/>
+                <a:buChar char="•"/>
+              </a:pPr>
+              <a:r>
+                <a:rPr lang="en-US" sz="1200" dirty="0" smtClean="0">
+                  <a:latin typeface="Times New Roman" charset="0"/>
+                  <a:ea typeface="Times New Roman" charset="0"/>
+                  <a:cs typeface="Times New Roman" charset="0"/>
+                </a:rPr>
+                <a:t>Discussions with potential partners and sponsors</a:t>
+              </a:r>
+            </a:p>
+          </p:txBody>
+        </p:sp>
+      </p:grpSp>
+      <p:sp>
+        <p:nvSpPr>
+          <p:cNvPr id="30" name="TextBox 29"/>
+          <p:cNvSpPr txBox="1"/>
+          <p:nvPr/>
+        </p:nvSpPr>
+        <p:spPr>
+          <a:xfrm>
+            <a:off x="7035442" y="2273343"/>
+            <a:ext cx="2235680" cy="1015663"/>
+          </a:xfrm>
+          <a:prstGeom prst="rect">
+            <a:avLst/>
+          </a:prstGeom>
+          <a:noFill/>
+        </p:spPr>
+        <p:txBody>
+          <a:bodyPr wrap="square" rtlCol="0">
+            <a:spAutoFit/>
+          </a:bodyPr>
+          <a:lstStyle/>
+          <a:p>
+            <a:pPr marL="285750" indent="-285750" algn="just">
+              <a:buFont typeface="Arial" charset="0"/>
+              <a:buChar char="•"/>
+            </a:pPr>
+            <a:r>
+              <a:rPr lang="en-US" sz="1200" dirty="0" err="1" smtClean="0">
+                <a:latin typeface="Times New Roman" charset="0"/>
+                <a:ea typeface="Times New Roman" charset="0"/>
+                <a:cs typeface="Times New Roman" charset="0"/>
+              </a:rPr>
+              <a:t>SatRday</a:t>
+            </a:r>
+            <a:r>
+              <a:rPr lang="en-US" sz="1200" dirty="0" smtClean="0">
+                <a:latin typeface="Times New Roman" charset="0"/>
+                <a:ea typeface="Times New Roman" charset="0"/>
+                <a:cs typeface="Times New Roman" charset="0"/>
+              </a:rPr>
+              <a:t> Kampala</a:t>
+            </a:r>
+          </a:p>
+          <a:p>
+            <a:pPr marL="285750" indent="-285750" algn="just">
+              <a:buFont typeface="Arial" charset="0"/>
+              <a:buChar char="•"/>
+            </a:pPr>
+            <a:r>
+              <a:rPr lang="en-US" sz="1200" dirty="0" smtClean="0">
+                <a:latin typeface="Times New Roman" charset="0"/>
+                <a:ea typeface="Times New Roman" charset="0"/>
+                <a:cs typeface="Times New Roman" charset="0"/>
+              </a:rPr>
+              <a:t>First remote internship opportunity</a:t>
+            </a:r>
+          </a:p>
+          <a:p>
+            <a:pPr marL="285750" indent="-285750" algn="just">
+              <a:buFont typeface="Arial" charset="0"/>
+              <a:buChar char="•"/>
+            </a:pPr>
+            <a:r>
+              <a:rPr lang="en-US" sz="1200" dirty="0" smtClean="0">
+                <a:latin typeface="Times New Roman" charset="0"/>
+                <a:ea typeface="Times New Roman" charset="0"/>
+                <a:cs typeface="Times New Roman" charset="0"/>
+              </a:rPr>
+              <a:t>Discussions about 2020 </a:t>
+            </a:r>
+            <a:r>
+              <a:rPr lang="en-US" sz="1200" dirty="0" err="1" smtClean="0">
+                <a:latin typeface="Times New Roman" charset="0"/>
+                <a:ea typeface="Times New Roman" charset="0"/>
+                <a:cs typeface="Times New Roman" charset="0"/>
+              </a:rPr>
+              <a:t>AfricaR</a:t>
+            </a:r>
+            <a:r>
+              <a:rPr lang="en-US" sz="1200" dirty="0" smtClean="0">
+                <a:latin typeface="Times New Roman" charset="0"/>
+                <a:ea typeface="Times New Roman" charset="0"/>
+                <a:cs typeface="Times New Roman" charset="0"/>
+              </a:rPr>
+              <a:t> Conference</a:t>
+            </a:r>
+          </a:p>
+        </p:txBody>
+      </p:sp>
+      <p:cxnSp>
+        <p:nvCxnSpPr>
+          <p:cNvPr id="35" name="Straight Connector 34"/>
+          <p:cNvCxnSpPr/>
+          <p:nvPr/>
+        </p:nvCxnSpPr>
+        <p:spPr>
+          <a:xfrm flipH="1">
+            <a:off x="7549376" y="2273343"/>
+            <a:ext cx="44604" cy="0"/>
+          </a:xfrm>
+          <a:prstGeom prst="line">
+            <a:avLst/>
+          </a:prstGeom>
+        </p:spPr>
+        <p:style>
+          <a:lnRef idx="1">
+            <a:schemeClr val="accent1"/>
+          </a:lnRef>
+          <a:fillRef idx="0">
+            <a:schemeClr val="accent1"/>
+          </a:fillRef>
+          <a:effectRef idx="0">
+            <a:schemeClr val="accent1"/>
+          </a:effectRef>
+          <a:fontRef idx="minor">
+            <a:schemeClr val="tx1"/>
+          </a:fontRef>
+        </p:style>
+      </p:cxnSp>
     </p:spTree>
     <p:extLst>
       <p:ext uri="{BB962C8B-B14F-4D97-AF65-F5344CB8AC3E}">
-        <p14:creationId xmlns:p14="http://schemas.microsoft.com/office/powerpoint/2010/main" val="2071669597"/>
+        <p14:creationId xmlns:p14="http://schemas.microsoft.com/office/powerpoint/2010/main" val="2142460347"/>
       </p:ext>
     </p:extLst>
   </p:cSld>
@@ -14973,11 +18938,7 @@
           <a:p>
             <a:r>
               <a:rPr lang="en-US" sz="2800" b="1" dirty="0" smtClean="0"/>
-              <a:t>Mission</a:t>
-            </a:r>
-            <a:r>
-              <a:rPr lang="en-US" sz="2800" b="1" dirty="0" smtClean="0"/>
-              <a:t>:</a:t>
+              <a:t>Mission:</a:t>
             </a:r>
           </a:p>
           <a:p>
@@ -15086,7 +19047,6 @@
               <a:rPr lang="en-US" dirty="0"/>
               <a:t>and collective progress worldwide.</a:t>
             </a:r>
-            <a:endParaRPr lang="en-US" dirty="0"/>
           </a:p>
           <a:p>
             <a:endParaRPr lang="en-US" dirty="0"/>
@@ -15157,7 +19117,6 @@
               <a:rPr lang="en-US" dirty="0"/>
               <a:t>?</a:t>
             </a:r>
-            <a:endParaRPr lang="en-US" dirty="0"/>
           </a:p>
         </p:txBody>
       </p:sp>
@@ -15358,7 +19317,6 @@
               <a:rPr lang="en-US" b="1" dirty="0"/>
               <a:t>?</a:t>
             </a:r>
-            <a:endParaRPr lang="en-US" b="1" dirty="0"/>
           </a:p>
         </p:txBody>
       </p:sp>
@@ -17159,7 +21117,7 @@
         </p:nvSpPr>
         <p:spPr>
           <a:xfrm>
-            <a:off x="6627348" y="2953643"/>
+            <a:off x="6627348" y="2670594"/>
             <a:ext cx="4466102" cy="3187275"/>
           </a:xfrm>
         </p:spPr>
@@ -17185,20 +21143,20 @@
           </a:p>
           <a:p>
             <a:r>
-              <a:rPr lang="en-US" dirty="0" err="1" smtClean="0"/>
-              <a:t>Venueshould</a:t>
+              <a:rPr lang="en-US" dirty="0" smtClean="0"/>
+              <a:t>Venue should </a:t>
             </a:r>
             <a:r>
               <a:rPr lang="en-US" dirty="0" smtClean="0"/>
-              <a:t> be a country with </a:t>
-            </a:r>
-            <a:r>
-              <a:rPr lang="en-US" dirty="0" err="1" smtClean="0"/>
-              <a:t>linient</a:t>
+              <a:t>be a country with </a:t>
             </a:r>
             <a:r>
               <a:rPr lang="en-US" dirty="0" smtClean="0"/>
-              <a:t> travel rules (visas and passports)</a:t>
+              <a:t>lenient </a:t>
+            </a:r>
+            <a:r>
+              <a:rPr lang="en-US" dirty="0" smtClean="0"/>
+              <a:t>travel rules (visas and passports)</a:t>
             </a:r>
             <a:endParaRPr lang="en-US" dirty="0"/>
           </a:p>
@@ -17557,4 +21515,265 @@
     </a:ext>
   </a:extLst>
 </a:theme>
+</file>
+
+<file path=ppt/theme/theme2.xml><?xml version="1.0" encoding="utf-8"?>
+<a:theme xmlns:a="http://schemas.openxmlformats.org/drawingml/2006/main" name="Office Theme">
+  <a:themeElements>
+    <a:clrScheme name="Office">
+      <a:dk1>
+        <a:sysClr val="windowText" lastClr="000000"/>
+      </a:dk1>
+      <a:lt1>
+        <a:sysClr val="window" lastClr="FFFFFF"/>
+      </a:lt1>
+      <a:dk2>
+        <a:srgbClr val="44546A"/>
+      </a:dk2>
+      <a:lt2>
+        <a:srgbClr val="E7E6E6"/>
+      </a:lt2>
+      <a:accent1>
+        <a:srgbClr val="4472C4"/>
+      </a:accent1>
+      <a:accent2>
+        <a:srgbClr val="ED7D31"/>
+      </a:accent2>
+      <a:accent3>
+        <a:srgbClr val="A5A5A5"/>
+      </a:accent3>
+      <a:accent4>
+        <a:srgbClr val="FFC000"/>
+      </a:accent4>
+      <a:accent5>
+        <a:srgbClr val="5B9BD5"/>
+      </a:accent5>
+      <a:accent6>
+        <a:srgbClr val="70AD47"/>
+      </a:accent6>
+      <a:hlink>
+        <a:srgbClr val="0563C1"/>
+      </a:hlink>
+      <a:folHlink>
+        <a:srgbClr val="954F72"/>
+      </a:folHlink>
+    </a:clrScheme>
+    <a:fontScheme name="Office">
+      <a:majorFont>
+        <a:latin typeface="Calibri Light" panose="020F0302020204030204"/>
+        <a:ea typeface=""/>
+        <a:cs typeface=""/>
+        <a:font script="Jpan" typeface="Yu Gothic Light"/>
+        <a:font script="Hang" typeface="맑은 고딕"/>
+        <a:font script="Hans" typeface="DengXian Light"/>
+        <a:font script="Hant" typeface="新細明體"/>
+        <a:font script="Arab" typeface="Times New Roman"/>
+        <a:font script="Hebr" typeface="Times New Roman"/>
+        <a:font script="Thai" typeface="Angsana New"/>
+        <a:font script="Ethi" typeface="Nyala"/>
+        <a:font script="Beng" typeface="Vrinda"/>
+        <a:font script="Gujr" typeface="Shruti"/>
+        <a:font script="Khmr" typeface="MoolBoran"/>
+        <a:font script="Knda" typeface="Tunga"/>
+        <a:font script="Guru" typeface="Raavi"/>
+        <a:font script="Cans" typeface="Euphemia"/>
+        <a:font script="Cher" typeface="Plantagenet Cherokee"/>
+        <a:font script="Yiii" typeface="Microsoft Yi Baiti"/>
+        <a:font script="Tibt" typeface="Microsoft Himalaya"/>
+        <a:font script="Thaa" typeface="MV Boli"/>
+        <a:font script="Deva" typeface="Mangal"/>
+        <a:font script="Telu" typeface="Gautami"/>
+        <a:font script="Taml" typeface="Latha"/>
+        <a:font script="Syrc" typeface="Estrangelo Edessa"/>
+        <a:font script="Orya" typeface="Kalinga"/>
+        <a:font script="Mlym" typeface="Kartika"/>
+        <a:font script="Laoo" typeface="DokChampa"/>
+        <a:font script="Sinh" typeface="Iskoola Pota"/>
+        <a:font script="Mong" typeface="Mongolian Baiti"/>
+        <a:font script="Viet" typeface="Times New Roman"/>
+        <a:font script="Uigh" typeface="Microsoft Uighur"/>
+        <a:font script="Geor" typeface="Sylfaen"/>
+      </a:majorFont>
+      <a:minorFont>
+        <a:latin typeface="Calibri" panose="020F0502020204030204"/>
+        <a:ea typeface=""/>
+        <a:cs typeface=""/>
+        <a:font script="Jpan" typeface="Yu Gothic"/>
+        <a:font script="Hang" typeface="맑은 고딕"/>
+        <a:font script="Hans" typeface="DengXian"/>
+        <a:font script="Hant" typeface="新細明體"/>
+        <a:font script="Arab" typeface="Arial"/>
+        <a:font script="Hebr" typeface="Arial"/>
+        <a:font script="Thai" typeface="Cordia New"/>
+        <a:font script="Ethi" typeface="Nyala"/>
+        <a:font script="Beng" typeface="Vrinda"/>
+        <a:font script="Gujr" typeface="Shruti"/>
+        <a:font script="Khmr" typeface="DaunPenh"/>
+        <a:font script="Knda" typeface="Tunga"/>
+        <a:font script="Guru" typeface="Raavi"/>
+        <a:font script="Cans" typeface="Euphemia"/>
+        <a:font script="Cher" typeface="Plantagenet Cherokee"/>
+        <a:font script="Yiii" typeface="Microsoft Yi Baiti"/>
+        <a:font script="Tibt" typeface="Microsoft Himalaya"/>
+        <a:font script="Thaa" typeface="MV Boli"/>
+        <a:font script="Deva" typeface="Mangal"/>
+        <a:font script="Telu" typeface="Gautami"/>
+        <a:font script="Taml" typeface="Latha"/>
+        <a:font script="Syrc" typeface="Estrangelo Edessa"/>
+        <a:font script="Orya" typeface="Kalinga"/>
+        <a:font script="Mlym" typeface="Kartika"/>
+        <a:font script="Laoo" typeface="DokChampa"/>
+        <a:font script="Sinh" typeface="Iskoola Pota"/>
+        <a:font script="Mong" typeface="Mongolian Baiti"/>
+        <a:font script="Viet" typeface="Arial"/>
+        <a:font script="Uigh" typeface="Microsoft Uighur"/>
+        <a:font script="Geor" typeface="Sylfaen"/>
+      </a:minorFont>
+    </a:fontScheme>
+    <a:fmtScheme name="Office">
+      <a:fillStyleLst>
+        <a:solidFill>
+          <a:schemeClr val="phClr"/>
+        </a:solidFill>
+        <a:gradFill rotWithShape="1">
+          <a:gsLst>
+            <a:gs pos="0">
+              <a:schemeClr val="phClr">
+                <a:lumMod val="110000"/>
+                <a:satMod val="105000"/>
+                <a:tint val="67000"/>
+              </a:schemeClr>
+            </a:gs>
+            <a:gs pos="50000">
+              <a:schemeClr val="phClr">
+                <a:lumMod val="105000"/>
+                <a:satMod val="103000"/>
+                <a:tint val="73000"/>
+              </a:schemeClr>
+            </a:gs>
+            <a:gs pos="100000">
+              <a:schemeClr val="phClr">
+                <a:lumMod val="105000"/>
+                <a:satMod val="109000"/>
+                <a:tint val="81000"/>
+              </a:schemeClr>
+            </a:gs>
+          </a:gsLst>
+          <a:lin ang="5400000" scaled="0"/>
+        </a:gradFill>
+        <a:gradFill rotWithShape="1">
+          <a:gsLst>
+            <a:gs pos="0">
+              <a:schemeClr val="phClr">
+                <a:satMod val="103000"/>
+                <a:lumMod val="102000"/>
+                <a:tint val="94000"/>
+              </a:schemeClr>
+            </a:gs>
+            <a:gs pos="50000">
+              <a:schemeClr val="phClr">
+                <a:satMod val="110000"/>
+                <a:lumMod val="100000"/>
+                <a:shade val="100000"/>
+              </a:schemeClr>
+            </a:gs>
+            <a:gs pos="100000">
+              <a:schemeClr val="phClr">
+                <a:lumMod val="99000"/>
+                <a:satMod val="120000"/>
+                <a:shade val="78000"/>
+              </a:schemeClr>
+            </a:gs>
+          </a:gsLst>
+          <a:lin ang="5400000" scaled="0"/>
+        </a:gradFill>
+      </a:fillStyleLst>
+      <a:lnStyleLst>
+        <a:ln w="6350" cap="flat" cmpd="sng" algn="ctr">
+          <a:solidFill>
+            <a:schemeClr val="phClr"/>
+          </a:solidFill>
+          <a:prstDash val="solid"/>
+          <a:miter lim="800000"/>
+        </a:ln>
+        <a:ln w="12700" cap="flat" cmpd="sng" algn="ctr">
+          <a:solidFill>
+            <a:schemeClr val="phClr"/>
+          </a:solidFill>
+          <a:prstDash val="solid"/>
+          <a:miter lim="800000"/>
+        </a:ln>
+        <a:ln w="19050" cap="flat" cmpd="sng" algn="ctr">
+          <a:solidFill>
+            <a:schemeClr val="phClr"/>
+          </a:solidFill>
+          <a:prstDash val="solid"/>
+          <a:miter lim="800000"/>
+        </a:ln>
+      </a:lnStyleLst>
+      <a:effectStyleLst>
+        <a:effectStyle>
+          <a:effectLst/>
+        </a:effectStyle>
+        <a:effectStyle>
+          <a:effectLst/>
+        </a:effectStyle>
+        <a:effectStyle>
+          <a:effectLst>
+            <a:outerShdw blurRad="57150" dist="19050" dir="5400000" algn="ctr" rotWithShape="0">
+              <a:srgbClr val="000000">
+                <a:alpha val="63000"/>
+              </a:srgbClr>
+            </a:outerShdw>
+          </a:effectLst>
+        </a:effectStyle>
+      </a:effectStyleLst>
+      <a:bgFillStyleLst>
+        <a:solidFill>
+          <a:schemeClr val="phClr"/>
+        </a:solidFill>
+        <a:solidFill>
+          <a:schemeClr val="phClr">
+            <a:tint val="95000"/>
+            <a:satMod val="170000"/>
+          </a:schemeClr>
+        </a:solidFill>
+        <a:gradFill rotWithShape="1">
+          <a:gsLst>
+            <a:gs pos="0">
+              <a:schemeClr val="phClr">
+                <a:tint val="93000"/>
+                <a:satMod val="150000"/>
+                <a:shade val="98000"/>
+                <a:lumMod val="102000"/>
+              </a:schemeClr>
+            </a:gs>
+            <a:gs pos="50000">
+              <a:schemeClr val="phClr">
+                <a:tint val="98000"/>
+                <a:satMod val="130000"/>
+                <a:shade val="90000"/>
+                <a:lumMod val="103000"/>
+              </a:schemeClr>
+            </a:gs>
+            <a:gs pos="100000">
+              <a:schemeClr val="phClr">
+                <a:shade val="63000"/>
+                <a:satMod val="120000"/>
+              </a:schemeClr>
+            </a:gs>
+          </a:gsLst>
+          <a:lin ang="5400000" scaled="0"/>
+        </a:gradFill>
+      </a:bgFillStyleLst>
+    </a:fmtScheme>
+  </a:themeElements>
+  <a:objectDefaults/>
+  <a:extraClrSchemeLst/>
+  <a:extLst>
+    <a:ext uri="{05A4C25C-085E-4340-85A3-A5531E510DB2}">
+      <thm15:themeFamily xmlns:thm15="http://schemas.microsoft.com/office/thememl/2012/main" name="Office Theme" id="{62F939B6-93AF-4DB8-9C6B-D6C7DFDC589F}" vid="{4A3C46E8-61CC-4603-A589-7422A47A8E4A}"/>
+    </a:ext>
+  </a:extLst>
+</a:theme>
 </file>